--- a/Tutorial/PowerPoint Versions/MongoDB and Databases.pptx
+++ b/Tutorial/PowerPoint Versions/MongoDB and Databases.pptx
@@ -128,6 +128,22 @@
       </a:defRPr>
     </a:lvl9pPr>
   </p:defaultTextStyle>
+  <p:extLst>
+    <p:ext uri="{EFAFB233-063F-42B5-8137-9DF3F51BA10A}">
+      <p15:sldGuideLst xmlns:p15="http://schemas.microsoft.com/office/powerpoint/2012/main">
+        <p15:guide id="1" orient="horz" pos="2160">
+          <p15:clr>
+            <a:srgbClr val="A4A3A4"/>
+          </p15:clr>
+        </p15:guide>
+        <p15:guide id="2" pos="2880">
+          <p15:clr>
+            <a:srgbClr val="A4A3A4"/>
+          </p15:clr>
+        </p15:guide>
+      </p15:sldGuideLst>
+    </p:ext>
+  </p:extLst>
 </p:presentation>
 </file>
 
@@ -169,10 +185,9 @@
           <a:lstStyle/>
           <a:p>
             <a:r>
-              <a:rPr lang="en-US" smtClean="0"/>
+              <a:rPr lang="en-US"/>
               <a:t>Click to edit Master title style</a:t>
             </a:r>
-            <a:endParaRPr lang="en-US"/>
           </a:p>
         </p:txBody>
       </p:sp>
@@ -288,10 +303,9 @@
           </a:lstStyle>
           <a:p>
             <a:r>
-              <a:rPr lang="en-US" smtClean="0"/>
+              <a:rPr lang="en-US"/>
               <a:t>Click to edit Master subtitle style</a:t>
             </a:r>
-            <a:endParaRPr lang="en-US"/>
           </a:p>
         </p:txBody>
       </p:sp>
@@ -312,7 +326,7 @@
           <a:p>
             <a:fld id="{7C927FA9-8B60-4AF2-86A8-9E8A4FF8BBE8}" type="datetimeFigureOut">
               <a:rPr lang="en-US" smtClean="0"/>
-              <a:t>10/29/2016</a:t>
+              <a:t>10/31/2016</a:t>
             </a:fld>
             <a:endParaRPr lang="en-US"/>
           </a:p>
@@ -406,10 +420,9 @@
           <a:lstStyle/>
           <a:p>
             <a:r>
-              <a:rPr lang="en-US" smtClean="0"/>
+              <a:rPr lang="en-US"/>
               <a:t>Click to edit Master title style</a:t>
             </a:r>
-            <a:endParaRPr lang="en-US"/>
           </a:p>
         </p:txBody>
       </p:sp>
@@ -430,38 +443,37 @@
           <a:p>
             <a:pPr lvl="0"/>
             <a:r>
-              <a:rPr lang="en-US" smtClean="0"/>
+              <a:rPr lang="en-US"/>
               <a:t>Click to edit Master text styles</a:t>
             </a:r>
           </a:p>
           <a:p>
             <a:pPr lvl="1"/>
             <a:r>
-              <a:rPr lang="en-US" smtClean="0"/>
+              <a:rPr lang="en-US"/>
               <a:t>Second level</a:t>
             </a:r>
           </a:p>
           <a:p>
             <a:pPr lvl="2"/>
             <a:r>
-              <a:rPr lang="en-US" smtClean="0"/>
+              <a:rPr lang="en-US"/>
               <a:t>Third level</a:t>
             </a:r>
           </a:p>
           <a:p>
             <a:pPr lvl="3"/>
             <a:r>
-              <a:rPr lang="en-US" smtClean="0"/>
+              <a:rPr lang="en-US"/>
               <a:t>Fourth level</a:t>
             </a:r>
           </a:p>
           <a:p>
             <a:pPr lvl="4"/>
             <a:r>
-              <a:rPr lang="en-US" smtClean="0"/>
+              <a:rPr lang="en-US"/>
               <a:t>Fifth level</a:t>
             </a:r>
-            <a:endParaRPr lang="en-US"/>
           </a:p>
         </p:txBody>
       </p:sp>
@@ -482,7 +494,7 @@
           <a:p>
             <a:fld id="{7C927FA9-8B60-4AF2-86A8-9E8A4FF8BBE8}" type="datetimeFigureOut">
               <a:rPr lang="en-US" smtClean="0"/>
-              <a:t>10/29/2016</a:t>
+              <a:t>10/31/2016</a:t>
             </a:fld>
             <a:endParaRPr lang="en-US"/>
           </a:p>
@@ -581,10 +593,9 @@
           <a:lstStyle/>
           <a:p>
             <a:r>
-              <a:rPr lang="en-US" smtClean="0"/>
+              <a:rPr lang="en-US"/>
               <a:t>Click to edit Master title style</a:t>
             </a:r>
-            <a:endParaRPr lang="en-US"/>
           </a:p>
         </p:txBody>
       </p:sp>
@@ -610,38 +621,37 @@
           <a:p>
             <a:pPr lvl="0"/>
             <a:r>
-              <a:rPr lang="en-US" smtClean="0"/>
+              <a:rPr lang="en-US"/>
               <a:t>Click to edit Master text styles</a:t>
             </a:r>
           </a:p>
           <a:p>
             <a:pPr lvl="1"/>
             <a:r>
-              <a:rPr lang="en-US" smtClean="0"/>
+              <a:rPr lang="en-US"/>
               <a:t>Second level</a:t>
             </a:r>
           </a:p>
           <a:p>
             <a:pPr lvl="2"/>
             <a:r>
-              <a:rPr lang="en-US" smtClean="0"/>
+              <a:rPr lang="en-US"/>
               <a:t>Third level</a:t>
             </a:r>
           </a:p>
           <a:p>
             <a:pPr lvl="3"/>
             <a:r>
-              <a:rPr lang="en-US" smtClean="0"/>
+              <a:rPr lang="en-US"/>
               <a:t>Fourth level</a:t>
             </a:r>
           </a:p>
           <a:p>
             <a:pPr lvl="4"/>
             <a:r>
-              <a:rPr lang="en-US" smtClean="0"/>
+              <a:rPr lang="en-US"/>
               <a:t>Fifth level</a:t>
             </a:r>
-            <a:endParaRPr lang="en-US"/>
           </a:p>
         </p:txBody>
       </p:sp>
@@ -662,7 +672,7 @@
           <a:p>
             <a:fld id="{7C927FA9-8B60-4AF2-86A8-9E8A4FF8BBE8}" type="datetimeFigureOut">
               <a:rPr lang="en-US" smtClean="0"/>
-              <a:t>10/29/2016</a:t>
+              <a:t>10/31/2016</a:t>
             </a:fld>
             <a:endParaRPr lang="en-US"/>
           </a:p>
@@ -756,10 +766,9 @@
           <a:lstStyle/>
           <a:p>
             <a:r>
-              <a:rPr lang="en-US" smtClean="0"/>
+              <a:rPr lang="en-US"/>
               <a:t>Click to edit Master title style</a:t>
             </a:r>
-            <a:endParaRPr lang="en-US"/>
           </a:p>
         </p:txBody>
       </p:sp>
@@ -780,38 +789,37 @@
           <a:p>
             <a:pPr lvl="0"/>
             <a:r>
-              <a:rPr lang="en-US" smtClean="0"/>
+              <a:rPr lang="en-US"/>
               <a:t>Click to edit Master text styles</a:t>
             </a:r>
           </a:p>
           <a:p>
             <a:pPr lvl="1"/>
             <a:r>
-              <a:rPr lang="en-US" smtClean="0"/>
+              <a:rPr lang="en-US"/>
               <a:t>Second level</a:t>
             </a:r>
           </a:p>
           <a:p>
             <a:pPr lvl="2"/>
             <a:r>
-              <a:rPr lang="en-US" smtClean="0"/>
+              <a:rPr lang="en-US"/>
               <a:t>Third level</a:t>
             </a:r>
           </a:p>
           <a:p>
             <a:pPr lvl="3"/>
             <a:r>
-              <a:rPr lang="en-US" smtClean="0"/>
+              <a:rPr lang="en-US"/>
               <a:t>Fourth level</a:t>
             </a:r>
           </a:p>
           <a:p>
             <a:pPr lvl="4"/>
             <a:r>
-              <a:rPr lang="en-US" smtClean="0"/>
+              <a:rPr lang="en-US"/>
               <a:t>Fifth level</a:t>
             </a:r>
-            <a:endParaRPr lang="en-US"/>
           </a:p>
         </p:txBody>
       </p:sp>
@@ -832,7 +840,7 @@
           <a:p>
             <a:fld id="{7C927FA9-8B60-4AF2-86A8-9E8A4FF8BBE8}" type="datetimeFigureOut">
               <a:rPr lang="en-US" smtClean="0"/>
-              <a:t>10/29/2016</a:t>
+              <a:t>10/31/2016</a:t>
             </a:fld>
             <a:endParaRPr lang="en-US"/>
           </a:p>
@@ -935,10 +943,9 @@
           </a:lstStyle>
           <a:p>
             <a:r>
-              <a:rPr lang="en-US" smtClean="0"/>
+              <a:rPr lang="en-US"/>
               <a:t>Click to edit Master title style</a:t>
             </a:r>
-            <a:endParaRPr lang="en-US"/>
           </a:p>
         </p:txBody>
       </p:sp>
@@ -1055,7 +1062,7 @@
           <a:p>
             <a:pPr lvl="0"/>
             <a:r>
-              <a:rPr lang="en-US" smtClean="0"/>
+              <a:rPr lang="en-US"/>
               <a:t>Click to edit Master text styles</a:t>
             </a:r>
           </a:p>
@@ -1078,7 +1085,7 @@
           <a:p>
             <a:fld id="{7C927FA9-8B60-4AF2-86A8-9E8A4FF8BBE8}" type="datetimeFigureOut">
               <a:rPr lang="en-US" smtClean="0"/>
-              <a:t>10/29/2016</a:t>
+              <a:t>10/31/2016</a:t>
             </a:fld>
             <a:endParaRPr lang="en-US"/>
           </a:p>
@@ -1172,10 +1179,9 @@
           <a:lstStyle/>
           <a:p>
             <a:r>
-              <a:rPr lang="en-US" smtClean="0"/>
+              <a:rPr lang="en-US"/>
               <a:t>Click to edit Master title style</a:t>
             </a:r>
-            <a:endParaRPr lang="en-US"/>
           </a:p>
         </p:txBody>
       </p:sp>
@@ -1229,38 +1235,37 @@
           <a:p>
             <a:pPr lvl="0"/>
             <a:r>
-              <a:rPr lang="en-US" smtClean="0"/>
+              <a:rPr lang="en-US"/>
               <a:t>Click to edit Master text styles</a:t>
             </a:r>
           </a:p>
           <a:p>
             <a:pPr lvl="1"/>
             <a:r>
-              <a:rPr lang="en-US" smtClean="0"/>
+              <a:rPr lang="en-US"/>
               <a:t>Second level</a:t>
             </a:r>
           </a:p>
           <a:p>
             <a:pPr lvl="2"/>
             <a:r>
-              <a:rPr lang="en-US" smtClean="0"/>
+              <a:rPr lang="en-US"/>
               <a:t>Third level</a:t>
             </a:r>
           </a:p>
           <a:p>
             <a:pPr lvl="3"/>
             <a:r>
-              <a:rPr lang="en-US" smtClean="0"/>
+              <a:rPr lang="en-US"/>
               <a:t>Fourth level</a:t>
             </a:r>
           </a:p>
           <a:p>
             <a:pPr lvl="4"/>
             <a:r>
-              <a:rPr lang="en-US" smtClean="0"/>
+              <a:rPr lang="en-US"/>
               <a:t>Fifth level</a:t>
             </a:r>
-            <a:endParaRPr lang="en-US"/>
           </a:p>
         </p:txBody>
       </p:sp>
@@ -1314,38 +1319,37 @@
           <a:p>
             <a:pPr lvl="0"/>
             <a:r>
-              <a:rPr lang="en-US" smtClean="0"/>
+              <a:rPr lang="en-US"/>
               <a:t>Click to edit Master text styles</a:t>
             </a:r>
           </a:p>
           <a:p>
             <a:pPr lvl="1"/>
             <a:r>
-              <a:rPr lang="en-US" smtClean="0"/>
+              <a:rPr lang="en-US"/>
               <a:t>Second level</a:t>
             </a:r>
           </a:p>
           <a:p>
             <a:pPr lvl="2"/>
             <a:r>
-              <a:rPr lang="en-US" smtClean="0"/>
+              <a:rPr lang="en-US"/>
               <a:t>Third level</a:t>
             </a:r>
           </a:p>
           <a:p>
             <a:pPr lvl="3"/>
             <a:r>
-              <a:rPr lang="en-US" smtClean="0"/>
+              <a:rPr lang="en-US"/>
               <a:t>Fourth level</a:t>
             </a:r>
           </a:p>
           <a:p>
             <a:pPr lvl="4"/>
             <a:r>
-              <a:rPr lang="en-US" smtClean="0"/>
+              <a:rPr lang="en-US"/>
               <a:t>Fifth level</a:t>
             </a:r>
-            <a:endParaRPr lang="en-US"/>
           </a:p>
         </p:txBody>
       </p:sp>
@@ -1366,7 +1370,7 @@
           <a:p>
             <a:fld id="{7C927FA9-8B60-4AF2-86A8-9E8A4FF8BBE8}" type="datetimeFigureOut">
               <a:rPr lang="en-US" smtClean="0"/>
-              <a:t>10/29/2016</a:t>
+              <a:t>10/31/2016</a:t>
             </a:fld>
             <a:endParaRPr lang="en-US"/>
           </a:p>
@@ -1464,10 +1468,9 @@
           </a:lstStyle>
           <a:p>
             <a:r>
-              <a:rPr lang="en-US" smtClean="0"/>
+              <a:rPr lang="en-US"/>
               <a:t>Click to edit Master title style</a:t>
             </a:r>
-            <a:endParaRPr lang="en-US"/>
           </a:p>
         </p:txBody>
       </p:sp>
@@ -1530,7 +1533,7 @@
           <a:p>
             <a:pPr lvl="0"/>
             <a:r>
-              <a:rPr lang="en-US" smtClean="0"/>
+              <a:rPr lang="en-US"/>
               <a:t>Click to edit Master text styles</a:t>
             </a:r>
           </a:p>
@@ -1586,38 +1589,37 @@
           <a:p>
             <a:pPr lvl="0"/>
             <a:r>
-              <a:rPr lang="en-US" smtClean="0"/>
+              <a:rPr lang="en-US"/>
               <a:t>Click to edit Master text styles</a:t>
             </a:r>
           </a:p>
           <a:p>
             <a:pPr lvl="1"/>
             <a:r>
-              <a:rPr lang="en-US" smtClean="0"/>
+              <a:rPr lang="en-US"/>
               <a:t>Second level</a:t>
             </a:r>
           </a:p>
           <a:p>
             <a:pPr lvl="2"/>
             <a:r>
-              <a:rPr lang="en-US" smtClean="0"/>
+              <a:rPr lang="en-US"/>
               <a:t>Third level</a:t>
             </a:r>
           </a:p>
           <a:p>
             <a:pPr lvl="3"/>
             <a:r>
-              <a:rPr lang="en-US" smtClean="0"/>
+              <a:rPr lang="en-US"/>
               <a:t>Fourth level</a:t>
             </a:r>
           </a:p>
           <a:p>
             <a:pPr lvl="4"/>
             <a:r>
-              <a:rPr lang="en-US" smtClean="0"/>
+              <a:rPr lang="en-US"/>
               <a:t>Fifth level</a:t>
             </a:r>
-            <a:endParaRPr lang="en-US"/>
           </a:p>
         </p:txBody>
       </p:sp>
@@ -1680,7 +1682,7 @@
           <a:p>
             <a:pPr lvl="0"/>
             <a:r>
-              <a:rPr lang="en-US" smtClean="0"/>
+              <a:rPr lang="en-US"/>
               <a:t>Click to edit Master text styles</a:t>
             </a:r>
           </a:p>
@@ -1736,38 +1738,37 @@
           <a:p>
             <a:pPr lvl="0"/>
             <a:r>
-              <a:rPr lang="en-US" smtClean="0"/>
+              <a:rPr lang="en-US"/>
               <a:t>Click to edit Master text styles</a:t>
             </a:r>
           </a:p>
           <a:p>
             <a:pPr lvl="1"/>
             <a:r>
-              <a:rPr lang="en-US" smtClean="0"/>
+              <a:rPr lang="en-US"/>
               <a:t>Second level</a:t>
             </a:r>
           </a:p>
           <a:p>
             <a:pPr lvl="2"/>
             <a:r>
-              <a:rPr lang="en-US" smtClean="0"/>
+              <a:rPr lang="en-US"/>
               <a:t>Third level</a:t>
             </a:r>
           </a:p>
           <a:p>
             <a:pPr lvl="3"/>
             <a:r>
-              <a:rPr lang="en-US" smtClean="0"/>
+              <a:rPr lang="en-US"/>
               <a:t>Fourth level</a:t>
             </a:r>
           </a:p>
           <a:p>
             <a:pPr lvl="4"/>
             <a:r>
-              <a:rPr lang="en-US" smtClean="0"/>
+              <a:rPr lang="en-US"/>
               <a:t>Fifth level</a:t>
             </a:r>
-            <a:endParaRPr lang="en-US"/>
           </a:p>
         </p:txBody>
       </p:sp>
@@ -1788,7 +1789,7 @@
           <a:p>
             <a:fld id="{7C927FA9-8B60-4AF2-86A8-9E8A4FF8BBE8}" type="datetimeFigureOut">
               <a:rPr lang="en-US" smtClean="0"/>
-              <a:t>10/29/2016</a:t>
+              <a:t>10/31/2016</a:t>
             </a:fld>
             <a:endParaRPr lang="en-US"/>
           </a:p>
@@ -1882,10 +1883,9 @@
           <a:lstStyle/>
           <a:p>
             <a:r>
-              <a:rPr lang="en-US" smtClean="0"/>
+              <a:rPr lang="en-US"/>
               <a:t>Click to edit Master title style</a:t>
             </a:r>
-            <a:endParaRPr lang="en-US"/>
           </a:p>
         </p:txBody>
       </p:sp>
@@ -1906,7 +1906,7 @@
           <a:p>
             <a:fld id="{7C927FA9-8B60-4AF2-86A8-9E8A4FF8BBE8}" type="datetimeFigureOut">
               <a:rPr lang="en-US" smtClean="0"/>
-              <a:t>10/29/2016</a:t>
+              <a:t>10/31/2016</a:t>
             </a:fld>
             <a:endParaRPr lang="en-US"/>
           </a:p>
@@ -2001,7 +2001,7 @@
           <a:p>
             <a:fld id="{7C927FA9-8B60-4AF2-86A8-9E8A4FF8BBE8}" type="datetimeFigureOut">
               <a:rPr lang="en-US" smtClean="0"/>
-              <a:t>10/29/2016</a:t>
+              <a:t>10/31/2016</a:t>
             </a:fld>
             <a:endParaRPr lang="en-US"/>
           </a:p>
@@ -2104,10 +2104,9 @@
           </a:lstStyle>
           <a:p>
             <a:r>
-              <a:rPr lang="en-US" smtClean="0"/>
+              <a:rPr lang="en-US"/>
               <a:t>Click to edit Master title style</a:t>
             </a:r>
-            <a:endParaRPr lang="en-US"/>
           </a:p>
         </p:txBody>
       </p:sp>
@@ -2161,38 +2160,37 @@
           <a:p>
             <a:pPr lvl="0"/>
             <a:r>
-              <a:rPr lang="en-US" smtClean="0"/>
+              <a:rPr lang="en-US"/>
               <a:t>Click to edit Master text styles</a:t>
             </a:r>
           </a:p>
           <a:p>
             <a:pPr lvl="1"/>
             <a:r>
-              <a:rPr lang="en-US" smtClean="0"/>
+              <a:rPr lang="en-US"/>
               <a:t>Second level</a:t>
             </a:r>
           </a:p>
           <a:p>
             <a:pPr lvl="2"/>
             <a:r>
-              <a:rPr lang="en-US" smtClean="0"/>
+              <a:rPr lang="en-US"/>
               <a:t>Third level</a:t>
             </a:r>
           </a:p>
           <a:p>
             <a:pPr lvl="3"/>
             <a:r>
-              <a:rPr lang="en-US" smtClean="0"/>
+              <a:rPr lang="en-US"/>
               <a:t>Fourth level</a:t>
             </a:r>
           </a:p>
           <a:p>
             <a:pPr lvl="4"/>
             <a:r>
-              <a:rPr lang="en-US" smtClean="0"/>
+              <a:rPr lang="en-US"/>
               <a:t>Fifth level</a:t>
             </a:r>
-            <a:endParaRPr lang="en-US"/>
           </a:p>
         </p:txBody>
       </p:sp>
@@ -2255,7 +2253,7 @@
           <a:p>
             <a:pPr lvl="0"/>
             <a:r>
-              <a:rPr lang="en-US" smtClean="0"/>
+              <a:rPr lang="en-US"/>
               <a:t>Click to edit Master text styles</a:t>
             </a:r>
           </a:p>
@@ -2278,7 +2276,7 @@
           <a:p>
             <a:fld id="{7C927FA9-8B60-4AF2-86A8-9E8A4FF8BBE8}" type="datetimeFigureOut">
               <a:rPr lang="en-US" smtClean="0"/>
-              <a:t>10/29/2016</a:t>
+              <a:t>10/31/2016</a:t>
             </a:fld>
             <a:endParaRPr lang="en-US"/>
           </a:p>
@@ -2381,10 +2379,9 @@
           </a:lstStyle>
           <a:p>
             <a:r>
-              <a:rPr lang="en-US" smtClean="0"/>
+              <a:rPr lang="en-US"/>
               <a:t>Click to edit Master title style</a:t>
             </a:r>
-            <a:endParaRPr lang="en-US"/>
           </a:p>
         </p:txBody>
       </p:sp>
@@ -2508,7 +2505,7 @@
           <a:p>
             <a:pPr lvl="0"/>
             <a:r>
-              <a:rPr lang="en-US" smtClean="0"/>
+              <a:rPr lang="en-US"/>
               <a:t>Click to edit Master text styles</a:t>
             </a:r>
           </a:p>
@@ -2531,7 +2528,7 @@
           <a:p>
             <a:fld id="{7C927FA9-8B60-4AF2-86A8-9E8A4FF8BBE8}" type="datetimeFigureOut">
               <a:rPr lang="en-US" smtClean="0"/>
-              <a:t>10/29/2016</a:t>
+              <a:t>10/31/2016</a:t>
             </a:fld>
             <a:endParaRPr lang="en-US"/>
           </a:p>
@@ -2640,10 +2637,9 @@
           <a:lstStyle/>
           <a:p>
             <a:r>
-              <a:rPr lang="en-US" smtClean="0"/>
+              <a:rPr lang="en-US"/>
               <a:t>Click to edit Master title style</a:t>
             </a:r>
-            <a:endParaRPr lang="en-US"/>
           </a:p>
         </p:txBody>
       </p:sp>
@@ -2674,38 +2670,37 @@
           <a:p>
             <a:pPr lvl="0"/>
             <a:r>
-              <a:rPr lang="en-US" smtClean="0"/>
+              <a:rPr lang="en-US"/>
               <a:t>Click to edit Master text styles</a:t>
             </a:r>
           </a:p>
           <a:p>
             <a:pPr lvl="1"/>
             <a:r>
-              <a:rPr lang="en-US" smtClean="0"/>
+              <a:rPr lang="en-US"/>
               <a:t>Second level</a:t>
             </a:r>
           </a:p>
           <a:p>
             <a:pPr lvl="2"/>
             <a:r>
-              <a:rPr lang="en-US" smtClean="0"/>
+              <a:rPr lang="en-US"/>
               <a:t>Third level</a:t>
             </a:r>
           </a:p>
           <a:p>
             <a:pPr lvl="3"/>
             <a:r>
-              <a:rPr lang="en-US" smtClean="0"/>
+              <a:rPr lang="en-US"/>
               <a:t>Fourth level</a:t>
             </a:r>
           </a:p>
           <a:p>
             <a:pPr lvl="4"/>
             <a:r>
-              <a:rPr lang="en-US" smtClean="0"/>
+              <a:rPr lang="en-US"/>
               <a:t>Fifth level</a:t>
             </a:r>
-            <a:endParaRPr lang="en-US"/>
           </a:p>
         </p:txBody>
       </p:sp>
@@ -2744,7 +2739,7 @@
           <a:p>
             <a:fld id="{7C927FA9-8B60-4AF2-86A8-9E8A4FF8BBE8}" type="datetimeFigureOut">
               <a:rPr lang="en-US" smtClean="0"/>
-              <a:t>10/29/2016</a:t>
+              <a:t>10/31/2016</a:t>
             </a:fld>
             <a:endParaRPr lang="en-US"/>
           </a:p>
@@ -3140,10 +3135,9 @@
           <a:lstStyle/>
           <a:p>
             <a:r>
-              <a:rPr lang="en-US" dirty="0" smtClean="0"/>
+              <a:rPr lang="en-US" dirty="0"/>
               <a:t>MongoDB and Databases</a:t>
             </a:r>
-            <a:endParaRPr lang="en-US" dirty="0"/>
           </a:p>
         </p:txBody>
       </p:sp>
@@ -3168,10 +3162,9 @@
           <a:lstStyle/>
           <a:p>
             <a:r>
-              <a:rPr lang="en-US" dirty="0" smtClean="0"/>
+              <a:rPr lang="en-US" dirty="0"/>
               <a:t>Time to dump your JSON somewhere</a:t>
             </a:r>
-            <a:endParaRPr lang="en-US" dirty="0"/>
           </a:p>
         </p:txBody>
       </p:sp>
@@ -3214,18 +3207,9 @@
           </a:lstStyle>
           <a:p>
             <a:r>
-              <a:rPr lang="en-US" dirty="0" smtClean="0"/>
-              <a:t>Also HUGE thanks to </a:t>
-            </a:r>
-            <a:r>
-              <a:rPr lang="en-US" dirty="0" smtClean="0"/>
-              <a:t>Plexus </a:t>
-            </a:r>
-            <a:r>
-              <a:rPr lang="en-US" dirty="0" smtClean="0"/>
-              <a:t>for sponsoring the IEEE Fall Mini-Projects</a:t>
-            </a:r>
-            <a:endParaRPr lang="en-US" dirty="0"/>
+              <a:rPr lang="en-US" dirty="0"/>
+              <a:t>Also HUGE thanks to Plexus for sponsoring the IEEE Fall Mini-Projects</a:t>
+            </a:r>
           </a:p>
         </p:txBody>
       </p:sp>
@@ -3344,17 +3328,17 @@
           <a:lstStyle/>
           <a:p>
             <a:r>
-              <a:rPr lang="en-US" dirty="0" smtClean="0"/>
+              <a:rPr lang="en-US" dirty="0"/>
               <a:t>Select all (ctrl+a) and copy it (ctrl+c)</a:t>
             </a:r>
           </a:p>
           <a:p>
             <a:r>
-              <a:rPr lang="en-US" dirty="0" smtClean="0"/>
+              <a:rPr lang="en-US" dirty="0"/>
               <a:t>Type: </a:t>
             </a:r>
             <a:r>
-              <a:rPr lang="en-US" b="1" dirty="0" smtClean="0">
+              <a:rPr lang="en-US" b="1" dirty="0">
                 <a:solidFill>
                   <a:srgbClr val="FF0000"/>
                 </a:solidFill>
@@ -3365,28 +3349,28 @@
           <a:p>
             <a:pPr lvl="1"/>
             <a:r>
-              <a:rPr lang="en-US" dirty="0" smtClean="0"/>
+              <a:rPr lang="en-US" dirty="0"/>
               <a:t>Then paste (ctrl+v) data on screen and hit enter</a:t>
             </a:r>
           </a:p>
           <a:p>
             <a:pPr lvl="1"/>
-            <a:endParaRPr lang="en-US" dirty="0" smtClean="0"/>
-          </a:p>
-          <a:p>
-            <a:r>
-              <a:rPr lang="en-US" dirty="0" smtClean="0"/>
+            <a:endParaRPr lang="en-US" dirty="0"/>
+          </a:p>
+          <a:p>
+            <a:r>
+              <a:rPr lang="en-US" dirty="0"/>
               <a:t>Undefinded?</a:t>
             </a:r>
           </a:p>
           <a:p>
             <a:pPr lvl="1"/>
             <a:r>
-              <a:rPr lang="en-US" dirty="0" smtClean="0"/>
+              <a:rPr lang="en-US" dirty="0"/>
               <a:t>Type: </a:t>
             </a:r>
             <a:r>
-              <a:rPr lang="en-US" b="1" dirty="0" smtClean="0">
+              <a:rPr lang="en-US" b="1" dirty="0">
                 <a:solidFill>
                   <a:srgbClr val="FF0000"/>
                 </a:solidFill>
@@ -3407,11 +3391,7 @@
             </a:pPr>
             <a:r>
               <a:rPr lang="en-US" sz="2800" dirty="0"/>
-              <a:t>NOTE: There is never a comma after last listed </a:t>
-            </a:r>
-            <a:r>
-              <a:rPr lang="en-US" sz="2800" dirty="0" smtClean="0"/>
-              <a:t>item</a:t>
+              <a:t>NOTE: There is never a comma after last listed item</a:t>
             </a:r>
           </a:p>
           <a:p>
@@ -3422,21 +3402,16 @@
           </a:p>
           <a:p>
             <a:r>
-              <a:rPr lang="en-US" sz="2800" dirty="0" smtClean="0"/>
+              <a:rPr lang="en-US" sz="2800" dirty="0"/>
               <a:t>Can use built-in JavaScript</a:t>
             </a:r>
             <a:br>
-              <a:rPr lang="en-US" sz="2800" dirty="0" smtClean="0"/>
+              <a:rPr lang="en-US" sz="2800" dirty="0"/>
             </a:br>
             <a:r>
-              <a:rPr lang="en-US" sz="2400" dirty="0" smtClean="0"/>
-              <a:t>&lt;ArrayName&gt;.find(function(e</a:t>
-            </a:r>
-            <a:r>
               <a:rPr lang="en-US" sz="2400" dirty="0"/>
-              <a:t>){return e.name == "Alakazam"})</a:t>
-            </a:r>
-            <a:endParaRPr lang="en-US" sz="2400" dirty="0"/>
+              <a:t>&lt;ArrayName&gt;.find(function(e){return e.name == "Alakazam"})</a:t>
+            </a:r>
           </a:p>
         </p:txBody>
       </p:sp>
@@ -3512,62 +3487,36 @@
           <a:lstStyle/>
           <a:p>
             <a:r>
-              <a:rPr lang="en-US" b="1" dirty="0" smtClean="0"/>
+              <a:rPr lang="en-US" b="1" dirty="0"/>
               <a:t>Mongod</a:t>
             </a:r>
             <a:r>
-              <a:rPr lang="en-US" dirty="0" smtClean="0"/>
-              <a:t> </a:t>
-            </a:r>
-            <a:r>
-              <a:rPr lang="en-US" dirty="0"/>
-              <a:t>is “Running MongoDB” </a:t>
-            </a:r>
-            <a:endParaRPr lang="en-US" dirty="0" smtClean="0"/>
+              <a:rPr lang="en-US" dirty="0"/>
+              <a:t> is “Running MongoDB” </a:t>
+            </a:r>
           </a:p>
           <a:p>
             <a:pPr lvl="1"/>
             <a:r>
-              <a:rPr lang="en-US" dirty="0" smtClean="0"/>
-              <a:t> </a:t>
-            </a:r>
-            <a:r>
-              <a:rPr lang="en-US" dirty="0"/>
-              <a:t>Stands for “Mongo Daemon” </a:t>
-            </a:r>
-          </a:p>
-          <a:p>
-            <a:r>
-              <a:rPr lang="en-US" b="1" dirty="0" smtClean="0"/>
+              <a:rPr lang="en-US" dirty="0"/>
+              <a:t> Stands for “Mongo Daemon” </a:t>
+            </a:r>
+          </a:p>
+          <a:p>
+            <a:r>
+              <a:rPr lang="en-US" b="1" dirty="0"/>
               <a:t>Mongo</a:t>
             </a:r>
             <a:r>
-              <a:rPr lang="en-US" dirty="0" smtClean="0"/>
-              <a:t> </a:t>
-            </a:r>
-            <a:r>
-              <a:rPr lang="en-US" dirty="0"/>
-              <a:t>is the command line </a:t>
-            </a:r>
-            <a:r>
-              <a:rPr lang="en-US" dirty="0" smtClean="0"/>
-              <a:t>shell interface </a:t>
-            </a:r>
-            <a:r>
-              <a:rPr lang="en-US" dirty="0"/>
-              <a:t>which we config with </a:t>
-            </a:r>
-            <a:endParaRPr lang="en-US" dirty="0" smtClean="0"/>
+              <a:rPr lang="en-US" dirty="0"/>
+              <a:t> is the command line shell interface which we config with </a:t>
+            </a:r>
           </a:p>
           <a:p>
             <a:pPr lvl="1"/>
             <a:r>
-              <a:rPr lang="en-US" dirty="0" smtClean="0"/>
-              <a:t>To access it just type “mongo</a:t>
-            </a:r>
-            <a:r>
-              <a:rPr lang="en-US" dirty="0" smtClean="0"/>
-              <a:t>”</a:t>
+              <a:rPr lang="en-US" dirty="0"/>
+              <a:t>To access it just type “mongo”</a:t>
             </a:r>
           </a:p>
           <a:p>
@@ -3576,30 +3525,25 @@
           </a:p>
           <a:p>
             <a:r>
-              <a:rPr lang="en-US" dirty="0" smtClean="0"/>
+              <a:rPr lang="en-US" dirty="0"/>
               <a:t>Other options include </a:t>
             </a:r>
             <a:r>
               <a:rPr lang="en-US" b="1" dirty="0"/>
-              <a:t>m</a:t>
-            </a:r>
-            <a:r>
-              <a:rPr lang="en-US" b="1" dirty="0" smtClean="0"/>
-              <a:t>ongoimport </a:t>
-            </a:r>
-            <a:r>
-              <a:rPr lang="en-US" dirty="0" smtClean="0"/>
+              <a:t>mongoimport </a:t>
+            </a:r>
+            <a:r>
+              <a:rPr lang="en-US" dirty="0"/>
               <a:t>and </a:t>
             </a:r>
             <a:r>
-              <a:rPr lang="en-US" b="1" dirty="0" smtClean="0"/>
+              <a:rPr lang="en-US" b="1" dirty="0"/>
               <a:t>mongoexport</a:t>
             </a:r>
             <a:r>
-              <a:rPr lang="en-US" dirty="0" smtClean="0"/>
+              <a:rPr lang="en-US" dirty="0"/>
               <a:t> (will use later)</a:t>
             </a:r>
-            <a:endParaRPr lang="en-US" dirty="0"/>
           </a:p>
         </p:txBody>
       </p:sp>
@@ -3649,10 +3593,9 @@
           <a:lstStyle/>
           <a:p>
             <a:r>
-              <a:rPr lang="en-US" dirty="0" smtClean="0"/>
+              <a:rPr lang="en-US" dirty="0"/>
               <a:t>Linux Services</a:t>
             </a:r>
-            <a:endParaRPr lang="en-US" dirty="0"/>
           </a:p>
         </p:txBody>
       </p:sp>
@@ -3679,36 +3622,19 @@
               <a:rPr lang="en-US" dirty="0"/>
             </a:br>
             <a:r>
-              <a:rPr lang="en-US" dirty="0" smtClean="0">
-                <a:solidFill>
-                  <a:srgbClr val="FF0000"/>
-                </a:solidFill>
-              </a:rPr>
-              <a:t>sudo </a:t>
-            </a:r>
-            <a:r>
-              <a:rPr lang="en-US" dirty="0">
-                <a:solidFill>
-                  <a:srgbClr val="FF0000"/>
-                </a:solidFill>
-              </a:rPr>
-              <a:t>Serivce </a:t>
-            </a:r>
-            <a:r>
-              <a:rPr lang="en-US" dirty="0" smtClean="0">
-                <a:solidFill>
-                  <a:srgbClr val="FF0000"/>
-                </a:solidFill>
-              </a:rPr>
-              <a:t>mongodb status</a:t>
-            </a:r>
-          </a:p>
-          <a:p>
-            <a:r>
-              <a:rPr lang="en-US" dirty="0" smtClean="0"/>
+              <a:rPr lang="en-US" dirty="0">
+                <a:solidFill>
+                  <a:srgbClr val="FF0000"/>
+                </a:solidFill>
+              </a:rPr>
+              <a:t>sudo Serivce mongodb status</a:t>
+            </a:r>
+          </a:p>
+          <a:p>
+            <a:r>
+              <a:rPr lang="en-US" dirty="0"/>
               <a:t>Other operations</a:t>
             </a:r>
-            <a:endParaRPr lang="en-US" dirty="0"/>
           </a:p>
           <a:p>
             <a:pPr marL="0" indent="0">
@@ -3720,45 +3646,16 @@
                   <a:srgbClr val="FF0000"/>
                 </a:solidFill>
               </a:rPr>
-              <a:t>   </a:t>
-            </a:r>
-            <a:r>
-              <a:rPr lang="en-US" dirty="0" smtClean="0">
-                <a:solidFill>
-                  <a:srgbClr val="FF0000"/>
-                </a:solidFill>
-              </a:rPr>
-              <a:t> 	sudo </a:t>
-            </a:r>
-            <a:r>
-              <a:rPr lang="en-US" dirty="0">
-                <a:solidFill>
-                  <a:srgbClr val="FF0000"/>
-                </a:solidFill>
-              </a:rPr>
-              <a:t>Serivce </a:t>
-            </a:r>
-            <a:r>
-              <a:rPr lang="en-US" dirty="0" smtClean="0">
-                <a:solidFill>
-                  <a:srgbClr val="FF0000"/>
-                </a:solidFill>
-              </a:rPr>
-              <a:t>mongodb </a:t>
-            </a:r>
-            <a:r>
-              <a:rPr lang="en-US" b="1" dirty="0" smtClean="0">
+              <a:t>    	sudo Serivce mongodb </a:t>
+            </a:r>
+            <a:r>
+              <a:rPr lang="en-US" b="1" dirty="0">
                 <a:solidFill>
                   <a:srgbClr val="FF0000"/>
                 </a:solidFill>
               </a:rPr>
               <a:t>start</a:t>
             </a:r>
-            <a:endParaRPr lang="en-US" b="1" dirty="0">
-              <a:solidFill>
-                <a:srgbClr val="FF0000"/>
-              </a:solidFill>
-            </a:endParaRPr>
           </a:p>
           <a:p>
             <a:pPr marL="0" indent="0">
@@ -3770,76 +3667,31 @@
                   <a:srgbClr val="FF0000"/>
                 </a:solidFill>
               </a:rPr>
-              <a:t>  </a:t>
-            </a:r>
-            <a:r>
-              <a:rPr lang="en-US" dirty="0" smtClean="0">
-                <a:solidFill>
-                  <a:srgbClr val="FF0000"/>
-                </a:solidFill>
-              </a:rPr>
-              <a:t>	sudo </a:t>
-            </a:r>
-            <a:r>
-              <a:rPr lang="en-US" dirty="0">
-                <a:solidFill>
-                  <a:srgbClr val="FF0000"/>
-                </a:solidFill>
-              </a:rPr>
-              <a:t>Serivce </a:t>
-            </a:r>
-            <a:r>
-              <a:rPr lang="en-US" dirty="0" smtClean="0">
-                <a:solidFill>
-                  <a:srgbClr val="FF0000"/>
-                </a:solidFill>
-              </a:rPr>
-              <a:t>mongodb </a:t>
-            </a:r>
-            <a:r>
-              <a:rPr lang="en-US" b="1" dirty="0" smtClean="0">
+              <a:t>  	sudo Serivce mongodb </a:t>
+            </a:r>
+            <a:r>
+              <a:rPr lang="en-US" b="1" dirty="0">
                 <a:solidFill>
                   <a:srgbClr val="FF0000"/>
                 </a:solidFill>
               </a:rPr>
               <a:t>stop</a:t>
             </a:r>
-            <a:endParaRPr lang="en-US" b="1" dirty="0">
-              <a:solidFill>
-                <a:srgbClr val="FF0000"/>
-              </a:solidFill>
-            </a:endParaRPr>
           </a:p>
           <a:p>
             <a:pPr marL="0" indent="0">
               <a:buNone/>
             </a:pPr>
             <a:r>
-              <a:rPr lang="en-US" dirty="0" smtClean="0">
-                <a:solidFill>
-                  <a:srgbClr val="FF0000"/>
-                </a:solidFill>
-              </a:rPr>
-              <a:t>  	sudo </a:t>
-            </a:r>
-            <a:r>
-              <a:rPr lang="en-US" dirty="0">
-                <a:solidFill>
-                  <a:srgbClr val="FF0000"/>
-                </a:solidFill>
-              </a:rPr>
-              <a:t>Serivce </a:t>
-            </a:r>
-            <a:r>
-              <a:rPr lang="en-US" dirty="0" smtClean="0">
-                <a:solidFill>
-                  <a:srgbClr val="FF0000"/>
-                </a:solidFill>
-              </a:rPr>
-              <a:t>mongodb </a:t>
-            </a:r>
-            <a:r>
-              <a:rPr lang="en-US" b="1" dirty="0" smtClean="0">
+              <a:rPr lang="en-US" dirty="0">
+                <a:solidFill>
+                  <a:srgbClr val="FF0000"/>
+                </a:solidFill>
+              </a:rPr>
+              <a:t>  	sudo Serivce mongodb </a:t>
+            </a:r>
+            <a:r>
+              <a:rPr lang="en-US" b="1" dirty="0">
                 <a:solidFill>
                   <a:srgbClr val="FF0000"/>
                 </a:solidFill>
@@ -3961,10 +3813,9 @@
           <a:lstStyle/>
           <a:p>
             <a:r>
-              <a:rPr lang="en-US" dirty="0" smtClean="0"/>
+              <a:rPr lang="en-US" dirty="0"/>
               <a:t>Mongo</a:t>
             </a:r>
-            <a:endParaRPr lang="en-US" dirty="0"/>
           </a:p>
         </p:txBody>
       </p:sp>
@@ -3984,53 +3835,53 @@
           <a:lstStyle/>
           <a:p>
             <a:r>
-              <a:rPr lang="en-US" dirty="0" smtClean="0"/>
+              <a:rPr lang="en-US" dirty="0"/>
               <a:t>Database </a:t>
             </a:r>
           </a:p>
           <a:p>
             <a:pPr lvl="1"/>
             <a:r>
-              <a:rPr lang="en-US" dirty="0" smtClean="0"/>
+              <a:rPr lang="en-US" dirty="0"/>
               <a:t>Using only 1</a:t>
             </a:r>
           </a:p>
           <a:p>
             <a:r>
-              <a:rPr lang="en-US" dirty="0" smtClean="0"/>
+              <a:rPr lang="en-US" dirty="0"/>
               <a:t>Collections</a:t>
             </a:r>
           </a:p>
           <a:p>
             <a:pPr lvl="1"/>
             <a:r>
-              <a:rPr lang="en-US" dirty="0" smtClean="0"/>
+              <a:rPr lang="en-US" dirty="0"/>
               <a:t>One big JSON value</a:t>
             </a:r>
           </a:p>
           <a:p>
             <a:r>
-              <a:rPr lang="en-US" dirty="0" smtClean="0"/>
+              <a:rPr lang="en-US" dirty="0"/>
               <a:t>Documents</a:t>
             </a:r>
           </a:p>
           <a:p>
             <a:pPr lvl="1"/>
             <a:r>
-              <a:rPr lang="en-US" dirty="0" smtClean="0"/>
+              <a:rPr lang="en-US" dirty="0"/>
               <a:t>Each part of the JSON</a:t>
             </a:r>
           </a:p>
           <a:p>
             <a:r>
-              <a:rPr lang="en-US" dirty="0" smtClean="0"/>
+              <a:rPr lang="en-US" dirty="0"/>
               <a:t>Field</a:t>
             </a:r>
           </a:p>
           <a:p>
             <a:pPr lvl="1"/>
             <a:r>
-              <a:rPr lang="en-US" dirty="0" smtClean="0"/>
+              <a:rPr lang="en-US" dirty="0"/>
               <a:t>The data you want</a:t>
             </a:r>
           </a:p>
@@ -4087,62 +3938,62 @@
           <a:lstStyle/>
           <a:p>
             <a:r>
-              <a:rPr lang="en-US" b="1" i="1" dirty="0" smtClean="0"/>
+              <a:rPr lang="en-US" b="1" i="1" dirty="0"/>
               <a:t>Database</a:t>
             </a:r>
             <a:r>
-              <a:rPr lang="en-US" dirty="0" smtClean="0"/>
+              <a:rPr lang="en-US" dirty="0"/>
               <a:t>: CollegeOfEngineering</a:t>
             </a:r>
           </a:p>
           <a:p>
             <a:pPr lvl="1"/>
             <a:r>
-              <a:rPr lang="en-US" b="1" i="1" dirty="0" smtClean="0"/>
+              <a:rPr lang="en-US" b="1" i="1" dirty="0"/>
               <a:t>Collection</a:t>
             </a:r>
             <a:r>
-              <a:rPr lang="en-US" dirty="0" smtClean="0"/>
+              <a:rPr lang="en-US" dirty="0"/>
               <a:t>: Professors</a:t>
             </a:r>
           </a:p>
           <a:p>
             <a:pPr lvl="1"/>
             <a:r>
-              <a:rPr lang="en-US" b="1" i="1" dirty="0" smtClean="0"/>
+              <a:rPr lang="en-US" b="1" i="1" dirty="0"/>
               <a:t>Collection</a:t>
             </a:r>
             <a:r>
-              <a:rPr lang="en-US" dirty="0" smtClean="0"/>
+              <a:rPr lang="en-US" dirty="0"/>
               <a:t>: Buildings</a:t>
             </a:r>
           </a:p>
           <a:p>
             <a:pPr lvl="1"/>
             <a:r>
-              <a:rPr lang="en-US" b="1" i="1" dirty="0" smtClean="0"/>
+              <a:rPr lang="en-US" b="1" i="1" dirty="0"/>
               <a:t>Collection</a:t>
             </a:r>
             <a:r>
-              <a:rPr lang="en-US" dirty="0" smtClean="0"/>
+              <a:rPr lang="en-US" dirty="0"/>
               <a:t>: Students</a:t>
             </a:r>
           </a:p>
           <a:p>
             <a:pPr lvl="2"/>
             <a:r>
-              <a:rPr lang="en-US" b="1" i="1" dirty="0" smtClean="0"/>
+              <a:rPr lang="en-US" b="1" i="1" dirty="0"/>
               <a:t>Documents</a:t>
             </a:r>
             <a:r>
-              <a:rPr lang="en-US" dirty="0" smtClean="0"/>
+              <a:rPr lang="en-US" dirty="0"/>
               <a:t>:</a:t>
             </a:r>
           </a:p>
           <a:p>
             <a:pPr lvl="3"/>
             <a:r>
-              <a:rPr lang="en-US" dirty="0" smtClean="0"/>
+              <a:rPr lang="en-US" dirty="0"/>
               <a:t>{ Name : “Spencer”, Age : 21,  Type : “ECE” } </a:t>
             </a:r>
           </a:p>
@@ -4150,73 +4001,15 @@
             <a:pPr lvl="3"/>
             <a:r>
               <a:rPr lang="en-US" dirty="0"/>
-              <a:t>{ </a:t>
-            </a:r>
-            <a:r>
-              <a:rPr lang="en-US" dirty="0" smtClean="0"/>
-              <a:t>Name </a:t>
-            </a:r>
-            <a:r>
-              <a:rPr lang="en-US" dirty="0"/>
-              <a:t>: </a:t>
-            </a:r>
-            <a:r>
-              <a:rPr lang="en-US" dirty="0" smtClean="0"/>
-              <a:t>“Fred”,       Age : 24,   Type </a:t>
-            </a:r>
-            <a:r>
-              <a:rPr lang="en-US" dirty="0"/>
-              <a:t>: </a:t>
-            </a:r>
-            <a:r>
-              <a:rPr lang="en-US" dirty="0" smtClean="0"/>
-              <a:t>“ME” </a:t>
-            </a:r>
-            <a:r>
-              <a:rPr lang="en-US" dirty="0"/>
-              <a:t>} </a:t>
-            </a:r>
-            <a:endParaRPr lang="en-US" dirty="0" smtClean="0"/>
+              <a:t>{ Name : “Fred”,       Age : 24,   Type : “ME” } </a:t>
+            </a:r>
           </a:p>
           <a:p>
             <a:pPr lvl="3"/>
             <a:r>
               <a:rPr lang="en-US" dirty="0"/>
-              <a:t>{ </a:t>
-            </a:r>
-            <a:r>
-              <a:rPr lang="en-US" dirty="0" smtClean="0"/>
-              <a:t>Name </a:t>
-            </a:r>
-            <a:r>
-              <a:rPr lang="en-US" dirty="0"/>
-              <a:t>: </a:t>
-            </a:r>
-            <a:r>
-              <a:rPr lang="en-US" dirty="0" smtClean="0"/>
-              <a:t>“Willy”,      Age </a:t>
-            </a:r>
-            <a:r>
-              <a:rPr lang="en-US" dirty="0"/>
-              <a:t>: </a:t>
-            </a:r>
-            <a:r>
-              <a:rPr lang="en-US" dirty="0" smtClean="0"/>
-              <a:t>19,   Type </a:t>
-            </a:r>
-            <a:r>
-              <a:rPr lang="en-US" dirty="0"/>
-              <a:t>: </a:t>
-            </a:r>
-            <a:r>
-              <a:rPr lang="en-US" dirty="0" smtClean="0"/>
-              <a:t>“BME” </a:t>
-            </a:r>
-            <a:r>
-              <a:rPr lang="en-US" dirty="0"/>
-              <a:t>} </a:t>
-            </a:r>
-            <a:endParaRPr lang="en-US" dirty="0" smtClean="0"/>
+              <a:t>{ Name : “Willy”,      Age : 19,   Type : “BME” } </a:t>
+            </a:r>
           </a:p>
           <a:p>
             <a:pPr lvl="3"/>
@@ -4224,7 +4017,7 @@
           </a:p>
           <a:p>
             <a:pPr lvl="3"/>
-            <a:endParaRPr lang="en-US" dirty="0" smtClean="0"/>
+            <a:endParaRPr lang="en-US" dirty="0"/>
           </a:p>
           <a:p>
             <a:pPr lvl="3"/>
@@ -4232,7 +4025,7 @@
           </a:p>
           <a:p>
             <a:pPr lvl="3"/>
-            <a:endParaRPr lang="en-US" dirty="0" smtClean="0"/>
+            <a:endParaRPr lang="en-US" dirty="0"/>
           </a:p>
           <a:p>
             <a:pPr lvl="3"/>
@@ -4241,22 +4034,22 @@
           <a:p>
             <a:pPr lvl="4"/>
             <a:r>
-              <a:rPr lang="en-US" b="1" i="1" dirty="0" smtClean="0"/>
+              <a:rPr lang="en-US" b="1" i="1" dirty="0"/>
               <a:t>Field</a:t>
             </a:r>
             <a:r>
-              <a:rPr lang="en-US" dirty="0" smtClean="0"/>
+              <a:rPr lang="en-US" dirty="0"/>
               <a:t>: “Spencer”</a:t>
             </a:r>
           </a:p>
           <a:p>
             <a:pPr lvl="4"/>
             <a:r>
-              <a:rPr lang="en-US" b="1" i="1" dirty="0" smtClean="0"/>
+              <a:rPr lang="en-US" b="1" i="1" dirty="0"/>
               <a:t>Field</a:t>
             </a:r>
             <a:r>
-              <a:rPr lang="en-US" dirty="0" smtClean="0"/>
+              <a:rPr lang="en-US" dirty="0"/>
               <a:t>: 24</a:t>
             </a:r>
           </a:p>
@@ -4295,9 +4088,27 @@
                 <a:tableStyleId>{5C22544A-7EE6-4342-B048-85BDC9FD1C3A}</a:tableStyleId>
               </a:tblPr>
               <a:tblGrid>
-                <a:gridCol w="2032000"/>
-                <a:gridCol w="2032000"/>
-                <a:gridCol w="2032000"/>
+                <a:gridCol w="2032000">
+                  <a:extLst>
+                    <a:ext uri="{9D8B030D-6E8A-4147-A177-3AD203B41FA5}">
+                      <a16:colId xmlns:a16="http://schemas.microsoft.com/office/drawing/2014/main" val="20000"/>
+                    </a:ext>
+                  </a:extLst>
+                </a:gridCol>
+                <a:gridCol w="2032000">
+                  <a:extLst>
+                    <a:ext uri="{9D8B030D-6E8A-4147-A177-3AD203B41FA5}">
+                      <a16:colId xmlns:a16="http://schemas.microsoft.com/office/drawing/2014/main" val="20001"/>
+                    </a:ext>
+                  </a:extLst>
+                </a:gridCol>
+                <a:gridCol w="2032000">
+                  <a:extLst>
+                    <a:ext uri="{9D8B030D-6E8A-4147-A177-3AD203B41FA5}">
+                      <a16:colId xmlns:a16="http://schemas.microsoft.com/office/drawing/2014/main" val="20002"/>
+                    </a:ext>
+                  </a:extLst>
+                </a:gridCol>
               </a:tblGrid>
               <a:tr h="0">
                 <a:tc>
@@ -4307,10 +4118,9 @@
                     <a:p>
                       <a:pPr algn="ctr"/>
                       <a:r>
-                        <a:rPr lang="en-US" dirty="0" smtClean="0"/>
+                        <a:rPr lang="en-US" dirty="0"/>
                         <a:t>Name</a:t>
                       </a:r>
-                      <a:endParaRPr lang="en-US" dirty="0"/>
                     </a:p>
                   </a:txBody>
                   <a:tcPr/>
@@ -4322,10 +4132,9 @@
                     <a:p>
                       <a:pPr algn="ctr"/>
                       <a:r>
-                        <a:rPr lang="en-US" dirty="0" smtClean="0"/>
+                        <a:rPr lang="en-US" dirty="0"/>
                         <a:t>Age</a:t>
                       </a:r>
-                      <a:endParaRPr lang="en-US" dirty="0"/>
                     </a:p>
                   </a:txBody>
                   <a:tcPr/>
@@ -4337,14 +4146,18 @@
                     <a:p>
                       <a:pPr algn="ctr"/>
                       <a:r>
-                        <a:rPr lang="en-US" dirty="0" smtClean="0"/>
+                        <a:rPr lang="en-US" dirty="0"/>
                         <a:t>Type</a:t>
                       </a:r>
-                      <a:endParaRPr lang="en-US" dirty="0"/>
                     </a:p>
                   </a:txBody>
                   <a:tcPr/>
                 </a:tc>
+                <a:extLst>
+                  <a:ext uri="{0D108BD9-81ED-4DB2-BD59-A6C34878D82A}">
+                    <a16:rowId xmlns:a16="http://schemas.microsoft.com/office/drawing/2014/main" val="10000"/>
+                  </a:ext>
+                </a:extLst>
               </a:tr>
               <a:tr h="370840">
                 <a:tc>
@@ -4354,10 +4167,9 @@
                     <a:p>
                       <a:pPr algn="ctr"/>
                       <a:r>
-                        <a:rPr lang="en-US" dirty="0" smtClean="0"/>
+                        <a:rPr lang="en-US" dirty="0"/>
                         <a:t>Spencer</a:t>
                       </a:r>
-                      <a:endParaRPr lang="en-US" dirty="0"/>
                     </a:p>
                   </a:txBody>
                   <a:tcPr/>
@@ -4369,10 +4181,9 @@
                     <a:p>
                       <a:pPr algn="ctr"/>
                       <a:r>
-                        <a:rPr lang="en-US" dirty="0" smtClean="0"/>
+                        <a:rPr lang="en-US" dirty="0"/>
                         <a:t>21</a:t>
                       </a:r>
-                      <a:endParaRPr lang="en-US" dirty="0"/>
                     </a:p>
                   </a:txBody>
                   <a:tcPr/>
@@ -4384,14 +4195,18 @@
                     <a:p>
                       <a:pPr algn="ctr"/>
                       <a:r>
-                        <a:rPr lang="en-US" dirty="0" smtClean="0"/>
+                        <a:rPr lang="en-US" dirty="0"/>
                         <a:t>ECE</a:t>
                       </a:r>
-                      <a:endParaRPr lang="en-US" dirty="0"/>
                     </a:p>
                   </a:txBody>
                   <a:tcPr/>
                 </a:tc>
+                <a:extLst>
+                  <a:ext uri="{0D108BD9-81ED-4DB2-BD59-A6C34878D82A}">
+                    <a16:rowId xmlns:a16="http://schemas.microsoft.com/office/drawing/2014/main" val="10001"/>
+                  </a:ext>
+                </a:extLst>
               </a:tr>
               <a:tr h="370840">
                 <a:tc>
@@ -4401,10 +4216,9 @@
                     <a:p>
                       <a:pPr algn="ctr"/>
                       <a:r>
-                        <a:rPr lang="en-US" dirty="0" smtClean="0"/>
+                        <a:rPr lang="en-US" dirty="0"/>
                         <a:t>Fred</a:t>
                       </a:r>
-                      <a:endParaRPr lang="en-US" dirty="0"/>
                     </a:p>
                   </a:txBody>
                   <a:tcPr/>
@@ -4416,10 +4230,9 @@
                     <a:p>
                       <a:pPr algn="ctr"/>
                       <a:r>
-                        <a:rPr lang="en-US" dirty="0" smtClean="0"/>
+                        <a:rPr lang="en-US" dirty="0"/>
                         <a:t>24</a:t>
                       </a:r>
-                      <a:endParaRPr lang="en-US" dirty="0"/>
                     </a:p>
                   </a:txBody>
                   <a:tcPr/>
@@ -4431,14 +4244,18 @@
                     <a:p>
                       <a:pPr algn="ctr"/>
                       <a:r>
-                        <a:rPr lang="en-US" dirty="0" smtClean="0"/>
+                        <a:rPr lang="en-US" dirty="0"/>
                         <a:t>ME</a:t>
                       </a:r>
-                      <a:endParaRPr lang="en-US" dirty="0"/>
                     </a:p>
                   </a:txBody>
                   <a:tcPr/>
                 </a:tc>
+                <a:extLst>
+                  <a:ext uri="{0D108BD9-81ED-4DB2-BD59-A6C34878D82A}">
+                    <a16:rowId xmlns:a16="http://schemas.microsoft.com/office/drawing/2014/main" val="10002"/>
+                  </a:ext>
+                </a:extLst>
               </a:tr>
               <a:tr h="370840">
                 <a:tc>
@@ -4448,10 +4265,9 @@
                     <a:p>
                       <a:pPr algn="ctr"/>
                       <a:r>
-                        <a:rPr lang="en-US" dirty="0" smtClean="0"/>
+                        <a:rPr lang="en-US" dirty="0"/>
                         <a:t>Willy</a:t>
                       </a:r>
-                      <a:endParaRPr lang="en-US" dirty="0"/>
                     </a:p>
                   </a:txBody>
                   <a:tcPr/>
@@ -4463,10 +4279,9 @@
                     <a:p>
                       <a:pPr algn="ctr"/>
                       <a:r>
-                        <a:rPr lang="en-US" dirty="0" smtClean="0"/>
+                        <a:rPr lang="en-US" dirty="0"/>
                         <a:t>19</a:t>
                       </a:r>
-                      <a:endParaRPr lang="en-US" dirty="0"/>
                     </a:p>
                   </a:txBody>
                   <a:tcPr/>
@@ -4478,14 +4293,18 @@
                     <a:p>
                       <a:pPr algn="ctr"/>
                       <a:r>
-                        <a:rPr lang="en-US" dirty="0" smtClean="0"/>
+                        <a:rPr lang="en-US" dirty="0"/>
                         <a:t>BME</a:t>
                       </a:r>
-                      <a:endParaRPr lang="en-US" dirty="0"/>
                     </a:p>
                   </a:txBody>
                   <a:tcPr/>
                 </a:tc>
+                <a:extLst>
+                  <a:ext uri="{0D108BD9-81ED-4DB2-BD59-A6C34878D82A}">
+                    <a16:rowId xmlns:a16="http://schemas.microsoft.com/office/drawing/2014/main" val="10003"/>
+                  </a:ext>
+                </a:extLst>
               </a:tr>
             </a:tbl>
           </a:graphicData>
@@ -4537,10 +4356,9 @@
           <a:lstStyle/>
           <a:p>
             <a:r>
-              <a:rPr lang="en-US" dirty="0" smtClean="0"/>
+              <a:rPr lang="en-US" dirty="0"/>
               <a:t>Mongo Shell</a:t>
             </a:r>
-            <a:endParaRPr lang="en-US" dirty="0"/>
           </a:p>
         </p:txBody>
       </p:sp>
@@ -4562,88 +4380,79 @@
           <a:lstStyle/>
           <a:p>
             <a:r>
-              <a:rPr lang="en-US" dirty="0" smtClean="0"/>
+              <a:rPr lang="en-US" dirty="0"/>
               <a:t>Start by setting the Database we are going to use</a:t>
             </a:r>
           </a:p>
           <a:p>
             <a:pPr lvl="1"/>
             <a:r>
-              <a:rPr lang="en-US" dirty="0" smtClean="0"/>
+              <a:rPr lang="en-US" dirty="0"/>
               <a:t>Lets call it </a:t>
             </a:r>
             <a:r>
-              <a:rPr lang="en-US" b="1" dirty="0" smtClean="0"/>
+              <a:rPr lang="en-US" b="1" dirty="0"/>
               <a:t>Students</a:t>
             </a:r>
-            <a:endParaRPr lang="en-US" dirty="0" smtClean="0"/>
+            <a:endParaRPr lang="en-US" dirty="0"/>
           </a:p>
           <a:p>
             <a:pPr lvl="1"/>
             <a:r>
-              <a:rPr lang="en-US" dirty="0" smtClean="0"/>
+              <a:rPr lang="en-US" dirty="0"/>
               <a:t>Type: </a:t>
             </a:r>
             <a:r>
-              <a:rPr lang="en-US" dirty="0" smtClean="0">
-                <a:solidFill>
-                  <a:srgbClr val="FF0000"/>
-                </a:solidFill>
-              </a:rPr>
-              <a:t>use </a:t>
-            </a:r>
-            <a:r>
-              <a:rPr lang="en-US" dirty="0" smtClean="0">
-                <a:solidFill>
-                  <a:srgbClr val="FF0000"/>
-                </a:solidFill>
-              </a:rPr>
-              <a:t>Students</a:t>
+              <a:rPr lang="en-US" dirty="0">
+                <a:solidFill>
+                  <a:srgbClr val="FF0000"/>
+                </a:solidFill>
+              </a:rPr>
+              <a:t>use Students</a:t>
             </a:r>
           </a:p>
           <a:p>
             <a:pPr lvl="1"/>
             <a:r>
-              <a:rPr lang="en-US" dirty="0" smtClean="0"/>
+              <a:rPr lang="en-US" dirty="0"/>
               <a:t>Sets variable “</a:t>
             </a:r>
             <a:r>
-              <a:rPr lang="en-US" b="1" dirty="0" smtClean="0"/>
+              <a:rPr lang="en-US" b="1" dirty="0"/>
               <a:t>db”</a:t>
             </a:r>
             <a:r>
-              <a:rPr lang="en-US" dirty="0" smtClean="0"/>
+              <a:rPr lang="en-US" dirty="0"/>
               <a:t> to the database</a:t>
             </a:r>
+          </a:p>
+          <a:p>
+            <a:r>
+              <a:rPr lang="en-US" dirty="0"/>
+              <a:t>To see all Databases	</a:t>
+            </a:r>
+          </a:p>
+          <a:p>
+            <a:pPr lvl="1"/>
+            <a:r>
+              <a:rPr lang="en-US" dirty="0"/>
+              <a:t>Type: </a:t>
+            </a:r>
+            <a:r>
+              <a:rPr lang="en-US" dirty="0">
+                <a:solidFill>
+                  <a:srgbClr val="FF0000"/>
+                </a:solidFill>
+              </a:rPr>
+              <a:t>show dbs</a:t>
+            </a:r>
+          </a:p>
+          <a:p>
             <a:endParaRPr lang="en-US" dirty="0"/>
           </a:p>
           <a:p>
             <a:r>
-              <a:rPr lang="en-US" dirty="0" smtClean="0"/>
-              <a:t>To see all Databases	</a:t>
-            </a:r>
-          </a:p>
-          <a:p>
-            <a:pPr lvl="1"/>
-            <a:r>
-              <a:rPr lang="en-US" dirty="0" smtClean="0"/>
-              <a:t>Type: </a:t>
-            </a:r>
-            <a:r>
-              <a:rPr lang="en-US" dirty="0" smtClean="0">
-                <a:solidFill>
-                  <a:srgbClr val="FF0000"/>
-                </a:solidFill>
-              </a:rPr>
-              <a:t>show dbs</a:t>
-            </a:r>
-          </a:p>
-          <a:p>
-            <a:endParaRPr lang="en-US" dirty="0" smtClean="0"/>
-          </a:p>
-          <a:p>
-            <a:r>
-              <a:rPr lang="en-US" dirty="0" smtClean="0"/>
+              <a:rPr lang="en-US" dirty="0"/>
               <a:t>Will not create one until written too</a:t>
             </a:r>
           </a:p>
@@ -4702,10 +4511,9 @@
           <a:lstStyle/>
           <a:p>
             <a:r>
-              <a:rPr lang="en-US" dirty="0" smtClean="0"/>
+              <a:rPr lang="en-US" dirty="0"/>
               <a:t>Add some data</a:t>
             </a:r>
-            <a:endParaRPr lang="en-US" dirty="0"/>
           </a:p>
         </p:txBody>
       </p:sp>
@@ -4732,55 +4540,47 @@
           <a:lstStyle/>
           <a:p>
             <a:r>
-              <a:rPr lang="en-US" dirty="0" smtClean="0"/>
+              <a:rPr lang="en-US" dirty="0"/>
               <a:t>Will put in Collection </a:t>
             </a:r>
             <a:r>
-              <a:rPr lang="en-US" b="1" dirty="0" smtClean="0"/>
+              <a:rPr lang="en-US" b="1" dirty="0"/>
               <a:t>Engineers</a:t>
             </a:r>
           </a:p>
           <a:p>
             <a:pPr lvl="1"/>
             <a:r>
-              <a:rPr lang="en-US" dirty="0" smtClean="0"/>
+              <a:rPr lang="en-US" dirty="0"/>
               <a:t>db.Engineers.insert(   </a:t>
             </a:r>
             <a:br>
-              <a:rPr lang="en-US" dirty="0" smtClean="0"/>
+              <a:rPr lang="en-US" dirty="0"/>
             </a:br>
             <a:r>
-              <a:rPr lang="en-US" dirty="0" smtClean="0"/>
+              <a:rPr lang="en-US" dirty="0"/>
               <a:t>{</a:t>
             </a:r>
             <a:br>
-              <a:rPr lang="en-US" dirty="0" smtClean="0"/>
+              <a:rPr lang="en-US" dirty="0"/>
             </a:br>
             <a:r>
-              <a:rPr lang="en-US" dirty="0" smtClean="0"/>
+              <a:rPr lang="en-US" dirty="0"/>
               <a:t>	 Name : “&lt;insertYourName&gt;” ,</a:t>
             </a:r>
             <a:br>
-              <a:rPr lang="en-US" dirty="0" smtClean="0"/>
+              <a:rPr lang="en-US" dirty="0"/>
             </a:br>
             <a:r>
-              <a:rPr lang="en-US" dirty="0" smtClean="0"/>
+              <a:rPr lang="en-US" dirty="0"/>
               <a:t>   Age : “&lt;insertYourAge&gt;”,</a:t>
             </a:r>
-            <a:r>
-              <a:rPr lang="en-US" dirty="0"/>
-              <a:t/>
-            </a:r>
             <a:br>
               <a:rPr lang="en-US" dirty="0"/>
             </a:br>
             <a:r>
               <a:rPr lang="en-US" dirty="0"/>
-              <a:t> </a:t>
-            </a:r>
-            <a:r>
-              <a:rPr lang="en-US" dirty="0" smtClean="0"/>
-              <a:t>  Type : “&lt;insertYourType&gt;”</a:t>
+              <a:t>   Type : “&lt;insertYourType&gt;”</a:t>
             </a:r>
           </a:p>
           <a:p>
@@ -4788,14 +4588,14 @@
               <a:buNone/>
             </a:pPr>
             <a:r>
-              <a:rPr lang="en-US" dirty="0" smtClean="0"/>
+              <a:rPr lang="en-US" dirty="0"/>
               <a:t>   }</a:t>
             </a:r>
             <a:br>
-              <a:rPr lang="en-US" dirty="0" smtClean="0"/>
+              <a:rPr lang="en-US" dirty="0"/>
             </a:br>
             <a:r>
-              <a:rPr lang="en-US" dirty="0" smtClean="0"/>
+              <a:rPr lang="en-US" dirty="0"/>
               <a:t>)</a:t>
             </a:r>
           </a:p>
@@ -4810,7 +4610,7 @@
               <a:buNone/>
             </a:pPr>
             <a:r>
-              <a:rPr lang="en-US" dirty="0" smtClean="0"/>
+              <a:rPr lang="en-US" dirty="0"/>
               <a:t>NOTE: No comma after your Type</a:t>
             </a:r>
           </a:p>
@@ -4841,9 +4641,27 @@
                 <a:tableStyleId>{5C22544A-7EE6-4342-B048-85BDC9FD1C3A}</a:tableStyleId>
               </a:tblPr>
               <a:tblGrid>
-                <a:gridCol w="2032000"/>
-                <a:gridCol w="2032000"/>
-                <a:gridCol w="2032000"/>
+                <a:gridCol w="2032000">
+                  <a:extLst>
+                    <a:ext uri="{9D8B030D-6E8A-4147-A177-3AD203B41FA5}">
+                      <a16:colId xmlns:a16="http://schemas.microsoft.com/office/drawing/2014/main" val="20000"/>
+                    </a:ext>
+                  </a:extLst>
+                </a:gridCol>
+                <a:gridCol w="2032000">
+                  <a:extLst>
+                    <a:ext uri="{9D8B030D-6E8A-4147-A177-3AD203B41FA5}">
+                      <a16:colId xmlns:a16="http://schemas.microsoft.com/office/drawing/2014/main" val="20001"/>
+                    </a:ext>
+                  </a:extLst>
+                </a:gridCol>
+                <a:gridCol w="2032000">
+                  <a:extLst>
+                    <a:ext uri="{9D8B030D-6E8A-4147-A177-3AD203B41FA5}">
+                      <a16:colId xmlns:a16="http://schemas.microsoft.com/office/drawing/2014/main" val="20002"/>
+                    </a:ext>
+                  </a:extLst>
+                </a:gridCol>
               </a:tblGrid>
               <a:tr h="0">
                 <a:tc>
@@ -4853,10 +4671,9 @@
                     <a:p>
                       <a:pPr algn="ctr"/>
                       <a:r>
-                        <a:rPr lang="en-US" dirty="0" smtClean="0"/>
+                        <a:rPr lang="en-US" dirty="0"/>
                         <a:t>Name</a:t>
                       </a:r>
-                      <a:endParaRPr lang="en-US" dirty="0"/>
                     </a:p>
                   </a:txBody>
                   <a:tcPr/>
@@ -4868,10 +4685,9 @@
                     <a:p>
                       <a:pPr algn="ctr"/>
                       <a:r>
-                        <a:rPr lang="en-US" dirty="0" smtClean="0"/>
+                        <a:rPr lang="en-US" dirty="0"/>
                         <a:t>Age</a:t>
                       </a:r>
-                      <a:endParaRPr lang="en-US" dirty="0"/>
                     </a:p>
                   </a:txBody>
                   <a:tcPr/>
@@ -4883,14 +4699,18 @@
                     <a:p>
                       <a:pPr algn="ctr"/>
                       <a:r>
-                        <a:rPr lang="en-US" dirty="0" smtClean="0"/>
+                        <a:rPr lang="en-US" dirty="0"/>
                         <a:t>Type</a:t>
                       </a:r>
-                      <a:endParaRPr lang="en-US" dirty="0"/>
                     </a:p>
                   </a:txBody>
                   <a:tcPr/>
                 </a:tc>
+                <a:extLst>
+                  <a:ext uri="{0D108BD9-81ED-4DB2-BD59-A6C34878D82A}">
+                    <a16:rowId xmlns:a16="http://schemas.microsoft.com/office/drawing/2014/main" val="10000"/>
+                  </a:ext>
+                </a:extLst>
               </a:tr>
               <a:tr h="370840">
                 <a:tc>
@@ -4900,10 +4720,9 @@
                     <a:p>
                       <a:pPr algn="ctr"/>
                       <a:r>
-                        <a:rPr lang="en-US" dirty="0" smtClean="0"/>
+                        <a:rPr lang="en-US" dirty="0"/>
                         <a:t>Spencer</a:t>
                       </a:r>
-                      <a:endParaRPr lang="en-US" dirty="0"/>
                     </a:p>
                   </a:txBody>
                   <a:tcPr/>
@@ -4915,10 +4734,9 @@
                     <a:p>
                       <a:pPr algn="ctr"/>
                       <a:r>
-                        <a:rPr lang="en-US" dirty="0" smtClean="0"/>
+                        <a:rPr lang="en-US" dirty="0"/>
                         <a:t>21</a:t>
                       </a:r>
-                      <a:endParaRPr lang="en-US" dirty="0"/>
                     </a:p>
                   </a:txBody>
                   <a:tcPr/>
@@ -4930,14 +4748,18 @@
                     <a:p>
                       <a:pPr algn="ctr"/>
                       <a:r>
-                        <a:rPr lang="en-US" dirty="0" smtClean="0"/>
+                        <a:rPr lang="en-US" dirty="0"/>
                         <a:t>ECE</a:t>
                       </a:r>
-                      <a:endParaRPr lang="en-US" dirty="0"/>
                     </a:p>
                   </a:txBody>
                   <a:tcPr/>
                 </a:tc>
+                <a:extLst>
+                  <a:ext uri="{0D108BD9-81ED-4DB2-BD59-A6C34878D82A}">
+                    <a16:rowId xmlns:a16="http://schemas.microsoft.com/office/drawing/2014/main" val="10001"/>
+                  </a:ext>
+                </a:extLst>
               </a:tr>
               <a:tr h="370840">
                 <a:tc>
@@ -4947,10 +4769,9 @@
                     <a:p>
                       <a:pPr algn="ctr"/>
                       <a:r>
-                        <a:rPr lang="en-US" dirty="0" smtClean="0"/>
+                        <a:rPr lang="en-US" dirty="0"/>
                         <a:t>Fred</a:t>
                       </a:r>
-                      <a:endParaRPr lang="en-US" dirty="0"/>
                     </a:p>
                   </a:txBody>
                   <a:tcPr/>
@@ -4962,10 +4783,9 @@
                     <a:p>
                       <a:pPr algn="ctr"/>
                       <a:r>
-                        <a:rPr lang="en-US" dirty="0" smtClean="0"/>
+                        <a:rPr lang="en-US" dirty="0"/>
                         <a:t>24</a:t>
                       </a:r>
-                      <a:endParaRPr lang="en-US" dirty="0"/>
                     </a:p>
                   </a:txBody>
                   <a:tcPr/>
@@ -4977,14 +4797,18 @@
                     <a:p>
                       <a:pPr algn="ctr"/>
                       <a:r>
-                        <a:rPr lang="en-US" dirty="0" smtClean="0"/>
+                        <a:rPr lang="en-US" dirty="0"/>
                         <a:t>ME</a:t>
                       </a:r>
-                      <a:endParaRPr lang="en-US" dirty="0"/>
                     </a:p>
                   </a:txBody>
                   <a:tcPr/>
                 </a:tc>
+                <a:extLst>
+                  <a:ext uri="{0D108BD9-81ED-4DB2-BD59-A6C34878D82A}">
+                    <a16:rowId xmlns:a16="http://schemas.microsoft.com/office/drawing/2014/main" val="10002"/>
+                  </a:ext>
+                </a:extLst>
               </a:tr>
               <a:tr h="370840">
                 <a:tc>
@@ -4994,10 +4818,9 @@
                     <a:p>
                       <a:pPr algn="ctr"/>
                       <a:r>
-                        <a:rPr lang="en-US" dirty="0" smtClean="0"/>
+                        <a:rPr lang="en-US" dirty="0"/>
                         <a:t>Willy</a:t>
                       </a:r>
-                      <a:endParaRPr lang="en-US" dirty="0"/>
                     </a:p>
                   </a:txBody>
                   <a:tcPr/>
@@ -5009,10 +4832,9 @@
                     <a:p>
                       <a:pPr algn="ctr"/>
                       <a:r>
-                        <a:rPr lang="en-US" dirty="0" smtClean="0"/>
+                        <a:rPr lang="en-US" dirty="0"/>
                         <a:t>19</a:t>
                       </a:r>
-                      <a:endParaRPr lang="en-US" dirty="0"/>
                     </a:p>
                   </a:txBody>
                   <a:tcPr/>
@@ -5024,14 +4846,18 @@
                     <a:p>
                       <a:pPr algn="ctr"/>
                       <a:r>
-                        <a:rPr lang="en-US" dirty="0" smtClean="0"/>
+                        <a:rPr lang="en-US" dirty="0"/>
                         <a:t>BME</a:t>
                       </a:r>
-                      <a:endParaRPr lang="en-US" dirty="0"/>
                     </a:p>
                   </a:txBody>
                   <a:tcPr/>
                 </a:tc>
+                <a:extLst>
+                  <a:ext uri="{0D108BD9-81ED-4DB2-BD59-A6C34878D82A}">
+                    <a16:rowId xmlns:a16="http://schemas.microsoft.com/office/drawing/2014/main" val="10003"/>
+                  </a:ext>
+                </a:extLst>
               </a:tr>
             </a:tbl>
           </a:graphicData>
@@ -5083,10 +4909,9 @@
           <a:lstStyle/>
           <a:p>
             <a:r>
-              <a:rPr lang="en-US" dirty="0" smtClean="0"/>
+              <a:rPr lang="en-US" dirty="0"/>
               <a:t>Other ways to insert</a:t>
             </a:r>
-            <a:endParaRPr lang="en-US" dirty="0"/>
           </a:p>
         </p:txBody>
       </p:sp>
@@ -5106,25 +4931,25 @@
           <a:lstStyle/>
           <a:p>
             <a:r>
-              <a:rPr lang="en-US" dirty="0" smtClean="0"/>
+              <a:rPr lang="en-US" dirty="0"/>
               <a:t>Set a variable</a:t>
             </a:r>
           </a:p>
           <a:p>
             <a:pPr lvl="1"/>
             <a:r>
-              <a:rPr lang="en-US" dirty="0" smtClean="0">
-                <a:solidFill>
-                  <a:srgbClr val="FF0000"/>
-                </a:solidFill>
-              </a:rPr>
-              <a:t>student2 = { Name : “ Fred” }</a:t>
+              <a:rPr lang="en-US" dirty="0">
+                <a:solidFill>
+                  <a:srgbClr val="FF0000"/>
+                </a:solidFill>
+              </a:rPr>
+              <a:t>student2 = { Name : “Fred” }</a:t>
             </a:r>
           </a:p>
           <a:p>
             <a:pPr lvl="1"/>
             <a:r>
-              <a:rPr lang="en-US" dirty="0" smtClean="0">
+              <a:rPr lang="en-US" dirty="0">
                 <a:solidFill>
                   <a:srgbClr val="FF0000"/>
                 </a:solidFill>
@@ -5135,7 +4960,7 @@
           <a:p>
             <a:pPr lvl="1"/>
             <a:r>
-              <a:rPr lang="en-US" dirty="0" smtClean="0"/>
+              <a:rPr lang="en-US" dirty="0"/>
               <a:t>HINT: Tab completes still works in Mongo shell</a:t>
             </a:r>
           </a:p>
@@ -5145,7 +4970,7 @@
           </a:p>
           <a:p>
             <a:r>
-              <a:rPr lang="en-US" dirty="0" smtClean="0"/>
+              <a:rPr lang="en-US" dirty="0"/>
               <a:t>What happens if you do the insert twice?</a:t>
             </a:r>
           </a:p>
@@ -5202,10 +5027,9 @@
           <a:lstStyle/>
           <a:p>
             <a:r>
-              <a:rPr lang="en-US" dirty="0" smtClean="0"/>
+              <a:rPr lang="en-US" dirty="0"/>
               <a:t>Read your data</a:t>
             </a:r>
-            <a:endParaRPr lang="en-US" dirty="0"/>
           </a:p>
         </p:txBody>
       </p:sp>
@@ -5230,14 +5054,14 @@
           <a:lstStyle/>
           <a:p>
             <a:r>
-              <a:rPr lang="en-US" dirty="0" smtClean="0"/>
+              <a:rPr lang="en-US" dirty="0"/>
               <a:t>Use differnet “Find” methods to query data</a:t>
             </a:r>
           </a:p>
           <a:p>
             <a:pPr lvl="1"/>
             <a:r>
-              <a:rPr lang="en-US" dirty="0" smtClean="0">
+              <a:rPr lang="en-US" dirty="0">
                 <a:solidFill>
                   <a:srgbClr val="FF0000"/>
                 </a:solidFill>
@@ -5248,7 +5072,7 @@
           <a:p>
             <a:pPr lvl="1"/>
             <a:r>
-              <a:rPr lang="en-US" dirty="0" smtClean="0">
+              <a:rPr lang="en-US" dirty="0">
                 <a:solidFill>
                   <a:srgbClr val="FF0000"/>
                 </a:solidFill>
@@ -5259,53 +5083,21 @@
           <a:p>
             <a:pPr lvl="1"/>
             <a:r>
-              <a:rPr lang="en-US" dirty="0" smtClean="0">
-                <a:solidFill>
-                  <a:srgbClr val="FF0000"/>
-                </a:solidFill>
-              </a:rPr>
-              <a:t>db.Engineers.findOne( {Name </a:t>
-            </a:r>
-            <a:r>
-              <a:rPr lang="en-US" dirty="0">
-                <a:solidFill>
-                  <a:srgbClr val="FF0000"/>
-                </a:solidFill>
-              </a:rPr>
-              <a:t>: </a:t>
-            </a:r>
-            <a:r>
-              <a:rPr lang="en-US" dirty="0" smtClean="0">
-                <a:solidFill>
-                  <a:srgbClr val="FF0000"/>
-                </a:solidFill>
-              </a:rPr>
-              <a:t>“</a:t>
-            </a:r>
-            <a:r>
-              <a:rPr lang="en-US" dirty="0">
-                <a:solidFill>
-                  <a:srgbClr val="FF0000"/>
-                </a:solidFill>
-              </a:rPr>
-              <a:t>Fred</a:t>
-            </a:r>
-            <a:r>
-              <a:rPr lang="en-US" dirty="0" smtClean="0">
-                <a:solidFill>
-                  <a:srgbClr val="FF0000"/>
-                </a:solidFill>
-              </a:rPr>
-              <a:t>”} )</a:t>
+              <a:rPr lang="en-US" dirty="0">
+                <a:solidFill>
+                  <a:srgbClr val="FF0000"/>
+                </a:solidFill>
+              </a:rPr>
+              <a:t>db.Engineers.findOne( {Name : “Fred”} )</a:t>
             </a:r>
           </a:p>
           <a:p>
             <a:pPr lvl="1"/>
-            <a:endParaRPr lang="en-US" dirty="0" smtClean="0"/>
-          </a:p>
-          <a:p>
-            <a:r>
-              <a:rPr lang="en-US" dirty="0" smtClean="0"/>
+            <a:endParaRPr lang="en-US" dirty="0"/>
+          </a:p>
+          <a:p>
+            <a:r>
+              <a:rPr lang="en-US" dirty="0"/>
               <a:t>Sort it as well</a:t>
             </a:r>
           </a:p>
@@ -5317,15 +5109,7 @@
                   <a:srgbClr val="FF0000"/>
                 </a:solidFill>
               </a:rPr>
-              <a:t>db.Engineers.find</a:t>
-            </a:r>
-            <a:r>
-              <a:rPr lang="en-US" dirty="0" smtClean="0">
-                <a:solidFill>
-                  <a:srgbClr val="FF0000"/>
-                </a:solidFill>
-              </a:rPr>
-              <a:t>().sort( {Name: 1 } )</a:t>
+              <a:t>db.Engineers.find().sort( {Name: 1 } )</a:t>
             </a:r>
           </a:p>
           <a:p>
@@ -5340,19 +5124,15 @@
             </a:r>
             <a:r>
               <a:rPr lang="en-US" dirty="0"/>
-              <a:t>1 for descending </a:t>
-            </a:r>
-            <a:r>
-              <a:rPr lang="en-US" dirty="0" smtClean="0"/>
-              <a:t>order</a:t>
-            </a:r>
-          </a:p>
-          <a:p>
-            <a:r>
-              <a:rPr lang="en-US" dirty="0" smtClean="0"/>
+              <a:t>1 for descending order</a:t>
+            </a:r>
+          </a:p>
+          <a:p>
+            <a:r>
+              <a:rPr lang="en-US" dirty="0"/>
               <a:t>Count</a:t>
             </a:r>
-            <a:endParaRPr lang="en-US" dirty="0" smtClean="0">
+            <a:endParaRPr lang="en-US" dirty="0">
               <a:solidFill>
                 <a:srgbClr val="FF0000"/>
               </a:solidFill>
@@ -5361,7 +5141,7 @@
           <a:p>
             <a:pPr lvl="1"/>
             <a:r>
-              <a:rPr lang="en-US" dirty="0" smtClean="0">
+              <a:rPr lang="en-US" dirty="0">
                 <a:solidFill>
                   <a:srgbClr val="FF0000"/>
                 </a:solidFill>
@@ -5372,20 +5152,12 @@
           <a:p>
             <a:pPr lvl="1"/>
             <a:r>
-              <a:rPr lang="en-US" dirty="0" smtClean="0">
-                <a:solidFill>
-                  <a:srgbClr val="FF0000"/>
-                </a:solidFill>
-              </a:rPr>
-              <a:t>db.Engineers.find( {Name : “Fred”} ).count</a:t>
-            </a:r>
-            <a:r>
-              <a:rPr lang="en-US" dirty="0">
-                <a:solidFill>
-                  <a:srgbClr val="FF0000"/>
-                </a:solidFill>
-              </a:rPr>
-              <a:t>()</a:t>
+              <a:rPr lang="en-US" dirty="0">
+                <a:solidFill>
+                  <a:srgbClr val="FF0000"/>
+                </a:solidFill>
+              </a:rPr>
+              <a:t>db.Engineers.find( {Name : “Fred”} ).count()</a:t>
             </a:r>
           </a:p>
           <a:p>
@@ -5449,10 +5221,9 @@
           <a:lstStyle/>
           <a:p>
             <a:r>
-              <a:rPr lang="en-US" dirty="0" smtClean="0"/>
+              <a:rPr lang="en-US" dirty="0"/>
               <a:t>Messed up? Just Update!</a:t>
             </a:r>
-            <a:endParaRPr lang="en-US" dirty="0"/>
           </a:p>
         </p:txBody>
       </p:sp>
@@ -5479,28 +5250,28 @@
           <a:lstStyle/>
           <a:p>
             <a:r>
-              <a:rPr lang="en-US" dirty="0" smtClean="0"/>
+              <a:rPr lang="en-US" dirty="0"/>
               <a:t>Update() takes 3 parameters</a:t>
             </a:r>
           </a:p>
           <a:p>
             <a:pPr lvl="1"/>
             <a:r>
-              <a:rPr lang="en-US" dirty="0" smtClean="0"/>
+              <a:rPr lang="en-US" dirty="0"/>
               <a:t>Query to find the document you want</a:t>
             </a:r>
           </a:p>
           <a:p>
             <a:pPr lvl="1"/>
             <a:r>
-              <a:rPr lang="en-US" dirty="0" smtClean="0"/>
+              <a:rPr lang="en-US" dirty="0"/>
               <a:t>What to update with it</a:t>
             </a:r>
           </a:p>
           <a:p>
             <a:pPr lvl="1"/>
             <a:r>
-              <a:rPr lang="en-US" dirty="0" smtClean="0"/>
+              <a:rPr lang="en-US" dirty="0"/>
               <a:t>Additional options (optionial parameter)</a:t>
             </a:r>
           </a:p>
@@ -5558,10 +5329,9 @@
           <a:lstStyle/>
           <a:p>
             <a:r>
-              <a:rPr lang="en-US" dirty="0" smtClean="0"/>
+              <a:rPr lang="en-US" dirty="0"/>
               <a:t>Databases</a:t>
             </a:r>
-            <a:endParaRPr lang="en-US" dirty="0"/>
           </a:p>
         </p:txBody>
       </p:sp>
@@ -5582,53 +5352,40 @@
           <a:p>
             <a:r>
               <a:rPr lang="en-US" dirty="0"/>
-              <a:t>Way to save data </a:t>
-            </a:r>
-            <a:r>
-              <a:rPr lang="en-US" dirty="0" smtClean="0"/>
-              <a:t>in persistent memory</a:t>
-            </a:r>
-          </a:p>
-          <a:p>
-            <a:r>
-              <a:rPr lang="en-US" dirty="0" smtClean="0"/>
+              <a:t>Way to save data in persistent memory</a:t>
+            </a:r>
+          </a:p>
+          <a:p>
+            <a:r>
+              <a:rPr lang="en-US" dirty="0"/>
               <a:t>Can host on server</a:t>
             </a:r>
           </a:p>
           <a:p>
             <a:pPr lvl="1"/>
             <a:r>
-              <a:rPr lang="en-US" dirty="0" smtClean="0"/>
-              <a:t>Allows to not phyiscally hold data</a:t>
-            </a:r>
-          </a:p>
-          <a:p>
-            <a:r>
-              <a:rPr lang="en-US" dirty="0" smtClean="0"/>
+              <a:rPr lang="en-US" dirty="0"/>
+              <a:t>Allows to not physically hold data</a:t>
+            </a:r>
+          </a:p>
+          <a:p>
+            <a:r>
+              <a:rPr lang="en-US" dirty="0"/>
               <a:t>Can host on local computer</a:t>
             </a:r>
           </a:p>
           <a:p>
             <a:pPr lvl="1"/>
             <a:r>
-              <a:rPr lang="en-US" dirty="0" smtClean="0"/>
+              <a:rPr lang="en-US" dirty="0"/>
               <a:t>Or in this case the Pi</a:t>
             </a:r>
           </a:p>
           <a:p>
             <a:r>
-              <a:rPr lang="en-US" dirty="0" smtClean="0"/>
-              <a:t>No more </a:t>
-            </a:r>
-            <a:r>
-              <a:rPr lang="en-US" dirty="0" smtClean="0"/>
-              <a:t>saving </a:t>
-            </a:r>
-            <a:r>
-              <a:rPr lang="en-US" dirty="0" smtClean="0"/>
-              <a:t>and reading to TXT Files</a:t>
-            </a:r>
-            <a:endParaRPr lang="en-US" dirty="0"/>
+              <a:rPr lang="en-US" dirty="0"/>
+              <a:t>No more saving and reading to TXT Files</a:t>
+            </a:r>
           </a:p>
         </p:txBody>
       </p:sp>
@@ -5778,7 +5535,7 @@
           </a:p>
           <a:p>
             <a:r>
-              <a:rPr lang="en-US" dirty="0" smtClean="0"/>
+              <a:rPr lang="en-US" dirty="0"/>
               <a:t>Works the same to edit information</a:t>
             </a:r>
           </a:p>
@@ -5873,7 +5630,7 @@
             <a:pPr marL="457200" lvl="1" indent="0">
               <a:buNone/>
             </a:pPr>
-            <a:endParaRPr lang="en-US" dirty="0" smtClean="0"/>
+            <a:endParaRPr lang="en-US" dirty="0"/>
           </a:p>
         </p:txBody>
       </p:sp>
@@ -5928,10 +5685,9 @@
           <a:lstStyle/>
           <a:p>
             <a:r>
-              <a:rPr lang="en-US" dirty="0" smtClean="0"/>
+              <a:rPr lang="en-US" dirty="0"/>
               <a:t>Need More Data!</a:t>
             </a:r>
-            <a:endParaRPr lang="en-US" dirty="0"/>
           </a:p>
         </p:txBody>
       </p:sp>
@@ -5956,172 +5712,66 @@
           <a:lstStyle/>
           <a:p>
             <a:r>
-              <a:rPr lang="en-US" dirty="0" smtClean="0"/>
+              <a:rPr lang="en-US" dirty="0"/>
               <a:t>Can take raw JSON objects and import them</a:t>
             </a:r>
           </a:p>
           <a:p>
             <a:pPr lvl="1"/>
             <a:r>
-              <a:rPr lang="en-US" dirty="0" smtClean="0"/>
+              <a:rPr lang="en-US" dirty="0"/>
               <a:t>Can also export collections to JSON files</a:t>
             </a:r>
           </a:p>
           <a:p>
             <a:pPr lvl="1"/>
             <a:r>
-              <a:rPr lang="en-US" dirty="0" smtClean="0"/>
+              <a:rPr lang="en-US" dirty="0"/>
               <a:t>Perform </a:t>
             </a:r>
             <a:r>
-              <a:rPr lang="en-US" b="1" dirty="0" smtClean="0"/>
+              <a:rPr lang="en-US" b="1" dirty="0"/>
               <a:t>outside</a:t>
             </a:r>
             <a:r>
-              <a:rPr lang="en-US" dirty="0" smtClean="0"/>
+              <a:rPr lang="en-US" dirty="0"/>
               <a:t> the mongo shell</a:t>
             </a:r>
           </a:p>
           <a:p>
             <a:r>
-              <a:rPr lang="en-US" dirty="0" smtClean="0">
-                <a:solidFill>
-                  <a:srgbClr val="FF0000"/>
-                </a:solidFill>
-              </a:rPr>
-              <a:t>mongoimport </a:t>
-            </a:r>
-            <a:r>
-              <a:rPr lang="en-US" dirty="0">
-                <a:solidFill>
-                  <a:srgbClr val="FF0000"/>
-                </a:solidFill>
-              </a:rPr>
-              <a:t>--db </a:t>
-            </a:r>
-            <a:r>
-              <a:rPr lang="en-US" dirty="0" smtClean="0">
-                <a:solidFill>
-                  <a:srgbClr val="FF0000"/>
-                </a:solidFill>
-              </a:rPr>
-              <a:t>World </a:t>
-            </a:r>
-            <a:r>
-              <a:rPr lang="en-US" dirty="0">
-                <a:solidFill>
-                  <a:srgbClr val="FF0000"/>
-                </a:solidFill>
-              </a:rPr>
-              <a:t>--collection </a:t>
-            </a:r>
-            <a:r>
-              <a:rPr lang="en-US" dirty="0" smtClean="0">
-                <a:solidFill>
-                  <a:srgbClr val="FF0000"/>
-                </a:solidFill>
-              </a:rPr>
-              <a:t>Population --drop  </a:t>
-            </a:r>
-            <a:r>
-              <a:rPr lang="en-US" dirty="0">
-                <a:solidFill>
-                  <a:srgbClr val="FF0000"/>
-                </a:solidFill>
-              </a:rPr>
-              <a:t>--file </a:t>
-            </a:r>
-            <a:r>
-              <a:rPr lang="en-US" dirty="0" smtClean="0">
-                <a:solidFill>
-                  <a:srgbClr val="FF0000"/>
-                </a:solidFill>
-              </a:rPr>
-              <a:t>Population.json </a:t>
-            </a:r>
-          </a:p>
-          <a:p>
-            <a:r>
-              <a:rPr lang="en-US" dirty="0">
-                <a:solidFill>
-                  <a:srgbClr val="FF0000"/>
-                </a:solidFill>
-              </a:rPr>
-              <a:t>mongoimport --db World --collection </a:t>
-            </a:r>
-            <a:r>
-              <a:rPr lang="en-US" dirty="0" smtClean="0">
-                <a:solidFill>
-                  <a:srgbClr val="FF0000"/>
-                </a:solidFill>
-              </a:rPr>
-              <a:t>NobelPrize --</a:t>
-            </a:r>
-            <a:r>
-              <a:rPr lang="en-US" dirty="0">
-                <a:solidFill>
-                  <a:srgbClr val="FF0000"/>
-                </a:solidFill>
-              </a:rPr>
-              <a:t>drop  --file NobelPrize</a:t>
-            </a:r>
-            <a:r>
-              <a:rPr lang="en-US" dirty="0" smtClean="0">
-                <a:solidFill>
-                  <a:srgbClr val="FF0000"/>
-                </a:solidFill>
-              </a:rPr>
-              <a:t>.json </a:t>
-            </a:r>
-            <a:endParaRPr lang="en-US" dirty="0">
-              <a:solidFill>
-                <a:srgbClr val="FF0000"/>
-              </a:solidFill>
-            </a:endParaRPr>
-          </a:p>
-          <a:p>
-            <a:r>
-              <a:rPr lang="en-US" dirty="0">
-                <a:solidFill>
-                  <a:srgbClr val="FF0000"/>
-                </a:solidFill>
-              </a:rPr>
-              <a:t>mongoimport --db World --collection </a:t>
-            </a:r>
-            <a:r>
-              <a:rPr lang="en-US" dirty="0" smtClean="0">
-                <a:solidFill>
-                  <a:srgbClr val="FF0000"/>
-                </a:solidFill>
-              </a:rPr>
-              <a:t>Companies </a:t>
-            </a:r>
-            <a:r>
-              <a:rPr lang="en-US" dirty="0">
-                <a:solidFill>
-                  <a:srgbClr val="FF0000"/>
-                </a:solidFill>
-              </a:rPr>
-              <a:t>--drop  --file </a:t>
-            </a:r>
-            <a:r>
-              <a:rPr lang="en-US" dirty="0" smtClean="0">
-                <a:solidFill>
-                  <a:srgbClr val="FF0000"/>
-                </a:solidFill>
-              </a:rPr>
-              <a:t>Companies.json </a:t>
-            </a:r>
-            <a:endParaRPr lang="en-US" dirty="0">
-              <a:solidFill>
-                <a:srgbClr val="FF0000"/>
-              </a:solidFill>
-            </a:endParaRPr>
+              <a:rPr lang="en-US" dirty="0">
+                <a:solidFill>
+                  <a:srgbClr val="FF0000"/>
+                </a:solidFill>
+              </a:rPr>
+              <a:t>mongoimport --db World --collection Population --drop  --file Population.json </a:t>
+            </a:r>
+          </a:p>
+          <a:p>
+            <a:r>
+              <a:rPr lang="en-US" dirty="0">
+                <a:solidFill>
+                  <a:srgbClr val="FF0000"/>
+                </a:solidFill>
+              </a:rPr>
+              <a:t>mongoimport --db World --collection NobelPrize --drop  --file NobelPrize.json </a:t>
+            </a:r>
+          </a:p>
+          <a:p>
+            <a:r>
+              <a:rPr lang="en-US" dirty="0">
+                <a:solidFill>
+                  <a:srgbClr val="FF0000"/>
+                </a:solidFill>
+              </a:rPr>
+              <a:t>mongoimport --db World --collection Companies --drop  --file Companies.json </a:t>
+            </a:r>
           </a:p>
           <a:p>
             <a:pPr lvl="1"/>
             <a:r>
-              <a:rPr lang="en-US" smtClean="0"/>
+              <a:rPr lang="en-US"/>
               <a:t>Save time and use the ./importScript</a:t>
             </a:r>
             <a:endParaRPr lang="en-US" dirty="0"/>
@@ -6179,10 +5829,9 @@
           <a:lstStyle/>
           <a:p>
             <a:r>
-              <a:rPr lang="en-US" dirty="0" smtClean="0"/>
-              <a:t>Query out for Harambe</a:t>
-            </a:r>
-            <a:endParaRPr lang="en-US" dirty="0"/>
+              <a:rPr lang="en-US" dirty="0"/>
+              <a:t>Queries</a:t>
+            </a:r>
           </a:p>
         </p:txBody>
       </p:sp>
@@ -6207,11 +5856,11 @@
           <a:lstStyle/>
           <a:p>
             <a:r>
-              <a:rPr lang="en-US" dirty="0" smtClean="0"/>
+              <a:rPr lang="en-US" dirty="0"/>
               <a:t>Don’t forget to </a:t>
             </a:r>
             <a:r>
-              <a:rPr lang="en-US" dirty="0" smtClean="0">
+              <a:rPr lang="en-US" dirty="0">
                 <a:solidFill>
                   <a:srgbClr val="FF0000"/>
                 </a:solidFill>
@@ -6221,7 +5870,7 @@
           </a:p>
           <a:p>
             <a:r>
-              <a:rPr lang="en-US" dirty="0" smtClean="0">
+              <a:rPr lang="en-US" dirty="0">
                 <a:solidFill>
                   <a:srgbClr val="FF0000"/>
                 </a:solidFill>
@@ -6231,47 +5880,47 @@
           </a:p>
           <a:p>
             <a:r>
-              <a:rPr lang="en-US" dirty="0" smtClean="0">
+              <a:rPr lang="en-US" dirty="0">
                 <a:solidFill>
                   <a:srgbClr val="FF0000"/>
                 </a:solidFill>
               </a:rPr>
               <a:t>db.Population.find( { males : { $gt : 2250000 } } )</a:t>
             </a:r>
-            <a:endParaRPr lang="en-US" dirty="0" smtClean="0"/>
-          </a:p>
-          <a:p>
-            <a:r>
-              <a:rPr lang="en-US" dirty="0" smtClean="0"/>
+            <a:endParaRPr lang="en-US" dirty="0"/>
+          </a:p>
+          <a:p>
+            <a:r>
+              <a:rPr lang="en-US" dirty="0"/>
               <a:t>To much information?</a:t>
             </a:r>
           </a:p>
           <a:p>
             <a:pPr lvl="1"/>
             <a:r>
-              <a:rPr lang="en-US" dirty="0" smtClean="0"/>
+              <a:rPr lang="en-US" dirty="0"/>
               <a:t>Add 2</a:t>
             </a:r>
             <a:r>
-              <a:rPr lang="en-US" baseline="30000" dirty="0" smtClean="0"/>
+              <a:rPr lang="en-US" baseline="30000" dirty="0"/>
               <a:t>nd</a:t>
             </a:r>
             <a:r>
-              <a:rPr lang="en-US" dirty="0" smtClean="0"/>
+              <a:rPr lang="en-US" dirty="0"/>
               <a:t> parameter to find to limit fields</a:t>
             </a:r>
           </a:p>
           <a:p>
             <a:pPr lvl="1"/>
             <a:r>
-              <a:rPr lang="en-US" dirty="0" smtClean="0"/>
+              <a:rPr lang="en-US" dirty="0"/>
               <a:t>Uses 1 and 0 to turn on or off</a:t>
             </a:r>
           </a:p>
           <a:p>
             <a:pPr lvl="2"/>
             <a:r>
-              <a:rPr lang="en-US" dirty="0" smtClean="0"/>
+              <a:rPr lang="en-US" dirty="0"/>
               <a:t>_id will be set to 1 by default</a:t>
             </a:r>
           </a:p>
@@ -6284,54 +5933,30 @@
               </a:rPr>
               <a:t>db.Population.find( </a:t>
             </a:r>
-            <a:r>
-              <a:rPr lang="en-US" dirty="0" smtClean="0">
-                <a:solidFill>
-                  <a:srgbClr val="FF0000"/>
-                </a:solidFill>
-              </a:rPr>
-              <a:t/>
-            </a:r>
             <a:br>
-              <a:rPr lang="en-US" dirty="0" smtClean="0">
+              <a:rPr lang="en-US" dirty="0">
                 <a:solidFill>
                   <a:srgbClr val="FF0000"/>
                 </a:solidFill>
               </a:rPr>
             </a:br>
             <a:r>
-              <a:rPr lang="en-US" dirty="0" smtClean="0">
-                <a:solidFill>
-                  <a:srgbClr val="FF0000"/>
-                </a:solidFill>
-              </a:rPr>
-              <a:t>				{ </a:t>
-            </a:r>
-            <a:r>
-              <a:rPr lang="en-US" dirty="0">
-                <a:solidFill>
-                  <a:srgbClr val="FF0000"/>
-                </a:solidFill>
-              </a:rPr>
-              <a:t>males : { $gt : 2250000 } </a:t>
-            </a:r>
-            <a:r>
-              <a:rPr lang="en-US" dirty="0" smtClean="0">
-                <a:solidFill>
-                  <a:srgbClr val="FF0000"/>
-                </a:solidFill>
-              </a:rPr>
-              <a:t>},</a:t>
+              <a:rPr lang="en-US" dirty="0">
+                <a:solidFill>
+                  <a:srgbClr val="FF0000"/>
+                </a:solidFill>
+              </a:rPr>
+              <a:t>				{ males : { $gt : 2250000 } },</a:t>
             </a:r>
             <a:br>
-              <a:rPr lang="en-US" dirty="0" smtClean="0">
+              <a:rPr lang="en-US" dirty="0">
                 <a:solidFill>
                   <a:srgbClr val="FF0000"/>
                 </a:solidFill>
               </a:rPr>
             </a:br>
             <a:r>
-              <a:rPr lang="en-US" dirty="0" smtClean="0">
+              <a:rPr lang="en-US" dirty="0">
                 <a:solidFill>
                   <a:srgbClr val="FF0000"/>
                 </a:solidFill>
@@ -6339,14 +5964,14 @@
               <a:t>				{ males : 1, age : 1, _id : 0 }</a:t>
             </a:r>
             <a:br>
-              <a:rPr lang="en-US" dirty="0" smtClean="0">
+              <a:rPr lang="en-US" dirty="0">
                 <a:solidFill>
                   <a:srgbClr val="FF0000"/>
                 </a:solidFill>
               </a:rPr>
             </a:br>
             <a:r>
-              <a:rPr lang="en-US" dirty="0" smtClean="0">
+              <a:rPr lang="en-US" dirty="0">
                 <a:solidFill>
                   <a:srgbClr val="FF0000"/>
                 </a:solidFill>
@@ -6359,16 +5984,16 @@
             <a:pPr marL="0" indent="0">
               <a:buNone/>
             </a:pPr>
-            <a:endParaRPr lang="en-US" dirty="0" smtClean="0"/>
-          </a:p>
-          <a:p>
             <a:endParaRPr lang="en-US" dirty="0"/>
           </a:p>
           <a:p>
+            <a:endParaRPr lang="en-US" dirty="0"/>
+          </a:p>
+          <a:p>
             <a:pPr marL="0" indent="0">
               <a:buNone/>
             </a:pPr>
-            <a:endParaRPr lang="en-US" dirty="0" smtClean="0">
+            <a:endParaRPr lang="en-US" dirty="0">
               <a:solidFill>
                 <a:srgbClr val="FF0000"/>
               </a:solidFill>
@@ -6425,15 +6050,7 @@
           <a:p>
             <a:r>
               <a:rPr lang="en-US" dirty="0"/>
-              <a:t>Find the order of the most females in the </a:t>
-            </a:r>
-            <a:r>
-              <a:rPr lang="en-US" dirty="0" smtClean="0"/>
-              <a:t>30-39 </a:t>
-            </a:r>
-            <a:r>
-              <a:rPr lang="en-US" dirty="0"/>
-              <a:t>age range</a:t>
+              <a:t>Find the order of the most females in the 30-39 age range</a:t>
             </a:r>
             <a:br>
               <a:rPr lang="en-US" dirty="0"/>
@@ -6465,12 +6082,8 @@
           <a:lstStyle/>
           <a:p>
             <a:r>
-              <a:rPr lang="en-US" dirty="0" smtClean="0"/>
-              <a:t>Easy</a:t>
-            </a:r>
-            <a:r>
-              <a:rPr lang="en-US" dirty="0"/>
-              <a:t>!</a:t>
+              <a:rPr lang="en-US" dirty="0"/>
+              <a:t>Easy!</a:t>
             </a:r>
           </a:p>
           <a:p>
@@ -6495,54 +6108,22 @@
                   <a:srgbClr val="FF0000"/>
                 </a:solidFill>
               </a:rPr>
-              <a:t>					$gte : </a:t>
-            </a:r>
-            <a:r>
-              <a:rPr lang="en-US" dirty="0" smtClean="0">
-                <a:solidFill>
-                  <a:srgbClr val="FF0000"/>
-                </a:solidFill>
-              </a:rPr>
-              <a:t>30</a:t>
-            </a:r>
-            <a:r>
-              <a:rPr lang="en-US" dirty="0">
-                <a:solidFill>
-                  <a:srgbClr val="FF0000"/>
-                </a:solidFill>
-              </a:rPr>
-              <a:t>, $lte : </a:t>
-            </a:r>
-            <a:r>
-              <a:rPr lang="en-US" dirty="0" smtClean="0">
-                <a:solidFill>
-                  <a:srgbClr val="FF0000"/>
-                </a:solidFill>
-              </a:rPr>
-              <a:t>39</a:t>
+              <a:t>					$gte : 30, $lte : 39</a:t>
             </a:r>
             <a:br>
-              <a:rPr lang="en-US" dirty="0" smtClean="0">
+              <a:rPr lang="en-US" dirty="0">
                 <a:solidFill>
                   <a:srgbClr val="FF0000"/>
                 </a:solidFill>
               </a:rPr>
             </a:br>
             <a:r>
-              <a:rPr lang="en-US" dirty="0" smtClean="0">
-                <a:solidFill>
-                  <a:srgbClr val="FF0000"/>
-                </a:solidFill>
-              </a:rPr>
-              <a:t>					 </a:t>
-            </a:r>
-            <a:r>
-              <a:rPr lang="en-US" dirty="0">
-                <a:solidFill>
-                  <a:srgbClr val="FF0000"/>
-                </a:solidFill>
-              </a:rPr>
-              <a:t>} </a:t>
+              <a:rPr lang="en-US" dirty="0">
+                <a:solidFill>
+                  <a:srgbClr val="FF0000"/>
+                </a:solidFill>
+              </a:rPr>
+              <a:t>					 } </a:t>
             </a:r>
             <a:br>
               <a:rPr lang="en-US" dirty="0">
@@ -6557,25 +6138,17 @@
                   <a:srgbClr val="FF0000"/>
                 </a:solidFill>
               </a:rPr>
-              <a:t>				</a:t>
-            </a:r>
-            <a:r>
-              <a:rPr lang="en-US" dirty="0" smtClean="0">
-                <a:solidFill>
-                  <a:srgbClr val="FF0000"/>
-                </a:solidFill>
-              </a:rPr>
-              <a:t>}, </a:t>
+              <a:t>				}, </a:t>
             </a:r>
             <a:br>
-              <a:rPr lang="en-US" dirty="0" smtClean="0">
+              <a:rPr lang="en-US" dirty="0">
                 <a:solidFill>
                   <a:srgbClr val="FF0000"/>
                 </a:solidFill>
               </a:rPr>
             </a:br>
             <a:r>
-              <a:rPr lang="en-US" dirty="0" smtClean="0">
+              <a:rPr lang="en-US" dirty="0">
                 <a:solidFill>
                   <a:srgbClr val="FF0000"/>
                 </a:solidFill>
@@ -6583,14 +6156,14 @@
               <a:t>				{age : 1, females : 1, _id:0}</a:t>
             </a:r>
             <a:br>
-              <a:rPr lang="en-US" dirty="0" smtClean="0">
+              <a:rPr lang="en-US" dirty="0">
                 <a:solidFill>
                   <a:srgbClr val="FF0000"/>
                 </a:solidFill>
               </a:rPr>
             </a:br>
             <a:r>
-              <a:rPr lang="en-US" dirty="0" smtClean="0">
+              <a:rPr lang="en-US" dirty="0">
                 <a:solidFill>
                   <a:srgbClr val="FF0000"/>
                 </a:solidFill>
@@ -6598,14 +6171,14 @@
               <a:t> 				).sort( </a:t>
             </a:r>
             <a:br>
-              <a:rPr lang="en-US" dirty="0" smtClean="0">
+              <a:rPr lang="en-US" dirty="0">
                 <a:solidFill>
                   <a:srgbClr val="FF0000"/>
                 </a:solidFill>
               </a:rPr>
             </a:br>
             <a:r>
-              <a:rPr lang="en-US" dirty="0" smtClean="0">
+              <a:rPr lang="en-US" dirty="0">
                 <a:solidFill>
                   <a:srgbClr val="FF0000"/>
                 </a:solidFill>
@@ -6613,25 +6186,20 @@
               <a:t>					{ females : -1 }</a:t>
             </a:r>
             <a:br>
-              <a:rPr lang="en-US" dirty="0" smtClean="0">
+              <a:rPr lang="en-US" dirty="0">
                 <a:solidFill>
                   <a:srgbClr val="FF0000"/>
                 </a:solidFill>
               </a:rPr>
             </a:br>
             <a:r>
-              <a:rPr lang="en-US" dirty="0" smtClean="0">
+              <a:rPr lang="en-US" dirty="0">
                 <a:solidFill>
                   <a:srgbClr val="FF0000"/>
                 </a:solidFill>
               </a:rPr>
               <a:t> 				)</a:t>
             </a:r>
-            <a:endParaRPr lang="en-US" dirty="0">
-              <a:solidFill>
-                <a:srgbClr val="FF0000"/>
-              </a:solidFill>
-            </a:endParaRPr>
           </a:p>
           <a:p>
             <a:endParaRPr lang="en-US" dirty="0"/>
@@ -6691,10 +6259,9 @@
           <a:lstStyle/>
           <a:p>
             <a:r>
-              <a:rPr lang="en-US" sz="3200" dirty="0" smtClean="0"/>
+              <a:rPr lang="en-US" sz="3200" dirty="0"/>
               <a:t>When has there been only two Nobel Prize Laureates and one of them was named either John, Bob, and/or Eric?</a:t>
             </a:r>
-            <a:endParaRPr lang="en-US" sz="3200" dirty="0"/>
           </a:p>
         </p:txBody>
       </p:sp>
@@ -6721,44 +6288,28 @@
           <a:lstStyle/>
           <a:p>
             <a:r>
-              <a:rPr lang="en-US" dirty="0" smtClean="0"/>
+              <a:rPr lang="en-US" dirty="0"/>
               <a:t>Oddly specific, talk about being bored</a:t>
             </a:r>
           </a:p>
           <a:p>
             <a:r>
-              <a:rPr lang="en-US" dirty="0" smtClean="0">
-                <a:solidFill>
-                  <a:srgbClr val="FF0000"/>
-                </a:solidFill>
-              </a:rPr>
-              <a:t>db.NobelPrize.find</a:t>
-            </a:r>
-            <a:r>
-              <a:rPr lang="en-US" dirty="0">
-                <a:solidFill>
-                  <a:srgbClr val="FF0000"/>
-                </a:solidFill>
-              </a:rPr>
-              <a:t>( </a:t>
-            </a:r>
-            <a:r>
-              <a:rPr lang="en-US" dirty="0" smtClean="0">
-                <a:solidFill>
-                  <a:srgbClr val="FF0000"/>
-                </a:solidFill>
-              </a:rPr>
-              <a:t/>
+              <a:rPr lang="en-US" dirty="0">
+                <a:solidFill>
+                  <a:srgbClr val="FF0000"/>
+                </a:solidFill>
+              </a:rPr>
+              <a:t>db.NobelPrize.find( </a:t>
             </a:r>
             <a:br>
-              <a:rPr lang="en-US" dirty="0" smtClean="0">
+              <a:rPr lang="en-US" dirty="0">
                 <a:solidFill>
                   <a:srgbClr val="FF0000"/>
                 </a:solidFill>
               </a:rPr>
             </a:br>
             <a:r>
-              <a:rPr lang="en-US" dirty="0" smtClean="0">
+              <a:rPr lang="en-US" dirty="0">
                 <a:solidFill>
                   <a:srgbClr val="FF0000"/>
                 </a:solidFill>
@@ -6766,76 +6317,44 @@
               <a:t>	{</a:t>
             </a:r>
             <a:br>
-              <a:rPr lang="en-US" dirty="0" smtClean="0">
+              <a:rPr lang="en-US" dirty="0">
                 <a:solidFill>
                   <a:srgbClr val="FF0000"/>
                 </a:solidFill>
               </a:rPr>
             </a:br>
             <a:r>
-              <a:rPr lang="en-US" dirty="0" smtClean="0">
-                <a:solidFill>
-                  <a:srgbClr val="FF0000"/>
-                </a:solidFill>
-              </a:rPr>
-              <a:t>		"</a:t>
-            </a:r>
-            <a:r>
-              <a:rPr lang="en-US" dirty="0">
-                <a:solidFill>
-                  <a:srgbClr val="FF0000"/>
-                </a:solidFill>
-              </a:rPr>
-              <a:t>laureates.firstname" : </a:t>
-            </a:r>
-            <a:r>
-              <a:rPr lang="en-US" dirty="0" smtClean="0">
-                <a:solidFill>
-                  <a:srgbClr val="FF0000"/>
-                </a:solidFill>
-              </a:rPr>
-              <a:t>{ </a:t>
+              <a:rPr lang="en-US" dirty="0">
+                <a:solidFill>
+                  <a:srgbClr val="FF0000"/>
+                </a:solidFill>
+              </a:rPr>
+              <a:t>		"laureates.firstname" : { </a:t>
             </a:r>
             <a:br>
-              <a:rPr lang="en-US" dirty="0" smtClean="0">
+              <a:rPr lang="en-US" dirty="0">
                 <a:solidFill>
                   <a:srgbClr val="FF0000"/>
                 </a:solidFill>
               </a:rPr>
             </a:br>
             <a:r>
-              <a:rPr lang="en-US" dirty="0" smtClean="0">
-                <a:solidFill>
-                  <a:srgbClr val="FF0000"/>
-                </a:solidFill>
-              </a:rPr>
-              <a:t>			$</a:t>
-            </a:r>
-            <a:r>
-              <a:rPr lang="en-US" dirty="0">
-                <a:solidFill>
-                  <a:srgbClr val="FF0000"/>
-                </a:solidFill>
-              </a:rPr>
-              <a:t>in: ["John", "Bob", "Eric</a:t>
-            </a:r>
-            <a:r>
-              <a:rPr lang="en-US" dirty="0" smtClean="0">
-                <a:solidFill>
-                  <a:srgbClr val="FF0000"/>
-                </a:solidFill>
-              </a:rPr>
-              <a:t>"]</a:t>
+              <a:rPr lang="en-US" dirty="0">
+                <a:solidFill>
+                  <a:srgbClr val="FF0000"/>
+                </a:solidFill>
+              </a:rPr>
+              <a:t>			$in: ["John", "Bob", "Eric"]</a:t>
             </a:r>
             <a:br>
-              <a:rPr lang="en-US" dirty="0" smtClean="0">
+              <a:rPr lang="en-US" dirty="0">
                 <a:solidFill>
                   <a:srgbClr val="FF0000"/>
                 </a:solidFill>
               </a:rPr>
             </a:br>
             <a:r>
-              <a:rPr lang="en-US" dirty="0" smtClean="0">
+              <a:rPr lang="en-US" dirty="0">
                 <a:solidFill>
                   <a:srgbClr val="FF0000"/>
                 </a:solidFill>
@@ -6843,45 +6362,29 @@
               <a:t>		 }, </a:t>
             </a:r>
             <a:br>
-              <a:rPr lang="en-US" dirty="0" smtClean="0">
+              <a:rPr lang="en-US" dirty="0">
                 <a:solidFill>
                   <a:srgbClr val="FF0000"/>
                 </a:solidFill>
               </a:rPr>
             </a:br>
             <a:r>
-              <a:rPr lang="en-US" dirty="0" smtClean="0">
-                <a:solidFill>
-                  <a:srgbClr val="FF0000"/>
-                </a:solidFill>
-              </a:rPr>
-              <a:t>		 laureates </a:t>
-            </a:r>
-            <a:r>
-              <a:rPr lang="en-US" dirty="0">
-                <a:solidFill>
-                  <a:srgbClr val="FF0000"/>
-                </a:solidFill>
-              </a:rPr>
-              <a:t>: {$size: 2} </a:t>
-            </a:r>
-            <a:r>
-              <a:rPr lang="en-US" dirty="0" smtClean="0">
-                <a:solidFill>
-                  <a:srgbClr val="FF0000"/>
-                </a:solidFill>
-              </a:rPr>
-              <a:t/>
+              <a:rPr lang="en-US" dirty="0">
+                <a:solidFill>
+                  <a:srgbClr val="FF0000"/>
+                </a:solidFill>
+              </a:rPr>
+              <a:t>		 laureates : {$size: 2} </a:t>
             </a:r>
             <a:br>
-              <a:rPr lang="en-US" dirty="0" smtClean="0">
+              <a:rPr lang="en-US" dirty="0">
                 <a:solidFill>
                   <a:srgbClr val="FF0000"/>
                 </a:solidFill>
               </a:rPr>
             </a:br>
             <a:r>
-              <a:rPr lang="en-US" dirty="0" smtClean="0">
+              <a:rPr lang="en-US" dirty="0">
                 <a:solidFill>
                   <a:srgbClr val="FF0000"/>
                 </a:solidFill>
@@ -6889,56 +6392,35 @@
               <a:t>	}, </a:t>
             </a:r>
             <a:br>
-              <a:rPr lang="en-US" dirty="0" smtClean="0">
+              <a:rPr lang="en-US" dirty="0">
                 <a:solidFill>
                   <a:srgbClr val="FF0000"/>
                 </a:solidFill>
               </a:rPr>
             </a:br>
             <a:r>
-              <a:rPr lang="en-US" dirty="0" smtClean="0">
-                <a:solidFill>
-                  <a:srgbClr val="FF0000"/>
-                </a:solidFill>
-              </a:rPr>
-              <a:t>	{</a:t>
-            </a:r>
-            <a:r>
-              <a:rPr lang="en-US" dirty="0">
-                <a:solidFill>
-                  <a:srgbClr val="FF0000"/>
-                </a:solidFill>
-              </a:rPr>
-              <a:t>year : 1, category:1, _id:0</a:t>
-            </a:r>
-            <a:r>
-              <a:rPr lang="en-US" dirty="0" smtClean="0">
-                <a:solidFill>
-                  <a:srgbClr val="FF0000"/>
-                </a:solidFill>
-              </a:rPr>
-              <a:t>}</a:t>
+              <a:rPr lang="en-US" dirty="0">
+                <a:solidFill>
+                  <a:srgbClr val="FF0000"/>
+                </a:solidFill>
+              </a:rPr>
+              <a:t>	{year : 1, category:1, _id:0}</a:t>
             </a:r>
             <a:br>
-              <a:rPr lang="en-US" dirty="0" smtClean="0">
+              <a:rPr lang="en-US" dirty="0">
                 <a:solidFill>
                   <a:srgbClr val="FF0000"/>
                 </a:solidFill>
               </a:rPr>
             </a:br>
             <a:r>
-              <a:rPr lang="en-US" dirty="0" smtClean="0">
+              <a:rPr lang="en-US" dirty="0">
                 <a:solidFill>
                   <a:srgbClr val="FF0000"/>
                 </a:solidFill>
               </a:rPr>
               <a:t>)</a:t>
             </a:r>
-            <a:endParaRPr lang="en-US" dirty="0">
-              <a:solidFill>
-                <a:srgbClr val="FF0000"/>
-              </a:solidFill>
-            </a:endParaRPr>
           </a:p>
         </p:txBody>
       </p:sp>
@@ -6988,10 +6470,9 @@
           <a:lstStyle/>
           <a:p>
             <a:r>
-              <a:rPr lang="en-US" dirty="0" smtClean="0"/>
+              <a:rPr lang="en-US" dirty="0"/>
               <a:t>Moral of the story</a:t>
             </a:r>
-            <a:endParaRPr lang="en-US" dirty="0"/>
           </a:p>
         </p:txBody>
       </p:sp>
@@ -7011,28 +6492,27 @@
           <a:lstStyle/>
           <a:p>
             <a:r>
-              <a:rPr lang="en-US" dirty="0" smtClean="0"/>
+              <a:rPr lang="en-US" dirty="0"/>
               <a:t>Use a GUI if possible </a:t>
             </a:r>
-            <a:endParaRPr lang="en-US" dirty="0"/>
-          </a:p>
-          <a:p>
-            <a:r>
-              <a:rPr lang="en-US" dirty="0" smtClean="0"/>
+          </a:p>
+          <a:p>
+            <a:r>
+              <a:rPr lang="en-US" dirty="0"/>
               <a:t>My choice is MongoChef</a:t>
             </a:r>
           </a:p>
           <a:p>
             <a:pPr lvl="1"/>
             <a:r>
-              <a:rPr lang="en-US" dirty="0" smtClean="0"/>
+              <a:rPr lang="en-US" dirty="0"/>
               <a:t>Note: Free for non commerical use</a:t>
             </a:r>
           </a:p>
           <a:p>
             <a:pPr lvl="1"/>
             <a:r>
-              <a:rPr lang="en-US" dirty="0" smtClean="0"/>
+              <a:rPr lang="en-US" dirty="0"/>
               <a:t>Has built in import and export functions as well</a:t>
             </a:r>
           </a:p>
@@ -7084,10 +6564,9 @@
           <a:lstStyle/>
           <a:p>
             <a:r>
-              <a:rPr lang="en-US" dirty="0" smtClean="0"/>
+              <a:rPr lang="en-US" dirty="0"/>
               <a:t>Every Database is CRUD</a:t>
             </a:r>
-            <a:endParaRPr lang="en-US" dirty="0"/>
           </a:p>
         </p:txBody>
       </p:sp>
@@ -7114,69 +6593,69 @@
           <a:lstStyle/>
           <a:p>
             <a:r>
-              <a:rPr lang="en-US" sz="4000" b="1" dirty="0" smtClean="0"/>
+              <a:rPr lang="en-US" sz="4000" b="1" dirty="0"/>
               <a:t>C</a:t>
             </a:r>
             <a:r>
-              <a:rPr lang="en-US" dirty="0" smtClean="0"/>
+              <a:rPr lang="en-US" dirty="0"/>
               <a:t>reate</a:t>
             </a:r>
           </a:p>
           <a:p>
             <a:pPr lvl="1"/>
             <a:r>
-              <a:rPr lang="en-US" dirty="0" smtClean="0"/>
+              <a:rPr lang="en-US" dirty="0"/>
               <a:t>Add new data to database</a:t>
             </a:r>
           </a:p>
           <a:p>
             <a:r>
-              <a:rPr lang="en-US" sz="4000" b="1" dirty="0" smtClean="0"/>
+              <a:rPr lang="en-US" sz="4000" b="1" dirty="0"/>
               <a:t>R</a:t>
             </a:r>
             <a:r>
-              <a:rPr lang="en-US" dirty="0" smtClean="0"/>
+              <a:rPr lang="en-US" dirty="0"/>
               <a:t>ead</a:t>
             </a:r>
           </a:p>
           <a:p>
             <a:pPr lvl="1"/>
             <a:r>
-              <a:rPr lang="en-US" dirty="0" smtClean="0"/>
+              <a:rPr lang="en-US" dirty="0"/>
               <a:t>Get data from database</a:t>
             </a:r>
           </a:p>
           <a:p>
             <a:r>
-              <a:rPr lang="en-US" sz="4000" b="1" dirty="0" smtClean="0"/>
+              <a:rPr lang="en-US" sz="4000" b="1" dirty="0"/>
               <a:t>U</a:t>
             </a:r>
             <a:r>
-              <a:rPr lang="en-US" dirty="0" smtClean="0"/>
+              <a:rPr lang="en-US" dirty="0"/>
               <a:t>pdate</a:t>
             </a:r>
           </a:p>
           <a:p>
             <a:pPr lvl="1"/>
             <a:r>
-              <a:rPr lang="en-US" dirty="0" smtClean="0"/>
+              <a:rPr lang="en-US" dirty="0"/>
               <a:t>Change data from database</a:t>
             </a:r>
           </a:p>
           <a:p>
             <a:r>
-              <a:rPr lang="en-US" sz="4000" b="1" dirty="0" smtClean="0"/>
+              <a:rPr lang="en-US" sz="4000" b="1" dirty="0"/>
               <a:t>D</a:t>
             </a:r>
             <a:r>
-              <a:rPr lang="en-US" dirty="0" smtClean="0"/>
+              <a:rPr lang="en-US" dirty="0"/>
               <a:t>elete</a:t>
             </a:r>
           </a:p>
           <a:p>
             <a:pPr lvl="1"/>
             <a:r>
-              <a:rPr lang="en-US" dirty="0" smtClean="0"/>
+              <a:rPr lang="en-US" dirty="0"/>
               <a:t>Erase data from database</a:t>
             </a:r>
           </a:p>
@@ -7228,10 +6707,9 @@
           <a:lstStyle/>
           <a:p>
             <a:r>
-              <a:rPr lang="en-US" dirty="0" smtClean="0"/>
+              <a:rPr lang="en-US" dirty="0"/>
               <a:t>API vs Database</a:t>
             </a:r>
-            <a:endParaRPr lang="en-US" dirty="0"/>
           </a:p>
         </p:txBody>
       </p:sp>
@@ -7258,21 +6736,21 @@
           <a:lstStyle/>
           <a:p>
             <a:r>
-              <a:rPr lang="en-US" sz="5800" dirty="0" smtClean="0"/>
+              <a:rPr lang="en-US" sz="5800" dirty="0"/>
               <a:t>API is the </a:t>
             </a:r>
             <a:r>
-              <a:rPr lang="en-US" sz="5800" b="1" dirty="0" smtClean="0"/>
+              <a:rPr lang="en-US" sz="5800" b="1" dirty="0"/>
               <a:t>Application</a:t>
             </a:r>
             <a:r>
-              <a:rPr lang="en-US" sz="5800" dirty="0" smtClean="0"/>
+              <a:rPr lang="en-US" sz="5800" dirty="0"/>
               <a:t> that does the CRUD</a:t>
             </a:r>
           </a:p>
           <a:p>
             <a:r>
-              <a:rPr lang="en-US" sz="5800" dirty="0" smtClean="0"/>
+              <a:rPr lang="en-US" sz="5800" dirty="0"/>
               <a:t>Example</a:t>
             </a:r>
           </a:p>
@@ -7282,31 +6760,21 @@
               <a:rPr lang="en-US" sz="4400" dirty="0">
                 <a:hlinkClick r:id="rId2"/>
               </a:rPr>
-              <a:t>https://</a:t>
-            </a:r>
-            <a:r>
-              <a:rPr lang="en-US" sz="4400" dirty="0" smtClean="0">
-                <a:hlinkClick r:id="rId2"/>
-              </a:rPr>
-              <a:t>api.github.com/users/sjfricke</a:t>
-            </a:r>
-            <a:endParaRPr lang="en-US" sz="4400" dirty="0" smtClean="0"/>
+              <a:t>https://api.github.com/users/sjfricke</a:t>
+            </a:r>
+            <a:endParaRPr lang="en-US" sz="4400" dirty="0"/>
           </a:p>
           <a:p>
             <a:pPr lvl="1"/>
             <a:r>
-              <a:rPr lang="en-US" sz="4400" dirty="0" smtClean="0"/>
-              <a:t>Fetches  </a:t>
-            </a:r>
-            <a:r>
-              <a:rPr lang="en-US" sz="4400" dirty="0" smtClean="0"/>
-              <a:t>JSON data from a Database</a:t>
+              <a:rPr lang="en-US" sz="4400" dirty="0"/>
+              <a:t>Fetches  JSON data from a Database</a:t>
             </a:r>
           </a:p>
           <a:p>
             <a:pPr lvl="1"/>
             <a:r>
-              <a:rPr lang="en-US" sz="4400" dirty="0" smtClean="0"/>
+              <a:rPr lang="en-US" sz="4400" dirty="0"/>
               <a:t>The backend server code is the API</a:t>
             </a:r>
           </a:p>
@@ -7321,30 +6789,17 @@
               <a:buNone/>
             </a:pPr>
             <a:r>
-              <a:rPr lang="en-US" dirty="0" smtClean="0"/>
-              <a:t>{ "login</a:t>
-            </a:r>
-            <a:r>
-              <a:rPr lang="en-US" dirty="0"/>
-              <a:t>": "sjfricke", </a:t>
-            </a:r>
-            <a:endParaRPr lang="en-US" dirty="0" smtClean="0"/>
+              <a:rPr lang="en-US" dirty="0"/>
+              <a:t>{ "login": "sjfricke", </a:t>
+            </a:r>
           </a:p>
           <a:p>
             <a:pPr marL="457200" lvl="1" indent="0">
               <a:buNone/>
             </a:pPr>
             <a:r>
-              <a:rPr lang="en-US" dirty="0" smtClean="0"/>
-              <a:t>  "</a:t>
-            </a:r>
-            <a:r>
-              <a:rPr lang="en-US" dirty="0"/>
-              <a:t>id": 9061055</a:t>
-            </a:r>
-            <a:r>
-              <a:rPr lang="en-US" dirty="0" smtClean="0"/>
-              <a:t>,</a:t>
+              <a:rPr lang="en-US" dirty="0"/>
+              <a:t>  "id": 9061055,</a:t>
             </a:r>
           </a:p>
           <a:p>
@@ -7353,33 +6808,16 @@
             </a:pPr>
             <a:r>
               <a:rPr lang="en-US" dirty="0"/>
-              <a:t> </a:t>
-            </a:r>
-            <a:r>
-              <a:rPr lang="en-US" dirty="0" smtClean="0"/>
-              <a:t> </a:t>
-            </a:r>
-            <a:r>
-              <a:rPr lang="en-US" dirty="0"/>
-              <a:t>"avatar_url": "https://avatars.githubusercontent.com/u/9061055?v=3", </a:t>
-            </a:r>
-            <a:endParaRPr lang="en-US" dirty="0" smtClean="0"/>
+              <a:t>  "avatar_url": "https://avatars.githubusercontent.com/u/9061055?v=3", </a:t>
+            </a:r>
           </a:p>
           <a:p>
             <a:pPr marL="457200" lvl="1" indent="0">
               <a:buNone/>
             </a:pPr>
             <a:r>
-              <a:rPr lang="en-US" dirty="0" smtClean="0"/>
-              <a:t>  "html_url</a:t>
-            </a:r>
-            <a:r>
-              <a:rPr lang="en-US" dirty="0"/>
-              <a:t>": "https://</a:t>
-            </a:r>
-            <a:r>
-              <a:rPr lang="en-US" dirty="0" smtClean="0"/>
-              <a:t>github.com/sjfricke, </a:t>
+              <a:rPr lang="en-US" dirty="0"/>
+              <a:t>  "html_url": "https://github.com/sjfricke, </a:t>
             </a:r>
           </a:p>
           <a:p>
@@ -7388,19 +6826,7 @@
             </a:pPr>
             <a:r>
               <a:rPr lang="en-US" dirty="0"/>
-              <a:t> </a:t>
-            </a:r>
-            <a:r>
-              <a:rPr lang="en-US" dirty="0" smtClean="0"/>
-              <a:t> "</a:t>
-            </a:r>
-            <a:r>
-              <a:rPr lang="en-US" dirty="0"/>
-              <a:t>email": "</a:t>
-            </a:r>
-            <a:r>
-              <a:rPr lang="en-US" dirty="0" smtClean="0"/>
-              <a:t>sjfricke@wisc.edu</a:t>
+              <a:t>  "email": "sjfricke@wisc.edu</a:t>
             </a:r>
           </a:p>
           <a:p>
@@ -7409,21 +6835,8 @@
             </a:pPr>
             <a:r>
               <a:rPr lang="en-US" dirty="0"/>
-              <a:t> </a:t>
-            </a:r>
-            <a:r>
-              <a:rPr lang="en-US" dirty="0" smtClean="0"/>
-              <a:t> </a:t>
-            </a:r>
-            <a:r>
-              <a:rPr lang="en-US" dirty="0"/>
-              <a:t>"updated_at": "2016-10-08T05:48:35Z" </a:t>
-            </a:r>
-            <a:r>
-              <a:rPr lang="en-US" dirty="0" smtClean="0"/>
-              <a:t>}</a:t>
-            </a:r>
-            <a:endParaRPr lang="en-US" dirty="0"/>
+              <a:t>  "updated_at": "2016-10-08T05:48:35Z" }</a:t>
+            </a:r>
           </a:p>
         </p:txBody>
       </p:sp>
@@ -7473,10 +6886,9 @@
           <a:lstStyle/>
           <a:p>
             <a:r>
-              <a:rPr lang="en-US" dirty="0" smtClean="0"/>
+              <a:rPr lang="en-US" dirty="0"/>
               <a:t>Relational Databases</a:t>
             </a:r>
-            <a:endParaRPr lang="en-US" dirty="0"/>
           </a:p>
         </p:txBody>
       </p:sp>
@@ -7496,42 +6908,42 @@
           <a:lstStyle/>
           <a:p>
             <a:r>
-              <a:rPr lang="en-US" dirty="0" smtClean="0"/>
+              <a:rPr lang="en-US" dirty="0"/>
               <a:t>Tables</a:t>
             </a:r>
           </a:p>
           <a:p>
             <a:r>
-              <a:rPr lang="en-US" dirty="0" smtClean="0"/>
+              <a:rPr lang="en-US" dirty="0"/>
               <a:t>SQL </a:t>
             </a:r>
           </a:p>
           <a:p>
             <a:pPr lvl="1"/>
             <a:r>
-              <a:rPr lang="en-US" dirty="0" smtClean="0"/>
+              <a:rPr lang="en-US" dirty="0"/>
               <a:t>The </a:t>
             </a:r>
             <a:r>
-              <a:rPr lang="en-US" u="sng" dirty="0" smtClean="0"/>
+              <a:rPr lang="en-US" u="sng" dirty="0"/>
               <a:t>Language</a:t>
             </a:r>
             <a:r>
-              <a:rPr lang="en-US" dirty="0" smtClean="0"/>
+              <a:rPr lang="en-US" dirty="0"/>
               <a:t> to </a:t>
             </a:r>
             <a:r>
-              <a:rPr lang="en-US" b="1" dirty="0" smtClean="0"/>
+              <a:rPr lang="en-US" b="1" dirty="0"/>
               <a:t>query</a:t>
             </a:r>
             <a:r>
-              <a:rPr lang="en-US" dirty="0" smtClean="0"/>
+              <a:rPr lang="en-US" dirty="0"/>
               <a:t> from table</a:t>
             </a:r>
           </a:p>
           <a:p>
             <a:r>
-              <a:rPr lang="en-US" dirty="0" smtClean="0"/>
+              <a:rPr lang="en-US" dirty="0"/>
               <a:t>MySQL, SQL Server, PostgreSQL, Oracle, etc…</a:t>
             </a:r>
           </a:p>
@@ -7539,22 +6951,14 @@
             <a:pPr lvl="1"/>
             <a:r>
               <a:rPr lang="en-US" dirty="0"/>
-              <a:t>Relational Database Management </a:t>
-            </a:r>
-            <a:r>
-              <a:rPr lang="en-US" dirty="0" smtClean="0"/>
-              <a:t>System</a:t>
+              <a:t>Relational Database Management System</a:t>
             </a:r>
           </a:p>
           <a:p>
             <a:pPr lvl="1"/>
             <a:r>
-              <a:rPr lang="en-US" dirty="0" smtClean="0"/>
-              <a:t>Use their own “dialect” of </a:t>
-            </a:r>
-            <a:r>
-              <a:rPr lang="en-US" dirty="0" smtClean="0"/>
-              <a:t>SQL</a:t>
+              <a:rPr lang="en-US" dirty="0"/>
+              <a:t>Use their own “dialect” of SQL</a:t>
             </a:r>
           </a:p>
           <a:p>
@@ -7562,7 +6966,6 @@
               <a:rPr lang="en-US" dirty="0"/>
               <a:t>CS 564</a:t>
             </a:r>
-            <a:endParaRPr lang="en-US" dirty="0" smtClean="0"/>
           </a:p>
           <a:p>
             <a:pPr marL="0" indent="0">
@@ -7618,10 +7021,9 @@
           <a:lstStyle/>
           <a:p>
             <a:r>
-              <a:rPr lang="en-US" dirty="0" smtClean="0"/>
+              <a:rPr lang="en-US" dirty="0"/>
               <a:t>SQL Table Example</a:t>
             </a:r>
-            <a:endParaRPr lang="en-US" dirty="0"/>
           </a:p>
         </p:txBody>
       </p:sp>
@@ -7652,66 +7054,26 @@
           </a:p>
           <a:p>
             <a:r>
-              <a:rPr lang="en-US" dirty="0" smtClean="0"/>
-              <a:t>SELECT </a:t>
-            </a:r>
-            <a:r>
-              <a:rPr lang="en-US" dirty="0"/>
-              <a:t>* FROM Customers;</a:t>
-            </a:r>
-          </a:p>
-          <a:p>
-            <a:r>
-              <a:rPr lang="en-US" dirty="0"/>
-              <a:t>SELECT City, ContactName FROM Customers WHERE Country='Mexico</a:t>
-            </a:r>
-            <a:r>
-              <a:rPr lang="en-US" dirty="0" smtClean="0"/>
-              <a:t>';</a:t>
-            </a:r>
-          </a:p>
-          <a:p>
-            <a:r>
-              <a:rPr lang="en-US" dirty="0" smtClean="0"/>
-              <a:t>UPDATE Customers SET </a:t>
-            </a:r>
-            <a:r>
-              <a:rPr lang="en-US" dirty="0"/>
-              <a:t>ContactName='Alfred Schmidt', City=</a:t>
-            </a:r>
-            <a:r>
-              <a:rPr lang="en-US" dirty="0" smtClean="0"/>
-              <a:t>'Hamburg‘ WHERE </a:t>
-            </a:r>
-            <a:r>
-              <a:rPr lang="en-US" dirty="0"/>
-              <a:t>CustomerName='Alfreds Futterkiste</a:t>
-            </a:r>
-            <a:r>
-              <a:rPr lang="en-US" dirty="0" smtClean="0"/>
-              <a:t>';</a:t>
-            </a:r>
-          </a:p>
-          <a:p>
-            <a:r>
-              <a:rPr lang="en-US" dirty="0"/>
-              <a:t>SELECT Customers.CustomerName, </a:t>
-            </a:r>
-            <a:r>
-              <a:rPr lang="en-US" dirty="0" smtClean="0"/>
-              <a:t>Orders.OrderID FROM Customers INNER </a:t>
-            </a:r>
-            <a:r>
-              <a:rPr lang="en-US" dirty="0"/>
-              <a:t>JOIN </a:t>
-            </a:r>
-            <a:r>
-              <a:rPr lang="en-US" dirty="0" smtClean="0"/>
-              <a:t>Orders ON Customers.CustomerID=Orders.CustomerID ORDER </a:t>
-            </a:r>
-            <a:r>
-              <a:rPr lang="en-US" dirty="0"/>
-              <a:t>BY Customers.CustomerName;</a:t>
+              <a:rPr lang="en-US" dirty="0"/>
+              <a:t>SELECT * FROM Customers;</a:t>
+            </a:r>
+          </a:p>
+          <a:p>
+            <a:r>
+              <a:rPr lang="en-US" dirty="0"/>
+              <a:t>SELECT City, ContactName FROM Customers WHERE Country='Mexico';</a:t>
+            </a:r>
+          </a:p>
+          <a:p>
+            <a:r>
+              <a:rPr lang="en-US" dirty="0"/>
+              <a:t>UPDATE Customers SET ContactName='Alfred Schmidt', City='Hamburg‘ WHERE CustomerName='Alfreds Futterkiste';</a:t>
+            </a:r>
+          </a:p>
+          <a:p>
+            <a:r>
+              <a:rPr lang="en-US" dirty="0"/>
+              <a:t>SELECT Customers.CustomerName, Orders.OrderID FROM Customers INNER JOIN Orders ON Customers.CustomerID=Orders.CustomerID ORDER BY Customers.CustomerName;</a:t>
             </a:r>
           </a:p>
           <a:p>
@@ -7771,10 +7133,9 @@
           <a:lstStyle/>
           <a:p>
             <a:r>
-              <a:rPr lang="en-US" dirty="0" smtClean="0"/>
+              <a:rPr lang="en-US" dirty="0"/>
               <a:t>Non-Relational</a:t>
             </a:r>
-            <a:endParaRPr lang="en-US" dirty="0"/>
           </a:p>
         </p:txBody>
       </p:sp>
@@ -7794,43 +7155,27 @@
           <a:lstStyle/>
           <a:p>
             <a:r>
-              <a:rPr lang="en-US" dirty="0" smtClean="0"/>
-              <a:t>No More Tables!         </a:t>
-            </a:r>
-            <a:r>
-              <a:rPr lang="en-US" dirty="0"/>
-              <a:t> </a:t>
-            </a:r>
-            <a:r>
-              <a:rPr lang="en-US" dirty="0" smtClean="0"/>
-              <a:t>(╯</a:t>
-            </a:r>
-            <a:r>
-              <a:rPr lang="en-US" dirty="0"/>
-              <a:t>°□°）╯︵ </a:t>
-            </a:r>
-            <a:r>
-              <a:rPr lang="en-US" dirty="0" smtClean="0"/>
-              <a:t>┻━┻</a:t>
-            </a:r>
-          </a:p>
-          <a:p>
-            <a:r>
-              <a:rPr lang="en-US" dirty="0" smtClean="0"/>
+              <a:rPr lang="en-US" dirty="0"/>
+              <a:t>No More Tables!          (╯°□°）╯︵ ┻━┻</a:t>
+            </a:r>
+          </a:p>
+          <a:p>
+            <a:r>
+              <a:rPr lang="en-US" dirty="0"/>
               <a:t>Also called “NoSQL”</a:t>
             </a:r>
           </a:p>
           <a:p>
             <a:r>
-              <a:rPr lang="en-US" dirty="0" smtClean="0"/>
+              <a:rPr lang="en-US" dirty="0"/>
               <a:t>Can scale “easier” then SQL</a:t>
             </a:r>
           </a:p>
           <a:p>
             <a:pPr lvl="1"/>
             <a:r>
-              <a:rPr lang="en-US" dirty="0" smtClean="0"/>
-              <a:t>Have you broke a SQL Schema before… its not fun</a:t>
+              <a:rPr lang="en-US" dirty="0"/>
+              <a:t>Have you broke a SQL Schema before… it’s not fun</a:t>
             </a:r>
           </a:p>
           <a:p>
@@ -7858,7 +7203,7 @@
             </a:r>
           </a:p>
           <a:p>
-            <a:endParaRPr lang="en-US" dirty="0" smtClean="0"/>
+            <a:endParaRPr lang="en-US" dirty="0"/>
           </a:p>
         </p:txBody>
       </p:sp>
@@ -7908,10 +7253,9 @@
           <a:lstStyle/>
           <a:p>
             <a:r>
-              <a:rPr lang="en-US" dirty="0" smtClean="0"/>
+              <a:rPr lang="en-US" dirty="0"/>
               <a:t>What is MongoDB</a:t>
             </a:r>
-            <a:endParaRPr lang="en-US" dirty="0"/>
           </a:p>
         </p:txBody>
       </p:sp>
@@ -7938,57 +7282,52 @@
           <a:lstStyle/>
           <a:p>
             <a:r>
-              <a:rPr lang="en-US" dirty="0" smtClean="0"/>
+              <a:rPr lang="en-US" dirty="0"/>
               <a:t>A “NoSQL” Database</a:t>
             </a:r>
           </a:p>
           <a:p>
             <a:r>
-              <a:rPr lang="en-US" dirty="0" smtClean="0"/>
+              <a:rPr lang="en-US" dirty="0"/>
               <a:t>Non-Relational</a:t>
             </a:r>
           </a:p>
           <a:p>
             <a:r>
-              <a:rPr lang="en-US" dirty="0" smtClean="0"/>
+              <a:rPr lang="en-US" dirty="0"/>
               <a:t>Free </a:t>
             </a:r>
-            <a:endParaRPr lang="en-US" dirty="0" smtClean="0"/>
-          </a:p>
-          <a:p>
-            <a:r>
-              <a:rPr lang="en-US" dirty="0" smtClean="0"/>
-              <a:t>Not </a:t>
-            </a:r>
-            <a:r>
-              <a:rPr lang="en-US" dirty="0" smtClean="0"/>
-              <a:t>default on Raspberry Pi’s</a:t>
+          </a:p>
+          <a:p>
+            <a:r>
+              <a:rPr lang="en-US" dirty="0"/>
+              <a:t>Not default on Raspberry Pi’s</a:t>
             </a:r>
           </a:p>
           <a:p>
             <a:pPr lvl="1"/>
             <a:r>
-              <a:rPr lang="en-US" dirty="0" smtClean="0"/>
+              <a:rPr lang="en-US" dirty="0"/>
               <a:t>I added it for everyone</a:t>
             </a:r>
           </a:p>
           <a:p>
             <a:pPr lvl="2"/>
             <a:r>
-              <a:rPr lang="en-US" dirty="0" smtClean="0"/>
+              <a:rPr lang="en-US" dirty="0"/>
               <a:t>PDF on the GitHub how to do it</a:t>
             </a:r>
           </a:p>
           <a:p>
             <a:r>
-              <a:rPr lang="en-US" dirty="0" smtClean="0"/>
+              <a:rPr lang="en-US" dirty="0"/>
               <a:t>“A big JSON garbage bin”</a:t>
             </a:r>
           </a:p>
           <a:p>
             <a:pPr lvl="1"/>
             <a:r>
-              <a:rPr lang="en-US" dirty="0" smtClean="0"/>
+              <a:rPr lang="en-US" dirty="0"/>
               <a:t>Only if you are not careful</a:t>
             </a:r>
           </a:p>
@@ -8040,10 +7379,9 @@
           <a:lstStyle/>
           <a:p>
             <a:r>
-              <a:rPr lang="en-US" dirty="0" smtClean="0"/>
+              <a:rPr lang="en-US" dirty="0"/>
               <a:t>JSON Overview </a:t>
             </a:r>
-            <a:endParaRPr lang="en-US" dirty="0"/>
           </a:p>
         </p:txBody>
       </p:sp>
@@ -8065,42 +7403,34 @@
           <a:lstStyle/>
           <a:p>
             <a:r>
-              <a:rPr lang="en-US" dirty="0" smtClean="0"/>
+              <a:rPr lang="en-US" dirty="0"/>
               <a:t>Open your browser of choice</a:t>
             </a:r>
           </a:p>
           <a:p>
             <a:pPr lvl="1"/>
             <a:r>
-              <a:rPr lang="en-US" dirty="0" smtClean="0"/>
+              <a:rPr lang="en-US" dirty="0"/>
               <a:t>Only if that choice is Google Chrome</a:t>
             </a:r>
           </a:p>
           <a:p>
             <a:pPr lvl="2"/>
             <a:r>
-              <a:rPr lang="en-US" dirty="0" smtClean="0"/>
-              <a:t>Windows</a:t>
-            </a:r>
-            <a:r>
-              <a:rPr lang="en-US" dirty="0"/>
-              <a:t> </a:t>
-            </a:r>
-            <a:r>
-              <a:rPr lang="en-US" dirty="0" smtClean="0"/>
-              <a:t> ------------ 	Ctrl+Shift+J  </a:t>
+              <a:rPr lang="en-US" dirty="0"/>
+              <a:t>Windows  ------------ 	Ctrl+Shift+J  </a:t>
             </a:r>
           </a:p>
           <a:p>
             <a:pPr lvl="2"/>
             <a:r>
-              <a:rPr lang="en-US" dirty="0" smtClean="0"/>
+              <a:rPr lang="en-US" dirty="0"/>
               <a:t>Macs ------------------ 	Option+Command+J</a:t>
             </a:r>
           </a:p>
           <a:p>
             <a:r>
-              <a:rPr lang="en-US" sz="2800" dirty="0" smtClean="0"/>
+              <a:rPr lang="en-US" sz="2800" dirty="0"/>
               <a:t>Go to Lesson_2 in GitHub folder for practice.json</a:t>
             </a:r>
           </a:p>
@@ -8109,13 +7439,7 @@
               <a:rPr lang="en-US" dirty="0">
                 <a:hlinkClick r:id="rId2"/>
               </a:rPr>
-              <a:t>https://</a:t>
-            </a:r>
-            <a:r>
-              <a:rPr lang="en-US" dirty="0" smtClean="0">
-                <a:hlinkClick r:id="rId2"/>
-              </a:rPr>
-              <a:t>github.com/sjfricke/IEEE_RaspberryPi_Socket_Pokemon/blob/master/Tutorial/Lesson_2/practice.json</a:t>
+              <a:t>https://github.com/sjfricke/IEEE_RaspberryPi_Socket_Pokemon/blob/master/Tutorial/Lesson_2/practice.json</a:t>
             </a:r>
             <a:endParaRPr lang="en-US" dirty="0"/>
           </a:p>

--- a/Tutorial/PowerPoint Versions/MongoDB and Databases.pptx
+++ b/Tutorial/PowerPoint Versions/MongoDB and Databases.pptx
@@ -9,27 +9,40 @@
     <p:sldId id="259" r:id="rId3"/>
     <p:sldId id="260" r:id="rId4"/>
     <p:sldId id="261" r:id="rId5"/>
-    <p:sldId id="262" r:id="rId6"/>
-    <p:sldId id="263" r:id="rId7"/>
-    <p:sldId id="258" r:id="rId8"/>
-    <p:sldId id="257" r:id="rId9"/>
-    <p:sldId id="264" r:id="rId10"/>
-    <p:sldId id="265" r:id="rId11"/>
-    <p:sldId id="266" r:id="rId12"/>
-    <p:sldId id="267" r:id="rId13"/>
-    <p:sldId id="268" r:id="rId14"/>
-    <p:sldId id="271" r:id="rId15"/>
-    <p:sldId id="269" r:id="rId16"/>
-    <p:sldId id="272" r:id="rId17"/>
-    <p:sldId id="273" r:id="rId18"/>
-    <p:sldId id="274" r:id="rId19"/>
-    <p:sldId id="276" r:id="rId20"/>
-    <p:sldId id="277" r:id="rId21"/>
-    <p:sldId id="278" r:id="rId22"/>
-    <p:sldId id="275" r:id="rId23"/>
-    <p:sldId id="279" r:id="rId24"/>
-    <p:sldId id="280" r:id="rId25"/>
-    <p:sldId id="281" r:id="rId26"/>
+    <p:sldId id="287" r:id="rId6"/>
+    <p:sldId id="294" r:id="rId7"/>
+    <p:sldId id="289" r:id="rId8"/>
+    <p:sldId id="295" r:id="rId9"/>
+    <p:sldId id="290" r:id="rId10"/>
+    <p:sldId id="293" r:id="rId11"/>
+    <p:sldId id="292" r:id="rId12"/>
+    <p:sldId id="291" r:id="rId13"/>
+    <p:sldId id="297" r:id="rId14"/>
+    <p:sldId id="298" r:id="rId15"/>
+    <p:sldId id="262" r:id="rId16"/>
+    <p:sldId id="282" r:id="rId17"/>
+    <p:sldId id="284" r:id="rId18"/>
+    <p:sldId id="263" r:id="rId19"/>
+    <p:sldId id="258" r:id="rId20"/>
+    <p:sldId id="257" r:id="rId21"/>
+    <p:sldId id="264" r:id="rId22"/>
+    <p:sldId id="265" r:id="rId23"/>
+    <p:sldId id="299" r:id="rId24"/>
+    <p:sldId id="266" r:id="rId25"/>
+    <p:sldId id="267" r:id="rId26"/>
+    <p:sldId id="268" r:id="rId27"/>
+    <p:sldId id="271" r:id="rId28"/>
+    <p:sldId id="269" r:id="rId29"/>
+    <p:sldId id="272" r:id="rId30"/>
+    <p:sldId id="273" r:id="rId31"/>
+    <p:sldId id="274" r:id="rId32"/>
+    <p:sldId id="276" r:id="rId33"/>
+    <p:sldId id="277" r:id="rId34"/>
+    <p:sldId id="278" r:id="rId35"/>
+    <p:sldId id="275" r:id="rId36"/>
+    <p:sldId id="279" r:id="rId37"/>
+    <p:sldId id="280" r:id="rId38"/>
+    <p:sldId id="281" r:id="rId39"/>
   </p:sldIdLst>
   <p:sldSz cx="9144000" cy="6858000" type="screen4x3"/>
   <p:notesSz cx="6858000" cy="9144000"/>
@@ -326,7 +339,7 @@
           <a:p>
             <a:fld id="{7C927FA9-8B60-4AF2-86A8-9E8A4FF8BBE8}" type="datetimeFigureOut">
               <a:rPr lang="en-US" smtClean="0"/>
-              <a:t>10/31/2016</a:t>
+              <a:t>11/1/2016</a:t>
             </a:fld>
             <a:endParaRPr lang="en-US"/>
           </a:p>
@@ -494,7 +507,7 @@
           <a:p>
             <a:fld id="{7C927FA9-8B60-4AF2-86A8-9E8A4FF8BBE8}" type="datetimeFigureOut">
               <a:rPr lang="en-US" smtClean="0"/>
-              <a:t>10/31/2016</a:t>
+              <a:t>11/1/2016</a:t>
             </a:fld>
             <a:endParaRPr lang="en-US"/>
           </a:p>
@@ -672,7 +685,7 @@
           <a:p>
             <a:fld id="{7C927FA9-8B60-4AF2-86A8-9E8A4FF8BBE8}" type="datetimeFigureOut">
               <a:rPr lang="en-US" smtClean="0"/>
-              <a:t>10/31/2016</a:t>
+              <a:t>11/1/2016</a:t>
             </a:fld>
             <a:endParaRPr lang="en-US"/>
           </a:p>
@@ -840,7 +853,7 @@
           <a:p>
             <a:fld id="{7C927FA9-8B60-4AF2-86A8-9E8A4FF8BBE8}" type="datetimeFigureOut">
               <a:rPr lang="en-US" smtClean="0"/>
-              <a:t>10/31/2016</a:t>
+              <a:t>11/1/2016</a:t>
             </a:fld>
             <a:endParaRPr lang="en-US"/>
           </a:p>
@@ -1085,7 +1098,7 @@
           <a:p>
             <a:fld id="{7C927FA9-8B60-4AF2-86A8-9E8A4FF8BBE8}" type="datetimeFigureOut">
               <a:rPr lang="en-US" smtClean="0"/>
-              <a:t>10/31/2016</a:t>
+              <a:t>11/1/2016</a:t>
             </a:fld>
             <a:endParaRPr lang="en-US"/>
           </a:p>
@@ -1370,7 +1383,7 @@
           <a:p>
             <a:fld id="{7C927FA9-8B60-4AF2-86A8-9E8A4FF8BBE8}" type="datetimeFigureOut">
               <a:rPr lang="en-US" smtClean="0"/>
-              <a:t>10/31/2016</a:t>
+              <a:t>11/1/2016</a:t>
             </a:fld>
             <a:endParaRPr lang="en-US"/>
           </a:p>
@@ -1789,7 +1802,7 @@
           <a:p>
             <a:fld id="{7C927FA9-8B60-4AF2-86A8-9E8A4FF8BBE8}" type="datetimeFigureOut">
               <a:rPr lang="en-US" smtClean="0"/>
-              <a:t>10/31/2016</a:t>
+              <a:t>11/1/2016</a:t>
             </a:fld>
             <a:endParaRPr lang="en-US"/>
           </a:p>
@@ -1906,7 +1919,7 @@
           <a:p>
             <a:fld id="{7C927FA9-8B60-4AF2-86A8-9E8A4FF8BBE8}" type="datetimeFigureOut">
               <a:rPr lang="en-US" smtClean="0"/>
-              <a:t>10/31/2016</a:t>
+              <a:t>11/1/2016</a:t>
             </a:fld>
             <a:endParaRPr lang="en-US"/>
           </a:p>
@@ -2001,7 +2014,7 @@
           <a:p>
             <a:fld id="{7C927FA9-8B60-4AF2-86A8-9E8A4FF8BBE8}" type="datetimeFigureOut">
               <a:rPr lang="en-US" smtClean="0"/>
-              <a:t>10/31/2016</a:t>
+              <a:t>11/1/2016</a:t>
             </a:fld>
             <a:endParaRPr lang="en-US"/>
           </a:p>
@@ -2276,7 +2289,7 @@
           <a:p>
             <a:fld id="{7C927FA9-8B60-4AF2-86A8-9E8A4FF8BBE8}" type="datetimeFigureOut">
               <a:rPr lang="en-US" smtClean="0"/>
-              <a:t>10/31/2016</a:t>
+              <a:t>11/1/2016</a:t>
             </a:fld>
             <a:endParaRPr lang="en-US"/>
           </a:p>
@@ -2528,7 +2541,7 @@
           <a:p>
             <a:fld id="{7C927FA9-8B60-4AF2-86A8-9E8A4FF8BBE8}" type="datetimeFigureOut">
               <a:rPr lang="en-US" smtClean="0"/>
-              <a:t>10/31/2016</a:t>
+              <a:t>11/1/2016</a:t>
             </a:fld>
             <a:endParaRPr lang="en-US"/>
           </a:p>
@@ -2739,7 +2752,7 @@
           <a:p>
             <a:fld id="{7C927FA9-8B60-4AF2-86A8-9E8A4FF8BBE8}" type="datetimeFigureOut">
               <a:rPr lang="en-US" smtClean="0"/>
-              <a:t>10/31/2016</a:t>
+              <a:t>11/1/2016</a:t>
             </a:fld>
             <a:endParaRPr lang="en-US"/>
           </a:p>
@@ -3305,112 +3318,427 @@
           <a:chExt cx="0" cy="0"/>
         </a:xfrm>
       </p:grpSpPr>
-      <p:sp>
-        <p:nvSpPr>
-          <p:cNvPr id="3" name="Content Placeholder 2"/>
-          <p:cNvSpPr>
-            <a:spLocks noGrp="1"/>
-          </p:cNvSpPr>
-          <p:nvPr>
-            <p:ph idx="1"/>
-          </p:nvPr>
+      <p:pic>
+        <p:nvPicPr>
+          <p:cNvPr id="2052" name="Picture 4" descr="Image result for server to database"/>
+          <p:cNvPicPr>
+            <a:picLocks noChangeArrowheads="1"/>
+          </p:cNvPicPr>
+          <p:nvPr/>
+        </p:nvPicPr>
+        <p:blipFill>
+          <a:blip r:embed="rId2" cstate="print">
+            <a:extLst>
+              <a:ext uri="{28A0092B-C50C-407E-A947-70E740481C1C}">
+                <a14:useLocalDpi xmlns:a14="http://schemas.microsoft.com/office/drawing/2010/main" val="0"/>
+              </a:ext>
+            </a:extLst>
+          </a:blip>
+          <a:srcRect/>
+          <a:stretch>
+            <a:fillRect/>
+          </a:stretch>
+        </p:blipFill>
+        <p:spPr bwMode="auto">
+          <a:xfrm>
+            <a:off x="6108936" y="4114800"/>
+            <a:ext cx="2054225" cy="2054225"/>
+          </a:xfrm>
+          <a:prstGeom prst="rect">
+            <a:avLst/>
+          </a:prstGeom>
+          <a:noFill/>
+          <a:extLst>
+            <a:ext uri="{909E8E84-426E-40DD-AFC4-6F175D3DCCD1}">
+              <a14:hiddenFill xmlns:a14="http://schemas.microsoft.com/office/drawing/2010/main">
+                <a:solidFill>
+                  <a:srgbClr val="FFFFFF"/>
+                </a:solidFill>
+              </a14:hiddenFill>
+            </a:ext>
+          </a:extLst>
+        </p:spPr>
+      </p:pic>
+      <p:pic>
+        <p:nvPicPr>
+          <p:cNvPr id="2054" name="Picture 6" descr="Image result for server"/>
+          <p:cNvPicPr>
+            <a:picLocks noChangeArrowheads="1"/>
+          </p:cNvPicPr>
+          <p:nvPr/>
+        </p:nvPicPr>
+        <p:blipFill rotWithShape="1">
+          <a:blip r:embed="rId3" cstate="print">
+            <a:extLst>
+              <a:ext uri="{28A0092B-C50C-407E-A947-70E740481C1C}">
+                <a14:useLocalDpi xmlns:a14="http://schemas.microsoft.com/office/drawing/2010/main" val="0"/>
+              </a:ext>
+            </a:extLst>
+          </a:blip>
+          <a:srcRect l="11153" r="12047" b="2401"/>
+          <a:stretch/>
+        </p:blipFill>
+        <p:spPr bwMode="auto">
+          <a:xfrm>
+            <a:off x="5966298" y="514349"/>
+            <a:ext cx="1360250" cy="1009651"/>
+          </a:xfrm>
+          <a:prstGeom prst="rect">
+            <a:avLst/>
+          </a:prstGeom>
+          <a:noFill/>
+          <a:extLst>
+            <a:ext uri="{909E8E84-426E-40DD-AFC4-6F175D3DCCD1}">
+              <a14:hiddenFill xmlns:a14="http://schemas.microsoft.com/office/drawing/2010/main">
+                <a:solidFill>
+                  <a:srgbClr val="FFFFFF"/>
+                </a:solidFill>
+              </a14:hiddenFill>
+            </a:ext>
+          </a:extLst>
+        </p:spPr>
+      </p:pic>
+      <p:pic>
+        <p:nvPicPr>
+          <p:cNvPr id="2056" name="Picture 8" descr="Image result for laptop client"/>
+          <p:cNvPicPr>
+            <a:picLocks noChangeAspect="1" noChangeArrowheads="1"/>
+          </p:cNvPicPr>
+          <p:nvPr/>
+        </p:nvPicPr>
+        <p:blipFill>
+          <a:blip r:embed="rId4">
+            <a:extLst>
+              <a:ext uri="{28A0092B-C50C-407E-A947-70E740481C1C}">
+                <a14:useLocalDpi xmlns:a14="http://schemas.microsoft.com/office/drawing/2010/main" val="0"/>
+              </a:ext>
+            </a:extLst>
+          </a:blip>
+          <a:srcRect/>
+          <a:stretch>
+            <a:fillRect/>
+          </a:stretch>
+        </p:blipFill>
+        <p:spPr bwMode="auto">
+          <a:xfrm>
+            <a:off x="382587" y="276224"/>
+            <a:ext cx="2206625" cy="2206625"/>
+          </a:xfrm>
+          <a:prstGeom prst="rect">
+            <a:avLst/>
+          </a:prstGeom>
+          <a:noFill/>
+          <a:extLst>
+            <a:ext uri="{909E8E84-426E-40DD-AFC4-6F175D3DCCD1}">
+              <a14:hiddenFill xmlns:a14="http://schemas.microsoft.com/office/drawing/2010/main">
+                <a:solidFill>
+                  <a:srgbClr val="FFFFFF"/>
+                </a:solidFill>
+              </a14:hiddenFill>
+            </a:ext>
+          </a:extLst>
+        </p:spPr>
+      </p:pic>
+      <p:sp>
+        <p:nvSpPr>
+          <p:cNvPr id="5" name="TextBox 4"/>
+          <p:cNvSpPr txBox="1"/>
+          <p:nvPr/>
         </p:nvSpPr>
         <p:spPr>
           <a:xfrm>
-            <a:off x="457200" y="228600"/>
-            <a:ext cx="8229600" cy="5897563"/>
-          </a:xfrm>
-        </p:spPr>
-        <p:txBody>
-          <a:bodyPr>
-            <a:normAutofit/>
+            <a:off x="-304801" y="2568571"/>
+            <a:ext cx="3581400" cy="646331"/>
+          </a:xfrm>
+          <a:prstGeom prst="rect">
+            <a:avLst/>
+          </a:prstGeom>
+          <a:noFill/>
+        </p:spPr>
+        <p:txBody>
+          <a:bodyPr wrap="square" rtlCol="0">
+            <a:spAutoFit/>
           </a:bodyPr>
           <a:lstStyle/>
           <a:p>
-            <a:r>
-              <a:rPr lang="en-US" dirty="0"/>
-              <a:t>Select all (ctrl+a) and copy it (ctrl+c)</a:t>
-            </a:r>
-          </a:p>
-          <a:p>
-            <a:r>
-              <a:rPr lang="en-US" dirty="0"/>
-              <a:t>Type: </a:t>
-            </a:r>
-            <a:r>
-              <a:rPr lang="en-US" b="1" dirty="0">
-                <a:solidFill>
-                  <a:srgbClr val="FF0000"/>
-                </a:solidFill>
-              </a:rPr>
-              <a:t>var data = </a:t>
-            </a:r>
-          </a:p>
-          <a:p>
-            <a:pPr lvl="1"/>
-            <a:r>
-              <a:rPr lang="en-US" dirty="0"/>
-              <a:t>Then paste (ctrl+v) data on screen and hit enter</a:t>
-            </a:r>
-          </a:p>
-          <a:p>
-            <a:pPr lvl="1"/>
+            <a:pPr algn="ctr"/>
+            <a:r>
+              <a:rPr lang="en-US" dirty="0" smtClean="0"/>
+              <a:t>Client </a:t>
+            </a:r>
+          </a:p>
+          <a:p>
+            <a:pPr algn="ctr"/>
+            <a:r>
+              <a:rPr lang="en-US" dirty="0" smtClean="0"/>
+              <a:t>(You on a computer or phone)</a:t>
+            </a:r>
             <a:endParaRPr lang="en-US" dirty="0"/>
           </a:p>
-          <a:p>
-            <a:r>
-              <a:rPr lang="en-US" dirty="0"/>
-              <a:t>Undefinded?</a:t>
-            </a:r>
-          </a:p>
-          <a:p>
-            <a:pPr lvl="1"/>
-            <a:r>
-              <a:rPr lang="en-US" dirty="0"/>
-              <a:t>Type: </a:t>
-            </a:r>
-            <a:r>
-              <a:rPr lang="en-US" b="1" dirty="0">
-                <a:solidFill>
-                  <a:srgbClr val="FF0000"/>
-                </a:solidFill>
-              </a:rPr>
-              <a:t>data</a:t>
+        </p:txBody>
+      </p:sp>
+      <p:sp>
+        <p:nvSpPr>
+          <p:cNvPr id="11" name="TextBox 10"/>
+          <p:cNvSpPr txBox="1"/>
+          <p:nvPr/>
+        </p:nvSpPr>
+        <p:spPr>
+          <a:xfrm>
+            <a:off x="5547198" y="2606672"/>
+            <a:ext cx="3581400" cy="646331"/>
+          </a:xfrm>
+          <a:prstGeom prst="rect">
+            <a:avLst/>
+          </a:prstGeom>
+          <a:noFill/>
+        </p:spPr>
+        <p:txBody>
+          <a:bodyPr wrap="square" rtlCol="0">
+            <a:spAutoFit/>
+          </a:bodyPr>
+          <a:lstStyle/>
+          <a:p>
+            <a:pPr algn="ctr"/>
+            <a:r>
+              <a:rPr lang="en-US" dirty="0" smtClean="0"/>
+              <a:t>Server</a:t>
+            </a:r>
+          </a:p>
+          <a:p>
+            <a:pPr algn="ctr"/>
+            <a:r>
+              <a:rPr lang="en-US" dirty="0" smtClean="0"/>
+              <a:t>(Could be your Raspberry Pi)</a:t>
             </a:r>
             <a:endParaRPr lang="en-US" dirty="0"/>
           </a:p>
-          <a:p>
-            <a:pPr marL="0" indent="0">
-              <a:buNone/>
-            </a:pPr>
+        </p:txBody>
+      </p:sp>
+      <p:sp>
+        <p:nvSpPr>
+          <p:cNvPr id="12" name="TextBox 11"/>
+          <p:cNvSpPr txBox="1"/>
+          <p:nvPr/>
+        </p:nvSpPr>
+        <p:spPr>
+          <a:xfrm>
+            <a:off x="5410200" y="6019800"/>
+            <a:ext cx="3581400" cy="646331"/>
+          </a:xfrm>
+          <a:prstGeom prst="rect">
+            <a:avLst/>
+          </a:prstGeom>
+          <a:noFill/>
+        </p:spPr>
+        <p:txBody>
+          <a:bodyPr wrap="square" rtlCol="0">
+            <a:spAutoFit/>
+          </a:bodyPr>
+          <a:lstStyle/>
+          <a:p>
+            <a:pPr algn="ctr"/>
+            <a:r>
+              <a:rPr lang="en-US" dirty="0" smtClean="0"/>
+              <a:t>Database</a:t>
+            </a:r>
+          </a:p>
+          <a:p>
+            <a:pPr algn="ctr"/>
+            <a:r>
+              <a:rPr lang="en-US" dirty="0" smtClean="0"/>
+              <a:t>(program living on the server)</a:t>
+            </a:r>
             <a:endParaRPr lang="en-US" dirty="0"/>
           </a:p>
-          <a:p>
-            <a:pPr marL="0" indent="0">
-              <a:buNone/>
-            </a:pPr>
-            <a:r>
-              <a:rPr lang="en-US" sz="2800" dirty="0"/>
-              <a:t>NOTE: There is never a comma after last listed item</a:t>
-            </a:r>
-          </a:p>
-          <a:p>
-            <a:pPr marL="0" indent="0">
-              <a:buNone/>
-            </a:pPr>
-            <a:endParaRPr lang="en-US" sz="2800" dirty="0"/>
-          </a:p>
-          <a:p>
-            <a:r>
-              <a:rPr lang="en-US" sz="2800" dirty="0"/>
-              <a:t>Can use built-in JavaScript</a:t>
-            </a:r>
-            <a:br>
-              <a:rPr lang="en-US" sz="2800" dirty="0"/>
-            </a:br>
-            <a:r>
-              <a:rPr lang="en-US" sz="2400" dirty="0"/>
-              <a:t>&lt;ArrayName&gt;.find(function(e){return e.name == "Alakazam"})</a:t>
+        </p:txBody>
+      </p:sp>
+      <p:sp>
+        <p:nvSpPr>
+          <p:cNvPr id="8" name="Rectangle 7"/>
+          <p:cNvSpPr/>
+          <p:nvPr/>
+        </p:nvSpPr>
+        <p:spPr>
+          <a:xfrm>
+            <a:off x="5257800" y="134718"/>
+            <a:ext cx="3810000" cy="6647082"/>
+          </a:xfrm>
+          <a:prstGeom prst="rect">
+            <a:avLst/>
+          </a:prstGeom>
+          <a:noFill/>
+        </p:spPr>
+        <p:style>
+          <a:lnRef idx="2">
+            <a:schemeClr val="accent1">
+              <a:shade val="50000"/>
+            </a:schemeClr>
+          </a:lnRef>
+          <a:fillRef idx="1">
+            <a:schemeClr val="accent1"/>
+          </a:fillRef>
+          <a:effectRef idx="0">
+            <a:schemeClr val="accent1"/>
+          </a:effectRef>
+          <a:fontRef idx="minor">
+            <a:schemeClr val="lt1"/>
+          </a:fontRef>
+        </p:style>
+        <p:txBody>
+          <a:bodyPr rtlCol="0" anchor="ctr"/>
+          <a:lstStyle/>
+          <a:p>
+            <a:pPr algn="ctr"/>
+            <a:endParaRPr lang="en-US"/>
+          </a:p>
+        </p:txBody>
+      </p:sp>
+      <p:cxnSp>
+        <p:nvCxnSpPr>
+          <p:cNvPr id="14" name="Straight Connector 13"/>
+          <p:cNvCxnSpPr/>
+          <p:nvPr/>
+        </p:nvCxnSpPr>
+        <p:spPr>
+          <a:xfrm flipV="1">
+            <a:off x="6590186" y="685800"/>
+            <a:ext cx="1676400" cy="1447800"/>
+          </a:xfrm>
+          <a:prstGeom prst="line">
+            <a:avLst/>
+          </a:prstGeom>
+          <a:ln>
+            <a:solidFill>
+              <a:schemeClr val="tx1"/>
+            </a:solidFill>
+          </a:ln>
+        </p:spPr>
+        <p:style>
+          <a:lnRef idx="1">
+            <a:schemeClr val="accent1"/>
+          </a:lnRef>
+          <a:fillRef idx="0">
+            <a:schemeClr val="accent1"/>
+          </a:fillRef>
+          <a:effectRef idx="0">
+            <a:schemeClr val="accent1"/>
+          </a:effectRef>
+          <a:fontRef idx="minor">
+            <a:schemeClr val="tx1"/>
+          </a:fontRef>
+        </p:style>
+      </p:cxnSp>
+      <p:pic>
+        <p:nvPicPr>
+          <p:cNvPr id="15" name="Picture 2" descr="Image result for raspberry pi"/>
+          <p:cNvPicPr>
+            <a:picLocks noChangeAspect="1" noChangeArrowheads="1"/>
+          </p:cNvPicPr>
+          <p:nvPr/>
+        </p:nvPicPr>
+        <p:blipFill>
+          <a:blip r:embed="rId5" cstate="print">
+            <a:extLst>
+              <a:ext uri="{28A0092B-C50C-407E-A947-70E740481C1C}">
+                <a14:useLocalDpi xmlns:a14="http://schemas.microsoft.com/office/drawing/2010/main" val="0"/>
+              </a:ext>
+            </a:extLst>
+          </a:blip>
+          <a:srcRect/>
+          <a:stretch>
+            <a:fillRect/>
+          </a:stretch>
+        </p:blipFill>
+        <p:spPr bwMode="auto">
+          <a:xfrm>
+            <a:off x="7010400" y="1127124"/>
+            <a:ext cx="1585591" cy="1441447"/>
+          </a:xfrm>
+          <a:prstGeom prst="rect">
+            <a:avLst/>
+          </a:prstGeom>
+          <a:noFill/>
+          <a:extLst>
+            <a:ext uri="{909E8E84-426E-40DD-AFC4-6F175D3DCCD1}">
+              <a14:hiddenFill xmlns:a14="http://schemas.microsoft.com/office/drawing/2010/main">
+                <a:solidFill>
+                  <a:srgbClr val="FFFFFF"/>
+                </a:solidFill>
+              </a14:hiddenFill>
+            </a:ext>
+          </a:extLst>
+        </p:spPr>
+      </p:pic>
+      <p:sp>
+        <p:nvSpPr>
+          <p:cNvPr id="18" name="Right Arrow 17"/>
+          <p:cNvSpPr/>
+          <p:nvPr/>
+        </p:nvSpPr>
+        <p:spPr>
+          <a:xfrm rot="16200000">
+            <a:off x="6582248" y="3519484"/>
+            <a:ext cx="571500" cy="381000"/>
+          </a:xfrm>
+          <a:prstGeom prst="rightArrow">
+            <a:avLst/>
+          </a:prstGeom>
+          <a:solidFill>
+            <a:srgbClr val="FF0000"/>
+          </a:solidFill>
+        </p:spPr>
+        <p:style>
+          <a:lnRef idx="2">
+            <a:schemeClr val="accent1">
+              <a:shade val="50000"/>
+            </a:schemeClr>
+          </a:lnRef>
+          <a:fillRef idx="1">
+            <a:schemeClr val="accent1"/>
+          </a:fillRef>
+          <a:effectRef idx="0">
+            <a:schemeClr val="accent1"/>
+          </a:effectRef>
+          <a:fontRef idx="minor">
+            <a:schemeClr val="lt1"/>
+          </a:fontRef>
+        </p:style>
+        <p:txBody>
+          <a:bodyPr rtlCol="0" anchor="ctr"/>
+          <a:lstStyle/>
+          <a:p>
+            <a:pPr algn="ctr"/>
+            <a:endParaRPr lang="en-US"/>
+          </a:p>
+        </p:txBody>
+      </p:sp>
+      <p:sp>
+        <p:nvSpPr>
+          <p:cNvPr id="19" name="TextBox 18"/>
+          <p:cNvSpPr txBox="1"/>
+          <p:nvPr/>
+        </p:nvSpPr>
+        <p:spPr>
+          <a:xfrm>
+            <a:off x="12700" y="4114800"/>
+            <a:ext cx="5226168" cy="830997"/>
+          </a:xfrm>
+          <a:prstGeom prst="rect">
+            <a:avLst/>
+          </a:prstGeom>
+          <a:noFill/>
+        </p:spPr>
+        <p:txBody>
+          <a:bodyPr wrap="square" rtlCol="0">
+            <a:spAutoFit/>
+          </a:bodyPr>
+          <a:lstStyle/>
+          <a:p>
+            <a:pPr algn="ctr"/>
+            <a:r>
+              <a:rPr lang="en-US" sz="2400" dirty="0" smtClean="0"/>
+              <a:t>Returns information including the password</a:t>
             </a:r>
           </a:p>
         </p:txBody>
@@ -3418,7 +3746,7 @@
     </p:spTree>
     <p:extLst>
       <p:ext uri="{BB962C8B-B14F-4D97-AF65-F5344CB8AC3E}">
-        <p14:creationId xmlns:p14="http://schemas.microsoft.com/office/powerpoint/2010/main" val="1752948088"/>
+        <p14:creationId xmlns:p14="http://schemas.microsoft.com/office/powerpoint/2010/main" val="1584139226"/>
       </p:ext>
     </p:extLst>
   </p:cSld>
@@ -3445,112 +3773,502 @@
           <a:chExt cx="0" cy="0"/>
         </a:xfrm>
       </p:grpSpPr>
-      <p:sp>
-        <p:nvSpPr>
-          <p:cNvPr id="2" name="Title 1"/>
-          <p:cNvSpPr>
-            <a:spLocks noGrp="1"/>
-          </p:cNvSpPr>
-          <p:nvPr>
-            <p:ph type="title"/>
-          </p:nvPr>
-        </p:nvSpPr>
-        <p:spPr/>
-        <p:txBody>
-          <a:bodyPr>
-            <a:normAutofit/>
+      <p:pic>
+        <p:nvPicPr>
+          <p:cNvPr id="2052" name="Picture 4" descr="Image result for server to database"/>
+          <p:cNvPicPr>
+            <a:picLocks noChangeArrowheads="1"/>
+          </p:cNvPicPr>
+          <p:nvPr/>
+        </p:nvPicPr>
+        <p:blipFill>
+          <a:blip r:embed="rId2" cstate="print">
+            <a:extLst>
+              <a:ext uri="{28A0092B-C50C-407E-A947-70E740481C1C}">
+                <a14:useLocalDpi xmlns:a14="http://schemas.microsoft.com/office/drawing/2010/main" val="0"/>
+              </a:ext>
+            </a:extLst>
+          </a:blip>
+          <a:srcRect/>
+          <a:stretch>
+            <a:fillRect/>
+          </a:stretch>
+        </p:blipFill>
+        <p:spPr bwMode="auto">
+          <a:xfrm>
+            <a:off x="6108936" y="4114800"/>
+            <a:ext cx="2054225" cy="2054225"/>
+          </a:xfrm>
+          <a:prstGeom prst="rect">
+            <a:avLst/>
+          </a:prstGeom>
+          <a:noFill/>
+          <a:extLst>
+            <a:ext uri="{909E8E84-426E-40DD-AFC4-6F175D3DCCD1}">
+              <a14:hiddenFill xmlns:a14="http://schemas.microsoft.com/office/drawing/2010/main">
+                <a:solidFill>
+                  <a:srgbClr val="FFFFFF"/>
+                </a:solidFill>
+              </a14:hiddenFill>
+            </a:ext>
+          </a:extLst>
+        </p:spPr>
+      </p:pic>
+      <p:pic>
+        <p:nvPicPr>
+          <p:cNvPr id="2054" name="Picture 6" descr="Image result for server"/>
+          <p:cNvPicPr>
+            <a:picLocks noChangeArrowheads="1"/>
+          </p:cNvPicPr>
+          <p:nvPr/>
+        </p:nvPicPr>
+        <p:blipFill rotWithShape="1">
+          <a:blip r:embed="rId3" cstate="print">
+            <a:extLst>
+              <a:ext uri="{28A0092B-C50C-407E-A947-70E740481C1C}">
+                <a14:useLocalDpi xmlns:a14="http://schemas.microsoft.com/office/drawing/2010/main" val="0"/>
+              </a:ext>
+            </a:extLst>
+          </a:blip>
+          <a:srcRect l="11153" r="12047" b="2401"/>
+          <a:stretch/>
+        </p:blipFill>
+        <p:spPr bwMode="auto">
+          <a:xfrm>
+            <a:off x="5966298" y="514349"/>
+            <a:ext cx="1360250" cy="1009651"/>
+          </a:xfrm>
+          <a:prstGeom prst="rect">
+            <a:avLst/>
+          </a:prstGeom>
+          <a:noFill/>
+          <a:extLst>
+            <a:ext uri="{909E8E84-426E-40DD-AFC4-6F175D3DCCD1}">
+              <a14:hiddenFill xmlns:a14="http://schemas.microsoft.com/office/drawing/2010/main">
+                <a:solidFill>
+                  <a:srgbClr val="FFFFFF"/>
+                </a:solidFill>
+              </a14:hiddenFill>
+            </a:ext>
+          </a:extLst>
+        </p:spPr>
+      </p:pic>
+      <p:pic>
+        <p:nvPicPr>
+          <p:cNvPr id="2056" name="Picture 8" descr="Image result for laptop client"/>
+          <p:cNvPicPr>
+            <a:picLocks noChangeAspect="1" noChangeArrowheads="1"/>
+          </p:cNvPicPr>
+          <p:nvPr/>
+        </p:nvPicPr>
+        <p:blipFill>
+          <a:blip r:embed="rId4">
+            <a:extLst>
+              <a:ext uri="{28A0092B-C50C-407E-A947-70E740481C1C}">
+                <a14:useLocalDpi xmlns:a14="http://schemas.microsoft.com/office/drawing/2010/main" val="0"/>
+              </a:ext>
+            </a:extLst>
+          </a:blip>
+          <a:srcRect/>
+          <a:stretch>
+            <a:fillRect/>
+          </a:stretch>
+        </p:blipFill>
+        <p:spPr bwMode="auto">
+          <a:xfrm>
+            <a:off x="382587" y="276224"/>
+            <a:ext cx="2206625" cy="2206625"/>
+          </a:xfrm>
+          <a:prstGeom prst="rect">
+            <a:avLst/>
+          </a:prstGeom>
+          <a:noFill/>
+          <a:extLst>
+            <a:ext uri="{909E8E84-426E-40DD-AFC4-6F175D3DCCD1}">
+              <a14:hiddenFill xmlns:a14="http://schemas.microsoft.com/office/drawing/2010/main">
+                <a:solidFill>
+                  <a:srgbClr val="FFFFFF"/>
+                </a:solidFill>
+              </a14:hiddenFill>
+            </a:ext>
+          </a:extLst>
+        </p:spPr>
+      </p:pic>
+      <p:sp>
+        <p:nvSpPr>
+          <p:cNvPr id="5" name="TextBox 4"/>
+          <p:cNvSpPr txBox="1"/>
+          <p:nvPr/>
+        </p:nvSpPr>
+        <p:spPr>
+          <a:xfrm>
+            <a:off x="-304801" y="2568571"/>
+            <a:ext cx="3581400" cy="646331"/>
+          </a:xfrm>
+          <a:prstGeom prst="rect">
+            <a:avLst/>
+          </a:prstGeom>
+          <a:noFill/>
+        </p:spPr>
+        <p:txBody>
+          <a:bodyPr wrap="square" rtlCol="0">
+            <a:spAutoFit/>
           </a:bodyPr>
           <a:lstStyle/>
           <a:p>
-            <a:r>
-              <a:rPr lang="en-US" dirty="0"/>
-              <a:t>Mongod vs Mongo ? </a:t>
-            </a:r>
-          </a:p>
-        </p:txBody>
-      </p:sp>
-      <p:sp>
-        <p:nvSpPr>
-          <p:cNvPr id="3" name="Content Placeholder 2"/>
-          <p:cNvSpPr>
-            <a:spLocks noGrp="1"/>
-          </p:cNvSpPr>
-          <p:nvPr>
-            <p:ph idx="1"/>
-          </p:nvPr>
-        </p:nvSpPr>
-        <p:spPr/>
-        <p:txBody>
-          <a:bodyPr>
-            <a:normAutofit/>
+            <a:pPr algn="ctr"/>
+            <a:r>
+              <a:rPr lang="en-US" dirty="0" smtClean="0"/>
+              <a:t>Client </a:t>
+            </a:r>
+          </a:p>
+          <a:p>
+            <a:pPr algn="ctr"/>
+            <a:r>
+              <a:rPr lang="en-US" dirty="0" smtClean="0"/>
+              <a:t>(You on a computer or phone)</a:t>
+            </a:r>
+            <a:endParaRPr lang="en-US" dirty="0"/>
+          </a:p>
+        </p:txBody>
+      </p:sp>
+      <p:sp>
+        <p:nvSpPr>
+          <p:cNvPr id="11" name="TextBox 10"/>
+          <p:cNvSpPr txBox="1"/>
+          <p:nvPr/>
+        </p:nvSpPr>
+        <p:spPr>
+          <a:xfrm>
+            <a:off x="5547198" y="2606672"/>
+            <a:ext cx="3581400" cy="646331"/>
+          </a:xfrm>
+          <a:prstGeom prst="rect">
+            <a:avLst/>
+          </a:prstGeom>
+          <a:noFill/>
+        </p:spPr>
+        <p:txBody>
+          <a:bodyPr wrap="square" rtlCol="0">
+            <a:spAutoFit/>
           </a:bodyPr>
           <a:lstStyle/>
           <a:p>
-            <a:r>
-              <a:rPr lang="en-US" b="1" dirty="0"/>
-              <a:t>Mongod</a:t>
-            </a:r>
-            <a:r>
-              <a:rPr lang="en-US" dirty="0"/>
-              <a:t> is “Running MongoDB” </a:t>
-            </a:r>
-          </a:p>
-          <a:p>
-            <a:pPr lvl="1"/>
-            <a:r>
-              <a:rPr lang="en-US" dirty="0"/>
-              <a:t> Stands for “Mongo Daemon” </a:t>
-            </a:r>
-          </a:p>
-          <a:p>
-            <a:r>
-              <a:rPr lang="en-US" b="1" dirty="0"/>
-              <a:t>Mongo</a:t>
-            </a:r>
-            <a:r>
-              <a:rPr lang="en-US" dirty="0"/>
-              <a:t> is the command line shell interface which we config with </a:t>
-            </a:r>
-          </a:p>
-          <a:p>
-            <a:pPr lvl="1"/>
-            <a:r>
-              <a:rPr lang="en-US" dirty="0"/>
-              <a:t>To access it just type “mongo”</a:t>
-            </a:r>
-          </a:p>
-          <a:p>
-            <a:pPr lvl="1"/>
+            <a:pPr algn="ctr"/>
+            <a:r>
+              <a:rPr lang="en-US" dirty="0" smtClean="0"/>
+              <a:t>Server</a:t>
+            </a:r>
+          </a:p>
+          <a:p>
+            <a:pPr algn="ctr"/>
+            <a:r>
+              <a:rPr lang="en-US" dirty="0" smtClean="0"/>
+              <a:t>(Could be your Raspberry Pi)</a:t>
+            </a:r>
             <a:endParaRPr lang="en-US" dirty="0"/>
           </a:p>
-          <a:p>
-            <a:r>
-              <a:rPr lang="en-US" dirty="0"/>
-              <a:t>Other options include </a:t>
-            </a:r>
-            <a:r>
-              <a:rPr lang="en-US" b="1" dirty="0"/>
-              <a:t>mongoimport </a:t>
-            </a:r>
-            <a:r>
-              <a:rPr lang="en-US" dirty="0"/>
-              <a:t>and </a:t>
-            </a:r>
-            <a:r>
-              <a:rPr lang="en-US" b="1" dirty="0"/>
-              <a:t>mongoexport</a:t>
-            </a:r>
-            <a:r>
-              <a:rPr lang="en-US" dirty="0"/>
-              <a:t> (will use later)</a:t>
-            </a:r>
+        </p:txBody>
+      </p:sp>
+      <p:sp>
+        <p:nvSpPr>
+          <p:cNvPr id="12" name="TextBox 11"/>
+          <p:cNvSpPr txBox="1"/>
+          <p:nvPr/>
+        </p:nvSpPr>
+        <p:spPr>
+          <a:xfrm>
+            <a:off x="5410200" y="6019800"/>
+            <a:ext cx="3581400" cy="646331"/>
+          </a:xfrm>
+          <a:prstGeom prst="rect">
+            <a:avLst/>
+          </a:prstGeom>
+          <a:noFill/>
+        </p:spPr>
+        <p:txBody>
+          <a:bodyPr wrap="square" rtlCol="0">
+            <a:spAutoFit/>
+          </a:bodyPr>
+          <a:lstStyle/>
+          <a:p>
+            <a:pPr algn="ctr"/>
+            <a:r>
+              <a:rPr lang="en-US" dirty="0" smtClean="0"/>
+              <a:t>Database</a:t>
+            </a:r>
+          </a:p>
+          <a:p>
+            <a:pPr algn="ctr"/>
+            <a:r>
+              <a:rPr lang="en-US" dirty="0" smtClean="0"/>
+              <a:t>(program living on the server)</a:t>
+            </a:r>
+            <a:endParaRPr lang="en-US" dirty="0"/>
+          </a:p>
+        </p:txBody>
+      </p:sp>
+      <p:sp>
+        <p:nvSpPr>
+          <p:cNvPr id="8" name="Rectangle 7"/>
+          <p:cNvSpPr/>
+          <p:nvPr/>
+        </p:nvSpPr>
+        <p:spPr>
+          <a:xfrm>
+            <a:off x="5257800" y="134718"/>
+            <a:ext cx="3810000" cy="6647082"/>
+          </a:xfrm>
+          <a:prstGeom prst="rect">
+            <a:avLst/>
+          </a:prstGeom>
+          <a:noFill/>
+        </p:spPr>
+        <p:style>
+          <a:lnRef idx="2">
+            <a:schemeClr val="accent1">
+              <a:shade val="50000"/>
+            </a:schemeClr>
+          </a:lnRef>
+          <a:fillRef idx="1">
+            <a:schemeClr val="accent1"/>
+          </a:fillRef>
+          <a:effectRef idx="0">
+            <a:schemeClr val="accent1"/>
+          </a:effectRef>
+          <a:fontRef idx="minor">
+            <a:schemeClr val="lt1"/>
+          </a:fontRef>
+        </p:style>
+        <p:txBody>
+          <a:bodyPr rtlCol="0" anchor="ctr"/>
+          <a:lstStyle/>
+          <a:p>
+            <a:pPr algn="ctr"/>
+            <a:endParaRPr lang="en-US"/>
+          </a:p>
+        </p:txBody>
+      </p:sp>
+      <p:cxnSp>
+        <p:nvCxnSpPr>
+          <p:cNvPr id="14" name="Straight Connector 13"/>
+          <p:cNvCxnSpPr/>
+          <p:nvPr/>
+        </p:nvCxnSpPr>
+        <p:spPr>
+          <a:xfrm flipV="1">
+            <a:off x="6590186" y="685800"/>
+            <a:ext cx="1676400" cy="1447800"/>
+          </a:xfrm>
+          <a:prstGeom prst="line">
+            <a:avLst/>
+          </a:prstGeom>
+          <a:ln>
+            <a:solidFill>
+              <a:schemeClr val="tx1"/>
+            </a:solidFill>
+          </a:ln>
+        </p:spPr>
+        <p:style>
+          <a:lnRef idx="1">
+            <a:schemeClr val="accent1"/>
+          </a:lnRef>
+          <a:fillRef idx="0">
+            <a:schemeClr val="accent1"/>
+          </a:fillRef>
+          <a:effectRef idx="0">
+            <a:schemeClr val="accent1"/>
+          </a:effectRef>
+          <a:fontRef idx="minor">
+            <a:schemeClr val="tx1"/>
+          </a:fontRef>
+        </p:style>
+      </p:cxnSp>
+      <p:pic>
+        <p:nvPicPr>
+          <p:cNvPr id="15" name="Picture 2" descr="Image result for raspberry pi"/>
+          <p:cNvPicPr>
+            <a:picLocks noChangeAspect="1" noChangeArrowheads="1"/>
+          </p:cNvPicPr>
+          <p:nvPr/>
+        </p:nvPicPr>
+        <p:blipFill>
+          <a:blip r:embed="rId5" cstate="print">
+            <a:extLst>
+              <a:ext uri="{28A0092B-C50C-407E-A947-70E740481C1C}">
+                <a14:useLocalDpi xmlns:a14="http://schemas.microsoft.com/office/drawing/2010/main" val="0"/>
+              </a:ext>
+            </a:extLst>
+          </a:blip>
+          <a:srcRect/>
+          <a:stretch>
+            <a:fillRect/>
+          </a:stretch>
+        </p:blipFill>
+        <p:spPr bwMode="auto">
+          <a:xfrm>
+            <a:off x="7010400" y="1127124"/>
+            <a:ext cx="1585591" cy="1441447"/>
+          </a:xfrm>
+          <a:prstGeom prst="rect">
+            <a:avLst/>
+          </a:prstGeom>
+          <a:noFill/>
+          <a:extLst>
+            <a:ext uri="{909E8E84-426E-40DD-AFC4-6F175D3DCCD1}">
+              <a14:hiddenFill xmlns:a14="http://schemas.microsoft.com/office/drawing/2010/main">
+                <a:solidFill>
+                  <a:srgbClr val="FFFFFF"/>
+                </a:solidFill>
+              </a14:hiddenFill>
+            </a:ext>
+          </a:extLst>
+        </p:spPr>
+      </p:pic>
+      <p:sp>
+        <p:nvSpPr>
+          <p:cNvPr id="2" name="Rectangle 1"/>
+          <p:cNvSpPr/>
+          <p:nvPr/>
+        </p:nvSpPr>
+        <p:spPr>
+          <a:xfrm>
+            <a:off x="85770" y="4114800"/>
+            <a:ext cx="5111232" cy="2308324"/>
+          </a:xfrm>
+          <a:prstGeom prst="rect">
+            <a:avLst/>
+          </a:prstGeom>
+        </p:spPr>
+        <p:txBody>
+          <a:bodyPr wrap="square">
+            <a:spAutoFit/>
+          </a:bodyPr>
+          <a:lstStyle/>
+          <a:p>
+            <a:pPr algn="ctr"/>
+            <a:r>
+              <a:rPr lang="en-US" sz="2400" dirty="0" smtClean="0"/>
+              <a:t>The Server logic</a:t>
+            </a:r>
+          </a:p>
+          <a:p>
+            <a:r>
+              <a:rPr lang="en-US" sz="2000" dirty="0" smtClean="0"/>
+              <a:t/>
+            </a:r>
+            <a:br>
+              <a:rPr lang="en-US" sz="2000" dirty="0" smtClean="0"/>
+            </a:br>
+            <a:r>
+              <a:rPr lang="en-US" sz="2000" dirty="0" smtClean="0"/>
+              <a:t>if (</a:t>
+            </a:r>
+            <a:r>
+              <a:rPr lang="en-US" sz="2000" dirty="0" err="1" smtClean="0"/>
+              <a:t>password_sent</a:t>
+            </a:r>
+            <a:r>
+              <a:rPr lang="en-US" sz="2000" dirty="0" smtClean="0"/>
+              <a:t> == </a:t>
+            </a:r>
+            <a:r>
+              <a:rPr lang="en-US" sz="2000" dirty="0" err="1" smtClean="0"/>
+              <a:t>password_from_query</a:t>
+            </a:r>
+            <a:r>
+              <a:rPr lang="en-US" sz="2000" dirty="0" smtClean="0"/>
+              <a:t>) {</a:t>
+            </a:r>
+          </a:p>
+          <a:p>
+            <a:r>
+              <a:rPr lang="en-US" sz="2000" dirty="0" smtClean="0"/>
+              <a:t>	</a:t>
+            </a:r>
+            <a:r>
+              <a:rPr lang="en-US" sz="2000" dirty="0" err="1" smtClean="0"/>
+              <a:t>valid_login</a:t>
+            </a:r>
+            <a:r>
+              <a:rPr lang="en-US" sz="2000" dirty="0" smtClean="0"/>
+              <a:t> = true;</a:t>
+            </a:r>
+          </a:p>
+          <a:p>
+            <a:r>
+              <a:rPr lang="en-US" sz="2000" dirty="0" smtClean="0"/>
+              <a:t>} else {</a:t>
+            </a:r>
+          </a:p>
+          <a:p>
+            <a:r>
+              <a:rPr lang="en-US" sz="2000" dirty="0" smtClean="0"/>
+              <a:t>	</a:t>
+            </a:r>
+            <a:r>
+              <a:rPr lang="en-US" sz="2000" dirty="0" err="1" smtClean="0"/>
+              <a:t>valid_login</a:t>
+            </a:r>
+            <a:r>
+              <a:rPr lang="en-US" sz="2000" dirty="0" smtClean="0"/>
+              <a:t> = false;</a:t>
+            </a:r>
+          </a:p>
+          <a:p>
+            <a:r>
+              <a:rPr lang="en-US" sz="2000" dirty="0" smtClean="0"/>
+              <a:t>}</a:t>
+            </a:r>
+            <a:endParaRPr lang="en-US" sz="2000" dirty="0"/>
+          </a:p>
+        </p:txBody>
+      </p:sp>
+      <p:sp>
+        <p:nvSpPr>
+          <p:cNvPr id="3" name="Oval 2"/>
+          <p:cNvSpPr/>
+          <p:nvPr/>
+        </p:nvSpPr>
+        <p:spPr>
+          <a:xfrm>
+            <a:off x="5334000" y="276224"/>
+            <a:ext cx="3581400" cy="2206625"/>
+          </a:xfrm>
+          <a:prstGeom prst="ellipse">
+            <a:avLst/>
+          </a:prstGeom>
+          <a:noFill/>
+        </p:spPr>
+        <p:style>
+          <a:lnRef idx="2">
+            <a:schemeClr val="accent1">
+              <a:shade val="50000"/>
+            </a:schemeClr>
+          </a:lnRef>
+          <a:fillRef idx="1">
+            <a:schemeClr val="accent1"/>
+          </a:fillRef>
+          <a:effectRef idx="0">
+            <a:schemeClr val="accent1"/>
+          </a:effectRef>
+          <a:fontRef idx="minor">
+            <a:schemeClr val="lt1"/>
+          </a:fontRef>
+        </p:style>
+        <p:txBody>
+          <a:bodyPr rtlCol="0" anchor="ctr"/>
+          <a:lstStyle/>
+          <a:p>
+            <a:pPr algn="ctr"/>
+            <a:endParaRPr lang="en-US"/>
           </a:p>
         </p:txBody>
       </p:sp>
     </p:spTree>
     <p:extLst>
       <p:ext uri="{BB962C8B-B14F-4D97-AF65-F5344CB8AC3E}">
-        <p14:creationId xmlns:p14="http://schemas.microsoft.com/office/powerpoint/2010/main" val="1412551190"/>
+        <p14:creationId xmlns:p14="http://schemas.microsoft.com/office/powerpoint/2010/main" val="4034589870"/>
       </p:ext>
     </p:extLst>
   </p:cSld>
@@ -3577,6 +4295,2772 @@
           <a:chExt cx="0" cy="0"/>
         </a:xfrm>
       </p:grpSpPr>
+      <p:pic>
+        <p:nvPicPr>
+          <p:cNvPr id="2052" name="Picture 4" descr="Image result for server to database"/>
+          <p:cNvPicPr>
+            <a:picLocks noChangeArrowheads="1"/>
+          </p:cNvPicPr>
+          <p:nvPr/>
+        </p:nvPicPr>
+        <p:blipFill>
+          <a:blip r:embed="rId2" cstate="print">
+            <a:extLst>
+              <a:ext uri="{28A0092B-C50C-407E-A947-70E740481C1C}">
+                <a14:useLocalDpi xmlns:a14="http://schemas.microsoft.com/office/drawing/2010/main" val="0"/>
+              </a:ext>
+            </a:extLst>
+          </a:blip>
+          <a:srcRect/>
+          <a:stretch>
+            <a:fillRect/>
+          </a:stretch>
+        </p:blipFill>
+        <p:spPr bwMode="auto">
+          <a:xfrm>
+            <a:off x="6108936" y="4114800"/>
+            <a:ext cx="2054225" cy="2054225"/>
+          </a:xfrm>
+          <a:prstGeom prst="rect">
+            <a:avLst/>
+          </a:prstGeom>
+          <a:noFill/>
+          <a:extLst>
+            <a:ext uri="{909E8E84-426E-40DD-AFC4-6F175D3DCCD1}">
+              <a14:hiddenFill xmlns:a14="http://schemas.microsoft.com/office/drawing/2010/main">
+                <a:solidFill>
+                  <a:srgbClr val="FFFFFF"/>
+                </a:solidFill>
+              </a14:hiddenFill>
+            </a:ext>
+          </a:extLst>
+        </p:spPr>
+      </p:pic>
+      <p:pic>
+        <p:nvPicPr>
+          <p:cNvPr id="2054" name="Picture 6" descr="Image result for server"/>
+          <p:cNvPicPr>
+            <a:picLocks noChangeArrowheads="1"/>
+          </p:cNvPicPr>
+          <p:nvPr/>
+        </p:nvPicPr>
+        <p:blipFill rotWithShape="1">
+          <a:blip r:embed="rId3" cstate="print">
+            <a:extLst>
+              <a:ext uri="{28A0092B-C50C-407E-A947-70E740481C1C}">
+                <a14:useLocalDpi xmlns:a14="http://schemas.microsoft.com/office/drawing/2010/main" val="0"/>
+              </a:ext>
+            </a:extLst>
+          </a:blip>
+          <a:srcRect l="11153" r="12047" b="2401"/>
+          <a:stretch/>
+        </p:blipFill>
+        <p:spPr bwMode="auto">
+          <a:xfrm>
+            <a:off x="5966298" y="514349"/>
+            <a:ext cx="1360250" cy="1009651"/>
+          </a:xfrm>
+          <a:prstGeom prst="rect">
+            <a:avLst/>
+          </a:prstGeom>
+          <a:noFill/>
+          <a:extLst>
+            <a:ext uri="{909E8E84-426E-40DD-AFC4-6F175D3DCCD1}">
+              <a14:hiddenFill xmlns:a14="http://schemas.microsoft.com/office/drawing/2010/main">
+                <a:solidFill>
+                  <a:srgbClr val="FFFFFF"/>
+                </a:solidFill>
+              </a14:hiddenFill>
+            </a:ext>
+          </a:extLst>
+        </p:spPr>
+      </p:pic>
+      <p:pic>
+        <p:nvPicPr>
+          <p:cNvPr id="2056" name="Picture 8" descr="Image result for laptop client"/>
+          <p:cNvPicPr>
+            <a:picLocks noChangeAspect="1" noChangeArrowheads="1"/>
+          </p:cNvPicPr>
+          <p:nvPr/>
+        </p:nvPicPr>
+        <p:blipFill>
+          <a:blip r:embed="rId4">
+            <a:extLst>
+              <a:ext uri="{28A0092B-C50C-407E-A947-70E740481C1C}">
+                <a14:useLocalDpi xmlns:a14="http://schemas.microsoft.com/office/drawing/2010/main" val="0"/>
+              </a:ext>
+            </a:extLst>
+          </a:blip>
+          <a:srcRect/>
+          <a:stretch>
+            <a:fillRect/>
+          </a:stretch>
+        </p:blipFill>
+        <p:spPr bwMode="auto">
+          <a:xfrm>
+            <a:off x="382587" y="276224"/>
+            <a:ext cx="2206625" cy="2206625"/>
+          </a:xfrm>
+          <a:prstGeom prst="rect">
+            <a:avLst/>
+          </a:prstGeom>
+          <a:noFill/>
+          <a:extLst>
+            <a:ext uri="{909E8E84-426E-40DD-AFC4-6F175D3DCCD1}">
+              <a14:hiddenFill xmlns:a14="http://schemas.microsoft.com/office/drawing/2010/main">
+                <a:solidFill>
+                  <a:srgbClr val="FFFFFF"/>
+                </a:solidFill>
+              </a14:hiddenFill>
+            </a:ext>
+          </a:extLst>
+        </p:spPr>
+      </p:pic>
+      <p:sp>
+        <p:nvSpPr>
+          <p:cNvPr id="5" name="TextBox 4"/>
+          <p:cNvSpPr txBox="1"/>
+          <p:nvPr/>
+        </p:nvSpPr>
+        <p:spPr>
+          <a:xfrm>
+            <a:off x="-304801" y="2568571"/>
+            <a:ext cx="3581400" cy="646331"/>
+          </a:xfrm>
+          <a:prstGeom prst="rect">
+            <a:avLst/>
+          </a:prstGeom>
+          <a:noFill/>
+        </p:spPr>
+        <p:txBody>
+          <a:bodyPr wrap="square" rtlCol="0">
+            <a:spAutoFit/>
+          </a:bodyPr>
+          <a:lstStyle/>
+          <a:p>
+            <a:pPr algn="ctr"/>
+            <a:r>
+              <a:rPr lang="en-US" dirty="0" smtClean="0"/>
+              <a:t>Client </a:t>
+            </a:r>
+          </a:p>
+          <a:p>
+            <a:pPr algn="ctr"/>
+            <a:r>
+              <a:rPr lang="en-US" dirty="0" smtClean="0"/>
+              <a:t>(You on a computer or phone)</a:t>
+            </a:r>
+            <a:endParaRPr lang="en-US" dirty="0"/>
+          </a:p>
+        </p:txBody>
+      </p:sp>
+      <p:sp>
+        <p:nvSpPr>
+          <p:cNvPr id="11" name="TextBox 10"/>
+          <p:cNvSpPr txBox="1"/>
+          <p:nvPr/>
+        </p:nvSpPr>
+        <p:spPr>
+          <a:xfrm>
+            <a:off x="5547198" y="2606672"/>
+            <a:ext cx="3581400" cy="646331"/>
+          </a:xfrm>
+          <a:prstGeom prst="rect">
+            <a:avLst/>
+          </a:prstGeom>
+          <a:noFill/>
+        </p:spPr>
+        <p:txBody>
+          <a:bodyPr wrap="square" rtlCol="0">
+            <a:spAutoFit/>
+          </a:bodyPr>
+          <a:lstStyle/>
+          <a:p>
+            <a:pPr algn="ctr"/>
+            <a:r>
+              <a:rPr lang="en-US" dirty="0" smtClean="0"/>
+              <a:t>Server</a:t>
+            </a:r>
+          </a:p>
+          <a:p>
+            <a:pPr algn="ctr"/>
+            <a:r>
+              <a:rPr lang="en-US" dirty="0" smtClean="0"/>
+              <a:t>(Could be your Raspberry Pi)</a:t>
+            </a:r>
+            <a:endParaRPr lang="en-US" dirty="0"/>
+          </a:p>
+        </p:txBody>
+      </p:sp>
+      <p:sp>
+        <p:nvSpPr>
+          <p:cNvPr id="12" name="TextBox 11"/>
+          <p:cNvSpPr txBox="1"/>
+          <p:nvPr/>
+        </p:nvSpPr>
+        <p:spPr>
+          <a:xfrm>
+            <a:off x="5410200" y="6019800"/>
+            <a:ext cx="3581400" cy="646331"/>
+          </a:xfrm>
+          <a:prstGeom prst="rect">
+            <a:avLst/>
+          </a:prstGeom>
+          <a:noFill/>
+        </p:spPr>
+        <p:txBody>
+          <a:bodyPr wrap="square" rtlCol="0">
+            <a:spAutoFit/>
+          </a:bodyPr>
+          <a:lstStyle/>
+          <a:p>
+            <a:pPr algn="ctr"/>
+            <a:r>
+              <a:rPr lang="en-US" dirty="0" smtClean="0"/>
+              <a:t>Database</a:t>
+            </a:r>
+          </a:p>
+          <a:p>
+            <a:pPr algn="ctr"/>
+            <a:r>
+              <a:rPr lang="en-US" dirty="0" smtClean="0"/>
+              <a:t>(program living on the server)</a:t>
+            </a:r>
+            <a:endParaRPr lang="en-US" dirty="0"/>
+          </a:p>
+        </p:txBody>
+      </p:sp>
+      <p:sp>
+        <p:nvSpPr>
+          <p:cNvPr id="6" name="Right Arrow 5"/>
+          <p:cNvSpPr/>
+          <p:nvPr/>
+        </p:nvSpPr>
+        <p:spPr>
+          <a:xfrm rot="10800000">
+            <a:off x="3429000" y="1600200"/>
+            <a:ext cx="1295400" cy="533400"/>
+          </a:xfrm>
+          <a:prstGeom prst="rightArrow">
+            <a:avLst/>
+          </a:prstGeom>
+          <a:solidFill>
+            <a:srgbClr val="FF0000"/>
+          </a:solidFill>
+        </p:spPr>
+        <p:style>
+          <a:lnRef idx="2">
+            <a:schemeClr val="accent1">
+              <a:shade val="50000"/>
+            </a:schemeClr>
+          </a:lnRef>
+          <a:fillRef idx="1">
+            <a:schemeClr val="accent1"/>
+          </a:fillRef>
+          <a:effectRef idx="0">
+            <a:schemeClr val="accent1"/>
+          </a:effectRef>
+          <a:fontRef idx="minor">
+            <a:schemeClr val="lt1"/>
+          </a:fontRef>
+        </p:style>
+        <p:txBody>
+          <a:bodyPr rtlCol="0" anchor="ctr"/>
+          <a:lstStyle/>
+          <a:p>
+            <a:pPr algn="ctr"/>
+            <a:endParaRPr lang="en-US"/>
+          </a:p>
+        </p:txBody>
+      </p:sp>
+      <p:sp>
+        <p:nvSpPr>
+          <p:cNvPr id="8" name="Rectangle 7"/>
+          <p:cNvSpPr/>
+          <p:nvPr/>
+        </p:nvSpPr>
+        <p:spPr>
+          <a:xfrm>
+            <a:off x="5257800" y="134718"/>
+            <a:ext cx="3810000" cy="6647082"/>
+          </a:xfrm>
+          <a:prstGeom prst="rect">
+            <a:avLst/>
+          </a:prstGeom>
+          <a:noFill/>
+        </p:spPr>
+        <p:style>
+          <a:lnRef idx="2">
+            <a:schemeClr val="accent1">
+              <a:shade val="50000"/>
+            </a:schemeClr>
+          </a:lnRef>
+          <a:fillRef idx="1">
+            <a:schemeClr val="accent1"/>
+          </a:fillRef>
+          <a:effectRef idx="0">
+            <a:schemeClr val="accent1"/>
+          </a:effectRef>
+          <a:fontRef idx="minor">
+            <a:schemeClr val="lt1"/>
+          </a:fontRef>
+        </p:style>
+        <p:txBody>
+          <a:bodyPr rtlCol="0" anchor="ctr"/>
+          <a:lstStyle/>
+          <a:p>
+            <a:pPr algn="ctr"/>
+            <a:endParaRPr lang="en-US"/>
+          </a:p>
+        </p:txBody>
+      </p:sp>
+      <p:cxnSp>
+        <p:nvCxnSpPr>
+          <p:cNvPr id="14" name="Straight Connector 13"/>
+          <p:cNvCxnSpPr/>
+          <p:nvPr/>
+        </p:nvCxnSpPr>
+        <p:spPr>
+          <a:xfrm flipV="1">
+            <a:off x="6590186" y="685800"/>
+            <a:ext cx="1676400" cy="1447800"/>
+          </a:xfrm>
+          <a:prstGeom prst="line">
+            <a:avLst/>
+          </a:prstGeom>
+          <a:ln>
+            <a:solidFill>
+              <a:schemeClr val="tx1"/>
+            </a:solidFill>
+          </a:ln>
+        </p:spPr>
+        <p:style>
+          <a:lnRef idx="1">
+            <a:schemeClr val="accent1"/>
+          </a:lnRef>
+          <a:fillRef idx="0">
+            <a:schemeClr val="accent1"/>
+          </a:fillRef>
+          <a:effectRef idx="0">
+            <a:schemeClr val="accent1"/>
+          </a:effectRef>
+          <a:fontRef idx="minor">
+            <a:schemeClr val="tx1"/>
+          </a:fontRef>
+        </p:style>
+      </p:cxnSp>
+      <p:pic>
+        <p:nvPicPr>
+          <p:cNvPr id="15" name="Picture 2" descr="Image result for raspberry pi"/>
+          <p:cNvPicPr>
+            <a:picLocks noChangeAspect="1" noChangeArrowheads="1"/>
+          </p:cNvPicPr>
+          <p:nvPr/>
+        </p:nvPicPr>
+        <p:blipFill>
+          <a:blip r:embed="rId5" cstate="print">
+            <a:extLst>
+              <a:ext uri="{28A0092B-C50C-407E-A947-70E740481C1C}">
+                <a14:useLocalDpi xmlns:a14="http://schemas.microsoft.com/office/drawing/2010/main" val="0"/>
+              </a:ext>
+            </a:extLst>
+          </a:blip>
+          <a:srcRect/>
+          <a:stretch>
+            <a:fillRect/>
+          </a:stretch>
+        </p:blipFill>
+        <p:spPr bwMode="auto">
+          <a:xfrm>
+            <a:off x="7010400" y="1127124"/>
+            <a:ext cx="1585591" cy="1441447"/>
+          </a:xfrm>
+          <a:prstGeom prst="rect">
+            <a:avLst/>
+          </a:prstGeom>
+          <a:noFill/>
+          <a:extLst>
+            <a:ext uri="{909E8E84-426E-40DD-AFC4-6F175D3DCCD1}">
+              <a14:hiddenFill xmlns:a14="http://schemas.microsoft.com/office/drawing/2010/main">
+                <a:solidFill>
+                  <a:srgbClr val="FFFFFF"/>
+                </a:solidFill>
+              </a14:hiddenFill>
+            </a:ext>
+          </a:extLst>
+        </p:spPr>
+      </p:pic>
+      <p:sp>
+        <p:nvSpPr>
+          <p:cNvPr id="19" name="Rectangle 18"/>
+          <p:cNvSpPr/>
+          <p:nvPr/>
+        </p:nvSpPr>
+        <p:spPr>
+          <a:xfrm>
+            <a:off x="105765" y="3860701"/>
+            <a:ext cx="5111232" cy="2308324"/>
+          </a:xfrm>
+          <a:prstGeom prst="rect">
+            <a:avLst/>
+          </a:prstGeom>
+        </p:spPr>
+        <p:txBody>
+          <a:bodyPr wrap="square">
+            <a:spAutoFit/>
+          </a:bodyPr>
+          <a:lstStyle/>
+          <a:p>
+            <a:pPr algn="ctr"/>
+            <a:r>
+              <a:rPr lang="en-US" sz="2400" dirty="0" smtClean="0"/>
+              <a:t>The Server logic</a:t>
+            </a:r>
+          </a:p>
+          <a:p>
+            <a:r>
+              <a:rPr lang="en-US" sz="2000" dirty="0" smtClean="0"/>
+              <a:t/>
+            </a:r>
+            <a:br>
+              <a:rPr lang="en-US" sz="2000" dirty="0" smtClean="0"/>
+            </a:br>
+            <a:r>
+              <a:rPr lang="en-US" sz="2000" dirty="0" smtClean="0"/>
+              <a:t>if (</a:t>
+            </a:r>
+            <a:r>
+              <a:rPr lang="en-US" sz="2000" dirty="0" err="1" smtClean="0"/>
+              <a:t>valid_login</a:t>
+            </a:r>
+            <a:r>
+              <a:rPr lang="en-US" sz="2000" dirty="0" smtClean="0"/>
+              <a:t> == true) {</a:t>
+            </a:r>
+          </a:p>
+          <a:p>
+            <a:r>
+              <a:rPr lang="en-US" sz="2000" dirty="0" smtClean="0"/>
+              <a:t>	send(</a:t>
+            </a:r>
+            <a:r>
+              <a:rPr lang="en-US" sz="2000" dirty="0" err="1" smtClean="0"/>
+              <a:t>user_account_info</a:t>
+            </a:r>
+            <a:r>
+              <a:rPr lang="en-US" sz="2000" dirty="0" smtClean="0"/>
+              <a:t>);</a:t>
+            </a:r>
+          </a:p>
+          <a:p>
+            <a:r>
+              <a:rPr lang="en-US" sz="2000" dirty="0" smtClean="0"/>
+              <a:t>} else {</a:t>
+            </a:r>
+          </a:p>
+          <a:p>
+            <a:r>
+              <a:rPr lang="en-US" sz="2000" dirty="0" smtClean="0"/>
+              <a:t>	send(</a:t>
+            </a:r>
+            <a:r>
+              <a:rPr lang="en-US" sz="2000" dirty="0" err="1" smtClean="0"/>
+              <a:t>wrong_password_message</a:t>
+            </a:r>
+            <a:r>
+              <a:rPr lang="en-US" sz="2000" dirty="0" smtClean="0"/>
+              <a:t>);</a:t>
+            </a:r>
+          </a:p>
+          <a:p>
+            <a:r>
+              <a:rPr lang="en-US" sz="2000" dirty="0" smtClean="0"/>
+              <a:t>}</a:t>
+            </a:r>
+            <a:endParaRPr lang="en-US" sz="2000" dirty="0"/>
+          </a:p>
+        </p:txBody>
+      </p:sp>
+    </p:spTree>
+    <p:extLst>
+      <p:ext uri="{BB962C8B-B14F-4D97-AF65-F5344CB8AC3E}">
+        <p14:creationId xmlns:p14="http://schemas.microsoft.com/office/powerpoint/2010/main" val="2646917345"/>
+      </p:ext>
+    </p:extLst>
+  </p:cSld>
+  <p:clrMapOvr>
+    <a:masterClrMapping/>
+  </p:clrMapOvr>
+</p:sld>
+</file>
+
+<file path=ppt/slides/slide13.xml><?xml version="1.0" encoding="utf-8"?>
+<p:sld xmlns:a="http://schemas.openxmlformats.org/drawingml/2006/main" xmlns:r="http://schemas.openxmlformats.org/officeDocument/2006/relationships" xmlns:p="http://schemas.openxmlformats.org/presentationml/2006/main">
+  <p:cSld>
+    <p:spTree>
+      <p:nvGrpSpPr>
+        <p:cNvPr id="1" name=""/>
+        <p:cNvGrpSpPr/>
+        <p:nvPr/>
+      </p:nvGrpSpPr>
+      <p:grpSpPr>
+        <a:xfrm>
+          <a:off x="0" y="0"/>
+          <a:ext cx="0" cy="0"/>
+          <a:chOff x="0" y="0"/>
+          <a:chExt cx="0" cy="0"/>
+        </a:xfrm>
+      </p:grpSpPr>
+      <p:pic>
+        <p:nvPicPr>
+          <p:cNvPr id="2052" name="Picture 4" descr="Image result for server to database"/>
+          <p:cNvPicPr>
+            <a:picLocks noChangeArrowheads="1"/>
+          </p:cNvPicPr>
+          <p:nvPr/>
+        </p:nvPicPr>
+        <p:blipFill>
+          <a:blip r:embed="rId2" cstate="print">
+            <a:extLst>
+              <a:ext uri="{28A0092B-C50C-407E-A947-70E740481C1C}">
+                <a14:useLocalDpi xmlns:a14="http://schemas.microsoft.com/office/drawing/2010/main" val="0"/>
+              </a:ext>
+            </a:extLst>
+          </a:blip>
+          <a:srcRect/>
+          <a:stretch>
+            <a:fillRect/>
+          </a:stretch>
+        </p:blipFill>
+        <p:spPr bwMode="auto">
+          <a:xfrm>
+            <a:off x="6108936" y="4114800"/>
+            <a:ext cx="2054225" cy="2054225"/>
+          </a:xfrm>
+          <a:prstGeom prst="rect">
+            <a:avLst/>
+          </a:prstGeom>
+          <a:noFill/>
+          <a:extLst>
+            <a:ext uri="{909E8E84-426E-40DD-AFC4-6F175D3DCCD1}">
+              <a14:hiddenFill xmlns:a14="http://schemas.microsoft.com/office/drawing/2010/main">
+                <a:solidFill>
+                  <a:srgbClr val="FFFFFF"/>
+                </a:solidFill>
+              </a14:hiddenFill>
+            </a:ext>
+          </a:extLst>
+        </p:spPr>
+      </p:pic>
+      <p:pic>
+        <p:nvPicPr>
+          <p:cNvPr id="2054" name="Picture 6" descr="Image result for server"/>
+          <p:cNvPicPr>
+            <a:picLocks noChangeArrowheads="1"/>
+          </p:cNvPicPr>
+          <p:nvPr/>
+        </p:nvPicPr>
+        <p:blipFill rotWithShape="1">
+          <a:blip r:embed="rId3" cstate="print">
+            <a:extLst>
+              <a:ext uri="{28A0092B-C50C-407E-A947-70E740481C1C}">
+                <a14:useLocalDpi xmlns:a14="http://schemas.microsoft.com/office/drawing/2010/main" val="0"/>
+              </a:ext>
+            </a:extLst>
+          </a:blip>
+          <a:srcRect l="11153" r="12047" b="2401"/>
+          <a:stretch/>
+        </p:blipFill>
+        <p:spPr bwMode="auto">
+          <a:xfrm>
+            <a:off x="5966298" y="514349"/>
+            <a:ext cx="1360250" cy="1009651"/>
+          </a:xfrm>
+          <a:prstGeom prst="rect">
+            <a:avLst/>
+          </a:prstGeom>
+          <a:noFill/>
+          <a:extLst>
+            <a:ext uri="{909E8E84-426E-40DD-AFC4-6F175D3DCCD1}">
+              <a14:hiddenFill xmlns:a14="http://schemas.microsoft.com/office/drawing/2010/main">
+                <a:solidFill>
+                  <a:srgbClr val="FFFFFF"/>
+                </a:solidFill>
+              </a14:hiddenFill>
+            </a:ext>
+          </a:extLst>
+        </p:spPr>
+      </p:pic>
+      <p:sp>
+        <p:nvSpPr>
+          <p:cNvPr id="11" name="TextBox 10"/>
+          <p:cNvSpPr txBox="1"/>
+          <p:nvPr/>
+        </p:nvSpPr>
+        <p:spPr>
+          <a:xfrm>
+            <a:off x="5547198" y="2606672"/>
+            <a:ext cx="3581400" cy="646331"/>
+          </a:xfrm>
+          <a:prstGeom prst="rect">
+            <a:avLst/>
+          </a:prstGeom>
+          <a:noFill/>
+        </p:spPr>
+        <p:txBody>
+          <a:bodyPr wrap="square" rtlCol="0">
+            <a:spAutoFit/>
+          </a:bodyPr>
+          <a:lstStyle/>
+          <a:p>
+            <a:pPr algn="ctr"/>
+            <a:r>
+              <a:rPr lang="en-US" dirty="0" smtClean="0"/>
+              <a:t>Server</a:t>
+            </a:r>
+          </a:p>
+          <a:p>
+            <a:pPr algn="ctr"/>
+            <a:r>
+              <a:rPr lang="en-US" dirty="0" smtClean="0"/>
+              <a:t>(Could be your Raspberry Pi)</a:t>
+            </a:r>
+            <a:endParaRPr lang="en-US" dirty="0"/>
+          </a:p>
+        </p:txBody>
+      </p:sp>
+      <p:sp>
+        <p:nvSpPr>
+          <p:cNvPr id="12" name="TextBox 11"/>
+          <p:cNvSpPr txBox="1"/>
+          <p:nvPr/>
+        </p:nvSpPr>
+        <p:spPr>
+          <a:xfrm>
+            <a:off x="5410200" y="6019800"/>
+            <a:ext cx="3581400" cy="646331"/>
+          </a:xfrm>
+          <a:prstGeom prst="rect">
+            <a:avLst/>
+          </a:prstGeom>
+          <a:noFill/>
+        </p:spPr>
+        <p:txBody>
+          <a:bodyPr wrap="square" rtlCol="0">
+            <a:spAutoFit/>
+          </a:bodyPr>
+          <a:lstStyle/>
+          <a:p>
+            <a:pPr algn="ctr"/>
+            <a:r>
+              <a:rPr lang="en-US" dirty="0" smtClean="0"/>
+              <a:t>Database</a:t>
+            </a:r>
+          </a:p>
+          <a:p>
+            <a:pPr algn="ctr"/>
+            <a:r>
+              <a:rPr lang="en-US" dirty="0" smtClean="0"/>
+              <a:t>(program living on the server)</a:t>
+            </a:r>
+            <a:endParaRPr lang="en-US" dirty="0"/>
+          </a:p>
+        </p:txBody>
+      </p:sp>
+      <p:sp>
+        <p:nvSpPr>
+          <p:cNvPr id="8" name="Rectangle 7"/>
+          <p:cNvSpPr/>
+          <p:nvPr/>
+        </p:nvSpPr>
+        <p:spPr>
+          <a:xfrm>
+            <a:off x="5257800" y="134718"/>
+            <a:ext cx="3810000" cy="6647082"/>
+          </a:xfrm>
+          <a:prstGeom prst="rect">
+            <a:avLst/>
+          </a:prstGeom>
+          <a:noFill/>
+        </p:spPr>
+        <p:style>
+          <a:lnRef idx="2">
+            <a:schemeClr val="accent1">
+              <a:shade val="50000"/>
+            </a:schemeClr>
+          </a:lnRef>
+          <a:fillRef idx="1">
+            <a:schemeClr val="accent1"/>
+          </a:fillRef>
+          <a:effectRef idx="0">
+            <a:schemeClr val="accent1"/>
+          </a:effectRef>
+          <a:fontRef idx="minor">
+            <a:schemeClr val="lt1"/>
+          </a:fontRef>
+        </p:style>
+        <p:txBody>
+          <a:bodyPr rtlCol="0" anchor="ctr"/>
+          <a:lstStyle/>
+          <a:p>
+            <a:pPr algn="ctr"/>
+            <a:endParaRPr lang="en-US"/>
+          </a:p>
+        </p:txBody>
+      </p:sp>
+      <p:cxnSp>
+        <p:nvCxnSpPr>
+          <p:cNvPr id="14" name="Straight Connector 13"/>
+          <p:cNvCxnSpPr/>
+          <p:nvPr/>
+        </p:nvCxnSpPr>
+        <p:spPr>
+          <a:xfrm flipV="1">
+            <a:off x="6590186" y="685800"/>
+            <a:ext cx="1676400" cy="1447800"/>
+          </a:xfrm>
+          <a:prstGeom prst="line">
+            <a:avLst/>
+          </a:prstGeom>
+          <a:ln>
+            <a:solidFill>
+              <a:schemeClr val="tx1"/>
+            </a:solidFill>
+          </a:ln>
+        </p:spPr>
+        <p:style>
+          <a:lnRef idx="1">
+            <a:schemeClr val="accent1"/>
+          </a:lnRef>
+          <a:fillRef idx="0">
+            <a:schemeClr val="accent1"/>
+          </a:fillRef>
+          <a:effectRef idx="0">
+            <a:schemeClr val="accent1"/>
+          </a:effectRef>
+          <a:fontRef idx="minor">
+            <a:schemeClr val="tx1"/>
+          </a:fontRef>
+        </p:style>
+      </p:cxnSp>
+      <p:pic>
+        <p:nvPicPr>
+          <p:cNvPr id="15" name="Picture 2" descr="Image result for raspberry pi"/>
+          <p:cNvPicPr>
+            <a:picLocks noChangeAspect="1" noChangeArrowheads="1"/>
+          </p:cNvPicPr>
+          <p:nvPr/>
+        </p:nvPicPr>
+        <p:blipFill>
+          <a:blip r:embed="rId4" cstate="print">
+            <a:extLst>
+              <a:ext uri="{28A0092B-C50C-407E-A947-70E740481C1C}">
+                <a14:useLocalDpi xmlns:a14="http://schemas.microsoft.com/office/drawing/2010/main" val="0"/>
+              </a:ext>
+            </a:extLst>
+          </a:blip>
+          <a:srcRect/>
+          <a:stretch>
+            <a:fillRect/>
+          </a:stretch>
+        </p:blipFill>
+        <p:spPr bwMode="auto">
+          <a:xfrm>
+            <a:off x="7010400" y="1127124"/>
+            <a:ext cx="1585591" cy="1441447"/>
+          </a:xfrm>
+          <a:prstGeom prst="rect">
+            <a:avLst/>
+          </a:prstGeom>
+          <a:noFill/>
+          <a:extLst>
+            <a:ext uri="{909E8E84-426E-40DD-AFC4-6F175D3DCCD1}">
+              <a14:hiddenFill xmlns:a14="http://schemas.microsoft.com/office/drawing/2010/main">
+                <a:solidFill>
+                  <a:srgbClr val="FFFFFF"/>
+                </a:solidFill>
+              </a14:hiddenFill>
+            </a:ext>
+          </a:extLst>
+        </p:spPr>
+      </p:pic>
+      <p:sp>
+        <p:nvSpPr>
+          <p:cNvPr id="2" name="TextBox 1"/>
+          <p:cNvSpPr txBox="1"/>
+          <p:nvPr/>
+        </p:nvSpPr>
+        <p:spPr>
+          <a:xfrm>
+            <a:off x="670398" y="1165224"/>
+            <a:ext cx="4419600" cy="954107"/>
+          </a:xfrm>
+          <a:prstGeom prst="rect">
+            <a:avLst/>
+          </a:prstGeom>
+          <a:noFill/>
+        </p:spPr>
+        <p:txBody>
+          <a:bodyPr wrap="square" rtlCol="0">
+            <a:spAutoFit/>
+          </a:bodyPr>
+          <a:lstStyle/>
+          <a:p>
+            <a:r>
+              <a:rPr lang="en-US" sz="2800" dirty="0" smtClean="0"/>
+              <a:t>Built with server code in Node.js, Ruby, Python, etc.</a:t>
+            </a:r>
+            <a:endParaRPr lang="en-US" sz="2800" dirty="0"/>
+          </a:p>
+        </p:txBody>
+      </p:sp>
+      <p:sp>
+        <p:nvSpPr>
+          <p:cNvPr id="13" name="TextBox 12"/>
+          <p:cNvSpPr txBox="1"/>
+          <p:nvPr/>
+        </p:nvSpPr>
+        <p:spPr>
+          <a:xfrm>
+            <a:off x="870068" y="4880302"/>
+            <a:ext cx="4419600" cy="523220"/>
+          </a:xfrm>
+          <a:prstGeom prst="rect">
+            <a:avLst/>
+          </a:prstGeom>
+          <a:noFill/>
+        </p:spPr>
+        <p:txBody>
+          <a:bodyPr wrap="square" rtlCol="0">
+            <a:spAutoFit/>
+          </a:bodyPr>
+          <a:lstStyle/>
+          <a:p>
+            <a:r>
+              <a:rPr lang="en-US" sz="2800" dirty="0" smtClean="0"/>
+              <a:t>Program to live on server</a:t>
+            </a:r>
+            <a:endParaRPr lang="en-US" sz="2800" dirty="0"/>
+          </a:p>
+        </p:txBody>
+      </p:sp>
+    </p:spTree>
+    <p:extLst>
+      <p:ext uri="{BB962C8B-B14F-4D97-AF65-F5344CB8AC3E}">
+        <p14:creationId xmlns:p14="http://schemas.microsoft.com/office/powerpoint/2010/main" val="1199370212"/>
+      </p:ext>
+    </p:extLst>
+  </p:cSld>
+  <p:clrMapOvr>
+    <a:masterClrMapping/>
+  </p:clrMapOvr>
+</p:sld>
+</file>
+
+<file path=ppt/slides/slide14.xml><?xml version="1.0" encoding="utf-8"?>
+<p:sld xmlns:a="http://schemas.openxmlformats.org/drawingml/2006/main" xmlns:r="http://schemas.openxmlformats.org/officeDocument/2006/relationships" xmlns:p="http://schemas.openxmlformats.org/presentationml/2006/main">
+  <p:cSld>
+    <p:spTree>
+      <p:nvGrpSpPr>
+        <p:cNvPr id="1" name=""/>
+        <p:cNvGrpSpPr/>
+        <p:nvPr/>
+      </p:nvGrpSpPr>
+      <p:grpSpPr>
+        <a:xfrm>
+          <a:off x="0" y="0"/>
+          <a:ext cx="0" cy="0"/>
+          <a:chOff x="0" y="0"/>
+          <a:chExt cx="0" cy="0"/>
+        </a:xfrm>
+      </p:grpSpPr>
+      <p:sp>
+        <p:nvSpPr>
+          <p:cNvPr id="2" name="Title 1"/>
+          <p:cNvSpPr>
+            <a:spLocks noGrp="1"/>
+          </p:cNvSpPr>
+          <p:nvPr>
+            <p:ph type="title"/>
+          </p:nvPr>
+        </p:nvSpPr>
+        <p:spPr/>
+        <p:txBody>
+          <a:bodyPr/>
+          <a:lstStyle/>
+          <a:p>
+            <a:r>
+              <a:rPr lang="en-US" dirty="0" smtClean="0"/>
+              <a:t>Two types of database</a:t>
+            </a:r>
+            <a:endParaRPr lang="en-US" dirty="0"/>
+          </a:p>
+        </p:txBody>
+      </p:sp>
+      <p:sp>
+        <p:nvSpPr>
+          <p:cNvPr id="3" name="Content Placeholder 2"/>
+          <p:cNvSpPr>
+            <a:spLocks noGrp="1"/>
+          </p:cNvSpPr>
+          <p:nvPr>
+            <p:ph idx="1"/>
+          </p:nvPr>
+        </p:nvSpPr>
+        <p:spPr/>
+        <p:txBody>
+          <a:bodyPr/>
+          <a:lstStyle/>
+          <a:p>
+            <a:r>
+              <a:rPr lang="en-US" dirty="0" smtClean="0"/>
+              <a:t>Relational Database</a:t>
+            </a:r>
+          </a:p>
+          <a:p>
+            <a:r>
+              <a:rPr lang="en-US" dirty="0" smtClean="0"/>
+              <a:t>Non-Relational Database</a:t>
+            </a:r>
+            <a:endParaRPr lang="en-US" dirty="0"/>
+          </a:p>
+        </p:txBody>
+      </p:sp>
+    </p:spTree>
+    <p:extLst>
+      <p:ext uri="{BB962C8B-B14F-4D97-AF65-F5344CB8AC3E}">
+        <p14:creationId xmlns:p14="http://schemas.microsoft.com/office/powerpoint/2010/main" val="3421697961"/>
+      </p:ext>
+    </p:extLst>
+  </p:cSld>
+  <p:clrMapOvr>
+    <a:masterClrMapping/>
+  </p:clrMapOvr>
+</p:sld>
+</file>
+
+<file path=ppt/slides/slide15.xml><?xml version="1.0" encoding="utf-8"?>
+<p:sld xmlns:a="http://schemas.openxmlformats.org/drawingml/2006/main" xmlns:r="http://schemas.openxmlformats.org/officeDocument/2006/relationships" xmlns:p="http://schemas.openxmlformats.org/presentationml/2006/main">
+  <p:cSld>
+    <p:spTree>
+      <p:nvGrpSpPr>
+        <p:cNvPr id="1" name=""/>
+        <p:cNvGrpSpPr/>
+        <p:nvPr/>
+      </p:nvGrpSpPr>
+      <p:grpSpPr>
+        <a:xfrm>
+          <a:off x="0" y="0"/>
+          <a:ext cx="0" cy="0"/>
+          <a:chOff x="0" y="0"/>
+          <a:chExt cx="0" cy="0"/>
+        </a:xfrm>
+      </p:grpSpPr>
+      <p:sp>
+        <p:nvSpPr>
+          <p:cNvPr id="2" name="Title 1"/>
+          <p:cNvSpPr>
+            <a:spLocks noGrp="1"/>
+          </p:cNvSpPr>
+          <p:nvPr>
+            <p:ph type="title"/>
+          </p:nvPr>
+        </p:nvSpPr>
+        <p:spPr/>
+        <p:txBody>
+          <a:bodyPr/>
+          <a:lstStyle/>
+          <a:p>
+            <a:r>
+              <a:rPr lang="en-US" dirty="0"/>
+              <a:t>Relational Databases</a:t>
+            </a:r>
+          </a:p>
+        </p:txBody>
+      </p:sp>
+      <p:sp>
+        <p:nvSpPr>
+          <p:cNvPr id="3" name="Content Placeholder 2"/>
+          <p:cNvSpPr>
+            <a:spLocks noGrp="1"/>
+          </p:cNvSpPr>
+          <p:nvPr>
+            <p:ph idx="1"/>
+          </p:nvPr>
+        </p:nvSpPr>
+        <p:spPr/>
+        <p:txBody>
+          <a:bodyPr/>
+          <a:lstStyle/>
+          <a:p>
+            <a:r>
+              <a:rPr lang="en-US" dirty="0" smtClean="0"/>
+              <a:t>Tables data format</a:t>
+            </a:r>
+            <a:endParaRPr lang="en-US" dirty="0"/>
+          </a:p>
+          <a:p>
+            <a:r>
+              <a:rPr lang="en-US" dirty="0"/>
+              <a:t>SQL </a:t>
+            </a:r>
+            <a:endParaRPr lang="en-US" dirty="0" smtClean="0"/>
+          </a:p>
+          <a:p>
+            <a:pPr lvl="1"/>
+            <a:r>
+              <a:rPr lang="en-US" dirty="0" smtClean="0"/>
+              <a:t>“</a:t>
+            </a:r>
+            <a:r>
+              <a:rPr lang="en-US" dirty="0"/>
+              <a:t>Structured Query </a:t>
+            </a:r>
+            <a:r>
+              <a:rPr lang="en-US" dirty="0" smtClean="0"/>
+              <a:t>Language”</a:t>
+            </a:r>
+            <a:endParaRPr lang="en-US" dirty="0"/>
+          </a:p>
+          <a:p>
+            <a:pPr lvl="1"/>
+            <a:r>
+              <a:rPr lang="en-US" dirty="0"/>
+              <a:t>The </a:t>
+            </a:r>
+            <a:r>
+              <a:rPr lang="en-US" u="sng" dirty="0"/>
+              <a:t>Language</a:t>
+            </a:r>
+            <a:r>
+              <a:rPr lang="en-US" dirty="0"/>
+              <a:t> to </a:t>
+            </a:r>
+            <a:r>
+              <a:rPr lang="en-US" b="1" dirty="0"/>
+              <a:t>query</a:t>
+            </a:r>
+            <a:r>
+              <a:rPr lang="en-US" dirty="0"/>
+              <a:t> from table</a:t>
+            </a:r>
+          </a:p>
+          <a:p>
+            <a:r>
+              <a:rPr lang="en-US" dirty="0"/>
+              <a:t>MySQL, SQL Server, PostgreSQL, Oracle, etc…</a:t>
+            </a:r>
+          </a:p>
+          <a:p>
+            <a:pPr lvl="1"/>
+            <a:r>
+              <a:rPr lang="en-US" dirty="0"/>
+              <a:t>Relational Database Management System</a:t>
+            </a:r>
+          </a:p>
+          <a:p>
+            <a:pPr lvl="1"/>
+            <a:r>
+              <a:rPr lang="en-US" dirty="0"/>
+              <a:t>Use their own “dialect” of SQL</a:t>
+            </a:r>
+          </a:p>
+          <a:p>
+            <a:r>
+              <a:rPr lang="en-US" dirty="0"/>
+              <a:t>CS 564</a:t>
+            </a:r>
+          </a:p>
+          <a:p>
+            <a:pPr marL="0" indent="0">
+              <a:buNone/>
+            </a:pPr>
+            <a:endParaRPr lang="en-US" dirty="0"/>
+          </a:p>
+        </p:txBody>
+      </p:sp>
+    </p:spTree>
+    <p:extLst>
+      <p:ext uri="{BB962C8B-B14F-4D97-AF65-F5344CB8AC3E}">
+        <p14:creationId xmlns:p14="http://schemas.microsoft.com/office/powerpoint/2010/main" val="1298600387"/>
+      </p:ext>
+    </p:extLst>
+  </p:cSld>
+  <p:clrMapOvr>
+    <a:masterClrMapping/>
+  </p:clrMapOvr>
+</p:sld>
+</file>
+
+<file path=ppt/slides/slide16.xml><?xml version="1.0" encoding="utf-8"?>
+<p:sld xmlns:a="http://schemas.openxmlformats.org/drawingml/2006/main" xmlns:r="http://schemas.openxmlformats.org/officeDocument/2006/relationships" xmlns:p="http://schemas.openxmlformats.org/presentationml/2006/main">
+  <p:cSld>
+    <p:spTree>
+      <p:nvGrpSpPr>
+        <p:cNvPr id="1" name=""/>
+        <p:cNvGrpSpPr/>
+        <p:nvPr/>
+      </p:nvGrpSpPr>
+      <p:grpSpPr>
+        <a:xfrm>
+          <a:off x="0" y="0"/>
+          <a:ext cx="0" cy="0"/>
+          <a:chOff x="0" y="0"/>
+          <a:chExt cx="0" cy="0"/>
+        </a:xfrm>
+      </p:grpSpPr>
+      <p:sp>
+        <p:nvSpPr>
+          <p:cNvPr id="2" name="Title 1"/>
+          <p:cNvSpPr>
+            <a:spLocks noGrp="1"/>
+          </p:cNvSpPr>
+          <p:nvPr>
+            <p:ph type="title"/>
+          </p:nvPr>
+        </p:nvSpPr>
+        <p:spPr/>
+        <p:txBody>
+          <a:bodyPr/>
+          <a:lstStyle/>
+          <a:p>
+            <a:endParaRPr lang="en-US" dirty="0"/>
+          </a:p>
+        </p:txBody>
+      </p:sp>
+      <p:sp>
+        <p:nvSpPr>
+          <p:cNvPr id="3" name="Content Placeholder 2"/>
+          <p:cNvSpPr>
+            <a:spLocks noGrp="1"/>
+          </p:cNvSpPr>
+          <p:nvPr>
+            <p:ph idx="1"/>
+          </p:nvPr>
+        </p:nvSpPr>
+        <p:spPr/>
+        <p:txBody>
+          <a:bodyPr/>
+          <a:lstStyle/>
+          <a:p>
+            <a:endParaRPr lang="en-US"/>
+          </a:p>
+        </p:txBody>
+      </p:sp>
+      <p:pic>
+        <p:nvPicPr>
+          <p:cNvPr id="1026" name="Picture 2" descr="Image result for sql tables"/>
+          <p:cNvPicPr>
+            <a:picLocks noChangeAspect="1" noChangeArrowheads="1"/>
+          </p:cNvPicPr>
+          <p:nvPr/>
+        </p:nvPicPr>
+        <p:blipFill>
+          <a:blip r:embed="rId2">
+            <a:extLst>
+              <a:ext uri="{28A0092B-C50C-407E-A947-70E740481C1C}">
+                <a14:useLocalDpi xmlns:a14="http://schemas.microsoft.com/office/drawing/2010/main" val="0"/>
+              </a:ext>
+            </a:extLst>
+          </a:blip>
+          <a:srcRect/>
+          <a:stretch>
+            <a:fillRect/>
+          </a:stretch>
+        </p:blipFill>
+        <p:spPr bwMode="auto">
+          <a:xfrm>
+            <a:off x="152400" y="655131"/>
+            <a:ext cx="8882034" cy="5486400"/>
+          </a:xfrm>
+          <a:prstGeom prst="rect">
+            <a:avLst/>
+          </a:prstGeom>
+          <a:noFill/>
+          <a:extLst>
+            <a:ext uri="{909E8E84-426E-40DD-AFC4-6F175D3DCCD1}">
+              <a14:hiddenFill xmlns:a14="http://schemas.microsoft.com/office/drawing/2010/main">
+                <a:solidFill>
+                  <a:srgbClr val="FFFFFF"/>
+                </a:solidFill>
+              </a14:hiddenFill>
+            </a:ext>
+          </a:extLst>
+        </p:spPr>
+      </p:pic>
+    </p:spTree>
+    <p:extLst>
+      <p:ext uri="{BB962C8B-B14F-4D97-AF65-F5344CB8AC3E}">
+        <p14:creationId xmlns:p14="http://schemas.microsoft.com/office/powerpoint/2010/main" val="2902353000"/>
+      </p:ext>
+    </p:extLst>
+  </p:cSld>
+  <p:clrMapOvr>
+    <a:masterClrMapping/>
+  </p:clrMapOvr>
+</p:sld>
+</file>
+
+<file path=ppt/slides/slide17.xml><?xml version="1.0" encoding="utf-8"?>
+<p:sld xmlns:a="http://schemas.openxmlformats.org/drawingml/2006/main" xmlns:r="http://schemas.openxmlformats.org/officeDocument/2006/relationships" xmlns:p="http://schemas.openxmlformats.org/presentationml/2006/main">
+  <p:cSld>
+    <p:spTree>
+      <p:nvGrpSpPr>
+        <p:cNvPr id="1" name=""/>
+        <p:cNvGrpSpPr/>
+        <p:nvPr/>
+      </p:nvGrpSpPr>
+      <p:grpSpPr>
+        <a:xfrm>
+          <a:off x="0" y="0"/>
+          <a:ext cx="0" cy="0"/>
+          <a:chOff x="0" y="0"/>
+          <a:chExt cx="0" cy="0"/>
+        </a:xfrm>
+      </p:grpSpPr>
+      <p:sp>
+        <p:nvSpPr>
+          <p:cNvPr id="2" name="Title 1"/>
+          <p:cNvSpPr>
+            <a:spLocks noGrp="1"/>
+          </p:cNvSpPr>
+          <p:nvPr>
+            <p:ph type="title"/>
+          </p:nvPr>
+        </p:nvSpPr>
+        <p:spPr/>
+        <p:txBody>
+          <a:bodyPr/>
+          <a:lstStyle/>
+          <a:p>
+            <a:endParaRPr lang="en-US" dirty="0"/>
+          </a:p>
+        </p:txBody>
+      </p:sp>
+      <p:sp>
+        <p:nvSpPr>
+          <p:cNvPr id="3" name="Content Placeholder 2"/>
+          <p:cNvSpPr>
+            <a:spLocks noGrp="1"/>
+          </p:cNvSpPr>
+          <p:nvPr>
+            <p:ph idx="1"/>
+          </p:nvPr>
+        </p:nvSpPr>
+        <p:spPr/>
+        <p:txBody>
+          <a:bodyPr/>
+          <a:lstStyle/>
+          <a:p>
+            <a:endParaRPr lang="en-US"/>
+          </a:p>
+        </p:txBody>
+      </p:sp>
+      <p:pic>
+        <p:nvPicPr>
+          <p:cNvPr id="1026" name="Picture 2" descr="Image result for sql tables"/>
+          <p:cNvPicPr>
+            <a:picLocks noChangeAspect="1" noChangeArrowheads="1"/>
+          </p:cNvPicPr>
+          <p:nvPr/>
+        </p:nvPicPr>
+        <p:blipFill>
+          <a:blip r:embed="rId2">
+            <a:extLst>
+              <a:ext uri="{28A0092B-C50C-407E-A947-70E740481C1C}">
+                <a14:useLocalDpi xmlns:a14="http://schemas.microsoft.com/office/drawing/2010/main" val="0"/>
+              </a:ext>
+            </a:extLst>
+          </a:blip>
+          <a:srcRect/>
+          <a:stretch>
+            <a:fillRect/>
+          </a:stretch>
+        </p:blipFill>
+        <p:spPr bwMode="auto">
+          <a:xfrm>
+            <a:off x="152400" y="655131"/>
+            <a:ext cx="8882034" cy="5486400"/>
+          </a:xfrm>
+          <a:prstGeom prst="rect">
+            <a:avLst/>
+          </a:prstGeom>
+          <a:noFill/>
+          <a:extLst>
+            <a:ext uri="{909E8E84-426E-40DD-AFC4-6F175D3DCCD1}">
+              <a14:hiddenFill xmlns:a14="http://schemas.microsoft.com/office/drawing/2010/main">
+                <a:solidFill>
+                  <a:srgbClr val="FFFFFF"/>
+                </a:solidFill>
+              </a14:hiddenFill>
+            </a:ext>
+          </a:extLst>
+        </p:spPr>
+      </p:pic>
+      <p:sp>
+        <p:nvSpPr>
+          <p:cNvPr id="4" name="Oval 3"/>
+          <p:cNvSpPr/>
+          <p:nvPr/>
+        </p:nvSpPr>
+        <p:spPr>
+          <a:xfrm>
+            <a:off x="609600" y="579438"/>
+            <a:ext cx="2667000" cy="533400"/>
+          </a:xfrm>
+          <a:prstGeom prst="ellipse">
+            <a:avLst/>
+          </a:prstGeom>
+          <a:noFill/>
+          <a:ln>
+            <a:solidFill>
+              <a:srgbClr val="FF0000"/>
+            </a:solidFill>
+          </a:ln>
+        </p:spPr>
+        <p:style>
+          <a:lnRef idx="2">
+            <a:schemeClr val="accent1">
+              <a:shade val="50000"/>
+            </a:schemeClr>
+          </a:lnRef>
+          <a:fillRef idx="1">
+            <a:schemeClr val="accent1"/>
+          </a:fillRef>
+          <a:effectRef idx="0">
+            <a:schemeClr val="accent1"/>
+          </a:effectRef>
+          <a:fontRef idx="minor">
+            <a:schemeClr val="lt1"/>
+          </a:fontRef>
+        </p:style>
+        <p:txBody>
+          <a:bodyPr rtlCol="0" anchor="ctr"/>
+          <a:lstStyle/>
+          <a:p>
+            <a:pPr algn="ctr"/>
+            <a:endParaRPr lang="en-US"/>
+          </a:p>
+        </p:txBody>
+      </p:sp>
+      <p:cxnSp>
+        <p:nvCxnSpPr>
+          <p:cNvPr id="6" name="Straight Arrow Connector 5"/>
+          <p:cNvCxnSpPr/>
+          <p:nvPr/>
+        </p:nvCxnSpPr>
+        <p:spPr>
+          <a:xfrm flipV="1">
+            <a:off x="1913645" y="2270919"/>
+            <a:ext cx="2772655" cy="768116"/>
+          </a:xfrm>
+          <a:prstGeom prst="straightConnector1">
+            <a:avLst/>
+          </a:prstGeom>
+          <a:ln>
+            <a:solidFill>
+              <a:srgbClr val="C00000"/>
+            </a:solidFill>
+            <a:tailEnd type="triangle"/>
+          </a:ln>
+        </p:spPr>
+        <p:style>
+          <a:lnRef idx="1">
+            <a:schemeClr val="accent1"/>
+          </a:lnRef>
+          <a:fillRef idx="0">
+            <a:schemeClr val="accent1"/>
+          </a:fillRef>
+          <a:effectRef idx="0">
+            <a:schemeClr val="accent1"/>
+          </a:effectRef>
+          <a:fontRef idx="minor">
+            <a:schemeClr val="tx1"/>
+          </a:fontRef>
+        </p:style>
+      </p:cxnSp>
+      <p:cxnSp>
+        <p:nvCxnSpPr>
+          <p:cNvPr id="9" name="Straight Arrow Connector 8"/>
+          <p:cNvCxnSpPr/>
+          <p:nvPr/>
+        </p:nvCxnSpPr>
+        <p:spPr>
+          <a:xfrm flipH="1">
+            <a:off x="2133600" y="2362200"/>
+            <a:ext cx="2552700" cy="762000"/>
+          </a:xfrm>
+          <a:prstGeom prst="straightConnector1">
+            <a:avLst/>
+          </a:prstGeom>
+          <a:ln>
+            <a:solidFill>
+              <a:srgbClr val="FF0000"/>
+            </a:solidFill>
+            <a:tailEnd type="triangle"/>
+          </a:ln>
+        </p:spPr>
+        <p:style>
+          <a:lnRef idx="1">
+            <a:schemeClr val="accent1"/>
+          </a:lnRef>
+          <a:fillRef idx="0">
+            <a:schemeClr val="accent1"/>
+          </a:fillRef>
+          <a:effectRef idx="0">
+            <a:schemeClr val="accent1"/>
+          </a:effectRef>
+          <a:fontRef idx="minor">
+            <a:schemeClr val="tx1"/>
+          </a:fontRef>
+        </p:style>
+      </p:cxnSp>
+      <p:sp>
+        <p:nvSpPr>
+          <p:cNvPr id="5" name="TextBox 4"/>
+          <p:cNvSpPr txBox="1"/>
+          <p:nvPr/>
+        </p:nvSpPr>
+        <p:spPr>
+          <a:xfrm>
+            <a:off x="972030" y="240159"/>
+            <a:ext cx="2286000" cy="369332"/>
+          </a:xfrm>
+          <a:prstGeom prst="rect">
+            <a:avLst/>
+          </a:prstGeom>
+          <a:noFill/>
+        </p:spPr>
+        <p:txBody>
+          <a:bodyPr wrap="square" rtlCol="0">
+            <a:spAutoFit/>
+          </a:bodyPr>
+          <a:lstStyle/>
+          <a:p>
+            <a:r>
+              <a:rPr lang="en-US" dirty="0" smtClean="0">
+                <a:solidFill>
+                  <a:srgbClr val="FF0000"/>
+                </a:solidFill>
+              </a:rPr>
+              <a:t>Table Name</a:t>
+            </a:r>
+            <a:endParaRPr lang="en-US" dirty="0">
+              <a:solidFill>
+                <a:srgbClr val="FF0000"/>
+              </a:solidFill>
+            </a:endParaRPr>
+          </a:p>
+        </p:txBody>
+      </p:sp>
+      <p:cxnSp>
+        <p:nvCxnSpPr>
+          <p:cNvPr id="8" name="Straight Arrow Connector 7"/>
+          <p:cNvCxnSpPr/>
+          <p:nvPr/>
+        </p:nvCxnSpPr>
+        <p:spPr>
+          <a:xfrm flipH="1">
+            <a:off x="2286000" y="639763"/>
+            <a:ext cx="3505200" cy="884237"/>
+          </a:xfrm>
+          <a:prstGeom prst="straightConnector1">
+            <a:avLst/>
+          </a:prstGeom>
+          <a:ln>
+            <a:solidFill>
+              <a:srgbClr val="FF0000"/>
+            </a:solidFill>
+            <a:tailEnd type="triangle"/>
+          </a:ln>
+        </p:spPr>
+        <p:style>
+          <a:lnRef idx="1">
+            <a:schemeClr val="accent1"/>
+          </a:lnRef>
+          <a:fillRef idx="0">
+            <a:schemeClr val="accent1"/>
+          </a:fillRef>
+          <a:effectRef idx="0">
+            <a:schemeClr val="accent1"/>
+          </a:effectRef>
+          <a:fontRef idx="minor">
+            <a:schemeClr val="tx1"/>
+          </a:fontRef>
+        </p:style>
+      </p:cxnSp>
+      <p:sp>
+        <p:nvSpPr>
+          <p:cNvPr id="12" name="TextBox 11"/>
+          <p:cNvSpPr txBox="1"/>
+          <p:nvPr/>
+        </p:nvSpPr>
+        <p:spPr>
+          <a:xfrm>
+            <a:off x="5267085" y="285799"/>
+            <a:ext cx="2286000" cy="369332"/>
+          </a:xfrm>
+          <a:prstGeom prst="rect">
+            <a:avLst/>
+          </a:prstGeom>
+          <a:noFill/>
+        </p:spPr>
+        <p:txBody>
+          <a:bodyPr wrap="square" rtlCol="0">
+            <a:spAutoFit/>
+          </a:bodyPr>
+          <a:lstStyle/>
+          <a:p>
+            <a:r>
+              <a:rPr lang="en-US" dirty="0" smtClean="0">
+                <a:solidFill>
+                  <a:srgbClr val="FF0000"/>
+                </a:solidFill>
+              </a:rPr>
+              <a:t>Column Name</a:t>
+            </a:r>
+            <a:endParaRPr lang="en-US" dirty="0">
+              <a:solidFill>
+                <a:srgbClr val="FF0000"/>
+              </a:solidFill>
+            </a:endParaRPr>
+          </a:p>
+        </p:txBody>
+      </p:sp>
+      <p:sp>
+        <p:nvSpPr>
+          <p:cNvPr id="13" name="TextBox 12"/>
+          <p:cNvSpPr txBox="1"/>
+          <p:nvPr/>
+        </p:nvSpPr>
+        <p:spPr>
+          <a:xfrm>
+            <a:off x="2615773" y="2142707"/>
+            <a:ext cx="2286000" cy="369332"/>
+          </a:xfrm>
+          <a:prstGeom prst="rect">
+            <a:avLst/>
+          </a:prstGeom>
+          <a:noFill/>
+        </p:spPr>
+        <p:txBody>
+          <a:bodyPr wrap="square" rtlCol="0">
+            <a:spAutoFit/>
+          </a:bodyPr>
+          <a:lstStyle/>
+          <a:p>
+            <a:r>
+              <a:rPr lang="en-US" dirty="0" smtClean="0">
+                <a:solidFill>
+                  <a:srgbClr val="FF0000"/>
+                </a:solidFill>
+              </a:rPr>
+              <a:t>Relationship</a:t>
+            </a:r>
+            <a:endParaRPr lang="en-US" dirty="0">
+              <a:solidFill>
+                <a:srgbClr val="FF0000"/>
+              </a:solidFill>
+            </a:endParaRPr>
+          </a:p>
+        </p:txBody>
+      </p:sp>
+    </p:spTree>
+    <p:extLst>
+      <p:ext uri="{BB962C8B-B14F-4D97-AF65-F5344CB8AC3E}">
+        <p14:creationId xmlns:p14="http://schemas.microsoft.com/office/powerpoint/2010/main" val="267878238"/>
+      </p:ext>
+    </p:extLst>
+  </p:cSld>
+  <p:clrMapOvr>
+    <a:masterClrMapping/>
+  </p:clrMapOvr>
+</p:sld>
+</file>
+
+<file path=ppt/slides/slide18.xml><?xml version="1.0" encoding="utf-8"?>
+<p:sld xmlns:a="http://schemas.openxmlformats.org/drawingml/2006/main" xmlns:r="http://schemas.openxmlformats.org/officeDocument/2006/relationships" xmlns:p="http://schemas.openxmlformats.org/presentationml/2006/main">
+  <p:cSld>
+    <p:spTree>
+      <p:nvGrpSpPr>
+        <p:cNvPr id="1" name=""/>
+        <p:cNvGrpSpPr/>
+        <p:nvPr/>
+      </p:nvGrpSpPr>
+      <p:grpSpPr>
+        <a:xfrm>
+          <a:off x="0" y="0"/>
+          <a:ext cx="0" cy="0"/>
+          <a:chOff x="0" y="0"/>
+          <a:chExt cx="0" cy="0"/>
+        </a:xfrm>
+      </p:grpSpPr>
+      <p:sp>
+        <p:nvSpPr>
+          <p:cNvPr id="2" name="Title 1"/>
+          <p:cNvSpPr>
+            <a:spLocks noGrp="1"/>
+          </p:cNvSpPr>
+          <p:nvPr>
+            <p:ph type="title"/>
+          </p:nvPr>
+        </p:nvSpPr>
+        <p:spPr/>
+        <p:txBody>
+          <a:bodyPr/>
+          <a:lstStyle/>
+          <a:p>
+            <a:r>
+              <a:rPr lang="en-US" dirty="0"/>
+              <a:t>SQL Table Example</a:t>
+            </a:r>
+          </a:p>
+        </p:txBody>
+      </p:sp>
+      <p:sp>
+        <p:nvSpPr>
+          <p:cNvPr id="3" name="Content Placeholder 2"/>
+          <p:cNvSpPr>
+            <a:spLocks noGrp="1"/>
+          </p:cNvSpPr>
+          <p:nvPr>
+            <p:ph idx="1"/>
+          </p:nvPr>
+        </p:nvSpPr>
+        <p:spPr/>
+        <p:txBody>
+          <a:bodyPr>
+            <a:normAutofit fontScale="85000" lnSpcReduction="20000"/>
+          </a:bodyPr>
+          <a:lstStyle/>
+          <a:p>
+            <a:r>
+              <a:rPr lang="en-US" dirty="0">
+                <a:hlinkClick r:id="rId2"/>
+              </a:rPr>
+              <a:t>http://www.w3schools.com/sql/trysql.asp?filename=trysql_select_all</a:t>
+            </a:r>
+            <a:endParaRPr lang="en-US" dirty="0"/>
+          </a:p>
+          <a:p>
+            <a:r>
+              <a:rPr lang="en-US" dirty="0"/>
+              <a:t>SELECT * FROM Customers;</a:t>
+            </a:r>
+          </a:p>
+          <a:p>
+            <a:r>
+              <a:rPr lang="en-US" dirty="0"/>
+              <a:t>SELECT City, ContactName FROM Customers WHERE Country='Mexico';</a:t>
+            </a:r>
+          </a:p>
+          <a:p>
+            <a:r>
+              <a:rPr lang="en-US" dirty="0"/>
+              <a:t>UPDATE Customers SET ContactName='Alfred Schmidt', City='Hamburg‘ WHERE CustomerName='Alfreds Futterkiste';</a:t>
+            </a:r>
+          </a:p>
+          <a:p>
+            <a:r>
+              <a:rPr lang="en-US" dirty="0"/>
+              <a:t>SELECT Customers.CustomerName, Orders.OrderID FROM Customers INNER JOIN Orders ON Customers.CustomerID=Orders.CustomerID ORDER BY Customers.CustomerName;</a:t>
+            </a:r>
+          </a:p>
+          <a:p>
+            <a:endParaRPr lang="en-US" dirty="0"/>
+          </a:p>
+          <a:p>
+            <a:endParaRPr lang="en-US" dirty="0"/>
+          </a:p>
+          <a:p>
+            <a:endParaRPr lang="en-US" dirty="0"/>
+          </a:p>
+        </p:txBody>
+      </p:sp>
+    </p:spTree>
+    <p:extLst>
+      <p:ext uri="{BB962C8B-B14F-4D97-AF65-F5344CB8AC3E}">
+        <p14:creationId xmlns:p14="http://schemas.microsoft.com/office/powerpoint/2010/main" val="3693979043"/>
+      </p:ext>
+    </p:extLst>
+  </p:cSld>
+  <p:clrMapOvr>
+    <a:masterClrMapping/>
+  </p:clrMapOvr>
+</p:sld>
+</file>
+
+<file path=ppt/slides/slide19.xml><?xml version="1.0" encoding="utf-8"?>
+<p:sld xmlns:a="http://schemas.openxmlformats.org/drawingml/2006/main" xmlns:r="http://schemas.openxmlformats.org/officeDocument/2006/relationships" xmlns:p="http://schemas.openxmlformats.org/presentationml/2006/main">
+  <p:cSld>
+    <p:spTree>
+      <p:nvGrpSpPr>
+        <p:cNvPr id="1" name=""/>
+        <p:cNvGrpSpPr/>
+        <p:nvPr/>
+      </p:nvGrpSpPr>
+      <p:grpSpPr>
+        <a:xfrm>
+          <a:off x="0" y="0"/>
+          <a:ext cx="0" cy="0"/>
+          <a:chOff x="0" y="0"/>
+          <a:chExt cx="0" cy="0"/>
+        </a:xfrm>
+      </p:grpSpPr>
+      <p:sp>
+        <p:nvSpPr>
+          <p:cNvPr id="2" name="Title 1"/>
+          <p:cNvSpPr>
+            <a:spLocks noGrp="1"/>
+          </p:cNvSpPr>
+          <p:nvPr>
+            <p:ph type="title"/>
+          </p:nvPr>
+        </p:nvSpPr>
+        <p:spPr/>
+        <p:txBody>
+          <a:bodyPr/>
+          <a:lstStyle/>
+          <a:p>
+            <a:r>
+              <a:rPr lang="en-US" dirty="0"/>
+              <a:t>Non-Relational</a:t>
+            </a:r>
+          </a:p>
+        </p:txBody>
+      </p:sp>
+      <p:sp>
+        <p:nvSpPr>
+          <p:cNvPr id="3" name="Content Placeholder 2"/>
+          <p:cNvSpPr>
+            <a:spLocks noGrp="1"/>
+          </p:cNvSpPr>
+          <p:nvPr>
+            <p:ph idx="1"/>
+          </p:nvPr>
+        </p:nvSpPr>
+        <p:spPr>
+          <a:xfrm>
+            <a:off x="457200" y="1417638"/>
+            <a:ext cx="8229600" cy="5135562"/>
+          </a:xfrm>
+        </p:spPr>
+        <p:txBody>
+          <a:bodyPr>
+            <a:normAutofit lnSpcReduction="10000"/>
+          </a:bodyPr>
+          <a:lstStyle/>
+          <a:p>
+            <a:r>
+              <a:rPr lang="en-US" dirty="0"/>
+              <a:t>No More Tables!          (╯°□°）╯︵ ┻━┻</a:t>
+            </a:r>
+          </a:p>
+          <a:p>
+            <a:r>
+              <a:rPr lang="en-US" dirty="0"/>
+              <a:t>Also called “NoSQL”</a:t>
+            </a:r>
+          </a:p>
+          <a:p>
+            <a:r>
+              <a:rPr lang="en-US" dirty="0"/>
+              <a:t>Can scale “easier” then SQL</a:t>
+            </a:r>
+          </a:p>
+          <a:p>
+            <a:pPr lvl="1"/>
+            <a:r>
+              <a:rPr lang="en-US" dirty="0" smtClean="0"/>
+              <a:t>Don’t need to stick to Schema </a:t>
+            </a:r>
+          </a:p>
+          <a:p>
+            <a:pPr lvl="2"/>
+            <a:r>
+              <a:rPr lang="en-US" dirty="0" smtClean="0"/>
+              <a:t>Might eat these words if not careful</a:t>
+            </a:r>
+          </a:p>
+          <a:p>
+            <a:r>
+              <a:rPr lang="en-US" dirty="0" smtClean="0"/>
+              <a:t>Can get started right away, no setup</a:t>
+            </a:r>
+            <a:endParaRPr lang="en-US" dirty="0"/>
+          </a:p>
+          <a:p>
+            <a:r>
+              <a:rPr lang="en-US" dirty="0"/>
+              <a:t>Web 2.0 choice of database</a:t>
+            </a:r>
+          </a:p>
+          <a:p>
+            <a:pPr lvl="1"/>
+            <a:r>
+              <a:rPr lang="en-US" dirty="0"/>
+              <a:t>Facebook, Google, Amazon, etc.</a:t>
+            </a:r>
+          </a:p>
+          <a:p>
+            <a:pPr lvl="2"/>
+            <a:r>
+              <a:rPr lang="en-US" sz="2000" b="1" dirty="0"/>
+              <a:t>NOTE</a:t>
+            </a:r>
+            <a:r>
+              <a:rPr lang="en-US" sz="2000" dirty="0"/>
+              <a:t>: They built their own databases and search function to maximize search time… but MongoDB is good enough for people who don’t have billions of users</a:t>
+            </a:r>
+          </a:p>
+          <a:p>
+            <a:endParaRPr lang="en-US" dirty="0"/>
+          </a:p>
+        </p:txBody>
+      </p:sp>
+    </p:spTree>
+    <p:extLst>
+      <p:ext uri="{BB962C8B-B14F-4D97-AF65-F5344CB8AC3E}">
+        <p14:creationId xmlns:p14="http://schemas.microsoft.com/office/powerpoint/2010/main" val="1392721574"/>
+      </p:ext>
+    </p:extLst>
+  </p:cSld>
+  <p:clrMapOvr>
+    <a:masterClrMapping/>
+  </p:clrMapOvr>
+</p:sld>
+</file>
+
+<file path=ppt/slides/slide2.xml><?xml version="1.0" encoding="utf-8"?>
+<p:sld xmlns:a="http://schemas.openxmlformats.org/drawingml/2006/main" xmlns:r="http://schemas.openxmlformats.org/officeDocument/2006/relationships" xmlns:p="http://schemas.openxmlformats.org/presentationml/2006/main">
+  <p:cSld>
+    <p:spTree>
+      <p:nvGrpSpPr>
+        <p:cNvPr id="1" name=""/>
+        <p:cNvGrpSpPr/>
+        <p:nvPr/>
+      </p:nvGrpSpPr>
+      <p:grpSpPr>
+        <a:xfrm>
+          <a:off x="0" y="0"/>
+          <a:ext cx="0" cy="0"/>
+          <a:chOff x="0" y="0"/>
+          <a:chExt cx="0" cy="0"/>
+        </a:xfrm>
+      </p:grpSpPr>
+      <p:sp>
+        <p:nvSpPr>
+          <p:cNvPr id="2" name="Title 1"/>
+          <p:cNvSpPr>
+            <a:spLocks noGrp="1"/>
+          </p:cNvSpPr>
+          <p:nvPr>
+            <p:ph type="title"/>
+          </p:nvPr>
+        </p:nvSpPr>
+        <p:spPr/>
+        <p:txBody>
+          <a:bodyPr/>
+          <a:lstStyle/>
+          <a:p>
+            <a:r>
+              <a:rPr lang="en-US" dirty="0"/>
+              <a:t>Databases</a:t>
+            </a:r>
+          </a:p>
+        </p:txBody>
+      </p:sp>
+      <p:sp>
+        <p:nvSpPr>
+          <p:cNvPr id="3" name="Content Placeholder 2"/>
+          <p:cNvSpPr>
+            <a:spLocks noGrp="1"/>
+          </p:cNvSpPr>
+          <p:nvPr>
+            <p:ph idx="1"/>
+          </p:nvPr>
+        </p:nvSpPr>
+        <p:spPr/>
+        <p:txBody>
+          <a:bodyPr/>
+          <a:lstStyle/>
+          <a:p>
+            <a:r>
+              <a:rPr lang="en-US" dirty="0"/>
+              <a:t>Way to save data in persistent memory</a:t>
+            </a:r>
+          </a:p>
+          <a:p>
+            <a:r>
+              <a:rPr lang="en-US" dirty="0"/>
+              <a:t>Can host on server</a:t>
+            </a:r>
+          </a:p>
+          <a:p>
+            <a:pPr lvl="1"/>
+            <a:r>
+              <a:rPr lang="en-US" dirty="0"/>
+              <a:t>Allows to not physically hold data</a:t>
+            </a:r>
+          </a:p>
+          <a:p>
+            <a:r>
+              <a:rPr lang="en-US" dirty="0"/>
+              <a:t>Can host on local computer</a:t>
+            </a:r>
+          </a:p>
+          <a:p>
+            <a:pPr lvl="1"/>
+            <a:r>
+              <a:rPr lang="en-US" dirty="0"/>
+              <a:t>Or in this case the Pi</a:t>
+            </a:r>
+          </a:p>
+          <a:p>
+            <a:r>
+              <a:rPr lang="en-US" dirty="0"/>
+              <a:t>No more saving and reading to TXT Files</a:t>
+            </a:r>
+          </a:p>
+        </p:txBody>
+      </p:sp>
+    </p:spTree>
+    <p:extLst>
+      <p:ext uri="{BB962C8B-B14F-4D97-AF65-F5344CB8AC3E}">
+        <p14:creationId xmlns:p14="http://schemas.microsoft.com/office/powerpoint/2010/main" val="2228609368"/>
+      </p:ext>
+    </p:extLst>
+  </p:cSld>
+  <p:clrMapOvr>
+    <a:masterClrMapping/>
+  </p:clrMapOvr>
+</p:sld>
+</file>
+
+<file path=ppt/slides/slide20.xml><?xml version="1.0" encoding="utf-8"?>
+<p:sld xmlns:a="http://schemas.openxmlformats.org/drawingml/2006/main" xmlns:r="http://schemas.openxmlformats.org/officeDocument/2006/relationships" xmlns:p="http://schemas.openxmlformats.org/presentationml/2006/main">
+  <p:cSld>
+    <p:spTree>
+      <p:nvGrpSpPr>
+        <p:cNvPr id="1" name=""/>
+        <p:cNvGrpSpPr/>
+        <p:nvPr/>
+      </p:nvGrpSpPr>
+      <p:grpSpPr>
+        <a:xfrm>
+          <a:off x="0" y="0"/>
+          <a:ext cx="0" cy="0"/>
+          <a:chOff x="0" y="0"/>
+          <a:chExt cx="0" cy="0"/>
+        </a:xfrm>
+      </p:grpSpPr>
+      <p:sp>
+        <p:nvSpPr>
+          <p:cNvPr id="2" name="Title 1"/>
+          <p:cNvSpPr>
+            <a:spLocks noGrp="1"/>
+          </p:cNvSpPr>
+          <p:nvPr>
+            <p:ph type="title"/>
+          </p:nvPr>
+        </p:nvSpPr>
+        <p:spPr/>
+        <p:txBody>
+          <a:bodyPr/>
+          <a:lstStyle/>
+          <a:p>
+            <a:r>
+              <a:rPr lang="en-US" dirty="0"/>
+              <a:t>What is MongoDB</a:t>
+            </a:r>
+          </a:p>
+        </p:txBody>
+      </p:sp>
+      <p:sp>
+        <p:nvSpPr>
+          <p:cNvPr id="3" name="Content Placeholder 2"/>
+          <p:cNvSpPr>
+            <a:spLocks noGrp="1"/>
+          </p:cNvSpPr>
+          <p:nvPr>
+            <p:ph idx="1"/>
+          </p:nvPr>
+        </p:nvSpPr>
+        <p:spPr>
+          <a:xfrm>
+            <a:off x="457200" y="1600200"/>
+            <a:ext cx="8229600" cy="4800600"/>
+          </a:xfrm>
+        </p:spPr>
+        <p:txBody>
+          <a:bodyPr>
+            <a:normAutofit lnSpcReduction="10000"/>
+          </a:bodyPr>
+          <a:lstStyle/>
+          <a:p>
+            <a:r>
+              <a:rPr lang="en-US" dirty="0"/>
+              <a:t>A “NoSQL” Database</a:t>
+            </a:r>
+          </a:p>
+          <a:p>
+            <a:r>
+              <a:rPr lang="en-US" dirty="0"/>
+              <a:t>Non-Relational</a:t>
+            </a:r>
+          </a:p>
+          <a:p>
+            <a:r>
+              <a:rPr lang="en-US" dirty="0"/>
+              <a:t>Free </a:t>
+            </a:r>
+          </a:p>
+          <a:p>
+            <a:r>
+              <a:rPr lang="en-US" dirty="0"/>
+              <a:t>Not default on Raspberry Pi’s</a:t>
+            </a:r>
+          </a:p>
+          <a:p>
+            <a:pPr lvl="1"/>
+            <a:r>
+              <a:rPr lang="en-US" dirty="0"/>
+              <a:t>I added it for </a:t>
+            </a:r>
+            <a:r>
+              <a:rPr lang="en-US" dirty="0" smtClean="0"/>
+              <a:t>everyone</a:t>
+            </a:r>
+          </a:p>
+          <a:p>
+            <a:pPr lvl="2"/>
+            <a:r>
+              <a:rPr lang="en-US" dirty="0" smtClean="0"/>
+              <a:t>Just have to type: </a:t>
+            </a:r>
+            <a:r>
+              <a:rPr lang="en-US" dirty="0" err="1" smtClean="0">
+                <a:solidFill>
+                  <a:srgbClr val="FF0000"/>
+                </a:solidFill>
+              </a:rPr>
+              <a:t>sudo</a:t>
+            </a:r>
+            <a:r>
+              <a:rPr lang="en-US" dirty="0" smtClean="0">
+                <a:solidFill>
+                  <a:srgbClr val="FF0000"/>
+                </a:solidFill>
+              </a:rPr>
+              <a:t> apt-get install </a:t>
+            </a:r>
+            <a:r>
+              <a:rPr lang="en-US" dirty="0" err="1" smtClean="0">
+                <a:solidFill>
+                  <a:srgbClr val="FF0000"/>
+                </a:solidFill>
+              </a:rPr>
+              <a:t>mongodb</a:t>
+            </a:r>
+            <a:r>
+              <a:rPr lang="en-US" dirty="0" smtClean="0">
+                <a:solidFill>
+                  <a:srgbClr val="FF0000"/>
+                </a:solidFill>
+              </a:rPr>
+              <a:t>-server</a:t>
+            </a:r>
+            <a:endParaRPr lang="en-US" dirty="0">
+              <a:solidFill>
+                <a:srgbClr val="FF0000"/>
+              </a:solidFill>
+            </a:endParaRPr>
+          </a:p>
+          <a:p>
+            <a:pPr lvl="2"/>
+            <a:r>
+              <a:rPr lang="en-US" dirty="0"/>
+              <a:t>PDF on the GitHub how to do it</a:t>
+            </a:r>
+          </a:p>
+          <a:p>
+            <a:r>
+              <a:rPr lang="en-US" dirty="0"/>
+              <a:t>“A big JSON garbage bin”</a:t>
+            </a:r>
+          </a:p>
+          <a:p>
+            <a:pPr lvl="1"/>
+            <a:r>
+              <a:rPr lang="en-US" dirty="0"/>
+              <a:t>Only if you are not careful</a:t>
+            </a:r>
+          </a:p>
+        </p:txBody>
+      </p:sp>
+    </p:spTree>
+    <p:extLst>
+      <p:ext uri="{BB962C8B-B14F-4D97-AF65-F5344CB8AC3E}">
+        <p14:creationId xmlns:p14="http://schemas.microsoft.com/office/powerpoint/2010/main" val="1071029386"/>
+      </p:ext>
+    </p:extLst>
+  </p:cSld>
+  <p:clrMapOvr>
+    <a:masterClrMapping/>
+  </p:clrMapOvr>
+</p:sld>
+</file>
+
+<file path=ppt/slides/slide21.xml><?xml version="1.0" encoding="utf-8"?>
+<p:sld xmlns:a="http://schemas.openxmlformats.org/drawingml/2006/main" xmlns:r="http://schemas.openxmlformats.org/officeDocument/2006/relationships" xmlns:p="http://schemas.openxmlformats.org/presentationml/2006/main">
+  <p:cSld>
+    <p:spTree>
+      <p:nvGrpSpPr>
+        <p:cNvPr id="1" name=""/>
+        <p:cNvGrpSpPr/>
+        <p:nvPr/>
+      </p:nvGrpSpPr>
+      <p:grpSpPr>
+        <a:xfrm>
+          <a:off x="0" y="0"/>
+          <a:ext cx="0" cy="0"/>
+          <a:chOff x="0" y="0"/>
+          <a:chExt cx="0" cy="0"/>
+        </a:xfrm>
+      </p:grpSpPr>
+      <p:sp>
+        <p:nvSpPr>
+          <p:cNvPr id="2" name="Title 1"/>
+          <p:cNvSpPr>
+            <a:spLocks noGrp="1"/>
+          </p:cNvSpPr>
+          <p:nvPr>
+            <p:ph type="title"/>
+          </p:nvPr>
+        </p:nvSpPr>
+        <p:spPr/>
+        <p:txBody>
+          <a:bodyPr/>
+          <a:lstStyle/>
+          <a:p>
+            <a:r>
+              <a:rPr lang="en-US" dirty="0"/>
+              <a:t>JSON Overview </a:t>
+            </a:r>
+          </a:p>
+        </p:txBody>
+      </p:sp>
+      <p:sp>
+        <p:nvSpPr>
+          <p:cNvPr id="3" name="Content Placeholder 2"/>
+          <p:cNvSpPr>
+            <a:spLocks noGrp="1"/>
+          </p:cNvSpPr>
+          <p:nvPr>
+            <p:ph idx="1"/>
+          </p:nvPr>
+        </p:nvSpPr>
+        <p:spPr>
+          <a:xfrm>
+            <a:off x="457200" y="1600200"/>
+            <a:ext cx="8229600" cy="4953000"/>
+          </a:xfrm>
+        </p:spPr>
+        <p:txBody>
+          <a:bodyPr>
+            <a:normAutofit/>
+          </a:bodyPr>
+          <a:lstStyle/>
+          <a:p>
+            <a:r>
+              <a:rPr lang="en-US" dirty="0" smtClean="0"/>
+              <a:t>“</a:t>
+            </a:r>
+            <a:r>
+              <a:rPr lang="en-US" dirty="0" err="1" smtClean="0"/>
+              <a:t>Javascript</a:t>
+            </a:r>
+            <a:r>
+              <a:rPr lang="en-US" dirty="0" smtClean="0"/>
+              <a:t> Object Notation”</a:t>
+            </a:r>
+          </a:p>
+          <a:p>
+            <a:r>
+              <a:rPr lang="en-US" dirty="0" smtClean="0"/>
+              <a:t>Open </a:t>
+            </a:r>
+            <a:r>
+              <a:rPr lang="en-US" dirty="0"/>
+              <a:t>your browser of choice</a:t>
+            </a:r>
+          </a:p>
+          <a:p>
+            <a:pPr lvl="1"/>
+            <a:r>
+              <a:rPr lang="en-US" dirty="0"/>
+              <a:t>Only if that choice is Google Chrome</a:t>
+            </a:r>
+          </a:p>
+          <a:p>
+            <a:pPr lvl="2"/>
+            <a:r>
+              <a:rPr lang="en-US" dirty="0"/>
+              <a:t>Windows  ------------ 	Ctrl+Shift+J  </a:t>
+            </a:r>
+          </a:p>
+          <a:p>
+            <a:pPr lvl="2"/>
+            <a:r>
+              <a:rPr lang="en-US" dirty="0"/>
+              <a:t>Macs ------------------ 	Option+Command+J</a:t>
+            </a:r>
+          </a:p>
+          <a:p>
+            <a:r>
+              <a:rPr lang="en-US" sz="2800" dirty="0"/>
+              <a:t>Go to Lesson_2 in GitHub folder for </a:t>
+            </a:r>
+            <a:r>
+              <a:rPr lang="en-US" sz="2800" b="1" dirty="0"/>
+              <a:t>practice.json</a:t>
+            </a:r>
+          </a:p>
+          <a:p>
+            <a:r>
+              <a:rPr lang="en-US" dirty="0">
+                <a:hlinkClick r:id="rId2"/>
+              </a:rPr>
+              <a:t>https://</a:t>
+            </a:r>
+            <a:r>
+              <a:rPr lang="en-US" dirty="0" smtClean="0">
+                <a:hlinkClick r:id="rId2"/>
+              </a:rPr>
+              <a:t>goo.gl/rVt3gU</a:t>
+            </a:r>
+            <a:endParaRPr lang="en-US" dirty="0" smtClean="0"/>
+          </a:p>
+          <a:p>
+            <a:pPr lvl="1"/>
+            <a:r>
+              <a:rPr lang="en-US" dirty="0" smtClean="0"/>
+              <a:t>Case sensitive</a:t>
+            </a:r>
+          </a:p>
+          <a:p>
+            <a:r>
+              <a:rPr lang="en-US" dirty="0" smtClean="0"/>
+              <a:t>Click “raw” to get </a:t>
+            </a:r>
+          </a:p>
+          <a:p>
+            <a:pPr marL="0" indent="0">
+              <a:buNone/>
+            </a:pPr>
+            <a:endParaRPr lang="en-US" dirty="0"/>
+          </a:p>
+        </p:txBody>
+      </p:sp>
+    </p:spTree>
+    <p:extLst>
+      <p:ext uri="{BB962C8B-B14F-4D97-AF65-F5344CB8AC3E}">
+        <p14:creationId xmlns:p14="http://schemas.microsoft.com/office/powerpoint/2010/main" val="1229376873"/>
+      </p:ext>
+    </p:extLst>
+  </p:cSld>
+  <p:clrMapOvr>
+    <a:masterClrMapping/>
+  </p:clrMapOvr>
+</p:sld>
+</file>
+
+<file path=ppt/slides/slide22.xml><?xml version="1.0" encoding="utf-8"?>
+<p:sld xmlns:a="http://schemas.openxmlformats.org/drawingml/2006/main" xmlns:r="http://schemas.openxmlformats.org/officeDocument/2006/relationships" xmlns:p="http://schemas.openxmlformats.org/presentationml/2006/main">
+  <p:cSld>
+    <p:spTree>
+      <p:nvGrpSpPr>
+        <p:cNvPr id="1" name=""/>
+        <p:cNvGrpSpPr/>
+        <p:nvPr/>
+      </p:nvGrpSpPr>
+      <p:grpSpPr>
+        <a:xfrm>
+          <a:off x="0" y="0"/>
+          <a:ext cx="0" cy="0"/>
+          <a:chOff x="0" y="0"/>
+          <a:chExt cx="0" cy="0"/>
+        </a:xfrm>
+      </p:grpSpPr>
+      <p:sp>
+        <p:nvSpPr>
+          <p:cNvPr id="3" name="Content Placeholder 2"/>
+          <p:cNvSpPr>
+            <a:spLocks noGrp="1"/>
+          </p:cNvSpPr>
+          <p:nvPr>
+            <p:ph idx="1"/>
+          </p:nvPr>
+        </p:nvSpPr>
+        <p:spPr>
+          <a:xfrm>
+            <a:off x="457200" y="228600"/>
+            <a:ext cx="8229600" cy="5897563"/>
+          </a:xfrm>
+        </p:spPr>
+        <p:txBody>
+          <a:bodyPr>
+            <a:normAutofit/>
+          </a:bodyPr>
+          <a:lstStyle/>
+          <a:p>
+            <a:r>
+              <a:rPr lang="en-US" dirty="0"/>
+              <a:t>Select all </a:t>
+            </a:r>
+            <a:r>
+              <a:rPr lang="en-US" dirty="0" smtClean="0"/>
+              <a:t>and </a:t>
+            </a:r>
+            <a:r>
+              <a:rPr lang="en-US" dirty="0"/>
+              <a:t>copy </a:t>
+            </a:r>
+            <a:endParaRPr lang="en-US" dirty="0" smtClean="0"/>
+          </a:p>
+          <a:p>
+            <a:r>
+              <a:rPr lang="en-US" dirty="0" smtClean="0"/>
+              <a:t>Type</a:t>
+            </a:r>
+            <a:r>
+              <a:rPr lang="en-US" dirty="0"/>
+              <a:t>: </a:t>
+            </a:r>
+            <a:r>
+              <a:rPr lang="en-US" b="1" dirty="0">
+                <a:solidFill>
+                  <a:srgbClr val="FF0000"/>
+                </a:solidFill>
+              </a:rPr>
+              <a:t>var data = </a:t>
+            </a:r>
+          </a:p>
+          <a:p>
+            <a:pPr lvl="1"/>
+            <a:r>
+              <a:rPr lang="en-US" dirty="0"/>
+              <a:t>Then paste </a:t>
+            </a:r>
+            <a:r>
+              <a:rPr lang="en-US" dirty="0" smtClean="0"/>
+              <a:t>(</a:t>
+            </a:r>
+            <a:r>
+              <a:rPr lang="en-US" dirty="0" err="1" smtClean="0"/>
+              <a:t>ctrl+v</a:t>
+            </a:r>
+            <a:r>
+              <a:rPr lang="en-US" dirty="0" smtClean="0"/>
+              <a:t>) data in console and </a:t>
+            </a:r>
+            <a:r>
+              <a:rPr lang="en-US" dirty="0"/>
+              <a:t>hit enter</a:t>
+            </a:r>
+          </a:p>
+          <a:p>
+            <a:pPr lvl="1"/>
+            <a:endParaRPr lang="en-US" dirty="0"/>
+          </a:p>
+          <a:p>
+            <a:r>
+              <a:rPr lang="en-US" dirty="0"/>
+              <a:t>Undefinded?</a:t>
+            </a:r>
+          </a:p>
+          <a:p>
+            <a:pPr lvl="1"/>
+            <a:r>
+              <a:rPr lang="en-US" dirty="0"/>
+              <a:t>Type: </a:t>
+            </a:r>
+            <a:r>
+              <a:rPr lang="en-US" b="1" dirty="0">
+                <a:solidFill>
+                  <a:srgbClr val="FF0000"/>
+                </a:solidFill>
+              </a:rPr>
+              <a:t>data</a:t>
+            </a:r>
+            <a:endParaRPr lang="en-US" dirty="0"/>
+          </a:p>
+          <a:p>
+            <a:pPr marL="0" indent="0">
+              <a:buNone/>
+            </a:pPr>
+            <a:endParaRPr lang="en-US" dirty="0"/>
+          </a:p>
+          <a:p>
+            <a:pPr marL="0" indent="0">
+              <a:buNone/>
+            </a:pPr>
+            <a:r>
+              <a:rPr lang="en-US" sz="2800" dirty="0"/>
+              <a:t>NOTE: There is never a comma after last listed item</a:t>
+            </a:r>
+          </a:p>
+          <a:p>
+            <a:pPr marL="0" indent="0">
+              <a:buNone/>
+            </a:pPr>
+            <a:endParaRPr lang="en-US" sz="2800" dirty="0"/>
+          </a:p>
+          <a:p>
+            <a:r>
+              <a:rPr lang="en-US" sz="2800" dirty="0"/>
+              <a:t>Can use built-in JavaScript</a:t>
+            </a:r>
+            <a:br>
+              <a:rPr lang="en-US" sz="2800" dirty="0"/>
+            </a:br>
+            <a:r>
+              <a:rPr lang="en-US" sz="2400" dirty="0"/>
+              <a:t>&lt;ArrayName&gt;.find(function(e){return e.name == "Alakazam"})</a:t>
+            </a:r>
+          </a:p>
+        </p:txBody>
+      </p:sp>
+    </p:spTree>
+    <p:extLst>
+      <p:ext uri="{BB962C8B-B14F-4D97-AF65-F5344CB8AC3E}">
+        <p14:creationId xmlns:p14="http://schemas.microsoft.com/office/powerpoint/2010/main" val="1752948088"/>
+      </p:ext>
+    </p:extLst>
+  </p:cSld>
+  <p:clrMapOvr>
+    <a:masterClrMapping/>
+  </p:clrMapOvr>
+</p:sld>
+</file>
+
+<file path=ppt/slides/slide23.xml><?xml version="1.0" encoding="utf-8"?>
+<p:sld xmlns:a="http://schemas.openxmlformats.org/drawingml/2006/main" xmlns:r="http://schemas.openxmlformats.org/officeDocument/2006/relationships" xmlns:p="http://schemas.openxmlformats.org/presentationml/2006/main">
+  <p:cSld>
+    <p:spTree>
+      <p:nvGrpSpPr>
+        <p:cNvPr id="1" name=""/>
+        <p:cNvGrpSpPr/>
+        <p:nvPr/>
+      </p:nvGrpSpPr>
+      <p:grpSpPr>
+        <a:xfrm>
+          <a:off x="0" y="0"/>
+          <a:ext cx="0" cy="0"/>
+          <a:chOff x="0" y="0"/>
+          <a:chExt cx="0" cy="0"/>
+        </a:xfrm>
+      </p:grpSpPr>
+      <p:sp>
+        <p:nvSpPr>
+          <p:cNvPr id="2" name="Title 1"/>
+          <p:cNvSpPr>
+            <a:spLocks noGrp="1"/>
+          </p:cNvSpPr>
+          <p:nvPr>
+            <p:ph type="title"/>
+          </p:nvPr>
+        </p:nvSpPr>
+        <p:spPr/>
+        <p:txBody>
+          <a:bodyPr/>
+          <a:lstStyle/>
+          <a:p>
+            <a:r>
+              <a:rPr lang="en-US" dirty="0" smtClean="0"/>
+              <a:t>Time to get to the </a:t>
+            </a:r>
+            <a:r>
+              <a:rPr lang="en-US" dirty="0" err="1" smtClean="0"/>
+              <a:t>Pis</a:t>
+            </a:r>
+            <a:endParaRPr lang="en-US" dirty="0"/>
+          </a:p>
+        </p:txBody>
+      </p:sp>
+      <p:sp>
+        <p:nvSpPr>
+          <p:cNvPr id="3" name="Content Placeholder 2"/>
+          <p:cNvSpPr>
+            <a:spLocks noGrp="1"/>
+          </p:cNvSpPr>
+          <p:nvPr>
+            <p:ph idx="1"/>
+          </p:nvPr>
+        </p:nvSpPr>
+        <p:spPr/>
+        <p:txBody>
+          <a:bodyPr/>
+          <a:lstStyle/>
+          <a:p>
+            <a:r>
+              <a:rPr lang="en-US" dirty="0" smtClean="0"/>
+              <a:t>Switch internet to the “</a:t>
+            </a:r>
+            <a:r>
+              <a:rPr lang="en-US" b="1" dirty="0" smtClean="0"/>
+              <a:t>IEEE</a:t>
+            </a:r>
+            <a:r>
+              <a:rPr lang="en-US" dirty="0" smtClean="0"/>
+              <a:t>” network</a:t>
+            </a:r>
+          </a:p>
+          <a:p>
+            <a:pPr lvl="1"/>
+            <a:r>
+              <a:rPr lang="en-US" dirty="0" smtClean="0"/>
+              <a:t>Password is: </a:t>
+            </a:r>
+            <a:r>
+              <a:rPr lang="en-US" b="1" dirty="0" err="1" smtClean="0"/>
+              <a:t>ieeeiscool</a:t>
+            </a:r>
+            <a:endParaRPr lang="en-US" b="1" dirty="0" smtClean="0"/>
+          </a:p>
+          <a:p>
+            <a:r>
+              <a:rPr lang="en-US" dirty="0" smtClean="0"/>
+              <a:t>Use SSH (Mac) or Putty (Windows) to connect</a:t>
+            </a:r>
+          </a:p>
+          <a:p>
+            <a:pPr lvl="1"/>
+            <a:r>
+              <a:rPr lang="en-US" dirty="0" err="1" smtClean="0">
+                <a:solidFill>
+                  <a:srgbClr val="FF0000"/>
+                </a:solidFill>
+              </a:rPr>
+              <a:t>ssh</a:t>
+            </a:r>
+            <a:r>
+              <a:rPr lang="en-US" dirty="0" smtClean="0">
+                <a:solidFill>
+                  <a:srgbClr val="FF0000"/>
+                </a:solidFill>
+              </a:rPr>
+              <a:t> pi@192.168.1.xxx </a:t>
+            </a:r>
+            <a:r>
+              <a:rPr lang="en-US" dirty="0"/>
+              <a:t>(</a:t>
+            </a:r>
+            <a:r>
+              <a:rPr lang="en-US" dirty="0">
+                <a:sym typeface="Wingdings" panose="05000000000000000000" pitchFamily="2" charset="2"/>
+              </a:rPr>
+              <a:t> </a:t>
+            </a:r>
+            <a:r>
+              <a:rPr lang="en-US" dirty="0" smtClean="0"/>
+              <a:t>Macs)</a:t>
+            </a:r>
+          </a:p>
+          <a:p>
+            <a:pPr lvl="1"/>
+            <a:r>
+              <a:rPr lang="en-US" dirty="0" smtClean="0">
+                <a:solidFill>
+                  <a:srgbClr val="FF0000"/>
+                </a:solidFill>
+              </a:rPr>
+              <a:t>pi@192.168.1.xxx</a:t>
+            </a:r>
+            <a:r>
+              <a:rPr lang="en-US" dirty="0" smtClean="0"/>
+              <a:t> (</a:t>
+            </a:r>
+            <a:r>
+              <a:rPr lang="en-US" dirty="0" smtClean="0">
+                <a:sym typeface="Wingdings" panose="05000000000000000000" pitchFamily="2" charset="2"/>
+              </a:rPr>
+              <a:t> </a:t>
+            </a:r>
+            <a:r>
+              <a:rPr lang="en-US" dirty="0" smtClean="0"/>
+              <a:t>Windows)</a:t>
+            </a:r>
+            <a:endParaRPr lang="en-US" dirty="0" smtClean="0">
+              <a:solidFill>
+                <a:srgbClr val="FF0000"/>
+              </a:solidFill>
+            </a:endParaRPr>
+          </a:p>
+        </p:txBody>
+      </p:sp>
+    </p:spTree>
+    <p:extLst>
+      <p:ext uri="{BB962C8B-B14F-4D97-AF65-F5344CB8AC3E}">
+        <p14:creationId xmlns:p14="http://schemas.microsoft.com/office/powerpoint/2010/main" val="3557439680"/>
+      </p:ext>
+    </p:extLst>
+  </p:cSld>
+  <p:clrMapOvr>
+    <a:masterClrMapping/>
+  </p:clrMapOvr>
+</p:sld>
+</file>
+
+<file path=ppt/slides/slide24.xml><?xml version="1.0" encoding="utf-8"?>
+<p:sld xmlns:a="http://schemas.openxmlformats.org/drawingml/2006/main" xmlns:r="http://schemas.openxmlformats.org/officeDocument/2006/relationships" xmlns:p="http://schemas.openxmlformats.org/presentationml/2006/main">
+  <p:cSld>
+    <p:spTree>
+      <p:nvGrpSpPr>
+        <p:cNvPr id="1" name=""/>
+        <p:cNvGrpSpPr/>
+        <p:nvPr/>
+      </p:nvGrpSpPr>
+      <p:grpSpPr>
+        <a:xfrm>
+          <a:off x="0" y="0"/>
+          <a:ext cx="0" cy="0"/>
+          <a:chOff x="0" y="0"/>
+          <a:chExt cx="0" cy="0"/>
+        </a:xfrm>
+      </p:grpSpPr>
+      <p:sp>
+        <p:nvSpPr>
+          <p:cNvPr id="2" name="Title 1"/>
+          <p:cNvSpPr>
+            <a:spLocks noGrp="1"/>
+          </p:cNvSpPr>
+          <p:nvPr>
+            <p:ph type="title"/>
+          </p:nvPr>
+        </p:nvSpPr>
+        <p:spPr/>
+        <p:txBody>
+          <a:bodyPr>
+            <a:normAutofit/>
+          </a:bodyPr>
+          <a:lstStyle/>
+          <a:p>
+            <a:r>
+              <a:rPr lang="en-US" dirty="0"/>
+              <a:t>Mongod vs Mongo ? </a:t>
+            </a:r>
+          </a:p>
+        </p:txBody>
+      </p:sp>
+      <p:sp>
+        <p:nvSpPr>
+          <p:cNvPr id="3" name="Content Placeholder 2"/>
+          <p:cNvSpPr>
+            <a:spLocks noGrp="1"/>
+          </p:cNvSpPr>
+          <p:nvPr>
+            <p:ph idx="1"/>
+          </p:nvPr>
+        </p:nvSpPr>
+        <p:spPr/>
+        <p:txBody>
+          <a:bodyPr>
+            <a:normAutofit/>
+          </a:bodyPr>
+          <a:lstStyle/>
+          <a:p>
+            <a:r>
+              <a:rPr lang="en-US" b="1" dirty="0"/>
+              <a:t>Mongod</a:t>
+            </a:r>
+            <a:r>
+              <a:rPr lang="en-US" dirty="0"/>
+              <a:t> is “Running MongoDB” </a:t>
+            </a:r>
+          </a:p>
+          <a:p>
+            <a:pPr lvl="1"/>
+            <a:r>
+              <a:rPr lang="en-US" dirty="0"/>
+              <a:t> Stands for “Mongo Daemon” </a:t>
+            </a:r>
+          </a:p>
+          <a:p>
+            <a:r>
+              <a:rPr lang="en-US" b="1" dirty="0"/>
+              <a:t>Mongo</a:t>
+            </a:r>
+            <a:r>
+              <a:rPr lang="en-US" dirty="0"/>
+              <a:t> is the command line shell interface which we config with </a:t>
+            </a:r>
+          </a:p>
+          <a:p>
+            <a:pPr lvl="1"/>
+            <a:r>
+              <a:rPr lang="en-US" dirty="0"/>
+              <a:t>To access it just type “mongo”</a:t>
+            </a:r>
+          </a:p>
+          <a:p>
+            <a:pPr lvl="1"/>
+            <a:endParaRPr lang="en-US" dirty="0"/>
+          </a:p>
+          <a:p>
+            <a:r>
+              <a:rPr lang="en-US" dirty="0"/>
+              <a:t>Other options include </a:t>
+            </a:r>
+            <a:r>
+              <a:rPr lang="en-US" b="1" dirty="0"/>
+              <a:t>mongoimport </a:t>
+            </a:r>
+            <a:r>
+              <a:rPr lang="en-US" dirty="0"/>
+              <a:t>and </a:t>
+            </a:r>
+            <a:r>
+              <a:rPr lang="en-US" b="1" dirty="0"/>
+              <a:t>mongoexport</a:t>
+            </a:r>
+            <a:r>
+              <a:rPr lang="en-US" dirty="0"/>
+              <a:t> (will use later)</a:t>
+            </a:r>
+          </a:p>
+        </p:txBody>
+      </p:sp>
+    </p:spTree>
+    <p:extLst>
+      <p:ext uri="{BB962C8B-B14F-4D97-AF65-F5344CB8AC3E}">
+        <p14:creationId xmlns:p14="http://schemas.microsoft.com/office/powerpoint/2010/main" val="1412551190"/>
+      </p:ext>
+    </p:extLst>
+  </p:cSld>
+  <p:clrMapOvr>
+    <a:masterClrMapping/>
+  </p:clrMapOvr>
+</p:sld>
+</file>
+
+<file path=ppt/slides/slide25.xml><?xml version="1.0" encoding="utf-8"?>
+<p:sld xmlns:a="http://schemas.openxmlformats.org/drawingml/2006/main" xmlns:r="http://schemas.openxmlformats.org/officeDocument/2006/relationships" xmlns:p="http://schemas.openxmlformats.org/presentationml/2006/main">
+  <p:cSld>
+    <p:spTree>
+      <p:nvGrpSpPr>
+        <p:cNvPr id="1" name=""/>
+        <p:cNvGrpSpPr/>
+        <p:nvPr/>
+      </p:nvGrpSpPr>
+      <p:grpSpPr>
+        <a:xfrm>
+          <a:off x="0" y="0"/>
+          <a:ext cx="0" cy="0"/>
+          <a:chOff x="0" y="0"/>
+          <a:chExt cx="0" cy="0"/>
+        </a:xfrm>
+      </p:grpSpPr>
       <p:sp>
         <p:nvSpPr>
           <p:cNvPr id="2" name="Title 1"/>
@@ -3718,7 +7202,7 @@
 </p:sld>
 </file>
 
-<file path=ppt/slides/slide13.xml><?xml version="1.0" encoding="utf-8"?>
+<file path=ppt/slides/slide26.xml><?xml version="1.0" encoding="utf-8"?>
 <p:sld xmlns:a="http://schemas.openxmlformats.org/drawingml/2006/main" xmlns:r="http://schemas.openxmlformats.org/officeDocument/2006/relationships" xmlns:p="http://schemas.openxmlformats.org/presentationml/2006/main">
   <p:cSld>
     <p:spTree>
@@ -3900,7 +7384,7 @@
 </p:sld>
 </file>
 
-<file path=ppt/slides/slide14.xml><?xml version="1.0" encoding="utf-8"?>
+<file path=ppt/slides/slide27.xml><?xml version="1.0" encoding="utf-8"?>
 <p:sld xmlns:a="http://schemas.openxmlformats.org/drawingml/2006/main" xmlns:r="http://schemas.openxmlformats.org/officeDocument/2006/relationships" xmlns:p="http://schemas.openxmlformats.org/presentationml/2006/main">
   <p:cSld>
     <p:spTree>
@@ -4323,7 +7807,7 @@
 </p:sld>
 </file>
 
-<file path=ppt/slides/slide15.xml><?xml version="1.0" encoding="utf-8"?>
+<file path=ppt/slides/slide28.xml><?xml version="1.0" encoding="utf-8"?>
 <p:sld xmlns:a="http://schemas.openxmlformats.org/drawingml/2006/main" xmlns:r="http://schemas.openxmlformats.org/officeDocument/2006/relationships" xmlns:p="http://schemas.openxmlformats.org/presentationml/2006/main">
   <p:cSld>
     <p:spTree>
@@ -4372,16 +7856,55 @@
             <p:ph idx="1"/>
           </p:nvPr>
         </p:nvSpPr>
-        <p:spPr/>
+        <p:spPr>
+          <a:xfrm>
+            <a:off x="457200" y="1600200"/>
+            <a:ext cx="8229600" cy="5029200"/>
+          </a:xfrm>
+        </p:spPr>
         <p:txBody>
           <a:bodyPr>
-            <a:normAutofit lnSpcReduction="10000"/>
+            <a:normAutofit fontScale="92500" lnSpcReduction="10000"/>
           </a:bodyPr>
           <a:lstStyle/>
           <a:p>
             <a:r>
-              <a:rPr lang="en-US" dirty="0"/>
-              <a:t>Start by setting the Database we are going to use</a:t>
+              <a:rPr lang="en-US" dirty="0" smtClean="0"/>
+              <a:t>To run typ</a:t>
+            </a:r>
+            <a:r>
+              <a:rPr lang="en-US" dirty="0" smtClean="0"/>
+              <a:t>e: </a:t>
+            </a:r>
+            <a:r>
+              <a:rPr lang="en-US" dirty="0" smtClean="0">
+                <a:solidFill>
+                  <a:srgbClr val="FF0000"/>
+                </a:solidFill>
+              </a:rPr>
+              <a:t>mongo</a:t>
+            </a:r>
+          </a:p>
+          <a:p>
+            <a:pPr lvl="1"/>
+            <a:r>
+              <a:rPr lang="en-US" b="1" dirty="0" err="1" smtClean="0"/>
+              <a:t>ctrl+c</a:t>
+            </a:r>
+            <a:r>
+              <a:rPr lang="en-US" dirty="0" smtClean="0"/>
+              <a:t> to exit the shell</a:t>
+            </a:r>
+            <a:endParaRPr lang="en-US" dirty="0" smtClean="0"/>
+          </a:p>
+          <a:p>
+            <a:r>
+              <a:rPr lang="en-US" dirty="0" smtClean="0"/>
+              <a:t>Start </a:t>
+            </a:r>
+            <a:r>
+              <a:rPr lang="en-US" dirty="0"/>
+              <a:t>by setting the Database we are going to use</a:t>
             </a:r>
           </a:p>
           <a:p>
@@ -4471,7 +7994,7 @@
 </p:sld>
 </file>
 
-<file path=ppt/slides/slide16.xml><?xml version="1.0" encoding="utf-8"?>
+<file path=ppt/slides/slide29.xml><?xml version="1.0" encoding="utf-8"?>
 <p:sld xmlns:a="http://schemas.openxmlformats.org/drawingml/2006/main" xmlns:r="http://schemas.openxmlformats.org/officeDocument/2006/relationships" xmlns:p="http://schemas.openxmlformats.org/presentationml/2006/main">
   <p:cSld>
     <p:spTree>
@@ -4876,1661 +8399,6 @@
 </p:sld>
 </file>
 
-<file path=ppt/slides/slide17.xml><?xml version="1.0" encoding="utf-8"?>
-<p:sld xmlns:a="http://schemas.openxmlformats.org/drawingml/2006/main" xmlns:r="http://schemas.openxmlformats.org/officeDocument/2006/relationships" xmlns:p="http://schemas.openxmlformats.org/presentationml/2006/main">
-  <p:cSld>
-    <p:spTree>
-      <p:nvGrpSpPr>
-        <p:cNvPr id="1" name=""/>
-        <p:cNvGrpSpPr/>
-        <p:nvPr/>
-      </p:nvGrpSpPr>
-      <p:grpSpPr>
-        <a:xfrm>
-          <a:off x="0" y="0"/>
-          <a:ext cx="0" cy="0"/>
-          <a:chOff x="0" y="0"/>
-          <a:chExt cx="0" cy="0"/>
-        </a:xfrm>
-      </p:grpSpPr>
-      <p:sp>
-        <p:nvSpPr>
-          <p:cNvPr id="2" name="Title 1"/>
-          <p:cNvSpPr>
-            <a:spLocks noGrp="1"/>
-          </p:cNvSpPr>
-          <p:nvPr>
-            <p:ph type="title"/>
-          </p:nvPr>
-        </p:nvSpPr>
-        <p:spPr/>
-        <p:txBody>
-          <a:bodyPr/>
-          <a:lstStyle/>
-          <a:p>
-            <a:r>
-              <a:rPr lang="en-US" dirty="0"/>
-              <a:t>Other ways to insert</a:t>
-            </a:r>
-          </a:p>
-        </p:txBody>
-      </p:sp>
-      <p:sp>
-        <p:nvSpPr>
-          <p:cNvPr id="3" name="Content Placeholder 2"/>
-          <p:cNvSpPr>
-            <a:spLocks noGrp="1"/>
-          </p:cNvSpPr>
-          <p:nvPr>
-            <p:ph idx="1"/>
-          </p:nvPr>
-        </p:nvSpPr>
-        <p:spPr/>
-        <p:txBody>
-          <a:bodyPr/>
-          <a:lstStyle/>
-          <a:p>
-            <a:r>
-              <a:rPr lang="en-US" dirty="0"/>
-              <a:t>Set a variable</a:t>
-            </a:r>
-          </a:p>
-          <a:p>
-            <a:pPr lvl="1"/>
-            <a:r>
-              <a:rPr lang="en-US" dirty="0">
-                <a:solidFill>
-                  <a:srgbClr val="FF0000"/>
-                </a:solidFill>
-              </a:rPr>
-              <a:t>student2 = { Name : “Fred” }</a:t>
-            </a:r>
-          </a:p>
-          <a:p>
-            <a:pPr lvl="1"/>
-            <a:r>
-              <a:rPr lang="en-US" dirty="0">
-                <a:solidFill>
-                  <a:srgbClr val="FF0000"/>
-                </a:solidFill>
-              </a:rPr>
-              <a:t>db.Engineers.insert(student2)</a:t>
-            </a:r>
-          </a:p>
-          <a:p>
-            <a:pPr lvl="1"/>
-            <a:r>
-              <a:rPr lang="en-US" dirty="0"/>
-              <a:t>HINT: Tab completes still works in Mongo shell</a:t>
-            </a:r>
-          </a:p>
-          <a:p>
-            <a:pPr lvl="1"/>
-            <a:endParaRPr lang="en-US" dirty="0"/>
-          </a:p>
-          <a:p>
-            <a:r>
-              <a:rPr lang="en-US" dirty="0"/>
-              <a:t>What happens if you do the insert twice?</a:t>
-            </a:r>
-          </a:p>
-        </p:txBody>
-      </p:sp>
-    </p:spTree>
-    <p:extLst>
-      <p:ext uri="{BB962C8B-B14F-4D97-AF65-F5344CB8AC3E}">
-        <p14:creationId xmlns:p14="http://schemas.microsoft.com/office/powerpoint/2010/main" val="948539405"/>
-      </p:ext>
-    </p:extLst>
-  </p:cSld>
-  <p:clrMapOvr>
-    <a:masterClrMapping/>
-  </p:clrMapOvr>
-</p:sld>
-</file>
-
-<file path=ppt/slides/slide18.xml><?xml version="1.0" encoding="utf-8"?>
-<p:sld xmlns:a="http://schemas.openxmlformats.org/drawingml/2006/main" xmlns:r="http://schemas.openxmlformats.org/officeDocument/2006/relationships" xmlns:p="http://schemas.openxmlformats.org/presentationml/2006/main">
-  <p:cSld>
-    <p:spTree>
-      <p:nvGrpSpPr>
-        <p:cNvPr id="1" name=""/>
-        <p:cNvGrpSpPr/>
-        <p:nvPr/>
-      </p:nvGrpSpPr>
-      <p:grpSpPr>
-        <a:xfrm>
-          <a:off x="0" y="0"/>
-          <a:ext cx="0" cy="0"/>
-          <a:chOff x="0" y="0"/>
-          <a:chExt cx="0" cy="0"/>
-        </a:xfrm>
-      </p:grpSpPr>
-      <p:sp>
-        <p:nvSpPr>
-          <p:cNvPr id="2" name="Title 1"/>
-          <p:cNvSpPr>
-            <a:spLocks noGrp="1"/>
-          </p:cNvSpPr>
-          <p:nvPr>
-            <p:ph type="title"/>
-          </p:nvPr>
-        </p:nvSpPr>
-        <p:spPr>
-          <a:xfrm>
-            <a:off x="457200" y="-228600"/>
-            <a:ext cx="8229600" cy="1143000"/>
-          </a:xfrm>
-        </p:spPr>
-        <p:txBody>
-          <a:bodyPr/>
-          <a:lstStyle/>
-          <a:p>
-            <a:r>
-              <a:rPr lang="en-US" dirty="0"/>
-              <a:t>Read your data</a:t>
-            </a:r>
-          </a:p>
-        </p:txBody>
-      </p:sp>
-      <p:sp>
-        <p:nvSpPr>
-          <p:cNvPr id="3" name="Content Placeholder 2"/>
-          <p:cNvSpPr>
-            <a:spLocks noGrp="1"/>
-          </p:cNvSpPr>
-          <p:nvPr>
-            <p:ph idx="1"/>
-          </p:nvPr>
-        </p:nvSpPr>
-        <p:spPr>
-          <a:xfrm>
-            <a:off x="457200" y="838200"/>
-            <a:ext cx="8229600" cy="6019800"/>
-          </a:xfrm>
-        </p:spPr>
-        <p:txBody>
-          <a:bodyPr/>
-          <a:lstStyle/>
-          <a:p>
-            <a:r>
-              <a:rPr lang="en-US" dirty="0"/>
-              <a:t>Use differnet “Find” methods to query data</a:t>
-            </a:r>
-          </a:p>
-          <a:p>
-            <a:pPr lvl="1"/>
-            <a:r>
-              <a:rPr lang="en-US" dirty="0">
-                <a:solidFill>
-                  <a:srgbClr val="FF0000"/>
-                </a:solidFill>
-              </a:rPr>
-              <a:t>db.Engineers.find()</a:t>
-            </a:r>
-          </a:p>
-          <a:p>
-            <a:pPr lvl="1"/>
-            <a:r>
-              <a:rPr lang="en-US" dirty="0">
-                <a:solidFill>
-                  <a:srgbClr val="FF0000"/>
-                </a:solidFill>
-              </a:rPr>
-              <a:t>db.Engineers.find( {Name : “Fred”} )</a:t>
-            </a:r>
-          </a:p>
-          <a:p>
-            <a:pPr lvl="1"/>
-            <a:r>
-              <a:rPr lang="en-US" dirty="0">
-                <a:solidFill>
-                  <a:srgbClr val="FF0000"/>
-                </a:solidFill>
-              </a:rPr>
-              <a:t>db.Engineers.findOne( {Name : “Fred”} )</a:t>
-            </a:r>
-          </a:p>
-          <a:p>
-            <a:pPr lvl="1"/>
-            <a:endParaRPr lang="en-US" dirty="0"/>
-          </a:p>
-          <a:p>
-            <a:r>
-              <a:rPr lang="en-US" dirty="0"/>
-              <a:t>Sort it as well</a:t>
-            </a:r>
-          </a:p>
-          <a:p>
-            <a:pPr lvl="1"/>
-            <a:r>
-              <a:rPr lang="en-US" dirty="0">
-                <a:solidFill>
-                  <a:srgbClr val="FF0000"/>
-                </a:solidFill>
-              </a:rPr>
-              <a:t>db.Engineers.find().sort( {Name: 1 } )</a:t>
-            </a:r>
-          </a:p>
-          <a:p>
-            <a:pPr lvl="2"/>
-            <a:r>
-              <a:rPr lang="en-US" dirty="0"/>
-              <a:t>Use </a:t>
-            </a:r>
-            <a:r>
-              <a:rPr lang="en-US" b="1" dirty="0"/>
-              <a:t>-</a:t>
-            </a:r>
-            <a:r>
-              <a:rPr lang="en-US" dirty="0"/>
-              <a:t>1 for descending order</a:t>
-            </a:r>
-          </a:p>
-          <a:p>
-            <a:r>
-              <a:rPr lang="en-US" dirty="0"/>
-              <a:t>Count</a:t>
-            </a:r>
-            <a:endParaRPr lang="en-US" dirty="0">
-              <a:solidFill>
-                <a:srgbClr val="FF0000"/>
-              </a:solidFill>
-            </a:endParaRPr>
-          </a:p>
-          <a:p>
-            <a:pPr lvl="1"/>
-            <a:r>
-              <a:rPr lang="en-US" dirty="0">
-                <a:solidFill>
-                  <a:srgbClr val="FF0000"/>
-                </a:solidFill>
-              </a:rPr>
-              <a:t>db.Engineers.count()</a:t>
-            </a:r>
-          </a:p>
-          <a:p>
-            <a:pPr lvl="1"/>
-            <a:r>
-              <a:rPr lang="en-US" dirty="0">
-                <a:solidFill>
-                  <a:srgbClr val="FF0000"/>
-                </a:solidFill>
-              </a:rPr>
-              <a:t>db.Engineers.find( {Name : “Fred”} ).count()</a:t>
-            </a:r>
-          </a:p>
-          <a:p>
-            <a:pPr lvl="1"/>
-            <a:endParaRPr lang="en-US" dirty="0"/>
-          </a:p>
-          <a:p>
-            <a:pPr lvl="1"/>
-            <a:endParaRPr lang="en-US" dirty="0"/>
-          </a:p>
-        </p:txBody>
-      </p:sp>
-    </p:spTree>
-    <p:extLst>
-      <p:ext uri="{BB962C8B-B14F-4D97-AF65-F5344CB8AC3E}">
-        <p14:creationId xmlns:p14="http://schemas.microsoft.com/office/powerpoint/2010/main" val="1839140323"/>
-      </p:ext>
-    </p:extLst>
-  </p:cSld>
-  <p:clrMapOvr>
-    <a:masterClrMapping/>
-  </p:clrMapOvr>
-</p:sld>
-</file>
-
-<file path=ppt/slides/slide19.xml><?xml version="1.0" encoding="utf-8"?>
-<p:sld xmlns:a="http://schemas.openxmlformats.org/drawingml/2006/main" xmlns:r="http://schemas.openxmlformats.org/officeDocument/2006/relationships" xmlns:p="http://schemas.openxmlformats.org/presentationml/2006/main">
-  <p:cSld>
-    <p:spTree>
-      <p:nvGrpSpPr>
-        <p:cNvPr id="1" name=""/>
-        <p:cNvGrpSpPr/>
-        <p:nvPr/>
-      </p:nvGrpSpPr>
-      <p:grpSpPr>
-        <a:xfrm>
-          <a:off x="0" y="0"/>
-          <a:ext cx="0" cy="0"/>
-          <a:chOff x="0" y="0"/>
-          <a:chExt cx="0" cy="0"/>
-        </a:xfrm>
-      </p:grpSpPr>
-      <p:sp>
-        <p:nvSpPr>
-          <p:cNvPr id="2" name="Title 1"/>
-          <p:cNvSpPr>
-            <a:spLocks noGrp="1"/>
-          </p:cNvSpPr>
-          <p:nvPr>
-            <p:ph type="title"/>
-          </p:nvPr>
-        </p:nvSpPr>
-        <p:spPr>
-          <a:xfrm>
-            <a:off x="457200" y="152400"/>
-            <a:ext cx="8229600" cy="944562"/>
-          </a:xfrm>
-        </p:spPr>
-        <p:txBody>
-          <a:bodyPr/>
-          <a:lstStyle/>
-          <a:p>
-            <a:r>
-              <a:rPr lang="en-US" dirty="0"/>
-              <a:t>Messed up? Just Update!</a:t>
-            </a:r>
-          </a:p>
-        </p:txBody>
-      </p:sp>
-      <p:sp>
-        <p:nvSpPr>
-          <p:cNvPr id="3" name="Content Placeholder 2"/>
-          <p:cNvSpPr>
-            <a:spLocks noGrp="1"/>
-          </p:cNvSpPr>
-          <p:nvPr>
-            <p:ph idx="1"/>
-          </p:nvPr>
-        </p:nvSpPr>
-        <p:spPr>
-          <a:xfrm>
-            <a:off x="457200" y="1143000"/>
-            <a:ext cx="8229600" cy="5410200"/>
-          </a:xfrm>
-        </p:spPr>
-        <p:txBody>
-          <a:bodyPr>
-            <a:normAutofit/>
-          </a:bodyPr>
-          <a:lstStyle/>
-          <a:p>
-            <a:r>
-              <a:rPr lang="en-US" dirty="0"/>
-              <a:t>Update() takes 3 parameters</a:t>
-            </a:r>
-          </a:p>
-          <a:p>
-            <a:pPr lvl="1"/>
-            <a:r>
-              <a:rPr lang="en-US" dirty="0"/>
-              <a:t>Query to find the document you want</a:t>
-            </a:r>
-          </a:p>
-          <a:p>
-            <a:pPr lvl="1"/>
-            <a:r>
-              <a:rPr lang="en-US" dirty="0"/>
-              <a:t>What to update with it</a:t>
-            </a:r>
-          </a:p>
-          <a:p>
-            <a:pPr lvl="1"/>
-            <a:r>
-              <a:rPr lang="en-US" dirty="0"/>
-              <a:t>Additional options (optionial parameter)</a:t>
-            </a:r>
-          </a:p>
-          <a:p>
-            <a:pPr marL="0" indent="0">
-              <a:buNone/>
-            </a:pPr>
-            <a:endParaRPr lang="en-US" dirty="0"/>
-          </a:p>
-        </p:txBody>
-      </p:sp>
-    </p:spTree>
-    <p:extLst>
-      <p:ext uri="{BB962C8B-B14F-4D97-AF65-F5344CB8AC3E}">
-        <p14:creationId xmlns:p14="http://schemas.microsoft.com/office/powerpoint/2010/main" val="2909124441"/>
-      </p:ext>
-    </p:extLst>
-  </p:cSld>
-  <p:clrMapOvr>
-    <a:masterClrMapping/>
-  </p:clrMapOvr>
-</p:sld>
-</file>
-
-<file path=ppt/slides/slide2.xml><?xml version="1.0" encoding="utf-8"?>
-<p:sld xmlns:a="http://schemas.openxmlformats.org/drawingml/2006/main" xmlns:r="http://schemas.openxmlformats.org/officeDocument/2006/relationships" xmlns:p="http://schemas.openxmlformats.org/presentationml/2006/main">
-  <p:cSld>
-    <p:spTree>
-      <p:nvGrpSpPr>
-        <p:cNvPr id="1" name=""/>
-        <p:cNvGrpSpPr/>
-        <p:nvPr/>
-      </p:nvGrpSpPr>
-      <p:grpSpPr>
-        <a:xfrm>
-          <a:off x="0" y="0"/>
-          <a:ext cx="0" cy="0"/>
-          <a:chOff x="0" y="0"/>
-          <a:chExt cx="0" cy="0"/>
-        </a:xfrm>
-      </p:grpSpPr>
-      <p:sp>
-        <p:nvSpPr>
-          <p:cNvPr id="2" name="Title 1"/>
-          <p:cNvSpPr>
-            <a:spLocks noGrp="1"/>
-          </p:cNvSpPr>
-          <p:nvPr>
-            <p:ph type="title"/>
-          </p:nvPr>
-        </p:nvSpPr>
-        <p:spPr/>
-        <p:txBody>
-          <a:bodyPr/>
-          <a:lstStyle/>
-          <a:p>
-            <a:r>
-              <a:rPr lang="en-US" dirty="0"/>
-              <a:t>Databases</a:t>
-            </a:r>
-          </a:p>
-        </p:txBody>
-      </p:sp>
-      <p:sp>
-        <p:nvSpPr>
-          <p:cNvPr id="3" name="Content Placeholder 2"/>
-          <p:cNvSpPr>
-            <a:spLocks noGrp="1"/>
-          </p:cNvSpPr>
-          <p:nvPr>
-            <p:ph idx="1"/>
-          </p:nvPr>
-        </p:nvSpPr>
-        <p:spPr/>
-        <p:txBody>
-          <a:bodyPr/>
-          <a:lstStyle/>
-          <a:p>
-            <a:r>
-              <a:rPr lang="en-US" dirty="0"/>
-              <a:t>Way to save data in persistent memory</a:t>
-            </a:r>
-          </a:p>
-          <a:p>
-            <a:r>
-              <a:rPr lang="en-US" dirty="0"/>
-              <a:t>Can host on server</a:t>
-            </a:r>
-          </a:p>
-          <a:p>
-            <a:pPr lvl="1"/>
-            <a:r>
-              <a:rPr lang="en-US" dirty="0"/>
-              <a:t>Allows to not physically hold data</a:t>
-            </a:r>
-          </a:p>
-          <a:p>
-            <a:r>
-              <a:rPr lang="en-US" dirty="0"/>
-              <a:t>Can host on local computer</a:t>
-            </a:r>
-          </a:p>
-          <a:p>
-            <a:pPr lvl="1"/>
-            <a:r>
-              <a:rPr lang="en-US" dirty="0"/>
-              <a:t>Or in this case the Pi</a:t>
-            </a:r>
-          </a:p>
-          <a:p>
-            <a:r>
-              <a:rPr lang="en-US" dirty="0"/>
-              <a:t>No more saving and reading to TXT Files</a:t>
-            </a:r>
-          </a:p>
-        </p:txBody>
-      </p:sp>
-    </p:spTree>
-    <p:extLst>
-      <p:ext uri="{BB962C8B-B14F-4D97-AF65-F5344CB8AC3E}">
-        <p14:creationId xmlns:p14="http://schemas.microsoft.com/office/powerpoint/2010/main" val="2228609368"/>
-      </p:ext>
-    </p:extLst>
-  </p:cSld>
-  <p:clrMapOvr>
-    <a:masterClrMapping/>
-  </p:clrMapOvr>
-</p:sld>
-</file>
-
-<file path=ppt/slides/slide20.xml><?xml version="1.0" encoding="utf-8"?>
-<p:sld xmlns:a="http://schemas.openxmlformats.org/drawingml/2006/main" xmlns:r="http://schemas.openxmlformats.org/officeDocument/2006/relationships" xmlns:p="http://schemas.openxmlformats.org/presentationml/2006/main">
-  <p:cSld>
-    <p:spTree>
-      <p:nvGrpSpPr>
-        <p:cNvPr id="1" name=""/>
-        <p:cNvGrpSpPr/>
-        <p:nvPr/>
-      </p:nvGrpSpPr>
-      <p:grpSpPr>
-        <a:xfrm>
-          <a:off x="0" y="0"/>
-          <a:ext cx="0" cy="0"/>
-          <a:chOff x="0" y="0"/>
-          <a:chExt cx="0" cy="0"/>
-        </a:xfrm>
-      </p:grpSpPr>
-      <p:sp>
-        <p:nvSpPr>
-          <p:cNvPr id="3" name="Content Placeholder 2"/>
-          <p:cNvSpPr>
-            <a:spLocks noGrp="1"/>
-          </p:cNvSpPr>
-          <p:nvPr>
-            <p:ph idx="1"/>
-          </p:nvPr>
-        </p:nvSpPr>
-        <p:spPr>
-          <a:xfrm>
-            <a:off x="457200" y="228600"/>
-            <a:ext cx="8229600" cy="6477000"/>
-          </a:xfrm>
-        </p:spPr>
-        <p:txBody>
-          <a:bodyPr>
-            <a:normAutofit/>
-          </a:bodyPr>
-          <a:lstStyle/>
-          <a:p>
-            <a:r>
-              <a:rPr lang="en-US" dirty="0"/>
-              <a:t>First we will add information</a:t>
-            </a:r>
-          </a:p>
-          <a:p>
-            <a:pPr lvl="1"/>
-            <a:r>
-              <a:rPr lang="en-US" dirty="0">
-                <a:solidFill>
-                  <a:srgbClr val="FF0000"/>
-                </a:solidFill>
-              </a:rPr>
-              <a:t>db.Engineering.update( </a:t>
-            </a:r>
-            <a:br>
-              <a:rPr lang="en-US" dirty="0">
-                <a:solidFill>
-                  <a:srgbClr val="FF0000"/>
-                </a:solidFill>
-              </a:rPr>
-            </a:br>
-            <a:r>
-              <a:rPr lang="en-US" dirty="0">
-                <a:solidFill>
-                  <a:srgbClr val="FF0000"/>
-                </a:solidFill>
-              </a:rPr>
-              <a:t>			{ Name : ”Fred” },</a:t>
-            </a:r>
-            <a:br>
-              <a:rPr lang="en-US" dirty="0">
-                <a:solidFill>
-                  <a:srgbClr val="FF0000"/>
-                </a:solidFill>
-              </a:rPr>
-            </a:br>
-            <a:r>
-              <a:rPr lang="en-US" dirty="0">
-                <a:solidFill>
-                  <a:srgbClr val="FF0000"/>
-                </a:solidFill>
-              </a:rPr>
-              <a:t>			{</a:t>
-            </a:r>
-            <a:br>
-              <a:rPr lang="en-US" dirty="0">
-                <a:solidFill>
-                  <a:srgbClr val="FF0000"/>
-                </a:solidFill>
-              </a:rPr>
-            </a:br>
-            <a:r>
-              <a:rPr lang="en-US" dirty="0">
-                <a:solidFill>
-                  <a:srgbClr val="FF0000"/>
-                </a:solidFill>
-              </a:rPr>
-              <a:t>				$set : { Age : 23, Type: “ME” }</a:t>
-            </a:r>
-            <a:br>
-              <a:rPr lang="en-US" dirty="0">
-                <a:solidFill>
-                  <a:srgbClr val="FF0000"/>
-                </a:solidFill>
-              </a:rPr>
-            </a:br>
-            <a:r>
-              <a:rPr lang="en-US" dirty="0">
-                <a:solidFill>
-                  <a:srgbClr val="FF0000"/>
-                </a:solidFill>
-              </a:rPr>
-              <a:t>			}</a:t>
-            </a:r>
-            <a:br>
-              <a:rPr lang="en-US" dirty="0">
-                <a:solidFill>
-                  <a:srgbClr val="FF0000"/>
-                </a:solidFill>
-              </a:rPr>
-            </a:br>
-            <a:r>
-              <a:rPr lang="en-US" dirty="0">
-                <a:solidFill>
-                  <a:srgbClr val="FF0000"/>
-                </a:solidFill>
-              </a:rPr>
-              <a:t>		) </a:t>
-            </a:r>
-            <a:endParaRPr lang="en-US" dirty="0"/>
-          </a:p>
-          <a:p>
-            <a:r>
-              <a:rPr lang="en-US" dirty="0"/>
-              <a:t>Works the same to edit information</a:t>
-            </a:r>
-          </a:p>
-          <a:p>
-            <a:pPr lvl="1"/>
-            <a:r>
-              <a:rPr lang="en-US" dirty="0">
-                <a:solidFill>
-                  <a:srgbClr val="FF0000"/>
-                </a:solidFill>
-              </a:rPr>
-              <a:t>db.Engineering.update( </a:t>
-            </a:r>
-            <a:br>
-              <a:rPr lang="en-US" dirty="0">
-                <a:solidFill>
-                  <a:srgbClr val="FF0000"/>
-                </a:solidFill>
-              </a:rPr>
-            </a:br>
-            <a:r>
-              <a:rPr lang="en-US" dirty="0">
-                <a:solidFill>
-                  <a:srgbClr val="FF0000"/>
-                </a:solidFill>
-              </a:rPr>
-              <a:t>			{ Name : ”Fred” },</a:t>
-            </a:r>
-            <a:br>
-              <a:rPr lang="en-US" dirty="0">
-                <a:solidFill>
-                  <a:srgbClr val="FF0000"/>
-                </a:solidFill>
-              </a:rPr>
-            </a:br>
-            <a:r>
-              <a:rPr lang="en-US" dirty="0">
-                <a:solidFill>
-                  <a:srgbClr val="FF0000"/>
-                </a:solidFill>
-              </a:rPr>
-              <a:t>			{</a:t>
-            </a:r>
-            <a:br>
-              <a:rPr lang="en-US" dirty="0">
-                <a:solidFill>
-                  <a:srgbClr val="FF0000"/>
-                </a:solidFill>
-              </a:rPr>
-            </a:br>
-            <a:r>
-              <a:rPr lang="en-US" dirty="0">
-                <a:solidFill>
-                  <a:srgbClr val="FF0000"/>
-                </a:solidFill>
-              </a:rPr>
-              <a:t>				$set : { Age : 24 }</a:t>
-            </a:r>
-            <a:br>
-              <a:rPr lang="en-US" dirty="0">
-                <a:solidFill>
-                  <a:srgbClr val="FF0000"/>
-                </a:solidFill>
-              </a:rPr>
-            </a:br>
-            <a:r>
-              <a:rPr lang="en-US" dirty="0">
-                <a:solidFill>
-                  <a:srgbClr val="FF0000"/>
-                </a:solidFill>
-              </a:rPr>
-              <a:t>			}</a:t>
-            </a:r>
-            <a:br>
-              <a:rPr lang="en-US" dirty="0">
-                <a:solidFill>
-                  <a:srgbClr val="FF0000"/>
-                </a:solidFill>
-              </a:rPr>
-            </a:br>
-            <a:r>
-              <a:rPr lang="en-US" dirty="0">
-                <a:solidFill>
-                  <a:srgbClr val="FF0000"/>
-                </a:solidFill>
-              </a:rPr>
-              <a:t>		)</a:t>
-            </a:r>
-            <a:endParaRPr lang="en-US" dirty="0"/>
-          </a:p>
-          <a:p>
-            <a:pPr marL="457200" lvl="1" indent="0">
-              <a:buNone/>
-            </a:pPr>
-            <a:endParaRPr lang="en-US" dirty="0"/>
-          </a:p>
-        </p:txBody>
-      </p:sp>
-    </p:spTree>
-    <p:extLst>
-      <p:ext uri="{BB962C8B-B14F-4D97-AF65-F5344CB8AC3E}">
-        <p14:creationId xmlns:p14="http://schemas.microsoft.com/office/powerpoint/2010/main" val="3821784438"/>
-      </p:ext>
-    </p:extLst>
-  </p:cSld>
-  <p:clrMapOvr>
-    <a:masterClrMapping/>
-  </p:clrMapOvr>
-</p:sld>
-</file>
-
-<file path=ppt/slides/slide21.xml><?xml version="1.0" encoding="utf-8"?>
-<p:sld xmlns:a="http://schemas.openxmlformats.org/drawingml/2006/main" xmlns:r="http://schemas.openxmlformats.org/officeDocument/2006/relationships" xmlns:p="http://schemas.openxmlformats.org/presentationml/2006/main">
-  <p:cSld>
-    <p:spTree>
-      <p:nvGrpSpPr>
-        <p:cNvPr id="1" name=""/>
-        <p:cNvGrpSpPr/>
-        <p:nvPr/>
-      </p:nvGrpSpPr>
-      <p:grpSpPr>
-        <a:xfrm>
-          <a:off x="0" y="0"/>
-          <a:ext cx="0" cy="0"/>
-          <a:chOff x="0" y="0"/>
-          <a:chExt cx="0" cy="0"/>
-        </a:xfrm>
-      </p:grpSpPr>
-      <p:sp>
-        <p:nvSpPr>
-          <p:cNvPr id="2" name="Title 1"/>
-          <p:cNvSpPr>
-            <a:spLocks noGrp="1"/>
-          </p:cNvSpPr>
-          <p:nvPr>
-            <p:ph type="title"/>
-          </p:nvPr>
-        </p:nvSpPr>
-        <p:spPr>
-          <a:xfrm>
-            <a:off x="457200" y="14514"/>
-            <a:ext cx="8229600" cy="1143000"/>
-          </a:xfrm>
-        </p:spPr>
-        <p:txBody>
-          <a:bodyPr/>
-          <a:lstStyle/>
-          <a:p>
-            <a:r>
-              <a:rPr lang="en-US" dirty="0"/>
-              <a:t>Need More Data!</a:t>
-            </a:r>
-          </a:p>
-        </p:txBody>
-      </p:sp>
-      <p:sp>
-        <p:nvSpPr>
-          <p:cNvPr id="3" name="Content Placeholder 2"/>
-          <p:cNvSpPr>
-            <a:spLocks noGrp="1"/>
-          </p:cNvSpPr>
-          <p:nvPr>
-            <p:ph idx="1"/>
-          </p:nvPr>
-        </p:nvSpPr>
-        <p:spPr>
-          <a:xfrm>
-            <a:off x="152400" y="1066800"/>
-            <a:ext cx="8686800" cy="5638800"/>
-          </a:xfrm>
-        </p:spPr>
-        <p:txBody>
-          <a:bodyPr/>
-          <a:lstStyle/>
-          <a:p>
-            <a:r>
-              <a:rPr lang="en-US" dirty="0"/>
-              <a:t>Can take raw JSON objects and import them</a:t>
-            </a:r>
-          </a:p>
-          <a:p>
-            <a:pPr lvl="1"/>
-            <a:r>
-              <a:rPr lang="en-US" dirty="0"/>
-              <a:t>Can also export collections to JSON files</a:t>
-            </a:r>
-          </a:p>
-          <a:p>
-            <a:pPr lvl="1"/>
-            <a:r>
-              <a:rPr lang="en-US" dirty="0"/>
-              <a:t>Perform </a:t>
-            </a:r>
-            <a:r>
-              <a:rPr lang="en-US" b="1" dirty="0"/>
-              <a:t>outside</a:t>
-            </a:r>
-            <a:r>
-              <a:rPr lang="en-US" dirty="0"/>
-              <a:t> the mongo shell</a:t>
-            </a:r>
-          </a:p>
-          <a:p>
-            <a:r>
-              <a:rPr lang="en-US" dirty="0">
-                <a:solidFill>
-                  <a:srgbClr val="FF0000"/>
-                </a:solidFill>
-              </a:rPr>
-              <a:t>mongoimport --db World --collection Population --drop  --file Population.json </a:t>
-            </a:r>
-          </a:p>
-          <a:p>
-            <a:r>
-              <a:rPr lang="en-US" dirty="0">
-                <a:solidFill>
-                  <a:srgbClr val="FF0000"/>
-                </a:solidFill>
-              </a:rPr>
-              <a:t>mongoimport --db World --collection NobelPrize --drop  --file NobelPrize.json </a:t>
-            </a:r>
-          </a:p>
-          <a:p>
-            <a:r>
-              <a:rPr lang="en-US" dirty="0">
-                <a:solidFill>
-                  <a:srgbClr val="FF0000"/>
-                </a:solidFill>
-              </a:rPr>
-              <a:t>mongoimport --db World --collection Companies --drop  --file Companies.json </a:t>
-            </a:r>
-          </a:p>
-          <a:p>
-            <a:pPr lvl="1"/>
-            <a:r>
-              <a:rPr lang="en-US"/>
-              <a:t>Save time and use the ./importScript</a:t>
-            </a:r>
-            <a:endParaRPr lang="en-US" dirty="0"/>
-          </a:p>
-        </p:txBody>
-      </p:sp>
-    </p:spTree>
-    <p:extLst>
-      <p:ext uri="{BB962C8B-B14F-4D97-AF65-F5344CB8AC3E}">
-        <p14:creationId xmlns:p14="http://schemas.microsoft.com/office/powerpoint/2010/main" val="3796663815"/>
-      </p:ext>
-    </p:extLst>
-  </p:cSld>
-  <p:clrMapOvr>
-    <a:masterClrMapping/>
-  </p:clrMapOvr>
-</p:sld>
-</file>
-
-<file path=ppt/slides/slide22.xml><?xml version="1.0" encoding="utf-8"?>
-<p:sld xmlns:a="http://schemas.openxmlformats.org/drawingml/2006/main" xmlns:r="http://schemas.openxmlformats.org/officeDocument/2006/relationships" xmlns:p="http://schemas.openxmlformats.org/presentationml/2006/main">
-  <p:cSld>
-    <p:spTree>
-      <p:nvGrpSpPr>
-        <p:cNvPr id="1" name=""/>
-        <p:cNvGrpSpPr/>
-        <p:nvPr/>
-      </p:nvGrpSpPr>
-      <p:grpSpPr>
-        <a:xfrm>
-          <a:off x="0" y="0"/>
-          <a:ext cx="0" cy="0"/>
-          <a:chOff x="0" y="0"/>
-          <a:chExt cx="0" cy="0"/>
-        </a:xfrm>
-      </p:grpSpPr>
-      <p:sp>
-        <p:nvSpPr>
-          <p:cNvPr id="2" name="Title 1"/>
-          <p:cNvSpPr>
-            <a:spLocks noGrp="1"/>
-          </p:cNvSpPr>
-          <p:nvPr>
-            <p:ph type="title"/>
-          </p:nvPr>
-        </p:nvSpPr>
-        <p:spPr>
-          <a:xfrm>
-            <a:off x="457200" y="-152400"/>
-            <a:ext cx="8229600" cy="1143000"/>
-          </a:xfrm>
-        </p:spPr>
-        <p:txBody>
-          <a:bodyPr/>
-          <a:lstStyle/>
-          <a:p>
-            <a:r>
-              <a:rPr lang="en-US" dirty="0"/>
-              <a:t>Queries</a:t>
-            </a:r>
-          </a:p>
-        </p:txBody>
-      </p:sp>
-      <p:sp>
-        <p:nvSpPr>
-          <p:cNvPr id="3" name="Content Placeholder 2"/>
-          <p:cNvSpPr>
-            <a:spLocks noGrp="1"/>
-          </p:cNvSpPr>
-          <p:nvPr>
-            <p:ph idx="1"/>
-          </p:nvPr>
-        </p:nvSpPr>
-        <p:spPr>
-          <a:xfrm>
-            <a:off x="304800" y="990600"/>
-            <a:ext cx="8534400" cy="5867400"/>
-          </a:xfrm>
-        </p:spPr>
-        <p:txBody>
-          <a:bodyPr/>
-          <a:lstStyle/>
-          <a:p>
-            <a:r>
-              <a:rPr lang="en-US" dirty="0"/>
-              <a:t>Don’t forget to </a:t>
-            </a:r>
-            <a:r>
-              <a:rPr lang="en-US" dirty="0">
-                <a:solidFill>
-                  <a:srgbClr val="FF0000"/>
-                </a:solidFill>
-              </a:rPr>
-              <a:t>use World</a:t>
-            </a:r>
-          </a:p>
-          <a:p>
-            <a:r>
-              <a:rPr lang="en-US" dirty="0">
-                <a:solidFill>
-                  <a:srgbClr val="FF0000"/>
-                </a:solidFill>
-              </a:rPr>
-              <a:t>show collections</a:t>
-            </a:r>
-          </a:p>
-          <a:p>
-            <a:r>
-              <a:rPr lang="en-US" dirty="0">
-                <a:solidFill>
-                  <a:srgbClr val="FF0000"/>
-                </a:solidFill>
-              </a:rPr>
-              <a:t>db.Population.find( { males : { $gt : 2250000 } } )</a:t>
-            </a:r>
-            <a:endParaRPr lang="en-US" dirty="0"/>
-          </a:p>
-          <a:p>
-            <a:r>
-              <a:rPr lang="en-US" dirty="0"/>
-              <a:t>To much information?</a:t>
-            </a:r>
-          </a:p>
-          <a:p>
-            <a:pPr lvl="1"/>
-            <a:r>
-              <a:rPr lang="en-US" dirty="0"/>
-              <a:t>Add 2</a:t>
-            </a:r>
-            <a:r>
-              <a:rPr lang="en-US" baseline="30000" dirty="0"/>
-              <a:t>nd</a:t>
-            </a:r>
-            <a:r>
-              <a:rPr lang="en-US" dirty="0"/>
-              <a:t> parameter to find to limit fields</a:t>
-            </a:r>
-          </a:p>
-          <a:p>
-            <a:pPr lvl="1"/>
-            <a:r>
-              <a:rPr lang="en-US" dirty="0"/>
-              <a:t>Uses 1 and 0 to turn on or off</a:t>
-            </a:r>
-          </a:p>
-          <a:p>
-            <a:pPr lvl="2"/>
-            <a:r>
-              <a:rPr lang="en-US" dirty="0"/>
-              <a:t>_id will be set to 1 by default</a:t>
-            </a:r>
-          </a:p>
-          <a:p>
-            <a:r>
-              <a:rPr lang="en-US" dirty="0">
-                <a:solidFill>
-                  <a:srgbClr val="FF0000"/>
-                </a:solidFill>
-              </a:rPr>
-              <a:t>db.Population.find( </a:t>
-            </a:r>
-            <a:br>
-              <a:rPr lang="en-US" dirty="0">
-                <a:solidFill>
-                  <a:srgbClr val="FF0000"/>
-                </a:solidFill>
-              </a:rPr>
-            </a:br>
-            <a:r>
-              <a:rPr lang="en-US" dirty="0">
-                <a:solidFill>
-                  <a:srgbClr val="FF0000"/>
-                </a:solidFill>
-              </a:rPr>
-              <a:t>				{ males : { $gt : 2250000 } },</a:t>
-            </a:r>
-            <a:br>
-              <a:rPr lang="en-US" dirty="0">
-                <a:solidFill>
-                  <a:srgbClr val="FF0000"/>
-                </a:solidFill>
-              </a:rPr>
-            </a:br>
-            <a:r>
-              <a:rPr lang="en-US" dirty="0">
-                <a:solidFill>
-                  <a:srgbClr val="FF0000"/>
-                </a:solidFill>
-              </a:rPr>
-              <a:t>				{ males : 1, age : 1, _id : 0 }</a:t>
-            </a:r>
-            <a:br>
-              <a:rPr lang="en-US" dirty="0">
-                <a:solidFill>
-                  <a:srgbClr val="FF0000"/>
-                </a:solidFill>
-              </a:rPr>
-            </a:br>
-            <a:r>
-              <a:rPr lang="en-US" dirty="0">
-                <a:solidFill>
-                  <a:srgbClr val="FF0000"/>
-                </a:solidFill>
-              </a:rPr>
-              <a:t> 				)</a:t>
-            </a:r>
-            <a:endParaRPr lang="en-US" dirty="0"/>
-          </a:p>
-          <a:p>
-            <a:pPr marL="0" indent="0">
-              <a:buNone/>
-            </a:pPr>
-            <a:endParaRPr lang="en-US" dirty="0"/>
-          </a:p>
-          <a:p>
-            <a:endParaRPr lang="en-US" dirty="0"/>
-          </a:p>
-          <a:p>
-            <a:pPr marL="0" indent="0">
-              <a:buNone/>
-            </a:pPr>
-            <a:endParaRPr lang="en-US" dirty="0">
-              <a:solidFill>
-                <a:srgbClr val="FF0000"/>
-              </a:solidFill>
-            </a:endParaRPr>
-          </a:p>
-        </p:txBody>
-      </p:sp>
-    </p:spTree>
-    <p:extLst>
-      <p:ext uri="{BB962C8B-B14F-4D97-AF65-F5344CB8AC3E}">
-        <p14:creationId xmlns:p14="http://schemas.microsoft.com/office/powerpoint/2010/main" val="1309047197"/>
-      </p:ext>
-    </p:extLst>
-  </p:cSld>
-  <p:clrMapOvr>
-    <a:masterClrMapping/>
-  </p:clrMapOvr>
-</p:sld>
-</file>
-
-<file path=ppt/slides/slide23.xml><?xml version="1.0" encoding="utf-8"?>
-<p:sld xmlns:a="http://schemas.openxmlformats.org/drawingml/2006/main" xmlns:r="http://schemas.openxmlformats.org/officeDocument/2006/relationships" xmlns:p="http://schemas.openxmlformats.org/presentationml/2006/main">
-  <p:cSld>
-    <p:spTree>
-      <p:nvGrpSpPr>
-        <p:cNvPr id="1" name=""/>
-        <p:cNvGrpSpPr/>
-        <p:nvPr/>
-      </p:nvGrpSpPr>
-      <p:grpSpPr>
-        <a:xfrm>
-          <a:off x="0" y="0"/>
-          <a:ext cx="0" cy="0"/>
-          <a:chOff x="0" y="0"/>
-          <a:chExt cx="0" cy="0"/>
-        </a:xfrm>
-      </p:grpSpPr>
-      <p:sp>
-        <p:nvSpPr>
-          <p:cNvPr id="2" name="Title 1"/>
-          <p:cNvSpPr>
-            <a:spLocks noGrp="1"/>
-          </p:cNvSpPr>
-          <p:nvPr>
-            <p:ph type="title"/>
-          </p:nvPr>
-        </p:nvSpPr>
-        <p:spPr/>
-        <p:txBody>
-          <a:bodyPr>
-            <a:normAutofit fontScale="90000"/>
-          </a:bodyPr>
-          <a:lstStyle/>
-          <a:p>
-            <a:r>
-              <a:rPr lang="en-US" dirty="0"/>
-              <a:t>Find the order of the most females in the 30-39 age range</a:t>
-            </a:r>
-            <a:br>
-              <a:rPr lang="en-US" dirty="0"/>
-            </a:br>
-            <a:endParaRPr lang="en-US" dirty="0"/>
-          </a:p>
-        </p:txBody>
-      </p:sp>
-      <p:sp>
-        <p:nvSpPr>
-          <p:cNvPr id="3" name="Content Placeholder 2"/>
-          <p:cNvSpPr>
-            <a:spLocks noGrp="1"/>
-          </p:cNvSpPr>
-          <p:nvPr>
-            <p:ph idx="1"/>
-          </p:nvPr>
-        </p:nvSpPr>
-        <p:spPr>
-          <a:xfrm>
-            <a:off x="457200" y="1600200"/>
-            <a:ext cx="8458200" cy="4525963"/>
-          </a:xfrm>
-        </p:spPr>
-        <p:txBody>
-          <a:bodyPr>
-            <a:normAutofit lnSpcReduction="10000"/>
-          </a:bodyPr>
-          <a:lstStyle/>
-          <a:p>
-            <a:r>
-              <a:rPr lang="en-US" dirty="0"/>
-              <a:t>Easy!</a:t>
-            </a:r>
-          </a:p>
-          <a:p>
-            <a:r>
-              <a:rPr lang="en-US" dirty="0">
-                <a:solidFill>
-                  <a:srgbClr val="FF0000"/>
-                </a:solidFill>
-              </a:rPr>
-              <a:t>db.Population.find( { age : { </a:t>
-            </a:r>
-            <a:br>
-              <a:rPr lang="en-US" dirty="0">
-                <a:solidFill>
-                  <a:srgbClr val="FF0000"/>
-                </a:solidFill>
-              </a:rPr>
-            </a:br>
-            <a:r>
-              <a:rPr lang="en-US" dirty="0">
-                <a:solidFill>
-                  <a:srgbClr val="FF0000"/>
-                </a:solidFill>
-              </a:rPr>
-              <a:t>					$gte : 30, $lte : 39</a:t>
-            </a:r>
-            <a:br>
-              <a:rPr lang="en-US" dirty="0">
-                <a:solidFill>
-                  <a:srgbClr val="FF0000"/>
-                </a:solidFill>
-              </a:rPr>
-            </a:br>
-            <a:r>
-              <a:rPr lang="en-US" dirty="0">
-                <a:solidFill>
-                  <a:srgbClr val="FF0000"/>
-                </a:solidFill>
-              </a:rPr>
-              <a:t>					 } </a:t>
-            </a:r>
-            <a:br>
-              <a:rPr lang="en-US" dirty="0">
-                <a:solidFill>
-                  <a:srgbClr val="FF0000"/>
-                </a:solidFill>
-              </a:rPr>
-            </a:br>
-            <a:r>
-              <a:rPr lang="en-US" dirty="0">
-                <a:solidFill>
-                  <a:srgbClr val="FF0000"/>
-                </a:solidFill>
-              </a:rPr>
-              <a:t>				}, </a:t>
-            </a:r>
-            <a:br>
-              <a:rPr lang="en-US" dirty="0">
-                <a:solidFill>
-                  <a:srgbClr val="FF0000"/>
-                </a:solidFill>
-              </a:rPr>
-            </a:br>
-            <a:r>
-              <a:rPr lang="en-US" dirty="0">
-                <a:solidFill>
-                  <a:srgbClr val="FF0000"/>
-                </a:solidFill>
-              </a:rPr>
-              <a:t>				{age : 1, females : 1, _id:0}</a:t>
-            </a:r>
-            <a:br>
-              <a:rPr lang="en-US" dirty="0">
-                <a:solidFill>
-                  <a:srgbClr val="FF0000"/>
-                </a:solidFill>
-              </a:rPr>
-            </a:br>
-            <a:r>
-              <a:rPr lang="en-US" dirty="0">
-                <a:solidFill>
-                  <a:srgbClr val="FF0000"/>
-                </a:solidFill>
-              </a:rPr>
-              <a:t> 				).sort( </a:t>
-            </a:r>
-            <a:br>
-              <a:rPr lang="en-US" dirty="0">
-                <a:solidFill>
-                  <a:srgbClr val="FF0000"/>
-                </a:solidFill>
-              </a:rPr>
-            </a:br>
-            <a:r>
-              <a:rPr lang="en-US" dirty="0">
-                <a:solidFill>
-                  <a:srgbClr val="FF0000"/>
-                </a:solidFill>
-              </a:rPr>
-              <a:t>					{ females : -1 }</a:t>
-            </a:r>
-            <a:br>
-              <a:rPr lang="en-US" dirty="0">
-                <a:solidFill>
-                  <a:srgbClr val="FF0000"/>
-                </a:solidFill>
-              </a:rPr>
-            </a:br>
-            <a:r>
-              <a:rPr lang="en-US" dirty="0">
-                <a:solidFill>
-                  <a:srgbClr val="FF0000"/>
-                </a:solidFill>
-              </a:rPr>
-              <a:t> 				)</a:t>
-            </a:r>
-          </a:p>
-          <a:p>
-            <a:endParaRPr lang="en-US" dirty="0"/>
-          </a:p>
-        </p:txBody>
-      </p:sp>
-    </p:spTree>
-    <p:extLst>
-      <p:ext uri="{BB962C8B-B14F-4D97-AF65-F5344CB8AC3E}">
-        <p14:creationId xmlns:p14="http://schemas.microsoft.com/office/powerpoint/2010/main" val="28084995"/>
-      </p:ext>
-    </p:extLst>
-  </p:cSld>
-  <p:clrMapOvr>
-    <a:masterClrMapping/>
-  </p:clrMapOvr>
-</p:sld>
-</file>
-
-<file path=ppt/slides/slide24.xml><?xml version="1.0" encoding="utf-8"?>
-<p:sld xmlns:a="http://schemas.openxmlformats.org/drawingml/2006/main" xmlns:r="http://schemas.openxmlformats.org/officeDocument/2006/relationships" xmlns:p="http://schemas.openxmlformats.org/presentationml/2006/main">
-  <p:cSld>
-    <p:spTree>
-      <p:nvGrpSpPr>
-        <p:cNvPr id="1" name=""/>
-        <p:cNvGrpSpPr/>
-        <p:nvPr/>
-      </p:nvGrpSpPr>
-      <p:grpSpPr>
-        <a:xfrm>
-          <a:off x="0" y="0"/>
-          <a:ext cx="0" cy="0"/>
-          <a:chOff x="0" y="0"/>
-          <a:chExt cx="0" cy="0"/>
-        </a:xfrm>
-      </p:grpSpPr>
-      <p:sp>
-        <p:nvSpPr>
-          <p:cNvPr id="2" name="Title 1"/>
-          <p:cNvSpPr>
-            <a:spLocks noGrp="1"/>
-          </p:cNvSpPr>
-          <p:nvPr>
-            <p:ph type="title"/>
-          </p:nvPr>
-        </p:nvSpPr>
-        <p:spPr>
-          <a:xfrm>
-            <a:off x="457200" y="381000"/>
-            <a:ext cx="8229600" cy="1143000"/>
-          </a:xfrm>
-        </p:spPr>
-        <p:txBody>
-          <a:bodyPr>
-            <a:noAutofit/>
-          </a:bodyPr>
-          <a:lstStyle/>
-          <a:p>
-            <a:r>
-              <a:rPr lang="en-US" sz="3200" dirty="0"/>
-              <a:t>When has there been only two Nobel Prize Laureates and one of them was named either John, Bob, and/or Eric?</a:t>
-            </a:r>
-          </a:p>
-        </p:txBody>
-      </p:sp>
-      <p:sp>
-        <p:nvSpPr>
-          <p:cNvPr id="3" name="Content Placeholder 2"/>
-          <p:cNvSpPr>
-            <a:spLocks noGrp="1"/>
-          </p:cNvSpPr>
-          <p:nvPr>
-            <p:ph idx="1"/>
-          </p:nvPr>
-        </p:nvSpPr>
-        <p:spPr>
-          <a:xfrm>
-            <a:off x="228600" y="1676400"/>
-            <a:ext cx="8686800" cy="4953000"/>
-          </a:xfrm>
-        </p:spPr>
-        <p:txBody>
-          <a:bodyPr>
-            <a:normAutofit lnSpcReduction="10000"/>
-          </a:bodyPr>
-          <a:lstStyle/>
-          <a:p>
-            <a:r>
-              <a:rPr lang="en-US" dirty="0"/>
-              <a:t>Oddly specific, talk about being bored</a:t>
-            </a:r>
-          </a:p>
-          <a:p>
-            <a:r>
-              <a:rPr lang="en-US" dirty="0">
-                <a:solidFill>
-                  <a:srgbClr val="FF0000"/>
-                </a:solidFill>
-              </a:rPr>
-              <a:t>db.NobelPrize.find( </a:t>
-            </a:r>
-            <a:br>
-              <a:rPr lang="en-US" dirty="0">
-                <a:solidFill>
-                  <a:srgbClr val="FF0000"/>
-                </a:solidFill>
-              </a:rPr>
-            </a:br>
-            <a:r>
-              <a:rPr lang="en-US" dirty="0">
-                <a:solidFill>
-                  <a:srgbClr val="FF0000"/>
-                </a:solidFill>
-              </a:rPr>
-              <a:t>	{</a:t>
-            </a:r>
-            <a:br>
-              <a:rPr lang="en-US" dirty="0">
-                <a:solidFill>
-                  <a:srgbClr val="FF0000"/>
-                </a:solidFill>
-              </a:rPr>
-            </a:br>
-            <a:r>
-              <a:rPr lang="en-US" dirty="0">
-                <a:solidFill>
-                  <a:srgbClr val="FF0000"/>
-                </a:solidFill>
-              </a:rPr>
-              <a:t>		"laureates.firstname" : { </a:t>
-            </a:r>
-            <a:br>
-              <a:rPr lang="en-US" dirty="0">
-                <a:solidFill>
-                  <a:srgbClr val="FF0000"/>
-                </a:solidFill>
-              </a:rPr>
-            </a:br>
-            <a:r>
-              <a:rPr lang="en-US" dirty="0">
-                <a:solidFill>
-                  <a:srgbClr val="FF0000"/>
-                </a:solidFill>
-              </a:rPr>
-              <a:t>			$in: ["John", "Bob", "Eric"]</a:t>
-            </a:r>
-            <a:br>
-              <a:rPr lang="en-US" dirty="0">
-                <a:solidFill>
-                  <a:srgbClr val="FF0000"/>
-                </a:solidFill>
-              </a:rPr>
-            </a:br>
-            <a:r>
-              <a:rPr lang="en-US" dirty="0">
-                <a:solidFill>
-                  <a:srgbClr val="FF0000"/>
-                </a:solidFill>
-              </a:rPr>
-              <a:t>		 }, </a:t>
-            </a:r>
-            <a:br>
-              <a:rPr lang="en-US" dirty="0">
-                <a:solidFill>
-                  <a:srgbClr val="FF0000"/>
-                </a:solidFill>
-              </a:rPr>
-            </a:br>
-            <a:r>
-              <a:rPr lang="en-US" dirty="0">
-                <a:solidFill>
-                  <a:srgbClr val="FF0000"/>
-                </a:solidFill>
-              </a:rPr>
-              <a:t>		 laureates : {$size: 2} </a:t>
-            </a:r>
-            <a:br>
-              <a:rPr lang="en-US" dirty="0">
-                <a:solidFill>
-                  <a:srgbClr val="FF0000"/>
-                </a:solidFill>
-              </a:rPr>
-            </a:br>
-            <a:r>
-              <a:rPr lang="en-US" dirty="0">
-                <a:solidFill>
-                  <a:srgbClr val="FF0000"/>
-                </a:solidFill>
-              </a:rPr>
-              <a:t>	}, </a:t>
-            </a:r>
-            <a:br>
-              <a:rPr lang="en-US" dirty="0">
-                <a:solidFill>
-                  <a:srgbClr val="FF0000"/>
-                </a:solidFill>
-              </a:rPr>
-            </a:br>
-            <a:r>
-              <a:rPr lang="en-US" dirty="0">
-                <a:solidFill>
-                  <a:srgbClr val="FF0000"/>
-                </a:solidFill>
-              </a:rPr>
-              <a:t>	{year : 1, category:1, _id:0}</a:t>
-            </a:r>
-            <a:br>
-              <a:rPr lang="en-US" dirty="0">
-                <a:solidFill>
-                  <a:srgbClr val="FF0000"/>
-                </a:solidFill>
-              </a:rPr>
-            </a:br>
-            <a:r>
-              <a:rPr lang="en-US" dirty="0">
-                <a:solidFill>
-                  <a:srgbClr val="FF0000"/>
-                </a:solidFill>
-              </a:rPr>
-              <a:t>)</a:t>
-            </a:r>
-          </a:p>
-        </p:txBody>
-      </p:sp>
-    </p:spTree>
-    <p:extLst>
-      <p:ext uri="{BB962C8B-B14F-4D97-AF65-F5344CB8AC3E}">
-        <p14:creationId xmlns:p14="http://schemas.microsoft.com/office/powerpoint/2010/main" val="2011006032"/>
-      </p:ext>
-    </p:extLst>
-  </p:cSld>
-  <p:clrMapOvr>
-    <a:masterClrMapping/>
-  </p:clrMapOvr>
-</p:sld>
-</file>
-
-<file path=ppt/slides/slide25.xml><?xml version="1.0" encoding="utf-8"?>
-<p:sld xmlns:a="http://schemas.openxmlformats.org/drawingml/2006/main" xmlns:r="http://schemas.openxmlformats.org/officeDocument/2006/relationships" xmlns:p="http://schemas.openxmlformats.org/presentationml/2006/main">
-  <p:cSld>
-    <p:spTree>
-      <p:nvGrpSpPr>
-        <p:cNvPr id="1" name=""/>
-        <p:cNvGrpSpPr/>
-        <p:nvPr/>
-      </p:nvGrpSpPr>
-      <p:grpSpPr>
-        <a:xfrm>
-          <a:off x="0" y="0"/>
-          <a:ext cx="0" cy="0"/>
-          <a:chOff x="0" y="0"/>
-          <a:chExt cx="0" cy="0"/>
-        </a:xfrm>
-      </p:grpSpPr>
-      <p:sp>
-        <p:nvSpPr>
-          <p:cNvPr id="2" name="Title 1"/>
-          <p:cNvSpPr>
-            <a:spLocks noGrp="1"/>
-          </p:cNvSpPr>
-          <p:nvPr>
-            <p:ph type="title"/>
-          </p:nvPr>
-        </p:nvSpPr>
-        <p:spPr/>
-        <p:txBody>
-          <a:bodyPr/>
-          <a:lstStyle/>
-          <a:p>
-            <a:r>
-              <a:rPr lang="en-US" dirty="0"/>
-              <a:t>Moral of the story</a:t>
-            </a:r>
-          </a:p>
-        </p:txBody>
-      </p:sp>
-      <p:sp>
-        <p:nvSpPr>
-          <p:cNvPr id="3" name="Content Placeholder 2"/>
-          <p:cNvSpPr>
-            <a:spLocks noGrp="1"/>
-          </p:cNvSpPr>
-          <p:nvPr>
-            <p:ph idx="1"/>
-          </p:nvPr>
-        </p:nvSpPr>
-        <p:spPr/>
-        <p:txBody>
-          <a:bodyPr/>
-          <a:lstStyle/>
-          <a:p>
-            <a:r>
-              <a:rPr lang="en-US" dirty="0"/>
-              <a:t>Use a GUI if possible </a:t>
-            </a:r>
-          </a:p>
-          <a:p>
-            <a:r>
-              <a:rPr lang="en-US" dirty="0"/>
-              <a:t>My choice is MongoChef</a:t>
-            </a:r>
-          </a:p>
-          <a:p>
-            <a:pPr lvl="1"/>
-            <a:r>
-              <a:rPr lang="en-US" dirty="0"/>
-              <a:t>Note: Free for non commerical use</a:t>
-            </a:r>
-          </a:p>
-          <a:p>
-            <a:pPr lvl="1"/>
-            <a:r>
-              <a:rPr lang="en-US" dirty="0"/>
-              <a:t>Has built in import and export functions as well</a:t>
-            </a:r>
-          </a:p>
-        </p:txBody>
-      </p:sp>
-    </p:spTree>
-    <p:extLst>
-      <p:ext uri="{BB962C8B-B14F-4D97-AF65-F5344CB8AC3E}">
-        <p14:creationId xmlns:p14="http://schemas.microsoft.com/office/powerpoint/2010/main" val="2840510249"/>
-      </p:ext>
-    </p:extLst>
-  </p:cSld>
-  <p:clrMapOvr>
-    <a:masterClrMapping/>
-  </p:clrMapOvr>
-</p:sld>
-</file>
-
 <file path=ppt/slides/slide3.xml><?xml version="1.0" encoding="utf-8"?>
 <p:sld xmlns:a="http://schemas.openxmlformats.org/drawingml/2006/main" xmlns:r="http://schemas.openxmlformats.org/officeDocument/2006/relationships" xmlns:p="http://schemas.openxmlformats.org/presentationml/2006/main">
   <p:cSld>
@@ -6665,6 +8533,1615 @@
     <p:extLst>
       <p:ext uri="{BB962C8B-B14F-4D97-AF65-F5344CB8AC3E}">
         <p14:creationId xmlns:p14="http://schemas.microsoft.com/office/powerpoint/2010/main" val="3825115721"/>
+      </p:ext>
+    </p:extLst>
+  </p:cSld>
+  <p:clrMapOvr>
+    <a:masterClrMapping/>
+  </p:clrMapOvr>
+</p:sld>
+</file>
+
+<file path=ppt/slides/slide30.xml><?xml version="1.0" encoding="utf-8"?>
+<p:sld xmlns:a="http://schemas.openxmlformats.org/drawingml/2006/main" xmlns:r="http://schemas.openxmlformats.org/officeDocument/2006/relationships" xmlns:p="http://schemas.openxmlformats.org/presentationml/2006/main">
+  <p:cSld>
+    <p:spTree>
+      <p:nvGrpSpPr>
+        <p:cNvPr id="1" name=""/>
+        <p:cNvGrpSpPr/>
+        <p:nvPr/>
+      </p:nvGrpSpPr>
+      <p:grpSpPr>
+        <a:xfrm>
+          <a:off x="0" y="0"/>
+          <a:ext cx="0" cy="0"/>
+          <a:chOff x="0" y="0"/>
+          <a:chExt cx="0" cy="0"/>
+        </a:xfrm>
+      </p:grpSpPr>
+      <p:sp>
+        <p:nvSpPr>
+          <p:cNvPr id="2" name="Title 1"/>
+          <p:cNvSpPr>
+            <a:spLocks noGrp="1"/>
+          </p:cNvSpPr>
+          <p:nvPr>
+            <p:ph type="title"/>
+          </p:nvPr>
+        </p:nvSpPr>
+        <p:spPr/>
+        <p:txBody>
+          <a:bodyPr/>
+          <a:lstStyle/>
+          <a:p>
+            <a:r>
+              <a:rPr lang="en-US" dirty="0"/>
+              <a:t>Other ways to insert</a:t>
+            </a:r>
+          </a:p>
+        </p:txBody>
+      </p:sp>
+      <p:sp>
+        <p:nvSpPr>
+          <p:cNvPr id="3" name="Content Placeholder 2"/>
+          <p:cNvSpPr>
+            <a:spLocks noGrp="1"/>
+          </p:cNvSpPr>
+          <p:nvPr>
+            <p:ph idx="1"/>
+          </p:nvPr>
+        </p:nvSpPr>
+        <p:spPr/>
+        <p:txBody>
+          <a:bodyPr/>
+          <a:lstStyle/>
+          <a:p>
+            <a:r>
+              <a:rPr lang="en-US" dirty="0"/>
+              <a:t>Set a </a:t>
+            </a:r>
+            <a:r>
+              <a:rPr lang="en-US" dirty="0" smtClean="0"/>
+              <a:t>variable</a:t>
+            </a:r>
+          </a:p>
+          <a:p>
+            <a:pPr marL="457200" lvl="1" indent="0">
+              <a:buNone/>
+            </a:pPr>
+            <a:r>
+              <a:rPr lang="en-US" dirty="0" smtClean="0">
+                <a:solidFill>
+                  <a:srgbClr val="FF0000"/>
+                </a:solidFill>
+              </a:rPr>
+              <a:t>student2 = { Name : “Fred” }</a:t>
+            </a:r>
+          </a:p>
+          <a:p>
+            <a:pPr marL="457200" lvl="1" indent="0">
+              <a:buNone/>
+            </a:pPr>
+            <a:r>
+              <a:rPr lang="en-US" dirty="0" err="1" smtClean="0">
+                <a:solidFill>
+                  <a:srgbClr val="FF0000"/>
+                </a:solidFill>
+              </a:rPr>
+              <a:t>db.Engineers.insert</a:t>
+            </a:r>
+            <a:r>
+              <a:rPr lang="en-US" dirty="0" smtClean="0">
+                <a:solidFill>
+                  <a:srgbClr val="FF0000"/>
+                </a:solidFill>
+              </a:rPr>
+              <a:t>(student2</a:t>
+            </a:r>
+            <a:r>
+              <a:rPr lang="en-US" dirty="0">
+                <a:solidFill>
+                  <a:srgbClr val="FF0000"/>
+                </a:solidFill>
+              </a:rPr>
+              <a:t>)</a:t>
+            </a:r>
+          </a:p>
+          <a:p>
+            <a:pPr lvl="1"/>
+            <a:r>
+              <a:rPr lang="en-US" dirty="0"/>
+              <a:t>HINT: Tab completes still works in Mongo shell</a:t>
+            </a:r>
+          </a:p>
+          <a:p>
+            <a:pPr lvl="1"/>
+            <a:endParaRPr lang="en-US" dirty="0"/>
+          </a:p>
+          <a:p>
+            <a:r>
+              <a:rPr lang="en-US" dirty="0"/>
+              <a:t>What happens if you do the insert twice?</a:t>
+            </a:r>
+          </a:p>
+        </p:txBody>
+      </p:sp>
+    </p:spTree>
+    <p:extLst>
+      <p:ext uri="{BB962C8B-B14F-4D97-AF65-F5344CB8AC3E}">
+        <p14:creationId xmlns:p14="http://schemas.microsoft.com/office/powerpoint/2010/main" val="948539405"/>
+      </p:ext>
+    </p:extLst>
+  </p:cSld>
+  <p:clrMapOvr>
+    <a:masterClrMapping/>
+  </p:clrMapOvr>
+</p:sld>
+</file>
+
+<file path=ppt/slides/slide31.xml><?xml version="1.0" encoding="utf-8"?>
+<p:sld xmlns:a="http://schemas.openxmlformats.org/drawingml/2006/main" xmlns:r="http://schemas.openxmlformats.org/officeDocument/2006/relationships" xmlns:p="http://schemas.openxmlformats.org/presentationml/2006/main">
+  <p:cSld>
+    <p:spTree>
+      <p:nvGrpSpPr>
+        <p:cNvPr id="1" name=""/>
+        <p:cNvGrpSpPr/>
+        <p:nvPr/>
+      </p:nvGrpSpPr>
+      <p:grpSpPr>
+        <a:xfrm>
+          <a:off x="0" y="0"/>
+          <a:ext cx="0" cy="0"/>
+          <a:chOff x="0" y="0"/>
+          <a:chExt cx="0" cy="0"/>
+        </a:xfrm>
+      </p:grpSpPr>
+      <p:sp>
+        <p:nvSpPr>
+          <p:cNvPr id="2" name="Title 1"/>
+          <p:cNvSpPr>
+            <a:spLocks noGrp="1"/>
+          </p:cNvSpPr>
+          <p:nvPr>
+            <p:ph type="title"/>
+          </p:nvPr>
+        </p:nvSpPr>
+        <p:spPr>
+          <a:xfrm>
+            <a:off x="457200" y="-228600"/>
+            <a:ext cx="8229600" cy="1143000"/>
+          </a:xfrm>
+        </p:spPr>
+        <p:txBody>
+          <a:bodyPr/>
+          <a:lstStyle/>
+          <a:p>
+            <a:r>
+              <a:rPr lang="en-US" dirty="0"/>
+              <a:t>Read your data</a:t>
+            </a:r>
+          </a:p>
+        </p:txBody>
+      </p:sp>
+      <p:sp>
+        <p:nvSpPr>
+          <p:cNvPr id="3" name="Content Placeholder 2"/>
+          <p:cNvSpPr>
+            <a:spLocks noGrp="1"/>
+          </p:cNvSpPr>
+          <p:nvPr>
+            <p:ph idx="1"/>
+          </p:nvPr>
+        </p:nvSpPr>
+        <p:spPr>
+          <a:xfrm>
+            <a:off x="457200" y="838200"/>
+            <a:ext cx="8229600" cy="6019800"/>
+          </a:xfrm>
+        </p:spPr>
+        <p:txBody>
+          <a:bodyPr/>
+          <a:lstStyle/>
+          <a:p>
+            <a:r>
+              <a:rPr lang="en-US" dirty="0"/>
+              <a:t>Use differnet “Find” methods to query </a:t>
+            </a:r>
+            <a:r>
+              <a:rPr lang="en-US" dirty="0" smtClean="0"/>
+              <a:t>data</a:t>
+            </a:r>
+          </a:p>
+          <a:p>
+            <a:pPr marL="457200" lvl="1" indent="0">
+              <a:buNone/>
+            </a:pPr>
+            <a:r>
+              <a:rPr lang="en-US" dirty="0" err="1" smtClean="0">
+                <a:solidFill>
+                  <a:srgbClr val="FF0000"/>
+                </a:solidFill>
+              </a:rPr>
+              <a:t>db.Engineers.find</a:t>
+            </a:r>
+            <a:r>
+              <a:rPr lang="en-US" dirty="0" smtClean="0">
+                <a:solidFill>
+                  <a:srgbClr val="FF0000"/>
+                </a:solidFill>
+              </a:rPr>
+              <a:t>()</a:t>
+            </a:r>
+          </a:p>
+          <a:p>
+            <a:pPr marL="457200" lvl="1" indent="0">
+              <a:buNone/>
+            </a:pPr>
+            <a:r>
+              <a:rPr lang="en-US" dirty="0" err="1" smtClean="0">
+                <a:solidFill>
+                  <a:srgbClr val="FF0000"/>
+                </a:solidFill>
+              </a:rPr>
+              <a:t>db.Engineers.find</a:t>
+            </a:r>
+            <a:r>
+              <a:rPr lang="en-US" dirty="0">
+                <a:solidFill>
+                  <a:srgbClr val="FF0000"/>
+                </a:solidFill>
+              </a:rPr>
+              <a:t>( {Name : “Fred”} )</a:t>
+            </a:r>
+          </a:p>
+          <a:p>
+            <a:pPr marL="457200" lvl="1" indent="0">
+              <a:buNone/>
+            </a:pPr>
+            <a:r>
+              <a:rPr lang="en-US" dirty="0">
+                <a:solidFill>
+                  <a:srgbClr val="FF0000"/>
+                </a:solidFill>
+              </a:rPr>
+              <a:t>db.Engineers.findOne( {Name : “Fred”} )</a:t>
+            </a:r>
+          </a:p>
+          <a:p>
+            <a:pPr lvl="1"/>
+            <a:endParaRPr lang="en-US" dirty="0"/>
+          </a:p>
+          <a:p>
+            <a:r>
+              <a:rPr lang="en-US" dirty="0"/>
+              <a:t>Sort it as well</a:t>
+            </a:r>
+          </a:p>
+          <a:p>
+            <a:pPr marL="457200" lvl="1" indent="0">
+              <a:buNone/>
+            </a:pPr>
+            <a:r>
+              <a:rPr lang="en-US" dirty="0">
+                <a:solidFill>
+                  <a:srgbClr val="FF0000"/>
+                </a:solidFill>
+              </a:rPr>
+              <a:t>db.Engineers.find().sort( {Name: 1 } )</a:t>
+            </a:r>
+          </a:p>
+          <a:p>
+            <a:pPr lvl="2"/>
+            <a:r>
+              <a:rPr lang="en-US" dirty="0"/>
+              <a:t>Use </a:t>
+            </a:r>
+            <a:r>
+              <a:rPr lang="en-US" b="1" dirty="0"/>
+              <a:t>-</a:t>
+            </a:r>
+            <a:r>
+              <a:rPr lang="en-US" dirty="0"/>
+              <a:t>1 for descending order</a:t>
+            </a:r>
+          </a:p>
+          <a:p>
+            <a:r>
+              <a:rPr lang="en-US" dirty="0"/>
+              <a:t>Count</a:t>
+            </a:r>
+            <a:endParaRPr lang="en-US" dirty="0">
+              <a:solidFill>
+                <a:srgbClr val="FF0000"/>
+              </a:solidFill>
+            </a:endParaRPr>
+          </a:p>
+          <a:p>
+            <a:pPr marL="457200" lvl="1" indent="0">
+              <a:buNone/>
+            </a:pPr>
+            <a:r>
+              <a:rPr lang="en-US" dirty="0">
+                <a:solidFill>
+                  <a:srgbClr val="FF0000"/>
+                </a:solidFill>
+              </a:rPr>
+              <a:t>db.Engineers.count()</a:t>
+            </a:r>
+          </a:p>
+          <a:p>
+            <a:pPr marL="457200" lvl="1" indent="0">
+              <a:buNone/>
+            </a:pPr>
+            <a:r>
+              <a:rPr lang="en-US" dirty="0">
+                <a:solidFill>
+                  <a:srgbClr val="FF0000"/>
+                </a:solidFill>
+              </a:rPr>
+              <a:t>db.Engineers.find( {Name : “Fred”} ).count()</a:t>
+            </a:r>
+          </a:p>
+          <a:p>
+            <a:pPr lvl="1"/>
+            <a:endParaRPr lang="en-US" dirty="0"/>
+          </a:p>
+          <a:p>
+            <a:pPr lvl="1"/>
+            <a:endParaRPr lang="en-US" dirty="0"/>
+          </a:p>
+        </p:txBody>
+      </p:sp>
+    </p:spTree>
+    <p:extLst>
+      <p:ext uri="{BB962C8B-B14F-4D97-AF65-F5344CB8AC3E}">
+        <p14:creationId xmlns:p14="http://schemas.microsoft.com/office/powerpoint/2010/main" val="1839140323"/>
+      </p:ext>
+    </p:extLst>
+  </p:cSld>
+  <p:clrMapOvr>
+    <a:masterClrMapping/>
+  </p:clrMapOvr>
+</p:sld>
+</file>
+
+<file path=ppt/slides/slide32.xml><?xml version="1.0" encoding="utf-8"?>
+<p:sld xmlns:a="http://schemas.openxmlformats.org/drawingml/2006/main" xmlns:r="http://schemas.openxmlformats.org/officeDocument/2006/relationships" xmlns:p="http://schemas.openxmlformats.org/presentationml/2006/main">
+  <p:cSld>
+    <p:spTree>
+      <p:nvGrpSpPr>
+        <p:cNvPr id="1" name=""/>
+        <p:cNvGrpSpPr/>
+        <p:nvPr/>
+      </p:nvGrpSpPr>
+      <p:grpSpPr>
+        <a:xfrm>
+          <a:off x="0" y="0"/>
+          <a:ext cx="0" cy="0"/>
+          <a:chOff x="0" y="0"/>
+          <a:chExt cx="0" cy="0"/>
+        </a:xfrm>
+      </p:grpSpPr>
+      <p:sp>
+        <p:nvSpPr>
+          <p:cNvPr id="2" name="Title 1"/>
+          <p:cNvSpPr>
+            <a:spLocks noGrp="1"/>
+          </p:cNvSpPr>
+          <p:nvPr>
+            <p:ph type="title"/>
+          </p:nvPr>
+        </p:nvSpPr>
+        <p:spPr>
+          <a:xfrm>
+            <a:off x="457200" y="152400"/>
+            <a:ext cx="8229600" cy="944562"/>
+          </a:xfrm>
+        </p:spPr>
+        <p:txBody>
+          <a:bodyPr/>
+          <a:lstStyle/>
+          <a:p>
+            <a:r>
+              <a:rPr lang="en-US" dirty="0"/>
+              <a:t>Messed up? Just Update!</a:t>
+            </a:r>
+          </a:p>
+        </p:txBody>
+      </p:sp>
+      <p:sp>
+        <p:nvSpPr>
+          <p:cNvPr id="3" name="Content Placeholder 2"/>
+          <p:cNvSpPr>
+            <a:spLocks noGrp="1"/>
+          </p:cNvSpPr>
+          <p:nvPr>
+            <p:ph idx="1"/>
+          </p:nvPr>
+        </p:nvSpPr>
+        <p:spPr>
+          <a:xfrm>
+            <a:off x="457200" y="1143000"/>
+            <a:ext cx="8229600" cy="5410200"/>
+          </a:xfrm>
+        </p:spPr>
+        <p:txBody>
+          <a:bodyPr>
+            <a:normAutofit/>
+          </a:bodyPr>
+          <a:lstStyle/>
+          <a:p>
+            <a:r>
+              <a:rPr lang="en-US" dirty="0"/>
+              <a:t>Update() takes 3 parameters</a:t>
+            </a:r>
+          </a:p>
+          <a:p>
+            <a:pPr lvl="1"/>
+            <a:r>
+              <a:rPr lang="en-US" dirty="0"/>
+              <a:t>Query to find the document you want</a:t>
+            </a:r>
+          </a:p>
+          <a:p>
+            <a:pPr lvl="1"/>
+            <a:r>
+              <a:rPr lang="en-US" dirty="0"/>
+              <a:t>What to update with it</a:t>
+            </a:r>
+          </a:p>
+          <a:p>
+            <a:pPr lvl="1"/>
+            <a:r>
+              <a:rPr lang="en-US" dirty="0"/>
+              <a:t>Additional options (optionial parameter)</a:t>
+            </a:r>
+          </a:p>
+          <a:p>
+            <a:pPr marL="0" indent="0">
+              <a:buNone/>
+            </a:pPr>
+            <a:endParaRPr lang="en-US" dirty="0"/>
+          </a:p>
+        </p:txBody>
+      </p:sp>
+    </p:spTree>
+    <p:extLst>
+      <p:ext uri="{BB962C8B-B14F-4D97-AF65-F5344CB8AC3E}">
+        <p14:creationId xmlns:p14="http://schemas.microsoft.com/office/powerpoint/2010/main" val="2909124441"/>
+      </p:ext>
+    </p:extLst>
+  </p:cSld>
+  <p:clrMapOvr>
+    <a:masterClrMapping/>
+  </p:clrMapOvr>
+</p:sld>
+</file>
+
+<file path=ppt/slides/slide33.xml><?xml version="1.0" encoding="utf-8"?>
+<p:sld xmlns:a="http://schemas.openxmlformats.org/drawingml/2006/main" xmlns:r="http://schemas.openxmlformats.org/officeDocument/2006/relationships" xmlns:p="http://schemas.openxmlformats.org/presentationml/2006/main">
+  <p:cSld>
+    <p:spTree>
+      <p:nvGrpSpPr>
+        <p:cNvPr id="1" name=""/>
+        <p:cNvGrpSpPr/>
+        <p:nvPr/>
+      </p:nvGrpSpPr>
+      <p:grpSpPr>
+        <a:xfrm>
+          <a:off x="0" y="0"/>
+          <a:ext cx="0" cy="0"/>
+          <a:chOff x="0" y="0"/>
+          <a:chExt cx="0" cy="0"/>
+        </a:xfrm>
+      </p:grpSpPr>
+      <p:sp>
+        <p:nvSpPr>
+          <p:cNvPr id="3" name="Content Placeholder 2"/>
+          <p:cNvSpPr>
+            <a:spLocks noGrp="1"/>
+          </p:cNvSpPr>
+          <p:nvPr>
+            <p:ph idx="1"/>
+          </p:nvPr>
+        </p:nvSpPr>
+        <p:spPr>
+          <a:xfrm>
+            <a:off x="457200" y="228600"/>
+            <a:ext cx="8229600" cy="6477000"/>
+          </a:xfrm>
+        </p:spPr>
+        <p:txBody>
+          <a:bodyPr>
+            <a:normAutofit/>
+          </a:bodyPr>
+          <a:lstStyle/>
+          <a:p>
+            <a:r>
+              <a:rPr lang="en-US" dirty="0"/>
+              <a:t>First we will add information</a:t>
+            </a:r>
+          </a:p>
+          <a:p>
+            <a:pPr marL="457200" lvl="1" indent="0">
+              <a:buNone/>
+            </a:pPr>
+            <a:r>
+              <a:rPr lang="en-US" dirty="0">
+                <a:solidFill>
+                  <a:srgbClr val="FF0000"/>
+                </a:solidFill>
+              </a:rPr>
+              <a:t>db.Engineering.update( </a:t>
+            </a:r>
+            <a:br>
+              <a:rPr lang="en-US" dirty="0">
+                <a:solidFill>
+                  <a:srgbClr val="FF0000"/>
+                </a:solidFill>
+              </a:rPr>
+            </a:br>
+            <a:r>
+              <a:rPr lang="en-US" dirty="0">
+                <a:solidFill>
+                  <a:srgbClr val="FF0000"/>
+                </a:solidFill>
+              </a:rPr>
+              <a:t>			{ Name : ”Fred” },</a:t>
+            </a:r>
+            <a:br>
+              <a:rPr lang="en-US" dirty="0">
+                <a:solidFill>
+                  <a:srgbClr val="FF0000"/>
+                </a:solidFill>
+              </a:rPr>
+            </a:br>
+            <a:r>
+              <a:rPr lang="en-US" dirty="0">
+                <a:solidFill>
+                  <a:srgbClr val="FF0000"/>
+                </a:solidFill>
+              </a:rPr>
+              <a:t>			{</a:t>
+            </a:r>
+            <a:br>
+              <a:rPr lang="en-US" dirty="0">
+                <a:solidFill>
+                  <a:srgbClr val="FF0000"/>
+                </a:solidFill>
+              </a:rPr>
+            </a:br>
+            <a:r>
+              <a:rPr lang="en-US" dirty="0">
+                <a:solidFill>
+                  <a:srgbClr val="FF0000"/>
+                </a:solidFill>
+              </a:rPr>
+              <a:t>				$set : { Age : 23, Type: “ME” }</a:t>
+            </a:r>
+            <a:br>
+              <a:rPr lang="en-US" dirty="0">
+                <a:solidFill>
+                  <a:srgbClr val="FF0000"/>
+                </a:solidFill>
+              </a:rPr>
+            </a:br>
+            <a:r>
+              <a:rPr lang="en-US" dirty="0">
+                <a:solidFill>
+                  <a:srgbClr val="FF0000"/>
+                </a:solidFill>
+              </a:rPr>
+              <a:t>			}</a:t>
+            </a:r>
+            <a:br>
+              <a:rPr lang="en-US" dirty="0">
+                <a:solidFill>
+                  <a:srgbClr val="FF0000"/>
+                </a:solidFill>
+              </a:rPr>
+            </a:br>
+            <a:r>
+              <a:rPr lang="en-US" dirty="0">
+                <a:solidFill>
+                  <a:srgbClr val="FF0000"/>
+                </a:solidFill>
+              </a:rPr>
+              <a:t>		) </a:t>
+            </a:r>
+            <a:endParaRPr lang="en-US" dirty="0"/>
+          </a:p>
+          <a:p>
+            <a:r>
+              <a:rPr lang="en-US" dirty="0"/>
+              <a:t>Works the same to edit information</a:t>
+            </a:r>
+          </a:p>
+          <a:p>
+            <a:pPr marL="457200" lvl="1" indent="0">
+              <a:buNone/>
+            </a:pPr>
+            <a:r>
+              <a:rPr lang="en-US" dirty="0">
+                <a:solidFill>
+                  <a:srgbClr val="FF0000"/>
+                </a:solidFill>
+              </a:rPr>
+              <a:t>db.Engineering.update( </a:t>
+            </a:r>
+            <a:br>
+              <a:rPr lang="en-US" dirty="0">
+                <a:solidFill>
+                  <a:srgbClr val="FF0000"/>
+                </a:solidFill>
+              </a:rPr>
+            </a:br>
+            <a:r>
+              <a:rPr lang="en-US" dirty="0">
+                <a:solidFill>
+                  <a:srgbClr val="FF0000"/>
+                </a:solidFill>
+              </a:rPr>
+              <a:t>			{ Name : ”Fred” },</a:t>
+            </a:r>
+            <a:br>
+              <a:rPr lang="en-US" dirty="0">
+                <a:solidFill>
+                  <a:srgbClr val="FF0000"/>
+                </a:solidFill>
+              </a:rPr>
+            </a:br>
+            <a:r>
+              <a:rPr lang="en-US" dirty="0">
+                <a:solidFill>
+                  <a:srgbClr val="FF0000"/>
+                </a:solidFill>
+              </a:rPr>
+              <a:t>			{</a:t>
+            </a:r>
+            <a:br>
+              <a:rPr lang="en-US" dirty="0">
+                <a:solidFill>
+                  <a:srgbClr val="FF0000"/>
+                </a:solidFill>
+              </a:rPr>
+            </a:br>
+            <a:r>
+              <a:rPr lang="en-US" dirty="0">
+                <a:solidFill>
+                  <a:srgbClr val="FF0000"/>
+                </a:solidFill>
+              </a:rPr>
+              <a:t>				$set : { Age : 24 }</a:t>
+            </a:r>
+            <a:br>
+              <a:rPr lang="en-US" dirty="0">
+                <a:solidFill>
+                  <a:srgbClr val="FF0000"/>
+                </a:solidFill>
+              </a:rPr>
+            </a:br>
+            <a:r>
+              <a:rPr lang="en-US" dirty="0">
+                <a:solidFill>
+                  <a:srgbClr val="FF0000"/>
+                </a:solidFill>
+              </a:rPr>
+              <a:t>			}</a:t>
+            </a:r>
+            <a:br>
+              <a:rPr lang="en-US" dirty="0">
+                <a:solidFill>
+                  <a:srgbClr val="FF0000"/>
+                </a:solidFill>
+              </a:rPr>
+            </a:br>
+            <a:r>
+              <a:rPr lang="en-US" dirty="0">
+                <a:solidFill>
+                  <a:srgbClr val="FF0000"/>
+                </a:solidFill>
+              </a:rPr>
+              <a:t>		)</a:t>
+            </a:r>
+            <a:endParaRPr lang="en-US" dirty="0"/>
+          </a:p>
+          <a:p>
+            <a:pPr marL="457200" lvl="1" indent="0">
+              <a:buNone/>
+            </a:pPr>
+            <a:endParaRPr lang="en-US" dirty="0"/>
+          </a:p>
+        </p:txBody>
+      </p:sp>
+    </p:spTree>
+    <p:extLst>
+      <p:ext uri="{BB962C8B-B14F-4D97-AF65-F5344CB8AC3E}">
+        <p14:creationId xmlns:p14="http://schemas.microsoft.com/office/powerpoint/2010/main" val="3821784438"/>
+      </p:ext>
+    </p:extLst>
+  </p:cSld>
+  <p:clrMapOvr>
+    <a:masterClrMapping/>
+  </p:clrMapOvr>
+</p:sld>
+</file>
+
+<file path=ppt/slides/slide34.xml><?xml version="1.0" encoding="utf-8"?>
+<p:sld xmlns:a="http://schemas.openxmlformats.org/drawingml/2006/main" xmlns:r="http://schemas.openxmlformats.org/officeDocument/2006/relationships" xmlns:p="http://schemas.openxmlformats.org/presentationml/2006/main">
+  <p:cSld>
+    <p:spTree>
+      <p:nvGrpSpPr>
+        <p:cNvPr id="1" name=""/>
+        <p:cNvGrpSpPr/>
+        <p:nvPr/>
+      </p:nvGrpSpPr>
+      <p:grpSpPr>
+        <a:xfrm>
+          <a:off x="0" y="0"/>
+          <a:ext cx="0" cy="0"/>
+          <a:chOff x="0" y="0"/>
+          <a:chExt cx="0" cy="0"/>
+        </a:xfrm>
+      </p:grpSpPr>
+      <p:sp>
+        <p:nvSpPr>
+          <p:cNvPr id="2" name="Title 1"/>
+          <p:cNvSpPr>
+            <a:spLocks noGrp="1"/>
+          </p:cNvSpPr>
+          <p:nvPr>
+            <p:ph type="title"/>
+          </p:nvPr>
+        </p:nvSpPr>
+        <p:spPr>
+          <a:xfrm>
+            <a:off x="457200" y="14514"/>
+            <a:ext cx="8229600" cy="1143000"/>
+          </a:xfrm>
+        </p:spPr>
+        <p:txBody>
+          <a:bodyPr/>
+          <a:lstStyle/>
+          <a:p>
+            <a:r>
+              <a:rPr lang="en-US" dirty="0"/>
+              <a:t>Need More Data!</a:t>
+            </a:r>
+          </a:p>
+        </p:txBody>
+      </p:sp>
+      <p:sp>
+        <p:nvSpPr>
+          <p:cNvPr id="3" name="Content Placeholder 2"/>
+          <p:cNvSpPr>
+            <a:spLocks noGrp="1"/>
+          </p:cNvSpPr>
+          <p:nvPr>
+            <p:ph idx="1"/>
+          </p:nvPr>
+        </p:nvSpPr>
+        <p:spPr>
+          <a:xfrm>
+            <a:off x="152400" y="1066800"/>
+            <a:ext cx="8686800" cy="5638800"/>
+          </a:xfrm>
+        </p:spPr>
+        <p:txBody>
+          <a:bodyPr/>
+          <a:lstStyle/>
+          <a:p>
+            <a:r>
+              <a:rPr lang="en-US" dirty="0"/>
+              <a:t>Can take raw JSON objects and import them</a:t>
+            </a:r>
+          </a:p>
+          <a:p>
+            <a:pPr lvl="1"/>
+            <a:r>
+              <a:rPr lang="en-US" dirty="0"/>
+              <a:t>Can also export collections to JSON files</a:t>
+            </a:r>
+          </a:p>
+          <a:p>
+            <a:pPr lvl="1"/>
+            <a:r>
+              <a:rPr lang="en-US" dirty="0"/>
+              <a:t>Perform </a:t>
+            </a:r>
+            <a:r>
+              <a:rPr lang="en-US" b="1" dirty="0"/>
+              <a:t>outside</a:t>
+            </a:r>
+            <a:r>
+              <a:rPr lang="en-US" dirty="0"/>
+              <a:t> the mongo shell</a:t>
+            </a:r>
+          </a:p>
+          <a:p>
+            <a:r>
+              <a:rPr lang="en-US" dirty="0">
+                <a:solidFill>
+                  <a:srgbClr val="FF0000"/>
+                </a:solidFill>
+              </a:rPr>
+              <a:t>mongoimport --db World --collection Population --drop  --file Population.json </a:t>
+            </a:r>
+          </a:p>
+          <a:p>
+            <a:r>
+              <a:rPr lang="en-US" dirty="0">
+                <a:solidFill>
+                  <a:srgbClr val="FF0000"/>
+                </a:solidFill>
+              </a:rPr>
+              <a:t>mongoimport --db World --collection NobelPrize --drop  --file NobelPrize.json </a:t>
+            </a:r>
+          </a:p>
+          <a:p>
+            <a:r>
+              <a:rPr lang="en-US" dirty="0">
+                <a:solidFill>
+                  <a:srgbClr val="FF0000"/>
+                </a:solidFill>
+              </a:rPr>
+              <a:t>mongoimport --db World --collection Companies --drop  --file Companies.json </a:t>
+            </a:r>
+          </a:p>
+          <a:p>
+            <a:pPr lvl="1"/>
+            <a:r>
+              <a:rPr lang="en-US"/>
+              <a:t>Save time and use the ./importScript</a:t>
+            </a:r>
+            <a:endParaRPr lang="en-US" dirty="0"/>
+          </a:p>
+        </p:txBody>
+      </p:sp>
+    </p:spTree>
+    <p:extLst>
+      <p:ext uri="{BB962C8B-B14F-4D97-AF65-F5344CB8AC3E}">
+        <p14:creationId xmlns:p14="http://schemas.microsoft.com/office/powerpoint/2010/main" val="3796663815"/>
+      </p:ext>
+    </p:extLst>
+  </p:cSld>
+  <p:clrMapOvr>
+    <a:masterClrMapping/>
+  </p:clrMapOvr>
+</p:sld>
+</file>
+
+<file path=ppt/slides/slide35.xml><?xml version="1.0" encoding="utf-8"?>
+<p:sld xmlns:a="http://schemas.openxmlformats.org/drawingml/2006/main" xmlns:r="http://schemas.openxmlformats.org/officeDocument/2006/relationships" xmlns:p="http://schemas.openxmlformats.org/presentationml/2006/main">
+  <p:cSld>
+    <p:spTree>
+      <p:nvGrpSpPr>
+        <p:cNvPr id="1" name=""/>
+        <p:cNvGrpSpPr/>
+        <p:nvPr/>
+      </p:nvGrpSpPr>
+      <p:grpSpPr>
+        <a:xfrm>
+          <a:off x="0" y="0"/>
+          <a:ext cx="0" cy="0"/>
+          <a:chOff x="0" y="0"/>
+          <a:chExt cx="0" cy="0"/>
+        </a:xfrm>
+      </p:grpSpPr>
+      <p:sp>
+        <p:nvSpPr>
+          <p:cNvPr id="2" name="Title 1"/>
+          <p:cNvSpPr>
+            <a:spLocks noGrp="1"/>
+          </p:cNvSpPr>
+          <p:nvPr>
+            <p:ph type="title"/>
+          </p:nvPr>
+        </p:nvSpPr>
+        <p:spPr>
+          <a:xfrm>
+            <a:off x="457200" y="-152400"/>
+            <a:ext cx="8229600" cy="1143000"/>
+          </a:xfrm>
+        </p:spPr>
+        <p:txBody>
+          <a:bodyPr/>
+          <a:lstStyle/>
+          <a:p>
+            <a:r>
+              <a:rPr lang="en-US" dirty="0"/>
+              <a:t>Queries</a:t>
+            </a:r>
+          </a:p>
+        </p:txBody>
+      </p:sp>
+      <p:sp>
+        <p:nvSpPr>
+          <p:cNvPr id="3" name="Content Placeholder 2"/>
+          <p:cNvSpPr>
+            <a:spLocks noGrp="1"/>
+          </p:cNvSpPr>
+          <p:nvPr>
+            <p:ph idx="1"/>
+          </p:nvPr>
+        </p:nvSpPr>
+        <p:spPr>
+          <a:xfrm>
+            <a:off x="304800" y="990600"/>
+            <a:ext cx="8534400" cy="5867400"/>
+          </a:xfrm>
+        </p:spPr>
+        <p:txBody>
+          <a:bodyPr/>
+          <a:lstStyle/>
+          <a:p>
+            <a:r>
+              <a:rPr lang="en-US" dirty="0"/>
+              <a:t>Don’t forget to </a:t>
+            </a:r>
+            <a:r>
+              <a:rPr lang="en-US" dirty="0">
+                <a:solidFill>
+                  <a:srgbClr val="FF0000"/>
+                </a:solidFill>
+              </a:rPr>
+              <a:t>use World</a:t>
+            </a:r>
+          </a:p>
+          <a:p>
+            <a:r>
+              <a:rPr lang="en-US" dirty="0">
+                <a:solidFill>
+                  <a:srgbClr val="FF0000"/>
+                </a:solidFill>
+              </a:rPr>
+              <a:t>show collections</a:t>
+            </a:r>
+          </a:p>
+          <a:p>
+            <a:r>
+              <a:rPr lang="en-US" dirty="0">
+                <a:solidFill>
+                  <a:srgbClr val="FF0000"/>
+                </a:solidFill>
+              </a:rPr>
+              <a:t>db.Population.find( { males : { $gt : 2250000 } } )</a:t>
+            </a:r>
+            <a:endParaRPr lang="en-US" dirty="0"/>
+          </a:p>
+          <a:p>
+            <a:r>
+              <a:rPr lang="en-US" dirty="0"/>
+              <a:t>To much information?</a:t>
+            </a:r>
+          </a:p>
+          <a:p>
+            <a:pPr lvl="1"/>
+            <a:r>
+              <a:rPr lang="en-US" dirty="0"/>
+              <a:t>Add 2</a:t>
+            </a:r>
+            <a:r>
+              <a:rPr lang="en-US" baseline="30000" dirty="0"/>
+              <a:t>nd</a:t>
+            </a:r>
+            <a:r>
+              <a:rPr lang="en-US" dirty="0"/>
+              <a:t> parameter to find to limit fields</a:t>
+            </a:r>
+          </a:p>
+          <a:p>
+            <a:pPr lvl="1"/>
+            <a:r>
+              <a:rPr lang="en-US" dirty="0"/>
+              <a:t>Uses 1 and 0 to turn on or off</a:t>
+            </a:r>
+          </a:p>
+          <a:p>
+            <a:pPr lvl="2"/>
+            <a:r>
+              <a:rPr lang="en-US" dirty="0"/>
+              <a:t>_id will be set to 1 by default</a:t>
+            </a:r>
+          </a:p>
+          <a:p>
+            <a:r>
+              <a:rPr lang="en-US" dirty="0">
+                <a:solidFill>
+                  <a:srgbClr val="FF0000"/>
+                </a:solidFill>
+              </a:rPr>
+              <a:t>db.Population.find( </a:t>
+            </a:r>
+            <a:br>
+              <a:rPr lang="en-US" dirty="0">
+                <a:solidFill>
+                  <a:srgbClr val="FF0000"/>
+                </a:solidFill>
+              </a:rPr>
+            </a:br>
+            <a:r>
+              <a:rPr lang="en-US" dirty="0">
+                <a:solidFill>
+                  <a:srgbClr val="FF0000"/>
+                </a:solidFill>
+              </a:rPr>
+              <a:t>				{ males : { $gt : 2250000 } },</a:t>
+            </a:r>
+            <a:br>
+              <a:rPr lang="en-US" dirty="0">
+                <a:solidFill>
+                  <a:srgbClr val="FF0000"/>
+                </a:solidFill>
+              </a:rPr>
+            </a:br>
+            <a:r>
+              <a:rPr lang="en-US" dirty="0">
+                <a:solidFill>
+                  <a:srgbClr val="FF0000"/>
+                </a:solidFill>
+              </a:rPr>
+              <a:t>				{ males : 1, age : 1, _id : 0 }</a:t>
+            </a:r>
+            <a:br>
+              <a:rPr lang="en-US" dirty="0">
+                <a:solidFill>
+                  <a:srgbClr val="FF0000"/>
+                </a:solidFill>
+              </a:rPr>
+            </a:br>
+            <a:r>
+              <a:rPr lang="en-US" dirty="0">
+                <a:solidFill>
+                  <a:srgbClr val="FF0000"/>
+                </a:solidFill>
+              </a:rPr>
+              <a:t> 				)</a:t>
+            </a:r>
+            <a:endParaRPr lang="en-US" dirty="0"/>
+          </a:p>
+          <a:p>
+            <a:pPr marL="0" indent="0">
+              <a:buNone/>
+            </a:pPr>
+            <a:endParaRPr lang="en-US" dirty="0"/>
+          </a:p>
+          <a:p>
+            <a:endParaRPr lang="en-US" dirty="0"/>
+          </a:p>
+          <a:p>
+            <a:pPr marL="0" indent="0">
+              <a:buNone/>
+            </a:pPr>
+            <a:endParaRPr lang="en-US" dirty="0">
+              <a:solidFill>
+                <a:srgbClr val="FF0000"/>
+              </a:solidFill>
+            </a:endParaRPr>
+          </a:p>
+        </p:txBody>
+      </p:sp>
+    </p:spTree>
+    <p:extLst>
+      <p:ext uri="{BB962C8B-B14F-4D97-AF65-F5344CB8AC3E}">
+        <p14:creationId xmlns:p14="http://schemas.microsoft.com/office/powerpoint/2010/main" val="1309047197"/>
+      </p:ext>
+    </p:extLst>
+  </p:cSld>
+  <p:clrMapOvr>
+    <a:masterClrMapping/>
+  </p:clrMapOvr>
+</p:sld>
+</file>
+
+<file path=ppt/slides/slide36.xml><?xml version="1.0" encoding="utf-8"?>
+<p:sld xmlns:a="http://schemas.openxmlformats.org/drawingml/2006/main" xmlns:r="http://schemas.openxmlformats.org/officeDocument/2006/relationships" xmlns:p="http://schemas.openxmlformats.org/presentationml/2006/main">
+  <p:cSld>
+    <p:spTree>
+      <p:nvGrpSpPr>
+        <p:cNvPr id="1" name=""/>
+        <p:cNvGrpSpPr/>
+        <p:nvPr/>
+      </p:nvGrpSpPr>
+      <p:grpSpPr>
+        <a:xfrm>
+          <a:off x="0" y="0"/>
+          <a:ext cx="0" cy="0"/>
+          <a:chOff x="0" y="0"/>
+          <a:chExt cx="0" cy="0"/>
+        </a:xfrm>
+      </p:grpSpPr>
+      <p:sp>
+        <p:nvSpPr>
+          <p:cNvPr id="2" name="Title 1"/>
+          <p:cNvSpPr>
+            <a:spLocks noGrp="1"/>
+          </p:cNvSpPr>
+          <p:nvPr>
+            <p:ph type="title"/>
+          </p:nvPr>
+        </p:nvSpPr>
+        <p:spPr/>
+        <p:txBody>
+          <a:bodyPr>
+            <a:normAutofit fontScale="90000"/>
+          </a:bodyPr>
+          <a:lstStyle/>
+          <a:p>
+            <a:r>
+              <a:rPr lang="en-US" dirty="0"/>
+              <a:t>Find the order of the most females in the 30-39 age range</a:t>
+            </a:r>
+            <a:br>
+              <a:rPr lang="en-US" dirty="0"/>
+            </a:br>
+            <a:endParaRPr lang="en-US" dirty="0"/>
+          </a:p>
+        </p:txBody>
+      </p:sp>
+      <p:sp>
+        <p:nvSpPr>
+          <p:cNvPr id="3" name="Content Placeholder 2"/>
+          <p:cNvSpPr>
+            <a:spLocks noGrp="1"/>
+          </p:cNvSpPr>
+          <p:nvPr>
+            <p:ph idx="1"/>
+          </p:nvPr>
+        </p:nvSpPr>
+        <p:spPr>
+          <a:xfrm>
+            <a:off x="457200" y="1600200"/>
+            <a:ext cx="8458200" cy="4525963"/>
+          </a:xfrm>
+        </p:spPr>
+        <p:txBody>
+          <a:bodyPr>
+            <a:normAutofit lnSpcReduction="10000"/>
+          </a:bodyPr>
+          <a:lstStyle/>
+          <a:p>
+            <a:r>
+              <a:rPr lang="en-US" dirty="0"/>
+              <a:t>Easy!</a:t>
+            </a:r>
+          </a:p>
+          <a:p>
+            <a:r>
+              <a:rPr lang="en-US" dirty="0">
+                <a:solidFill>
+                  <a:srgbClr val="FF0000"/>
+                </a:solidFill>
+              </a:rPr>
+              <a:t>db.Population.find( { age : { </a:t>
+            </a:r>
+            <a:br>
+              <a:rPr lang="en-US" dirty="0">
+                <a:solidFill>
+                  <a:srgbClr val="FF0000"/>
+                </a:solidFill>
+              </a:rPr>
+            </a:br>
+            <a:r>
+              <a:rPr lang="en-US" dirty="0">
+                <a:solidFill>
+                  <a:srgbClr val="FF0000"/>
+                </a:solidFill>
+              </a:rPr>
+              <a:t>					$gte : 30, $lte : 39</a:t>
+            </a:r>
+            <a:br>
+              <a:rPr lang="en-US" dirty="0">
+                <a:solidFill>
+                  <a:srgbClr val="FF0000"/>
+                </a:solidFill>
+              </a:rPr>
+            </a:br>
+            <a:r>
+              <a:rPr lang="en-US" dirty="0">
+                <a:solidFill>
+                  <a:srgbClr val="FF0000"/>
+                </a:solidFill>
+              </a:rPr>
+              <a:t>					 } </a:t>
+            </a:r>
+            <a:br>
+              <a:rPr lang="en-US" dirty="0">
+                <a:solidFill>
+                  <a:srgbClr val="FF0000"/>
+                </a:solidFill>
+              </a:rPr>
+            </a:br>
+            <a:r>
+              <a:rPr lang="en-US" dirty="0">
+                <a:solidFill>
+                  <a:srgbClr val="FF0000"/>
+                </a:solidFill>
+              </a:rPr>
+              <a:t>				}, </a:t>
+            </a:r>
+            <a:br>
+              <a:rPr lang="en-US" dirty="0">
+                <a:solidFill>
+                  <a:srgbClr val="FF0000"/>
+                </a:solidFill>
+              </a:rPr>
+            </a:br>
+            <a:r>
+              <a:rPr lang="en-US" dirty="0">
+                <a:solidFill>
+                  <a:srgbClr val="FF0000"/>
+                </a:solidFill>
+              </a:rPr>
+              <a:t>				{age : 1, females : 1, _id:0}</a:t>
+            </a:r>
+            <a:br>
+              <a:rPr lang="en-US" dirty="0">
+                <a:solidFill>
+                  <a:srgbClr val="FF0000"/>
+                </a:solidFill>
+              </a:rPr>
+            </a:br>
+            <a:r>
+              <a:rPr lang="en-US" dirty="0">
+                <a:solidFill>
+                  <a:srgbClr val="FF0000"/>
+                </a:solidFill>
+              </a:rPr>
+              <a:t> 				).sort( </a:t>
+            </a:r>
+            <a:br>
+              <a:rPr lang="en-US" dirty="0">
+                <a:solidFill>
+                  <a:srgbClr val="FF0000"/>
+                </a:solidFill>
+              </a:rPr>
+            </a:br>
+            <a:r>
+              <a:rPr lang="en-US" dirty="0">
+                <a:solidFill>
+                  <a:srgbClr val="FF0000"/>
+                </a:solidFill>
+              </a:rPr>
+              <a:t>					{ females : -1 }</a:t>
+            </a:r>
+            <a:br>
+              <a:rPr lang="en-US" dirty="0">
+                <a:solidFill>
+                  <a:srgbClr val="FF0000"/>
+                </a:solidFill>
+              </a:rPr>
+            </a:br>
+            <a:r>
+              <a:rPr lang="en-US" dirty="0">
+                <a:solidFill>
+                  <a:srgbClr val="FF0000"/>
+                </a:solidFill>
+              </a:rPr>
+              <a:t> 				)</a:t>
+            </a:r>
+          </a:p>
+          <a:p>
+            <a:endParaRPr lang="en-US" dirty="0"/>
+          </a:p>
+        </p:txBody>
+      </p:sp>
+    </p:spTree>
+    <p:extLst>
+      <p:ext uri="{BB962C8B-B14F-4D97-AF65-F5344CB8AC3E}">
+        <p14:creationId xmlns:p14="http://schemas.microsoft.com/office/powerpoint/2010/main" val="28084995"/>
+      </p:ext>
+    </p:extLst>
+  </p:cSld>
+  <p:clrMapOvr>
+    <a:masterClrMapping/>
+  </p:clrMapOvr>
+</p:sld>
+</file>
+
+<file path=ppt/slides/slide37.xml><?xml version="1.0" encoding="utf-8"?>
+<p:sld xmlns:a="http://schemas.openxmlformats.org/drawingml/2006/main" xmlns:r="http://schemas.openxmlformats.org/officeDocument/2006/relationships" xmlns:p="http://schemas.openxmlformats.org/presentationml/2006/main">
+  <p:cSld>
+    <p:spTree>
+      <p:nvGrpSpPr>
+        <p:cNvPr id="1" name=""/>
+        <p:cNvGrpSpPr/>
+        <p:nvPr/>
+      </p:nvGrpSpPr>
+      <p:grpSpPr>
+        <a:xfrm>
+          <a:off x="0" y="0"/>
+          <a:ext cx="0" cy="0"/>
+          <a:chOff x="0" y="0"/>
+          <a:chExt cx="0" cy="0"/>
+        </a:xfrm>
+      </p:grpSpPr>
+      <p:sp>
+        <p:nvSpPr>
+          <p:cNvPr id="2" name="Title 1"/>
+          <p:cNvSpPr>
+            <a:spLocks noGrp="1"/>
+          </p:cNvSpPr>
+          <p:nvPr>
+            <p:ph type="title"/>
+          </p:nvPr>
+        </p:nvSpPr>
+        <p:spPr>
+          <a:xfrm>
+            <a:off x="457200" y="381000"/>
+            <a:ext cx="8229600" cy="1143000"/>
+          </a:xfrm>
+        </p:spPr>
+        <p:txBody>
+          <a:bodyPr>
+            <a:noAutofit/>
+          </a:bodyPr>
+          <a:lstStyle/>
+          <a:p>
+            <a:r>
+              <a:rPr lang="en-US" sz="3200" dirty="0"/>
+              <a:t>When has there been only two Nobel Prize Laureates and one of them was named either John, Bob, and/or Eric?</a:t>
+            </a:r>
+          </a:p>
+        </p:txBody>
+      </p:sp>
+      <p:sp>
+        <p:nvSpPr>
+          <p:cNvPr id="3" name="Content Placeholder 2"/>
+          <p:cNvSpPr>
+            <a:spLocks noGrp="1"/>
+          </p:cNvSpPr>
+          <p:nvPr>
+            <p:ph idx="1"/>
+          </p:nvPr>
+        </p:nvSpPr>
+        <p:spPr>
+          <a:xfrm>
+            <a:off x="228600" y="1676400"/>
+            <a:ext cx="8686800" cy="4953000"/>
+          </a:xfrm>
+        </p:spPr>
+        <p:txBody>
+          <a:bodyPr>
+            <a:normAutofit lnSpcReduction="10000"/>
+          </a:bodyPr>
+          <a:lstStyle/>
+          <a:p>
+            <a:r>
+              <a:rPr lang="en-US" dirty="0"/>
+              <a:t>Oddly specific, talk about being bored</a:t>
+            </a:r>
+          </a:p>
+          <a:p>
+            <a:r>
+              <a:rPr lang="en-US" dirty="0">
+                <a:solidFill>
+                  <a:srgbClr val="FF0000"/>
+                </a:solidFill>
+              </a:rPr>
+              <a:t>db.NobelPrize.find( </a:t>
+            </a:r>
+            <a:br>
+              <a:rPr lang="en-US" dirty="0">
+                <a:solidFill>
+                  <a:srgbClr val="FF0000"/>
+                </a:solidFill>
+              </a:rPr>
+            </a:br>
+            <a:r>
+              <a:rPr lang="en-US" dirty="0">
+                <a:solidFill>
+                  <a:srgbClr val="FF0000"/>
+                </a:solidFill>
+              </a:rPr>
+              <a:t>	{</a:t>
+            </a:r>
+            <a:br>
+              <a:rPr lang="en-US" dirty="0">
+                <a:solidFill>
+                  <a:srgbClr val="FF0000"/>
+                </a:solidFill>
+              </a:rPr>
+            </a:br>
+            <a:r>
+              <a:rPr lang="en-US" dirty="0">
+                <a:solidFill>
+                  <a:srgbClr val="FF0000"/>
+                </a:solidFill>
+              </a:rPr>
+              <a:t>		"laureates.firstname" : { </a:t>
+            </a:r>
+            <a:br>
+              <a:rPr lang="en-US" dirty="0">
+                <a:solidFill>
+                  <a:srgbClr val="FF0000"/>
+                </a:solidFill>
+              </a:rPr>
+            </a:br>
+            <a:r>
+              <a:rPr lang="en-US" dirty="0">
+                <a:solidFill>
+                  <a:srgbClr val="FF0000"/>
+                </a:solidFill>
+              </a:rPr>
+              <a:t>			$in: ["John", "Bob", "Eric"]</a:t>
+            </a:r>
+            <a:br>
+              <a:rPr lang="en-US" dirty="0">
+                <a:solidFill>
+                  <a:srgbClr val="FF0000"/>
+                </a:solidFill>
+              </a:rPr>
+            </a:br>
+            <a:r>
+              <a:rPr lang="en-US" dirty="0">
+                <a:solidFill>
+                  <a:srgbClr val="FF0000"/>
+                </a:solidFill>
+              </a:rPr>
+              <a:t>		 }, </a:t>
+            </a:r>
+            <a:br>
+              <a:rPr lang="en-US" dirty="0">
+                <a:solidFill>
+                  <a:srgbClr val="FF0000"/>
+                </a:solidFill>
+              </a:rPr>
+            </a:br>
+            <a:r>
+              <a:rPr lang="en-US" dirty="0">
+                <a:solidFill>
+                  <a:srgbClr val="FF0000"/>
+                </a:solidFill>
+              </a:rPr>
+              <a:t>		 laureates : {$size: 2} </a:t>
+            </a:r>
+            <a:br>
+              <a:rPr lang="en-US" dirty="0">
+                <a:solidFill>
+                  <a:srgbClr val="FF0000"/>
+                </a:solidFill>
+              </a:rPr>
+            </a:br>
+            <a:r>
+              <a:rPr lang="en-US" dirty="0">
+                <a:solidFill>
+                  <a:srgbClr val="FF0000"/>
+                </a:solidFill>
+              </a:rPr>
+              <a:t>	}, </a:t>
+            </a:r>
+            <a:br>
+              <a:rPr lang="en-US" dirty="0">
+                <a:solidFill>
+                  <a:srgbClr val="FF0000"/>
+                </a:solidFill>
+              </a:rPr>
+            </a:br>
+            <a:r>
+              <a:rPr lang="en-US" dirty="0">
+                <a:solidFill>
+                  <a:srgbClr val="FF0000"/>
+                </a:solidFill>
+              </a:rPr>
+              <a:t>	{year : 1, category:1, _id:0}</a:t>
+            </a:r>
+            <a:br>
+              <a:rPr lang="en-US" dirty="0">
+                <a:solidFill>
+                  <a:srgbClr val="FF0000"/>
+                </a:solidFill>
+              </a:rPr>
+            </a:br>
+            <a:r>
+              <a:rPr lang="en-US" dirty="0">
+                <a:solidFill>
+                  <a:srgbClr val="FF0000"/>
+                </a:solidFill>
+              </a:rPr>
+              <a:t>)</a:t>
+            </a:r>
+          </a:p>
+        </p:txBody>
+      </p:sp>
+    </p:spTree>
+    <p:extLst>
+      <p:ext uri="{BB962C8B-B14F-4D97-AF65-F5344CB8AC3E}">
+        <p14:creationId xmlns:p14="http://schemas.microsoft.com/office/powerpoint/2010/main" val="2011006032"/>
+      </p:ext>
+    </p:extLst>
+  </p:cSld>
+  <p:clrMapOvr>
+    <a:masterClrMapping/>
+  </p:clrMapOvr>
+</p:sld>
+</file>
+
+<file path=ppt/slides/slide38.xml><?xml version="1.0" encoding="utf-8"?>
+<p:sld xmlns:a="http://schemas.openxmlformats.org/drawingml/2006/main" xmlns:r="http://schemas.openxmlformats.org/officeDocument/2006/relationships" xmlns:p="http://schemas.openxmlformats.org/presentationml/2006/main">
+  <p:cSld>
+    <p:spTree>
+      <p:nvGrpSpPr>
+        <p:cNvPr id="1" name=""/>
+        <p:cNvGrpSpPr/>
+        <p:nvPr/>
+      </p:nvGrpSpPr>
+      <p:grpSpPr>
+        <a:xfrm>
+          <a:off x="0" y="0"/>
+          <a:ext cx="0" cy="0"/>
+          <a:chOff x="0" y="0"/>
+          <a:chExt cx="0" cy="0"/>
+        </a:xfrm>
+      </p:grpSpPr>
+      <p:sp>
+        <p:nvSpPr>
+          <p:cNvPr id="2" name="Title 1"/>
+          <p:cNvSpPr>
+            <a:spLocks noGrp="1"/>
+          </p:cNvSpPr>
+          <p:nvPr>
+            <p:ph type="title"/>
+          </p:nvPr>
+        </p:nvSpPr>
+        <p:spPr/>
+        <p:txBody>
+          <a:bodyPr/>
+          <a:lstStyle/>
+          <a:p>
+            <a:r>
+              <a:rPr lang="en-US" dirty="0"/>
+              <a:t>Moral of the story</a:t>
+            </a:r>
+          </a:p>
+        </p:txBody>
+      </p:sp>
+      <p:sp>
+        <p:nvSpPr>
+          <p:cNvPr id="3" name="Content Placeholder 2"/>
+          <p:cNvSpPr>
+            <a:spLocks noGrp="1"/>
+          </p:cNvSpPr>
+          <p:nvPr>
+            <p:ph idx="1"/>
+          </p:nvPr>
+        </p:nvSpPr>
+        <p:spPr/>
+        <p:txBody>
+          <a:bodyPr/>
+          <a:lstStyle/>
+          <a:p>
+            <a:r>
+              <a:rPr lang="en-US" dirty="0"/>
+              <a:t>Use a GUI if possible </a:t>
+            </a:r>
+          </a:p>
+          <a:p>
+            <a:r>
+              <a:rPr lang="en-US" dirty="0"/>
+              <a:t>My choice is MongoChef</a:t>
+            </a:r>
+          </a:p>
+          <a:p>
+            <a:pPr lvl="1"/>
+            <a:r>
+              <a:rPr lang="en-US" dirty="0"/>
+              <a:t>Note: Free for non commerical use</a:t>
+            </a:r>
+          </a:p>
+          <a:p>
+            <a:pPr lvl="1"/>
+            <a:r>
+              <a:rPr lang="en-US" dirty="0"/>
+              <a:t>Has built in import and export functions as well</a:t>
+            </a:r>
+          </a:p>
+        </p:txBody>
+      </p:sp>
+    </p:spTree>
+    <p:extLst>
+      <p:ext uri="{BB962C8B-B14F-4D97-AF65-F5344CB8AC3E}">
+        <p14:creationId xmlns:p14="http://schemas.microsoft.com/office/powerpoint/2010/main" val="2840510249"/>
       </p:ext>
     </p:extLst>
   </p:cSld>
@@ -6870,115 +10347,286 @@
           <a:chExt cx="0" cy="0"/>
         </a:xfrm>
       </p:grpSpPr>
-      <p:sp>
-        <p:nvSpPr>
-          <p:cNvPr id="2" name="Title 1"/>
-          <p:cNvSpPr>
-            <a:spLocks noGrp="1"/>
-          </p:cNvSpPr>
-          <p:nvPr>
-            <p:ph type="title"/>
-          </p:nvPr>
-        </p:nvSpPr>
-        <p:spPr/>
-        <p:txBody>
-          <a:bodyPr/>
-          <a:lstStyle/>
-          <a:p>
-            <a:r>
-              <a:rPr lang="en-US" dirty="0"/>
-              <a:t>Relational Databases</a:t>
-            </a:r>
-          </a:p>
-        </p:txBody>
-      </p:sp>
-      <p:sp>
-        <p:nvSpPr>
-          <p:cNvPr id="3" name="Content Placeholder 2"/>
-          <p:cNvSpPr>
-            <a:spLocks noGrp="1"/>
-          </p:cNvSpPr>
-          <p:nvPr>
-            <p:ph idx="1"/>
-          </p:nvPr>
-        </p:nvSpPr>
-        <p:spPr/>
-        <p:txBody>
-          <a:bodyPr/>
-          <a:lstStyle/>
-          <a:p>
-            <a:r>
-              <a:rPr lang="en-US" dirty="0"/>
-              <a:t>Tables</a:t>
-            </a:r>
-          </a:p>
-          <a:p>
-            <a:r>
-              <a:rPr lang="en-US" dirty="0"/>
-              <a:t>SQL </a:t>
-            </a:r>
-          </a:p>
-          <a:p>
-            <a:pPr lvl="1"/>
-            <a:r>
-              <a:rPr lang="en-US" dirty="0"/>
-              <a:t>The </a:t>
-            </a:r>
-            <a:r>
-              <a:rPr lang="en-US" u="sng" dirty="0"/>
-              <a:t>Language</a:t>
-            </a:r>
-            <a:r>
-              <a:rPr lang="en-US" dirty="0"/>
-              <a:t> to </a:t>
-            </a:r>
-            <a:r>
-              <a:rPr lang="en-US" b="1" dirty="0"/>
-              <a:t>query</a:t>
-            </a:r>
-            <a:r>
-              <a:rPr lang="en-US" dirty="0"/>
-              <a:t> from table</a:t>
-            </a:r>
-          </a:p>
-          <a:p>
-            <a:r>
-              <a:rPr lang="en-US" dirty="0"/>
-              <a:t>MySQL, SQL Server, PostgreSQL, Oracle, etc…</a:t>
-            </a:r>
-          </a:p>
-          <a:p>
-            <a:pPr lvl="1"/>
-            <a:r>
-              <a:rPr lang="en-US" dirty="0"/>
-              <a:t>Relational Database Management System</a:t>
-            </a:r>
-          </a:p>
-          <a:p>
-            <a:pPr lvl="1"/>
-            <a:r>
-              <a:rPr lang="en-US" dirty="0"/>
-              <a:t>Use their own “dialect” of SQL</a:t>
-            </a:r>
-          </a:p>
-          <a:p>
-            <a:r>
-              <a:rPr lang="en-US" dirty="0"/>
-              <a:t>CS 564</a:t>
-            </a:r>
-          </a:p>
-          <a:p>
-            <a:pPr marL="0" indent="0">
-              <a:buNone/>
-            </a:pPr>
+      <p:pic>
+        <p:nvPicPr>
+          <p:cNvPr id="2052" name="Picture 4" descr="Image result for server to database"/>
+          <p:cNvPicPr>
+            <a:picLocks noChangeArrowheads="1"/>
+          </p:cNvPicPr>
+          <p:nvPr/>
+        </p:nvPicPr>
+        <p:blipFill>
+          <a:blip r:embed="rId2" cstate="print">
+            <a:extLst>
+              <a:ext uri="{28A0092B-C50C-407E-A947-70E740481C1C}">
+                <a14:useLocalDpi xmlns:a14="http://schemas.microsoft.com/office/drawing/2010/main" val="0"/>
+              </a:ext>
+            </a:extLst>
+          </a:blip>
+          <a:srcRect/>
+          <a:stretch>
+            <a:fillRect/>
+          </a:stretch>
+        </p:blipFill>
+        <p:spPr bwMode="auto">
+          <a:xfrm>
+            <a:off x="6108936" y="4114800"/>
+            <a:ext cx="2054225" cy="2054225"/>
+          </a:xfrm>
+          <a:prstGeom prst="rect">
+            <a:avLst/>
+          </a:prstGeom>
+          <a:noFill/>
+          <a:extLst>
+            <a:ext uri="{909E8E84-426E-40DD-AFC4-6F175D3DCCD1}">
+              <a14:hiddenFill xmlns:a14="http://schemas.microsoft.com/office/drawing/2010/main">
+                <a:solidFill>
+                  <a:srgbClr val="FFFFFF"/>
+                </a:solidFill>
+              </a14:hiddenFill>
+            </a:ext>
+          </a:extLst>
+        </p:spPr>
+      </p:pic>
+      <p:pic>
+        <p:nvPicPr>
+          <p:cNvPr id="2054" name="Picture 6" descr="Image result for server"/>
+          <p:cNvPicPr>
+            <a:picLocks noChangeArrowheads="1"/>
+          </p:cNvPicPr>
+          <p:nvPr/>
+        </p:nvPicPr>
+        <p:blipFill rotWithShape="1">
+          <a:blip r:embed="rId3" cstate="print">
+            <a:extLst>
+              <a:ext uri="{28A0092B-C50C-407E-A947-70E740481C1C}">
+                <a14:useLocalDpi xmlns:a14="http://schemas.microsoft.com/office/drawing/2010/main" val="0"/>
+              </a:ext>
+            </a:extLst>
+          </a:blip>
+          <a:srcRect l="11153" r="12047" b="2401"/>
+          <a:stretch/>
+        </p:blipFill>
+        <p:spPr bwMode="auto">
+          <a:xfrm>
+            <a:off x="5966298" y="514349"/>
+            <a:ext cx="2339502" cy="2054222"/>
+          </a:xfrm>
+          <a:prstGeom prst="rect">
+            <a:avLst/>
+          </a:prstGeom>
+          <a:noFill/>
+          <a:extLst>
+            <a:ext uri="{909E8E84-426E-40DD-AFC4-6F175D3DCCD1}">
+              <a14:hiddenFill xmlns:a14="http://schemas.microsoft.com/office/drawing/2010/main">
+                <a:solidFill>
+                  <a:srgbClr val="FFFFFF"/>
+                </a:solidFill>
+              </a14:hiddenFill>
+            </a:ext>
+          </a:extLst>
+        </p:spPr>
+      </p:pic>
+      <p:pic>
+        <p:nvPicPr>
+          <p:cNvPr id="2056" name="Picture 8" descr="Image result for laptop client"/>
+          <p:cNvPicPr>
+            <a:picLocks noChangeAspect="1" noChangeArrowheads="1"/>
+          </p:cNvPicPr>
+          <p:nvPr/>
+        </p:nvPicPr>
+        <p:blipFill>
+          <a:blip r:embed="rId4">
+            <a:extLst>
+              <a:ext uri="{28A0092B-C50C-407E-A947-70E740481C1C}">
+                <a14:useLocalDpi xmlns:a14="http://schemas.microsoft.com/office/drawing/2010/main" val="0"/>
+              </a:ext>
+            </a:extLst>
+          </a:blip>
+          <a:srcRect/>
+          <a:stretch>
+            <a:fillRect/>
+          </a:stretch>
+        </p:blipFill>
+        <p:spPr bwMode="auto">
+          <a:xfrm>
+            <a:off x="382587" y="276224"/>
+            <a:ext cx="2206625" cy="2206625"/>
+          </a:xfrm>
+          <a:prstGeom prst="rect">
+            <a:avLst/>
+          </a:prstGeom>
+          <a:noFill/>
+          <a:extLst>
+            <a:ext uri="{909E8E84-426E-40DD-AFC4-6F175D3DCCD1}">
+              <a14:hiddenFill xmlns:a14="http://schemas.microsoft.com/office/drawing/2010/main">
+                <a:solidFill>
+                  <a:srgbClr val="FFFFFF"/>
+                </a:solidFill>
+              </a14:hiddenFill>
+            </a:ext>
+          </a:extLst>
+        </p:spPr>
+      </p:pic>
+      <p:sp>
+        <p:nvSpPr>
+          <p:cNvPr id="5" name="TextBox 4"/>
+          <p:cNvSpPr txBox="1"/>
+          <p:nvPr/>
+        </p:nvSpPr>
+        <p:spPr>
+          <a:xfrm>
+            <a:off x="-304801" y="2568571"/>
+            <a:ext cx="3581400" cy="646331"/>
+          </a:xfrm>
+          <a:prstGeom prst="rect">
+            <a:avLst/>
+          </a:prstGeom>
+          <a:noFill/>
+        </p:spPr>
+        <p:txBody>
+          <a:bodyPr wrap="square" rtlCol="0">
+            <a:spAutoFit/>
+          </a:bodyPr>
+          <a:lstStyle/>
+          <a:p>
+            <a:pPr algn="ctr"/>
+            <a:r>
+              <a:rPr lang="en-US" dirty="0" smtClean="0"/>
+              <a:t>Client </a:t>
+            </a:r>
+          </a:p>
+          <a:p>
+            <a:pPr algn="ctr"/>
+            <a:r>
+              <a:rPr lang="en-US" dirty="0" smtClean="0"/>
+              <a:t>(You on a computer or phone)</a:t>
+            </a:r>
             <a:endParaRPr lang="en-US" dirty="0"/>
+          </a:p>
+        </p:txBody>
+      </p:sp>
+      <p:sp>
+        <p:nvSpPr>
+          <p:cNvPr id="11" name="TextBox 10"/>
+          <p:cNvSpPr txBox="1"/>
+          <p:nvPr/>
+        </p:nvSpPr>
+        <p:spPr>
+          <a:xfrm>
+            <a:off x="5547198" y="2606672"/>
+            <a:ext cx="3581400" cy="646331"/>
+          </a:xfrm>
+          <a:prstGeom prst="rect">
+            <a:avLst/>
+          </a:prstGeom>
+          <a:noFill/>
+        </p:spPr>
+        <p:txBody>
+          <a:bodyPr wrap="square" rtlCol="0">
+            <a:spAutoFit/>
+          </a:bodyPr>
+          <a:lstStyle/>
+          <a:p>
+            <a:pPr algn="ctr"/>
+            <a:r>
+              <a:rPr lang="en-US" dirty="0" smtClean="0"/>
+              <a:t>Server</a:t>
+            </a:r>
+          </a:p>
+          <a:p>
+            <a:pPr algn="ctr"/>
+            <a:r>
+              <a:rPr lang="en-US" dirty="0" smtClean="0"/>
+              <a:t>(Could be your Raspberry Pi)</a:t>
+            </a:r>
+            <a:endParaRPr lang="en-US" dirty="0"/>
+          </a:p>
+        </p:txBody>
+      </p:sp>
+      <p:sp>
+        <p:nvSpPr>
+          <p:cNvPr id="12" name="TextBox 11"/>
+          <p:cNvSpPr txBox="1"/>
+          <p:nvPr/>
+        </p:nvSpPr>
+        <p:spPr>
+          <a:xfrm>
+            <a:off x="5410200" y="6019800"/>
+            <a:ext cx="3581400" cy="646331"/>
+          </a:xfrm>
+          <a:prstGeom prst="rect">
+            <a:avLst/>
+          </a:prstGeom>
+          <a:noFill/>
+        </p:spPr>
+        <p:txBody>
+          <a:bodyPr wrap="square" rtlCol="0">
+            <a:spAutoFit/>
+          </a:bodyPr>
+          <a:lstStyle/>
+          <a:p>
+            <a:pPr algn="ctr"/>
+            <a:r>
+              <a:rPr lang="en-US" dirty="0" smtClean="0"/>
+              <a:t>Database</a:t>
+            </a:r>
+          </a:p>
+          <a:p>
+            <a:pPr algn="ctr"/>
+            <a:r>
+              <a:rPr lang="en-US" dirty="0" smtClean="0"/>
+              <a:t>(program living on the server)</a:t>
+            </a:r>
+            <a:endParaRPr lang="en-US" dirty="0"/>
+          </a:p>
+        </p:txBody>
+      </p:sp>
+      <p:sp>
+        <p:nvSpPr>
+          <p:cNvPr id="8" name="Rectangle 7"/>
+          <p:cNvSpPr/>
+          <p:nvPr/>
+        </p:nvSpPr>
+        <p:spPr>
+          <a:xfrm>
+            <a:off x="5257800" y="134718"/>
+            <a:ext cx="3810000" cy="6647082"/>
+          </a:xfrm>
+          <a:prstGeom prst="rect">
+            <a:avLst/>
+          </a:prstGeom>
+          <a:noFill/>
+        </p:spPr>
+        <p:style>
+          <a:lnRef idx="2">
+            <a:schemeClr val="accent1">
+              <a:shade val="50000"/>
+            </a:schemeClr>
+          </a:lnRef>
+          <a:fillRef idx="1">
+            <a:schemeClr val="accent1"/>
+          </a:fillRef>
+          <a:effectRef idx="0">
+            <a:schemeClr val="accent1"/>
+          </a:effectRef>
+          <a:fontRef idx="minor">
+            <a:schemeClr val="lt1"/>
+          </a:fontRef>
+        </p:style>
+        <p:txBody>
+          <a:bodyPr rtlCol="0" anchor="ctr"/>
+          <a:lstStyle/>
+          <a:p>
+            <a:pPr algn="ctr"/>
+            <a:endParaRPr lang="en-US"/>
           </a:p>
         </p:txBody>
       </p:sp>
     </p:spTree>
     <p:extLst>
       <p:ext uri="{BB962C8B-B14F-4D97-AF65-F5344CB8AC3E}">
-        <p14:creationId xmlns:p14="http://schemas.microsoft.com/office/powerpoint/2010/main" val="1298600387"/>
+        <p14:creationId xmlns:p14="http://schemas.microsoft.com/office/powerpoint/2010/main" val="2033836625"/>
       </p:ext>
     </p:extLst>
   </p:cSld>
@@ -7021,9 +10669,10 @@
           <a:lstStyle/>
           <a:p>
             <a:r>
-              <a:rPr lang="en-US" dirty="0"/>
-              <a:t>SQL Table Example</a:t>
-            </a:r>
+              <a:rPr lang="en-US" dirty="0" smtClean="0"/>
+              <a:t>Disclaimer!</a:t>
+            </a:r>
+            <a:endParaRPr lang="en-US" dirty="0"/>
           </a:p>
         </p:txBody>
       </p:sp>
@@ -7039,50 +10688,20 @@
         </p:nvSpPr>
         <p:spPr/>
         <p:txBody>
-          <a:bodyPr>
-            <a:normAutofit fontScale="85000" lnSpcReduction="20000"/>
-          </a:bodyPr>
-          <a:lstStyle/>
-          <a:p>
-            <a:r>
-              <a:rPr lang="en-US" dirty="0">
-                <a:hlinkClick r:id="rId2"/>
-              </a:rPr>
-              <a:t>http://www.w3schools.com/sql/trysql.asp?filename=trysql_select_all</a:t>
-            </a:r>
-            <a:endParaRPr lang="en-US" dirty="0"/>
-          </a:p>
-          <a:p>
-            <a:r>
-              <a:rPr lang="en-US" dirty="0"/>
-              <a:t>SELECT * FROM Customers;</a:t>
-            </a:r>
-          </a:p>
-          <a:p>
-            <a:r>
-              <a:rPr lang="en-US" dirty="0"/>
-              <a:t>SELECT City, ContactName FROM Customers WHERE Country='Mexico';</a:t>
-            </a:r>
-          </a:p>
-          <a:p>
-            <a:r>
-              <a:rPr lang="en-US" dirty="0"/>
-              <a:t>UPDATE Customers SET ContactName='Alfred Schmidt', City='Hamburg‘ WHERE CustomerName='Alfreds Futterkiste';</a:t>
-            </a:r>
-          </a:p>
-          <a:p>
-            <a:r>
-              <a:rPr lang="en-US" dirty="0"/>
-              <a:t>SELECT Customers.CustomerName, Orders.OrderID FROM Customers INNER JOIN Orders ON Customers.CustomerID=Orders.CustomerID ORDER BY Customers.CustomerName;</a:t>
-            </a:r>
-          </a:p>
-          <a:p>
-            <a:endParaRPr lang="en-US" dirty="0"/>
-          </a:p>
-          <a:p>
-            <a:endParaRPr lang="en-US" dirty="0"/>
-          </a:p>
-          <a:p>
+          <a:bodyPr/>
+          <a:lstStyle/>
+          <a:p>
+            <a:r>
+              <a:rPr lang="en-US" dirty="0" smtClean="0"/>
+              <a:t>NOT how passwords work</a:t>
+            </a:r>
+          </a:p>
+          <a:p>
+            <a:pPr lvl="1"/>
+            <a:r>
+              <a:rPr lang="en-US" dirty="0" smtClean="0"/>
+              <a:t>Lesson for different day</a:t>
+            </a:r>
             <a:endParaRPr lang="en-US" dirty="0"/>
           </a:p>
         </p:txBody>
@@ -7090,7 +10709,7 @@
     </p:spTree>
     <p:extLst>
       <p:ext uri="{BB962C8B-B14F-4D97-AF65-F5344CB8AC3E}">
-        <p14:creationId xmlns:p14="http://schemas.microsoft.com/office/powerpoint/2010/main" val="3693979043"/>
+        <p14:creationId xmlns:p14="http://schemas.microsoft.com/office/powerpoint/2010/main" val="2024343556"/>
       </p:ext>
     </p:extLst>
   </p:cSld>
@@ -7117,100 +10736,402 @@
           <a:chExt cx="0" cy="0"/>
         </a:xfrm>
       </p:grpSpPr>
-      <p:sp>
-        <p:nvSpPr>
-          <p:cNvPr id="2" name="Title 1"/>
-          <p:cNvSpPr>
-            <a:spLocks noGrp="1"/>
-          </p:cNvSpPr>
-          <p:nvPr>
-            <p:ph type="title"/>
-          </p:nvPr>
-        </p:nvSpPr>
-        <p:spPr/>
-        <p:txBody>
-          <a:bodyPr/>
-          <a:lstStyle/>
-          <a:p>
-            <a:r>
-              <a:rPr lang="en-US" dirty="0"/>
-              <a:t>Non-Relational</a:t>
-            </a:r>
-          </a:p>
-        </p:txBody>
-      </p:sp>
-      <p:sp>
-        <p:nvSpPr>
-          <p:cNvPr id="3" name="Content Placeholder 2"/>
-          <p:cNvSpPr>
-            <a:spLocks noGrp="1"/>
-          </p:cNvSpPr>
-          <p:nvPr>
-            <p:ph idx="1"/>
-          </p:nvPr>
-        </p:nvSpPr>
-        <p:spPr/>
-        <p:txBody>
-          <a:bodyPr/>
-          <a:lstStyle/>
-          <a:p>
-            <a:r>
-              <a:rPr lang="en-US" dirty="0"/>
-              <a:t>No More Tables!          (╯°□°）╯︵ ┻━┻</a:t>
-            </a:r>
-          </a:p>
-          <a:p>
-            <a:r>
-              <a:rPr lang="en-US" dirty="0"/>
-              <a:t>Also called “NoSQL”</a:t>
-            </a:r>
-          </a:p>
-          <a:p>
-            <a:r>
-              <a:rPr lang="en-US" dirty="0"/>
-              <a:t>Can scale “easier” then SQL</a:t>
-            </a:r>
-          </a:p>
-          <a:p>
-            <a:pPr lvl="1"/>
-            <a:r>
-              <a:rPr lang="en-US" dirty="0"/>
-              <a:t>Have you broke a SQL Schema before… it’s not fun</a:t>
-            </a:r>
-          </a:p>
-          <a:p>
-            <a:r>
-              <a:rPr lang="en-US" dirty="0"/>
-              <a:t>Web 2.0 choice of database</a:t>
-            </a:r>
-          </a:p>
-          <a:p>
-            <a:pPr lvl="1"/>
-            <a:r>
-              <a:rPr lang="en-US" dirty="0"/>
-              <a:t>Facebook, Google, Amazon, etc.</a:t>
-            </a:r>
-          </a:p>
-          <a:p>
-            <a:pPr lvl="2"/>
-            <a:r>
-              <a:rPr lang="en-US" sz="2000" b="1" dirty="0"/>
-              <a:t>NOTE</a:t>
-            </a:r>
-            <a:r>
-              <a:rPr lang="en-US" sz="2000" dirty="0"/>
-              <a:t>: They built their own databases and search function to maximize search time… but MongoDB is good enough for people who don’t have billions of users</a:t>
-            </a:r>
-          </a:p>
-          <a:p>
+      <p:pic>
+        <p:nvPicPr>
+          <p:cNvPr id="2052" name="Picture 4" descr="Image result for server to database"/>
+          <p:cNvPicPr>
+            <a:picLocks noChangeArrowheads="1"/>
+          </p:cNvPicPr>
+          <p:nvPr/>
+        </p:nvPicPr>
+        <p:blipFill>
+          <a:blip r:embed="rId2" cstate="print">
+            <a:extLst>
+              <a:ext uri="{28A0092B-C50C-407E-A947-70E740481C1C}">
+                <a14:useLocalDpi xmlns:a14="http://schemas.microsoft.com/office/drawing/2010/main" val="0"/>
+              </a:ext>
+            </a:extLst>
+          </a:blip>
+          <a:srcRect/>
+          <a:stretch>
+            <a:fillRect/>
+          </a:stretch>
+        </p:blipFill>
+        <p:spPr bwMode="auto">
+          <a:xfrm>
+            <a:off x="6108936" y="4114800"/>
+            <a:ext cx="2054225" cy="2054225"/>
+          </a:xfrm>
+          <a:prstGeom prst="rect">
+            <a:avLst/>
+          </a:prstGeom>
+          <a:noFill/>
+          <a:extLst>
+            <a:ext uri="{909E8E84-426E-40DD-AFC4-6F175D3DCCD1}">
+              <a14:hiddenFill xmlns:a14="http://schemas.microsoft.com/office/drawing/2010/main">
+                <a:solidFill>
+                  <a:srgbClr val="FFFFFF"/>
+                </a:solidFill>
+              </a14:hiddenFill>
+            </a:ext>
+          </a:extLst>
+        </p:spPr>
+      </p:pic>
+      <p:pic>
+        <p:nvPicPr>
+          <p:cNvPr id="2054" name="Picture 6" descr="Image result for server"/>
+          <p:cNvPicPr>
+            <a:picLocks noChangeArrowheads="1"/>
+          </p:cNvPicPr>
+          <p:nvPr/>
+        </p:nvPicPr>
+        <p:blipFill rotWithShape="1">
+          <a:blip r:embed="rId3" cstate="print">
+            <a:extLst>
+              <a:ext uri="{28A0092B-C50C-407E-A947-70E740481C1C}">
+                <a14:useLocalDpi xmlns:a14="http://schemas.microsoft.com/office/drawing/2010/main" val="0"/>
+              </a:ext>
+            </a:extLst>
+          </a:blip>
+          <a:srcRect l="11153" r="12047" b="2401"/>
+          <a:stretch/>
+        </p:blipFill>
+        <p:spPr bwMode="auto">
+          <a:xfrm>
+            <a:off x="5966298" y="514349"/>
+            <a:ext cx="1360250" cy="1009651"/>
+          </a:xfrm>
+          <a:prstGeom prst="rect">
+            <a:avLst/>
+          </a:prstGeom>
+          <a:noFill/>
+          <a:extLst>
+            <a:ext uri="{909E8E84-426E-40DD-AFC4-6F175D3DCCD1}">
+              <a14:hiddenFill xmlns:a14="http://schemas.microsoft.com/office/drawing/2010/main">
+                <a:solidFill>
+                  <a:srgbClr val="FFFFFF"/>
+                </a:solidFill>
+              </a14:hiddenFill>
+            </a:ext>
+          </a:extLst>
+        </p:spPr>
+      </p:pic>
+      <p:pic>
+        <p:nvPicPr>
+          <p:cNvPr id="2056" name="Picture 8" descr="Image result for laptop client"/>
+          <p:cNvPicPr>
+            <a:picLocks noChangeAspect="1" noChangeArrowheads="1"/>
+          </p:cNvPicPr>
+          <p:nvPr/>
+        </p:nvPicPr>
+        <p:blipFill>
+          <a:blip r:embed="rId4">
+            <a:extLst>
+              <a:ext uri="{28A0092B-C50C-407E-A947-70E740481C1C}">
+                <a14:useLocalDpi xmlns:a14="http://schemas.microsoft.com/office/drawing/2010/main" val="0"/>
+              </a:ext>
+            </a:extLst>
+          </a:blip>
+          <a:srcRect/>
+          <a:stretch>
+            <a:fillRect/>
+          </a:stretch>
+        </p:blipFill>
+        <p:spPr bwMode="auto">
+          <a:xfrm>
+            <a:off x="382587" y="276224"/>
+            <a:ext cx="2206625" cy="2206625"/>
+          </a:xfrm>
+          <a:prstGeom prst="rect">
+            <a:avLst/>
+          </a:prstGeom>
+          <a:noFill/>
+          <a:extLst>
+            <a:ext uri="{909E8E84-426E-40DD-AFC4-6F175D3DCCD1}">
+              <a14:hiddenFill xmlns:a14="http://schemas.microsoft.com/office/drawing/2010/main">
+                <a:solidFill>
+                  <a:srgbClr val="FFFFFF"/>
+                </a:solidFill>
+              </a14:hiddenFill>
+            </a:ext>
+          </a:extLst>
+        </p:spPr>
+      </p:pic>
+      <p:sp>
+        <p:nvSpPr>
+          <p:cNvPr id="5" name="TextBox 4"/>
+          <p:cNvSpPr txBox="1"/>
+          <p:nvPr/>
+        </p:nvSpPr>
+        <p:spPr>
+          <a:xfrm>
+            <a:off x="-304801" y="2568571"/>
+            <a:ext cx="3581400" cy="646331"/>
+          </a:xfrm>
+          <a:prstGeom prst="rect">
+            <a:avLst/>
+          </a:prstGeom>
+          <a:noFill/>
+        </p:spPr>
+        <p:txBody>
+          <a:bodyPr wrap="square" rtlCol="0">
+            <a:spAutoFit/>
+          </a:bodyPr>
+          <a:lstStyle/>
+          <a:p>
+            <a:pPr algn="ctr"/>
+            <a:r>
+              <a:rPr lang="en-US" dirty="0" smtClean="0"/>
+              <a:t>Client </a:t>
+            </a:r>
+          </a:p>
+          <a:p>
+            <a:pPr algn="ctr"/>
+            <a:r>
+              <a:rPr lang="en-US" dirty="0" smtClean="0"/>
+              <a:t>(You on a computer or phone)</a:t>
+            </a:r>
             <a:endParaRPr lang="en-US" dirty="0"/>
+          </a:p>
+        </p:txBody>
+      </p:sp>
+      <p:sp>
+        <p:nvSpPr>
+          <p:cNvPr id="11" name="TextBox 10"/>
+          <p:cNvSpPr txBox="1"/>
+          <p:nvPr/>
+        </p:nvSpPr>
+        <p:spPr>
+          <a:xfrm>
+            <a:off x="5547198" y="2606672"/>
+            <a:ext cx="3581400" cy="646331"/>
+          </a:xfrm>
+          <a:prstGeom prst="rect">
+            <a:avLst/>
+          </a:prstGeom>
+          <a:noFill/>
+        </p:spPr>
+        <p:txBody>
+          <a:bodyPr wrap="square" rtlCol="0">
+            <a:spAutoFit/>
+          </a:bodyPr>
+          <a:lstStyle/>
+          <a:p>
+            <a:pPr algn="ctr"/>
+            <a:r>
+              <a:rPr lang="en-US" dirty="0" smtClean="0"/>
+              <a:t>Server</a:t>
+            </a:r>
+          </a:p>
+          <a:p>
+            <a:pPr algn="ctr"/>
+            <a:r>
+              <a:rPr lang="en-US" dirty="0" smtClean="0"/>
+              <a:t>(Could be your Raspberry Pi)</a:t>
+            </a:r>
+            <a:endParaRPr lang="en-US" dirty="0"/>
+          </a:p>
+        </p:txBody>
+      </p:sp>
+      <p:sp>
+        <p:nvSpPr>
+          <p:cNvPr id="12" name="TextBox 11"/>
+          <p:cNvSpPr txBox="1"/>
+          <p:nvPr/>
+        </p:nvSpPr>
+        <p:spPr>
+          <a:xfrm>
+            <a:off x="5410200" y="6019800"/>
+            <a:ext cx="3581400" cy="646331"/>
+          </a:xfrm>
+          <a:prstGeom prst="rect">
+            <a:avLst/>
+          </a:prstGeom>
+          <a:noFill/>
+        </p:spPr>
+        <p:txBody>
+          <a:bodyPr wrap="square" rtlCol="0">
+            <a:spAutoFit/>
+          </a:bodyPr>
+          <a:lstStyle/>
+          <a:p>
+            <a:pPr algn="ctr"/>
+            <a:r>
+              <a:rPr lang="en-US" dirty="0" smtClean="0"/>
+              <a:t>Database</a:t>
+            </a:r>
+          </a:p>
+          <a:p>
+            <a:pPr algn="ctr"/>
+            <a:r>
+              <a:rPr lang="en-US" dirty="0" smtClean="0"/>
+              <a:t>(program living on the server)</a:t>
+            </a:r>
+            <a:endParaRPr lang="en-US" dirty="0"/>
+          </a:p>
+        </p:txBody>
+      </p:sp>
+      <p:sp>
+        <p:nvSpPr>
+          <p:cNvPr id="8" name="Rectangle 7"/>
+          <p:cNvSpPr/>
+          <p:nvPr/>
+        </p:nvSpPr>
+        <p:spPr>
+          <a:xfrm>
+            <a:off x="5257800" y="134718"/>
+            <a:ext cx="3810000" cy="6647082"/>
+          </a:xfrm>
+          <a:prstGeom prst="rect">
+            <a:avLst/>
+          </a:prstGeom>
+          <a:noFill/>
+        </p:spPr>
+        <p:style>
+          <a:lnRef idx="2">
+            <a:schemeClr val="accent1">
+              <a:shade val="50000"/>
+            </a:schemeClr>
+          </a:lnRef>
+          <a:fillRef idx="1">
+            <a:schemeClr val="accent1"/>
+          </a:fillRef>
+          <a:effectRef idx="0">
+            <a:schemeClr val="accent1"/>
+          </a:effectRef>
+          <a:fontRef idx="minor">
+            <a:schemeClr val="lt1"/>
+          </a:fontRef>
+        </p:style>
+        <p:txBody>
+          <a:bodyPr rtlCol="0" anchor="ctr"/>
+          <a:lstStyle/>
+          <a:p>
+            <a:pPr algn="ctr"/>
+            <a:endParaRPr lang="en-US"/>
+          </a:p>
+        </p:txBody>
+      </p:sp>
+      <p:cxnSp>
+        <p:nvCxnSpPr>
+          <p:cNvPr id="14" name="Straight Connector 13"/>
+          <p:cNvCxnSpPr/>
+          <p:nvPr/>
+        </p:nvCxnSpPr>
+        <p:spPr>
+          <a:xfrm flipV="1">
+            <a:off x="6590186" y="685800"/>
+            <a:ext cx="1676400" cy="1447800"/>
+          </a:xfrm>
+          <a:prstGeom prst="line">
+            <a:avLst/>
+          </a:prstGeom>
+          <a:ln>
+            <a:solidFill>
+              <a:schemeClr val="tx1"/>
+            </a:solidFill>
+          </a:ln>
+        </p:spPr>
+        <p:style>
+          <a:lnRef idx="1">
+            <a:schemeClr val="accent1"/>
+          </a:lnRef>
+          <a:fillRef idx="0">
+            <a:schemeClr val="accent1"/>
+          </a:fillRef>
+          <a:effectRef idx="0">
+            <a:schemeClr val="accent1"/>
+          </a:effectRef>
+          <a:fontRef idx="minor">
+            <a:schemeClr val="tx1"/>
+          </a:fontRef>
+        </p:style>
+      </p:cxnSp>
+      <p:pic>
+        <p:nvPicPr>
+          <p:cNvPr id="15" name="Picture 2" descr="Image result for raspberry pi"/>
+          <p:cNvPicPr>
+            <a:picLocks noChangeAspect="1" noChangeArrowheads="1"/>
+          </p:cNvPicPr>
+          <p:nvPr/>
+        </p:nvPicPr>
+        <p:blipFill>
+          <a:blip r:embed="rId5" cstate="print">
+            <a:extLst>
+              <a:ext uri="{28A0092B-C50C-407E-A947-70E740481C1C}">
+                <a14:useLocalDpi xmlns:a14="http://schemas.microsoft.com/office/drawing/2010/main" val="0"/>
+              </a:ext>
+            </a:extLst>
+          </a:blip>
+          <a:srcRect/>
+          <a:stretch>
+            <a:fillRect/>
+          </a:stretch>
+        </p:blipFill>
+        <p:spPr bwMode="auto">
+          <a:xfrm>
+            <a:off x="7010400" y="1127124"/>
+            <a:ext cx="1585591" cy="1441447"/>
+          </a:xfrm>
+          <a:prstGeom prst="rect">
+            <a:avLst/>
+          </a:prstGeom>
+          <a:noFill/>
+          <a:extLst>
+            <a:ext uri="{909E8E84-426E-40DD-AFC4-6F175D3DCCD1}">
+              <a14:hiddenFill xmlns:a14="http://schemas.microsoft.com/office/drawing/2010/main">
+                <a:solidFill>
+                  <a:srgbClr val="FFFFFF"/>
+                </a:solidFill>
+              </a14:hiddenFill>
+            </a:ext>
+          </a:extLst>
+        </p:spPr>
+      </p:pic>
+      <p:sp>
+        <p:nvSpPr>
+          <p:cNvPr id="16" name="Right Arrow 15"/>
+          <p:cNvSpPr/>
+          <p:nvPr/>
+        </p:nvSpPr>
+        <p:spPr>
+          <a:xfrm>
+            <a:off x="3429000" y="846136"/>
+            <a:ext cx="1295400" cy="533400"/>
+          </a:xfrm>
+          <a:prstGeom prst="rightArrow">
+            <a:avLst/>
+          </a:prstGeom>
+        </p:spPr>
+        <p:style>
+          <a:lnRef idx="2">
+            <a:schemeClr val="accent1">
+              <a:shade val="50000"/>
+            </a:schemeClr>
+          </a:lnRef>
+          <a:fillRef idx="1">
+            <a:schemeClr val="accent1"/>
+          </a:fillRef>
+          <a:effectRef idx="0">
+            <a:schemeClr val="accent1"/>
+          </a:effectRef>
+          <a:fontRef idx="minor">
+            <a:schemeClr val="lt1"/>
+          </a:fontRef>
+        </p:style>
+        <p:txBody>
+          <a:bodyPr rtlCol="0" anchor="ctr"/>
+          <a:lstStyle/>
+          <a:p>
+            <a:pPr algn="ctr"/>
+            <a:endParaRPr lang="en-US"/>
           </a:p>
         </p:txBody>
       </p:sp>
     </p:spTree>
     <p:extLst>
       <p:ext uri="{BB962C8B-B14F-4D97-AF65-F5344CB8AC3E}">
-        <p14:creationId xmlns:p14="http://schemas.microsoft.com/office/powerpoint/2010/main" val="1392721574"/>
+        <p14:creationId xmlns:p14="http://schemas.microsoft.com/office/powerpoint/2010/main" val="983566217"/>
       </p:ext>
     </p:extLst>
   </p:cSld>
@@ -7237,106 +11158,483 @@
           <a:chExt cx="0" cy="0"/>
         </a:xfrm>
       </p:grpSpPr>
-      <p:sp>
-        <p:nvSpPr>
-          <p:cNvPr id="2" name="Title 1"/>
-          <p:cNvSpPr>
-            <a:spLocks noGrp="1"/>
-          </p:cNvSpPr>
-          <p:nvPr>
-            <p:ph type="title"/>
-          </p:nvPr>
-        </p:nvSpPr>
-        <p:spPr/>
-        <p:txBody>
-          <a:bodyPr/>
-          <a:lstStyle/>
-          <a:p>
-            <a:r>
-              <a:rPr lang="en-US" dirty="0"/>
-              <a:t>What is MongoDB</a:t>
-            </a:r>
-          </a:p>
-        </p:txBody>
-      </p:sp>
-      <p:sp>
-        <p:nvSpPr>
-          <p:cNvPr id="3" name="Content Placeholder 2"/>
-          <p:cNvSpPr>
-            <a:spLocks noGrp="1"/>
-          </p:cNvSpPr>
-          <p:nvPr>
-            <p:ph idx="1"/>
-          </p:nvPr>
+      <p:pic>
+        <p:nvPicPr>
+          <p:cNvPr id="2052" name="Picture 4" descr="Image result for server to database"/>
+          <p:cNvPicPr>
+            <a:picLocks noChangeArrowheads="1"/>
+          </p:cNvPicPr>
+          <p:nvPr/>
+        </p:nvPicPr>
+        <p:blipFill>
+          <a:blip r:embed="rId2" cstate="print">
+            <a:extLst>
+              <a:ext uri="{28A0092B-C50C-407E-A947-70E740481C1C}">
+                <a14:useLocalDpi xmlns:a14="http://schemas.microsoft.com/office/drawing/2010/main" val="0"/>
+              </a:ext>
+            </a:extLst>
+          </a:blip>
+          <a:srcRect/>
+          <a:stretch>
+            <a:fillRect/>
+          </a:stretch>
+        </p:blipFill>
+        <p:spPr bwMode="auto">
+          <a:xfrm>
+            <a:off x="6108936" y="4114800"/>
+            <a:ext cx="2054225" cy="2054225"/>
+          </a:xfrm>
+          <a:prstGeom prst="rect">
+            <a:avLst/>
+          </a:prstGeom>
+          <a:noFill/>
+          <a:extLst>
+            <a:ext uri="{909E8E84-426E-40DD-AFC4-6F175D3DCCD1}">
+              <a14:hiddenFill xmlns:a14="http://schemas.microsoft.com/office/drawing/2010/main">
+                <a:solidFill>
+                  <a:srgbClr val="FFFFFF"/>
+                </a:solidFill>
+              </a14:hiddenFill>
+            </a:ext>
+          </a:extLst>
+        </p:spPr>
+      </p:pic>
+      <p:pic>
+        <p:nvPicPr>
+          <p:cNvPr id="2054" name="Picture 6" descr="Image result for server"/>
+          <p:cNvPicPr>
+            <a:picLocks noChangeArrowheads="1"/>
+          </p:cNvPicPr>
+          <p:nvPr/>
+        </p:nvPicPr>
+        <p:blipFill rotWithShape="1">
+          <a:blip r:embed="rId3" cstate="print">
+            <a:extLst>
+              <a:ext uri="{28A0092B-C50C-407E-A947-70E740481C1C}">
+                <a14:useLocalDpi xmlns:a14="http://schemas.microsoft.com/office/drawing/2010/main" val="0"/>
+              </a:ext>
+            </a:extLst>
+          </a:blip>
+          <a:srcRect l="11153" r="12047" b="2401"/>
+          <a:stretch/>
+        </p:blipFill>
+        <p:spPr bwMode="auto">
+          <a:xfrm>
+            <a:off x="5966298" y="514349"/>
+            <a:ext cx="1360250" cy="1009651"/>
+          </a:xfrm>
+          <a:prstGeom prst="rect">
+            <a:avLst/>
+          </a:prstGeom>
+          <a:noFill/>
+          <a:extLst>
+            <a:ext uri="{909E8E84-426E-40DD-AFC4-6F175D3DCCD1}">
+              <a14:hiddenFill xmlns:a14="http://schemas.microsoft.com/office/drawing/2010/main">
+                <a:solidFill>
+                  <a:srgbClr val="FFFFFF"/>
+                </a:solidFill>
+              </a14:hiddenFill>
+            </a:ext>
+          </a:extLst>
+        </p:spPr>
+      </p:pic>
+      <p:pic>
+        <p:nvPicPr>
+          <p:cNvPr id="2056" name="Picture 8" descr="Image result for laptop client"/>
+          <p:cNvPicPr>
+            <a:picLocks noChangeAspect="1" noChangeArrowheads="1"/>
+          </p:cNvPicPr>
+          <p:nvPr/>
+        </p:nvPicPr>
+        <p:blipFill>
+          <a:blip r:embed="rId4">
+            <a:extLst>
+              <a:ext uri="{28A0092B-C50C-407E-A947-70E740481C1C}">
+                <a14:useLocalDpi xmlns:a14="http://schemas.microsoft.com/office/drawing/2010/main" val="0"/>
+              </a:ext>
+            </a:extLst>
+          </a:blip>
+          <a:srcRect/>
+          <a:stretch>
+            <a:fillRect/>
+          </a:stretch>
+        </p:blipFill>
+        <p:spPr bwMode="auto">
+          <a:xfrm>
+            <a:off x="382587" y="276224"/>
+            <a:ext cx="2206625" cy="2206625"/>
+          </a:xfrm>
+          <a:prstGeom prst="rect">
+            <a:avLst/>
+          </a:prstGeom>
+          <a:noFill/>
+          <a:extLst>
+            <a:ext uri="{909E8E84-426E-40DD-AFC4-6F175D3DCCD1}">
+              <a14:hiddenFill xmlns:a14="http://schemas.microsoft.com/office/drawing/2010/main">
+                <a:solidFill>
+                  <a:srgbClr val="FFFFFF"/>
+                </a:solidFill>
+              </a14:hiddenFill>
+            </a:ext>
+          </a:extLst>
+        </p:spPr>
+      </p:pic>
+      <p:sp>
+        <p:nvSpPr>
+          <p:cNvPr id="5" name="TextBox 4"/>
+          <p:cNvSpPr txBox="1"/>
+          <p:nvPr/>
         </p:nvSpPr>
         <p:spPr>
           <a:xfrm>
-            <a:off x="457200" y="1600200"/>
-            <a:ext cx="8229600" cy="4800600"/>
-          </a:xfrm>
-        </p:spPr>
-        <p:txBody>
-          <a:bodyPr>
-            <a:normAutofit/>
+            <a:off x="-304801" y="2568571"/>
+            <a:ext cx="3581400" cy="646331"/>
+          </a:xfrm>
+          <a:prstGeom prst="rect">
+            <a:avLst/>
+          </a:prstGeom>
+          <a:noFill/>
+        </p:spPr>
+        <p:txBody>
+          <a:bodyPr wrap="square" rtlCol="0">
+            <a:spAutoFit/>
           </a:bodyPr>
           <a:lstStyle/>
           <a:p>
-            <a:r>
-              <a:rPr lang="en-US" dirty="0"/>
-              <a:t>A “NoSQL” Database</a:t>
-            </a:r>
-          </a:p>
-          <a:p>
-            <a:r>
-              <a:rPr lang="en-US" dirty="0"/>
-              <a:t>Non-Relational</a:t>
-            </a:r>
-          </a:p>
-          <a:p>
-            <a:r>
-              <a:rPr lang="en-US" dirty="0"/>
-              <a:t>Free </a:t>
-            </a:r>
-          </a:p>
-          <a:p>
-            <a:r>
-              <a:rPr lang="en-US" dirty="0"/>
-              <a:t>Not default on Raspberry Pi’s</a:t>
-            </a:r>
-          </a:p>
-          <a:p>
-            <a:pPr lvl="1"/>
-            <a:r>
-              <a:rPr lang="en-US" dirty="0"/>
-              <a:t>I added it for everyone</a:t>
-            </a:r>
-          </a:p>
-          <a:p>
-            <a:pPr lvl="2"/>
-            <a:r>
-              <a:rPr lang="en-US" dirty="0"/>
-              <a:t>PDF on the GitHub how to do it</a:t>
-            </a:r>
-          </a:p>
-          <a:p>
-            <a:r>
-              <a:rPr lang="en-US" dirty="0"/>
-              <a:t>“A big JSON garbage bin”</a:t>
-            </a:r>
-          </a:p>
-          <a:p>
-            <a:pPr lvl="1"/>
-            <a:r>
-              <a:rPr lang="en-US" dirty="0"/>
-              <a:t>Only if you are not careful</a:t>
-            </a:r>
+            <a:pPr algn="ctr"/>
+            <a:r>
+              <a:rPr lang="en-US" dirty="0" smtClean="0"/>
+              <a:t>Client </a:t>
+            </a:r>
+          </a:p>
+          <a:p>
+            <a:pPr algn="ctr"/>
+            <a:r>
+              <a:rPr lang="en-US" dirty="0" smtClean="0"/>
+              <a:t>(You on a computer or phone)</a:t>
+            </a:r>
+            <a:endParaRPr lang="en-US" dirty="0"/>
+          </a:p>
+        </p:txBody>
+      </p:sp>
+      <p:sp>
+        <p:nvSpPr>
+          <p:cNvPr id="11" name="TextBox 10"/>
+          <p:cNvSpPr txBox="1"/>
+          <p:nvPr/>
+        </p:nvSpPr>
+        <p:spPr>
+          <a:xfrm>
+            <a:off x="5547198" y="2606672"/>
+            <a:ext cx="3581400" cy="646331"/>
+          </a:xfrm>
+          <a:prstGeom prst="rect">
+            <a:avLst/>
+          </a:prstGeom>
+          <a:noFill/>
+        </p:spPr>
+        <p:txBody>
+          <a:bodyPr wrap="square" rtlCol="0">
+            <a:spAutoFit/>
+          </a:bodyPr>
+          <a:lstStyle/>
+          <a:p>
+            <a:pPr algn="ctr"/>
+            <a:r>
+              <a:rPr lang="en-US" dirty="0" smtClean="0"/>
+              <a:t>Server</a:t>
+            </a:r>
+          </a:p>
+          <a:p>
+            <a:pPr algn="ctr"/>
+            <a:r>
+              <a:rPr lang="en-US" dirty="0" smtClean="0"/>
+              <a:t>(Could be your Raspberry Pi)</a:t>
+            </a:r>
+            <a:endParaRPr lang="en-US" dirty="0"/>
+          </a:p>
+        </p:txBody>
+      </p:sp>
+      <p:sp>
+        <p:nvSpPr>
+          <p:cNvPr id="12" name="TextBox 11"/>
+          <p:cNvSpPr txBox="1"/>
+          <p:nvPr/>
+        </p:nvSpPr>
+        <p:spPr>
+          <a:xfrm>
+            <a:off x="5410200" y="6019800"/>
+            <a:ext cx="3581400" cy="646331"/>
+          </a:xfrm>
+          <a:prstGeom prst="rect">
+            <a:avLst/>
+          </a:prstGeom>
+          <a:noFill/>
+        </p:spPr>
+        <p:txBody>
+          <a:bodyPr wrap="square" rtlCol="0">
+            <a:spAutoFit/>
+          </a:bodyPr>
+          <a:lstStyle/>
+          <a:p>
+            <a:pPr algn="ctr"/>
+            <a:r>
+              <a:rPr lang="en-US" dirty="0" smtClean="0"/>
+              <a:t>Database</a:t>
+            </a:r>
+          </a:p>
+          <a:p>
+            <a:pPr algn="ctr"/>
+            <a:r>
+              <a:rPr lang="en-US" dirty="0" smtClean="0"/>
+              <a:t>(program living on the server)</a:t>
+            </a:r>
+            <a:endParaRPr lang="en-US" dirty="0"/>
+          </a:p>
+        </p:txBody>
+      </p:sp>
+      <p:sp>
+        <p:nvSpPr>
+          <p:cNvPr id="8" name="Rectangle 7"/>
+          <p:cNvSpPr/>
+          <p:nvPr/>
+        </p:nvSpPr>
+        <p:spPr>
+          <a:xfrm>
+            <a:off x="5257800" y="134718"/>
+            <a:ext cx="3810000" cy="6647082"/>
+          </a:xfrm>
+          <a:prstGeom prst="rect">
+            <a:avLst/>
+          </a:prstGeom>
+          <a:noFill/>
+        </p:spPr>
+        <p:style>
+          <a:lnRef idx="2">
+            <a:schemeClr val="accent1">
+              <a:shade val="50000"/>
+            </a:schemeClr>
+          </a:lnRef>
+          <a:fillRef idx="1">
+            <a:schemeClr val="accent1"/>
+          </a:fillRef>
+          <a:effectRef idx="0">
+            <a:schemeClr val="accent1"/>
+          </a:effectRef>
+          <a:fontRef idx="minor">
+            <a:schemeClr val="lt1"/>
+          </a:fontRef>
+        </p:style>
+        <p:txBody>
+          <a:bodyPr rtlCol="0" anchor="ctr"/>
+          <a:lstStyle/>
+          <a:p>
+            <a:pPr algn="ctr"/>
+            <a:endParaRPr lang="en-US"/>
+          </a:p>
+        </p:txBody>
+      </p:sp>
+      <p:cxnSp>
+        <p:nvCxnSpPr>
+          <p:cNvPr id="14" name="Straight Connector 13"/>
+          <p:cNvCxnSpPr/>
+          <p:nvPr/>
+        </p:nvCxnSpPr>
+        <p:spPr>
+          <a:xfrm flipV="1">
+            <a:off x="6590186" y="685800"/>
+            <a:ext cx="1676400" cy="1447800"/>
+          </a:xfrm>
+          <a:prstGeom prst="line">
+            <a:avLst/>
+          </a:prstGeom>
+          <a:ln>
+            <a:solidFill>
+              <a:schemeClr val="tx1"/>
+            </a:solidFill>
+          </a:ln>
+        </p:spPr>
+        <p:style>
+          <a:lnRef idx="1">
+            <a:schemeClr val="accent1"/>
+          </a:lnRef>
+          <a:fillRef idx="0">
+            <a:schemeClr val="accent1"/>
+          </a:fillRef>
+          <a:effectRef idx="0">
+            <a:schemeClr val="accent1"/>
+          </a:effectRef>
+          <a:fontRef idx="minor">
+            <a:schemeClr val="tx1"/>
+          </a:fontRef>
+        </p:style>
+      </p:cxnSp>
+      <p:pic>
+        <p:nvPicPr>
+          <p:cNvPr id="15" name="Picture 2" descr="Image result for raspberry pi"/>
+          <p:cNvPicPr>
+            <a:picLocks noChangeAspect="1" noChangeArrowheads="1"/>
+          </p:cNvPicPr>
+          <p:nvPr/>
+        </p:nvPicPr>
+        <p:blipFill>
+          <a:blip r:embed="rId5" cstate="print">
+            <a:extLst>
+              <a:ext uri="{28A0092B-C50C-407E-A947-70E740481C1C}">
+                <a14:useLocalDpi xmlns:a14="http://schemas.microsoft.com/office/drawing/2010/main" val="0"/>
+              </a:ext>
+            </a:extLst>
+          </a:blip>
+          <a:srcRect/>
+          <a:stretch>
+            <a:fillRect/>
+          </a:stretch>
+        </p:blipFill>
+        <p:spPr bwMode="auto">
+          <a:xfrm>
+            <a:off x="7010400" y="1127124"/>
+            <a:ext cx="1585591" cy="1441447"/>
+          </a:xfrm>
+          <a:prstGeom prst="rect">
+            <a:avLst/>
+          </a:prstGeom>
+          <a:noFill/>
+          <a:extLst>
+            <a:ext uri="{909E8E84-426E-40DD-AFC4-6F175D3DCCD1}">
+              <a14:hiddenFill xmlns:a14="http://schemas.microsoft.com/office/drawing/2010/main">
+                <a:solidFill>
+                  <a:srgbClr val="FFFFFF"/>
+                </a:solidFill>
+              </a14:hiddenFill>
+            </a:ext>
+          </a:extLst>
+        </p:spPr>
+      </p:pic>
+      <p:sp>
+        <p:nvSpPr>
+          <p:cNvPr id="16" name="Right Arrow 15"/>
+          <p:cNvSpPr/>
+          <p:nvPr/>
+        </p:nvSpPr>
+        <p:spPr>
+          <a:xfrm>
+            <a:off x="3429000" y="846136"/>
+            <a:ext cx="1295400" cy="533400"/>
+          </a:xfrm>
+          <a:prstGeom prst="rightArrow">
+            <a:avLst/>
+          </a:prstGeom>
+        </p:spPr>
+        <p:style>
+          <a:lnRef idx="2">
+            <a:schemeClr val="accent1">
+              <a:shade val="50000"/>
+            </a:schemeClr>
+          </a:lnRef>
+          <a:fillRef idx="1">
+            <a:schemeClr val="accent1"/>
+          </a:fillRef>
+          <a:effectRef idx="0">
+            <a:schemeClr val="accent1"/>
+          </a:effectRef>
+          <a:fontRef idx="minor">
+            <a:schemeClr val="lt1"/>
+          </a:fontRef>
+        </p:style>
+        <p:txBody>
+          <a:bodyPr rtlCol="0" anchor="ctr"/>
+          <a:lstStyle/>
+          <a:p>
+            <a:pPr algn="ctr"/>
+            <a:endParaRPr lang="en-US"/>
+          </a:p>
+        </p:txBody>
+      </p:sp>
+      <p:sp>
+        <p:nvSpPr>
+          <p:cNvPr id="2" name="TextBox 1"/>
+          <p:cNvSpPr txBox="1"/>
+          <p:nvPr/>
+        </p:nvSpPr>
+        <p:spPr>
+          <a:xfrm>
+            <a:off x="0" y="3810000"/>
+            <a:ext cx="5197001" cy="2800767"/>
+          </a:xfrm>
+          <a:prstGeom prst="rect">
+            <a:avLst/>
+          </a:prstGeom>
+          <a:noFill/>
+        </p:spPr>
+        <p:txBody>
+          <a:bodyPr wrap="square" rtlCol="0">
+            <a:spAutoFit/>
+          </a:bodyPr>
+          <a:lstStyle/>
+          <a:p>
+            <a:pPr algn="ctr"/>
+            <a:r>
+              <a:rPr lang="en-US" sz="2800" dirty="0" smtClean="0"/>
+              <a:t>http://www.facebook.com/login</a:t>
+            </a:r>
+          </a:p>
+          <a:p>
+            <a:endParaRPr lang="en-US" sz="2800" dirty="0"/>
+          </a:p>
+          <a:p>
+            <a:r>
+              <a:rPr lang="en-US" sz="2400" dirty="0" smtClean="0"/>
+              <a:t>Body: </a:t>
+            </a:r>
+            <a:br>
+              <a:rPr lang="en-US" sz="2400" dirty="0" smtClean="0"/>
+            </a:br>
+            <a:r>
+              <a:rPr lang="en-US" sz="2400" dirty="0" smtClean="0"/>
+              <a:t>{</a:t>
+            </a:r>
+          </a:p>
+          <a:p>
+            <a:r>
+              <a:rPr lang="en-US" sz="2400" dirty="0"/>
+              <a:t>	</a:t>
+            </a:r>
+            <a:r>
+              <a:rPr lang="en-US" sz="2400" b="1" dirty="0" smtClean="0"/>
+              <a:t>Username</a:t>
+            </a:r>
+            <a:r>
+              <a:rPr lang="en-US" sz="2400" dirty="0" smtClean="0"/>
+              <a:t>: “sjfricke@wisc.edu”,</a:t>
+            </a:r>
+          </a:p>
+          <a:p>
+            <a:r>
+              <a:rPr lang="en-US" sz="2400" dirty="0"/>
+              <a:t>	</a:t>
+            </a:r>
+            <a:r>
+              <a:rPr lang="en-US" sz="2400" b="1" dirty="0" smtClean="0"/>
+              <a:t>Password</a:t>
+            </a:r>
+            <a:r>
+              <a:rPr lang="en-US" sz="2400" dirty="0" smtClean="0"/>
+              <a:t>: “$uP3r$3cRet”</a:t>
+            </a:r>
+          </a:p>
+          <a:p>
+            <a:r>
+              <a:rPr lang="en-US" sz="2400" dirty="0"/>
+              <a:t>}</a:t>
+            </a:r>
+            <a:endParaRPr lang="en-US" sz="2400" dirty="0" smtClean="0"/>
           </a:p>
         </p:txBody>
       </p:sp>
     </p:spTree>
     <p:extLst>
       <p:ext uri="{BB962C8B-B14F-4D97-AF65-F5344CB8AC3E}">
-        <p14:creationId xmlns:p14="http://schemas.microsoft.com/office/powerpoint/2010/main" val="1071029386"/>
+        <p14:creationId xmlns:p14="http://schemas.microsoft.com/office/powerpoint/2010/main" val="2413085724"/>
       </p:ext>
     </p:extLst>
   </p:cSld>
@@ -7363,92 +11661,441 @@
           <a:chExt cx="0" cy="0"/>
         </a:xfrm>
       </p:grpSpPr>
-      <p:sp>
-        <p:nvSpPr>
-          <p:cNvPr id="2" name="Title 1"/>
-          <p:cNvSpPr>
-            <a:spLocks noGrp="1"/>
-          </p:cNvSpPr>
-          <p:nvPr>
-            <p:ph type="title"/>
-          </p:nvPr>
-        </p:nvSpPr>
-        <p:spPr/>
-        <p:txBody>
-          <a:bodyPr/>
-          <a:lstStyle/>
-          <a:p>
-            <a:r>
-              <a:rPr lang="en-US" dirty="0"/>
-              <a:t>JSON Overview </a:t>
-            </a:r>
-          </a:p>
-        </p:txBody>
-      </p:sp>
-      <p:sp>
-        <p:nvSpPr>
-          <p:cNvPr id="3" name="Content Placeholder 2"/>
-          <p:cNvSpPr>
-            <a:spLocks noGrp="1"/>
-          </p:cNvSpPr>
-          <p:nvPr>
-            <p:ph idx="1"/>
-          </p:nvPr>
-        </p:nvSpPr>
-        <p:spPr/>
-        <p:txBody>
-          <a:bodyPr>
-            <a:normAutofit/>
+      <p:pic>
+        <p:nvPicPr>
+          <p:cNvPr id="2052" name="Picture 4" descr="Image result for server to database"/>
+          <p:cNvPicPr>
+            <a:picLocks noChangeArrowheads="1"/>
+          </p:cNvPicPr>
+          <p:nvPr/>
+        </p:nvPicPr>
+        <p:blipFill>
+          <a:blip r:embed="rId2" cstate="print">
+            <a:extLst>
+              <a:ext uri="{28A0092B-C50C-407E-A947-70E740481C1C}">
+                <a14:useLocalDpi xmlns:a14="http://schemas.microsoft.com/office/drawing/2010/main" val="0"/>
+              </a:ext>
+            </a:extLst>
+          </a:blip>
+          <a:srcRect/>
+          <a:stretch>
+            <a:fillRect/>
+          </a:stretch>
+        </p:blipFill>
+        <p:spPr bwMode="auto">
+          <a:xfrm>
+            <a:off x="6108936" y="4114800"/>
+            <a:ext cx="2054225" cy="2054225"/>
+          </a:xfrm>
+          <a:prstGeom prst="rect">
+            <a:avLst/>
+          </a:prstGeom>
+          <a:noFill/>
+          <a:extLst>
+            <a:ext uri="{909E8E84-426E-40DD-AFC4-6F175D3DCCD1}">
+              <a14:hiddenFill xmlns:a14="http://schemas.microsoft.com/office/drawing/2010/main">
+                <a:solidFill>
+                  <a:srgbClr val="FFFFFF"/>
+                </a:solidFill>
+              </a14:hiddenFill>
+            </a:ext>
+          </a:extLst>
+        </p:spPr>
+      </p:pic>
+      <p:pic>
+        <p:nvPicPr>
+          <p:cNvPr id="2054" name="Picture 6" descr="Image result for server"/>
+          <p:cNvPicPr>
+            <a:picLocks noChangeArrowheads="1"/>
+          </p:cNvPicPr>
+          <p:nvPr/>
+        </p:nvPicPr>
+        <p:blipFill rotWithShape="1">
+          <a:blip r:embed="rId3" cstate="print">
+            <a:extLst>
+              <a:ext uri="{28A0092B-C50C-407E-A947-70E740481C1C}">
+                <a14:useLocalDpi xmlns:a14="http://schemas.microsoft.com/office/drawing/2010/main" val="0"/>
+              </a:ext>
+            </a:extLst>
+          </a:blip>
+          <a:srcRect l="11153" r="12047" b="2401"/>
+          <a:stretch/>
+        </p:blipFill>
+        <p:spPr bwMode="auto">
+          <a:xfrm>
+            <a:off x="5966298" y="514349"/>
+            <a:ext cx="1360250" cy="1009651"/>
+          </a:xfrm>
+          <a:prstGeom prst="rect">
+            <a:avLst/>
+          </a:prstGeom>
+          <a:noFill/>
+          <a:extLst>
+            <a:ext uri="{909E8E84-426E-40DD-AFC4-6F175D3DCCD1}">
+              <a14:hiddenFill xmlns:a14="http://schemas.microsoft.com/office/drawing/2010/main">
+                <a:solidFill>
+                  <a:srgbClr val="FFFFFF"/>
+                </a:solidFill>
+              </a14:hiddenFill>
+            </a:ext>
+          </a:extLst>
+        </p:spPr>
+      </p:pic>
+      <p:pic>
+        <p:nvPicPr>
+          <p:cNvPr id="2056" name="Picture 8" descr="Image result for laptop client"/>
+          <p:cNvPicPr>
+            <a:picLocks noChangeAspect="1" noChangeArrowheads="1"/>
+          </p:cNvPicPr>
+          <p:nvPr/>
+        </p:nvPicPr>
+        <p:blipFill>
+          <a:blip r:embed="rId4">
+            <a:extLst>
+              <a:ext uri="{28A0092B-C50C-407E-A947-70E740481C1C}">
+                <a14:useLocalDpi xmlns:a14="http://schemas.microsoft.com/office/drawing/2010/main" val="0"/>
+              </a:ext>
+            </a:extLst>
+          </a:blip>
+          <a:srcRect/>
+          <a:stretch>
+            <a:fillRect/>
+          </a:stretch>
+        </p:blipFill>
+        <p:spPr bwMode="auto">
+          <a:xfrm>
+            <a:off x="382587" y="276224"/>
+            <a:ext cx="2206625" cy="2206625"/>
+          </a:xfrm>
+          <a:prstGeom prst="rect">
+            <a:avLst/>
+          </a:prstGeom>
+          <a:noFill/>
+          <a:extLst>
+            <a:ext uri="{909E8E84-426E-40DD-AFC4-6F175D3DCCD1}">
+              <a14:hiddenFill xmlns:a14="http://schemas.microsoft.com/office/drawing/2010/main">
+                <a:solidFill>
+                  <a:srgbClr val="FFFFFF"/>
+                </a:solidFill>
+              </a14:hiddenFill>
+            </a:ext>
+          </a:extLst>
+        </p:spPr>
+      </p:pic>
+      <p:sp>
+        <p:nvSpPr>
+          <p:cNvPr id="5" name="TextBox 4"/>
+          <p:cNvSpPr txBox="1"/>
+          <p:nvPr/>
+        </p:nvSpPr>
+        <p:spPr>
+          <a:xfrm>
+            <a:off x="-304801" y="2568571"/>
+            <a:ext cx="3581400" cy="646331"/>
+          </a:xfrm>
+          <a:prstGeom prst="rect">
+            <a:avLst/>
+          </a:prstGeom>
+          <a:noFill/>
+        </p:spPr>
+        <p:txBody>
+          <a:bodyPr wrap="square" rtlCol="0">
+            <a:spAutoFit/>
           </a:bodyPr>
           <a:lstStyle/>
           <a:p>
-            <a:r>
-              <a:rPr lang="en-US" dirty="0"/>
-              <a:t>Open your browser of choice</a:t>
-            </a:r>
-          </a:p>
-          <a:p>
-            <a:pPr lvl="1"/>
-            <a:r>
-              <a:rPr lang="en-US" dirty="0"/>
-              <a:t>Only if that choice is Google Chrome</a:t>
-            </a:r>
-          </a:p>
-          <a:p>
-            <a:pPr lvl="2"/>
-            <a:r>
-              <a:rPr lang="en-US" dirty="0"/>
-              <a:t>Windows  ------------ 	Ctrl+Shift+J  </a:t>
-            </a:r>
-          </a:p>
-          <a:p>
-            <a:pPr lvl="2"/>
-            <a:r>
-              <a:rPr lang="en-US" dirty="0"/>
-              <a:t>Macs ------------------ 	Option+Command+J</a:t>
-            </a:r>
-          </a:p>
-          <a:p>
-            <a:r>
-              <a:rPr lang="en-US" sz="2800" dirty="0"/>
-              <a:t>Go to Lesson_2 in GitHub folder for practice.json</a:t>
-            </a:r>
-          </a:p>
-          <a:p>
-            <a:r>
-              <a:rPr lang="en-US" dirty="0">
-                <a:hlinkClick r:id="rId2"/>
-              </a:rPr>
-              <a:t>https://github.com/sjfricke/IEEE_RaspberryPi_Socket_Pokemon/blob/master/Tutorial/Lesson_2/practice.json</a:t>
+            <a:pPr algn="ctr"/>
+            <a:r>
+              <a:rPr lang="en-US" dirty="0" smtClean="0"/>
+              <a:t>Client </a:t>
+            </a:r>
+          </a:p>
+          <a:p>
+            <a:pPr algn="ctr"/>
+            <a:r>
+              <a:rPr lang="en-US" dirty="0" smtClean="0"/>
+              <a:t>(You on a computer or phone)</a:t>
             </a:r>
             <a:endParaRPr lang="en-US" dirty="0"/>
+          </a:p>
+        </p:txBody>
+      </p:sp>
+      <p:sp>
+        <p:nvSpPr>
+          <p:cNvPr id="11" name="TextBox 10"/>
+          <p:cNvSpPr txBox="1"/>
+          <p:nvPr/>
+        </p:nvSpPr>
+        <p:spPr>
+          <a:xfrm>
+            <a:off x="5547198" y="2606672"/>
+            <a:ext cx="3581400" cy="646331"/>
+          </a:xfrm>
+          <a:prstGeom prst="rect">
+            <a:avLst/>
+          </a:prstGeom>
+          <a:noFill/>
+        </p:spPr>
+        <p:txBody>
+          <a:bodyPr wrap="square" rtlCol="0">
+            <a:spAutoFit/>
+          </a:bodyPr>
+          <a:lstStyle/>
+          <a:p>
+            <a:pPr algn="ctr"/>
+            <a:r>
+              <a:rPr lang="en-US" dirty="0" smtClean="0"/>
+              <a:t>Server</a:t>
+            </a:r>
+          </a:p>
+          <a:p>
+            <a:pPr algn="ctr"/>
+            <a:r>
+              <a:rPr lang="en-US" dirty="0" smtClean="0"/>
+              <a:t>(Could be your Raspberry Pi)</a:t>
+            </a:r>
+            <a:endParaRPr lang="en-US" dirty="0"/>
+          </a:p>
+        </p:txBody>
+      </p:sp>
+      <p:sp>
+        <p:nvSpPr>
+          <p:cNvPr id="12" name="TextBox 11"/>
+          <p:cNvSpPr txBox="1"/>
+          <p:nvPr/>
+        </p:nvSpPr>
+        <p:spPr>
+          <a:xfrm>
+            <a:off x="5410200" y="6019800"/>
+            <a:ext cx="3581400" cy="646331"/>
+          </a:xfrm>
+          <a:prstGeom prst="rect">
+            <a:avLst/>
+          </a:prstGeom>
+          <a:noFill/>
+        </p:spPr>
+        <p:txBody>
+          <a:bodyPr wrap="square" rtlCol="0">
+            <a:spAutoFit/>
+          </a:bodyPr>
+          <a:lstStyle/>
+          <a:p>
+            <a:pPr algn="ctr"/>
+            <a:r>
+              <a:rPr lang="en-US" dirty="0" smtClean="0"/>
+              <a:t>Database</a:t>
+            </a:r>
+          </a:p>
+          <a:p>
+            <a:pPr algn="ctr"/>
+            <a:r>
+              <a:rPr lang="en-US" dirty="0" smtClean="0"/>
+              <a:t>(program living on the server)</a:t>
+            </a:r>
+            <a:endParaRPr lang="en-US" dirty="0"/>
+          </a:p>
+        </p:txBody>
+      </p:sp>
+      <p:sp>
+        <p:nvSpPr>
+          <p:cNvPr id="8" name="Rectangle 7"/>
+          <p:cNvSpPr/>
+          <p:nvPr/>
+        </p:nvSpPr>
+        <p:spPr>
+          <a:xfrm>
+            <a:off x="5257800" y="134718"/>
+            <a:ext cx="3810000" cy="6647082"/>
+          </a:xfrm>
+          <a:prstGeom prst="rect">
+            <a:avLst/>
+          </a:prstGeom>
+          <a:noFill/>
+        </p:spPr>
+        <p:style>
+          <a:lnRef idx="2">
+            <a:schemeClr val="accent1">
+              <a:shade val="50000"/>
+            </a:schemeClr>
+          </a:lnRef>
+          <a:fillRef idx="1">
+            <a:schemeClr val="accent1"/>
+          </a:fillRef>
+          <a:effectRef idx="0">
+            <a:schemeClr val="accent1"/>
+          </a:effectRef>
+          <a:fontRef idx="minor">
+            <a:schemeClr val="lt1"/>
+          </a:fontRef>
+        </p:style>
+        <p:txBody>
+          <a:bodyPr rtlCol="0" anchor="ctr"/>
+          <a:lstStyle/>
+          <a:p>
+            <a:pPr algn="ctr"/>
+            <a:endParaRPr lang="en-US"/>
+          </a:p>
+        </p:txBody>
+      </p:sp>
+      <p:cxnSp>
+        <p:nvCxnSpPr>
+          <p:cNvPr id="14" name="Straight Connector 13"/>
+          <p:cNvCxnSpPr/>
+          <p:nvPr/>
+        </p:nvCxnSpPr>
+        <p:spPr>
+          <a:xfrm flipV="1">
+            <a:off x="6590186" y="685800"/>
+            <a:ext cx="1676400" cy="1447800"/>
+          </a:xfrm>
+          <a:prstGeom prst="line">
+            <a:avLst/>
+          </a:prstGeom>
+          <a:ln>
+            <a:solidFill>
+              <a:schemeClr val="tx1"/>
+            </a:solidFill>
+          </a:ln>
+        </p:spPr>
+        <p:style>
+          <a:lnRef idx="1">
+            <a:schemeClr val="accent1"/>
+          </a:lnRef>
+          <a:fillRef idx="0">
+            <a:schemeClr val="accent1"/>
+          </a:fillRef>
+          <a:effectRef idx="0">
+            <a:schemeClr val="accent1"/>
+          </a:effectRef>
+          <a:fontRef idx="minor">
+            <a:schemeClr val="tx1"/>
+          </a:fontRef>
+        </p:style>
+      </p:cxnSp>
+      <p:pic>
+        <p:nvPicPr>
+          <p:cNvPr id="15" name="Picture 2" descr="Image result for raspberry pi"/>
+          <p:cNvPicPr>
+            <a:picLocks noChangeAspect="1" noChangeArrowheads="1"/>
+          </p:cNvPicPr>
+          <p:nvPr/>
+        </p:nvPicPr>
+        <p:blipFill>
+          <a:blip r:embed="rId5" cstate="print">
+            <a:extLst>
+              <a:ext uri="{28A0092B-C50C-407E-A947-70E740481C1C}">
+                <a14:useLocalDpi xmlns:a14="http://schemas.microsoft.com/office/drawing/2010/main" val="0"/>
+              </a:ext>
+            </a:extLst>
+          </a:blip>
+          <a:srcRect/>
+          <a:stretch>
+            <a:fillRect/>
+          </a:stretch>
+        </p:blipFill>
+        <p:spPr bwMode="auto">
+          <a:xfrm>
+            <a:off x="7010400" y="1127124"/>
+            <a:ext cx="1585591" cy="1441447"/>
+          </a:xfrm>
+          <a:prstGeom prst="rect">
+            <a:avLst/>
+          </a:prstGeom>
+          <a:noFill/>
+          <a:extLst>
+            <a:ext uri="{909E8E84-426E-40DD-AFC4-6F175D3DCCD1}">
+              <a14:hiddenFill xmlns:a14="http://schemas.microsoft.com/office/drawing/2010/main">
+                <a:solidFill>
+                  <a:srgbClr val="FFFFFF"/>
+                </a:solidFill>
+              </a14:hiddenFill>
+            </a:ext>
+          </a:extLst>
+        </p:spPr>
+      </p:pic>
+      <p:sp>
+        <p:nvSpPr>
+          <p:cNvPr id="17" name="Right Arrow 16"/>
+          <p:cNvSpPr/>
+          <p:nvPr/>
+        </p:nvSpPr>
+        <p:spPr>
+          <a:xfrm rot="5400000">
+            <a:off x="7229948" y="3522881"/>
+            <a:ext cx="571500" cy="381000"/>
+          </a:xfrm>
+          <a:prstGeom prst="rightArrow">
+            <a:avLst/>
+          </a:prstGeom>
+        </p:spPr>
+        <p:style>
+          <a:lnRef idx="2">
+            <a:schemeClr val="accent1">
+              <a:shade val="50000"/>
+            </a:schemeClr>
+          </a:lnRef>
+          <a:fillRef idx="1">
+            <a:schemeClr val="accent1"/>
+          </a:fillRef>
+          <a:effectRef idx="0">
+            <a:schemeClr val="accent1"/>
+          </a:effectRef>
+          <a:fontRef idx="minor">
+            <a:schemeClr val="lt1"/>
+          </a:fontRef>
+        </p:style>
+        <p:txBody>
+          <a:bodyPr rtlCol="0" anchor="ctr"/>
+          <a:lstStyle/>
+          <a:p>
+            <a:pPr algn="ctr"/>
+            <a:endParaRPr lang="en-US"/>
+          </a:p>
+        </p:txBody>
+      </p:sp>
+      <p:sp>
+        <p:nvSpPr>
+          <p:cNvPr id="2" name="TextBox 1"/>
+          <p:cNvSpPr txBox="1"/>
+          <p:nvPr/>
+        </p:nvSpPr>
+        <p:spPr>
+          <a:xfrm>
+            <a:off x="184032" y="4343400"/>
+            <a:ext cx="4648200" cy="1200329"/>
+          </a:xfrm>
+          <a:prstGeom prst="rect">
+            <a:avLst/>
+          </a:prstGeom>
+          <a:noFill/>
+        </p:spPr>
+        <p:txBody>
+          <a:bodyPr wrap="square" rtlCol="0">
+            <a:spAutoFit/>
+          </a:bodyPr>
+          <a:lstStyle/>
+          <a:p>
+            <a:pPr algn="ctr"/>
+            <a:r>
+              <a:rPr lang="en-US" sz="2400" dirty="0" smtClean="0"/>
+              <a:t>Makes a </a:t>
+            </a:r>
+            <a:r>
+              <a:rPr lang="en-US" sz="2400" b="1" dirty="0" smtClean="0"/>
+              <a:t>Query</a:t>
+            </a:r>
+            <a:r>
+              <a:rPr lang="en-US" sz="2400" dirty="0" smtClean="0"/>
+              <a:t> to ask the database for the information of data where Username == “sjfricke@wisc.edu”</a:t>
+            </a:r>
+            <a:endParaRPr lang="en-US" sz="2400" dirty="0"/>
           </a:p>
         </p:txBody>
       </p:sp>
     </p:spTree>
     <p:extLst>
       <p:ext uri="{BB962C8B-B14F-4D97-AF65-F5344CB8AC3E}">
-        <p14:creationId xmlns:p14="http://schemas.microsoft.com/office/powerpoint/2010/main" val="1229376873"/>
+        <p14:creationId xmlns:p14="http://schemas.microsoft.com/office/powerpoint/2010/main" val="3675470736"/>
       </p:ext>
     </p:extLst>
   </p:cSld>
